--- a/Covid_planet.pptx
+++ b/Covid_planet.pptx
@@ -2,17 +2,19 @@
 <file path=ppt/presentation.xml><?xml version="1.0" encoding="utf-8"?>
 <p:presentation xmlns:a="http://schemas.openxmlformats.org/drawingml/2006/main" xmlns:r="http://schemas.openxmlformats.org/officeDocument/2006/relationships" xmlns:p="http://schemas.openxmlformats.org/presentationml/2006/main" saveSubsetFonts="1">
   <p:sldMasterIdLst>
-    <p:sldMasterId id="2147483648" r:id="rId1"/>
+    <p:sldMasterId id="2147483672" r:id="rId1"/>
   </p:sldMasterIdLst>
   <p:sldIdLst>
     <p:sldId id="256" r:id="rId2"/>
     <p:sldId id="258" r:id="rId3"/>
-    <p:sldId id="263" r:id="rId4"/>
-    <p:sldId id="257" r:id="rId5"/>
-    <p:sldId id="259" r:id="rId6"/>
-    <p:sldId id="260" r:id="rId7"/>
-    <p:sldId id="261" r:id="rId8"/>
-    <p:sldId id="262" r:id="rId9"/>
+    <p:sldId id="276" r:id="rId4"/>
+    <p:sldId id="277" r:id="rId5"/>
+    <p:sldId id="278" r:id="rId6"/>
+    <p:sldId id="284" r:id="rId7"/>
+    <p:sldId id="287" r:id="rId8"/>
+    <p:sldId id="286" r:id="rId9"/>
+    <p:sldId id="285" r:id="rId10"/>
+    <p:sldId id="262" r:id="rId11"/>
   </p:sldIdLst>
   <p:sldSz cx="12192000" cy="6858000"/>
   <p:notesSz cx="6858000" cy="9144000"/>
@@ -20,7 +22,7 @@
     <a:defPPr>
       <a:defRPr lang="en-US"/>
     </a:defPPr>
-    <a:lvl1pPr marL="0" algn="l" defTabSz="914400" rtl="0" eaLnBrk="1" latinLnBrk="0" hangingPunct="1">
+    <a:lvl1pPr marL="0" algn="l" defTabSz="457200" rtl="0" eaLnBrk="1" latinLnBrk="0" hangingPunct="1">
       <a:defRPr sz="1800" kern="1200">
         <a:solidFill>
           <a:schemeClr val="tx1"/>
@@ -30,7 +32,7 @@
         <a:cs typeface="+mn-cs"/>
       </a:defRPr>
     </a:lvl1pPr>
-    <a:lvl2pPr marL="457200" algn="l" defTabSz="914400" rtl="0" eaLnBrk="1" latinLnBrk="0" hangingPunct="1">
+    <a:lvl2pPr marL="457200" algn="l" defTabSz="457200" rtl="0" eaLnBrk="1" latinLnBrk="0" hangingPunct="1">
       <a:defRPr sz="1800" kern="1200">
         <a:solidFill>
           <a:schemeClr val="tx1"/>
@@ -40,7 +42,7 @@
         <a:cs typeface="+mn-cs"/>
       </a:defRPr>
     </a:lvl2pPr>
-    <a:lvl3pPr marL="914400" algn="l" defTabSz="914400" rtl="0" eaLnBrk="1" latinLnBrk="0" hangingPunct="1">
+    <a:lvl3pPr marL="914400" algn="l" defTabSz="457200" rtl="0" eaLnBrk="1" latinLnBrk="0" hangingPunct="1">
       <a:defRPr sz="1800" kern="1200">
         <a:solidFill>
           <a:schemeClr val="tx1"/>
@@ -50,7 +52,7 @@
         <a:cs typeface="+mn-cs"/>
       </a:defRPr>
     </a:lvl3pPr>
-    <a:lvl4pPr marL="1371600" algn="l" defTabSz="914400" rtl="0" eaLnBrk="1" latinLnBrk="0" hangingPunct="1">
+    <a:lvl4pPr marL="1371600" algn="l" defTabSz="457200" rtl="0" eaLnBrk="1" latinLnBrk="0" hangingPunct="1">
       <a:defRPr sz="1800" kern="1200">
         <a:solidFill>
           <a:schemeClr val="tx1"/>
@@ -60,7 +62,7 @@
         <a:cs typeface="+mn-cs"/>
       </a:defRPr>
     </a:lvl4pPr>
-    <a:lvl5pPr marL="1828800" algn="l" defTabSz="914400" rtl="0" eaLnBrk="1" latinLnBrk="0" hangingPunct="1">
+    <a:lvl5pPr marL="1828800" algn="l" defTabSz="457200" rtl="0" eaLnBrk="1" latinLnBrk="0" hangingPunct="1">
       <a:defRPr sz="1800" kern="1200">
         <a:solidFill>
           <a:schemeClr val="tx1"/>
@@ -70,7 +72,7 @@
         <a:cs typeface="+mn-cs"/>
       </a:defRPr>
     </a:lvl5pPr>
-    <a:lvl6pPr marL="2286000" algn="l" defTabSz="914400" rtl="0" eaLnBrk="1" latinLnBrk="0" hangingPunct="1">
+    <a:lvl6pPr marL="2286000" algn="l" defTabSz="457200" rtl="0" eaLnBrk="1" latinLnBrk="0" hangingPunct="1">
       <a:defRPr sz="1800" kern="1200">
         <a:solidFill>
           <a:schemeClr val="tx1"/>
@@ -80,7 +82,7 @@
         <a:cs typeface="+mn-cs"/>
       </a:defRPr>
     </a:lvl6pPr>
-    <a:lvl7pPr marL="2743200" algn="l" defTabSz="914400" rtl="0" eaLnBrk="1" latinLnBrk="0" hangingPunct="1">
+    <a:lvl7pPr marL="2743200" algn="l" defTabSz="457200" rtl="0" eaLnBrk="1" latinLnBrk="0" hangingPunct="1">
       <a:defRPr sz="1800" kern="1200">
         <a:solidFill>
           <a:schemeClr val="tx1"/>
@@ -90,7 +92,7 @@
         <a:cs typeface="+mn-cs"/>
       </a:defRPr>
     </a:lvl7pPr>
-    <a:lvl8pPr marL="3200400" algn="l" defTabSz="914400" rtl="0" eaLnBrk="1" latinLnBrk="0" hangingPunct="1">
+    <a:lvl8pPr marL="3200400" algn="l" defTabSz="457200" rtl="0" eaLnBrk="1" latinLnBrk="0" hangingPunct="1">
       <a:defRPr sz="1800" kern="1200">
         <a:solidFill>
           <a:schemeClr val="tx1"/>
@@ -100,7 +102,7 @@
         <a:cs typeface="+mn-cs"/>
       </a:defRPr>
     </a:lvl8pPr>
-    <a:lvl9pPr marL="3657600" algn="l" defTabSz="914400" rtl="0" eaLnBrk="1" latinLnBrk="0" hangingPunct="1">
+    <a:lvl9pPr marL="3657600" algn="l" defTabSz="457200" rtl="0" eaLnBrk="1" latinLnBrk="0" hangingPunct="1">
       <a:defRPr sz="1800" kern="1200">
         <a:solidFill>
           <a:schemeClr val="tx1"/>
@@ -112,6 +114,28 @@
     </a:lvl9pPr>
   </p:defaultTextStyle>
   <p:extLst>
+    <p:ext uri="{521415D9-36F7-43E2-AB2F-B90AF26B5E84}">
+      <p14:sectionLst xmlns:p14="http://schemas.microsoft.com/office/powerpoint/2010/main">
+        <p14:section name="Section par défaut" id="{FD867C70-EB59-44BF-B1C8-836928971AB0}">
+          <p14:sldIdLst>
+            <p14:sldId id="256"/>
+            <p14:sldId id="258"/>
+            <p14:sldId id="276"/>
+            <p14:sldId id="277"/>
+            <p14:sldId id="278"/>
+            <p14:sldId id="284"/>
+            <p14:sldId id="287"/>
+            <p14:sldId id="286"/>
+            <p14:sldId id="285"/>
+          </p14:sldIdLst>
+        </p14:section>
+        <p14:section name="Section sans titre" id="{8D92A524-C62F-4BDC-9F11-81209A866C37}">
+          <p14:sldIdLst>
+            <p14:sldId id="262"/>
+          </p14:sldIdLst>
+        </p14:section>
+      </p14:sectionLst>
+    </p:ext>
     <p:ext uri="{EFAFB233-063F-42B5-8137-9DF3F51BA10A}">
       <p15:sldGuideLst xmlns:p15="http://schemas.microsoft.com/office/powerpoint/2012/main">
         <p15:guide id="1" orient="horz" pos="2160" userDrawn="1">
@@ -130,9 +154,2886 @@
 </p:presentation>
 </file>
 
+<file path=ppt/diagrams/colors1.xml><?xml version="1.0" encoding="utf-8"?>
+<dgm:colorsDef xmlns:dgm="http://schemas.openxmlformats.org/drawingml/2006/diagram" xmlns:a="http://schemas.openxmlformats.org/drawingml/2006/main" uniqueId="urn:microsoft.com/office/officeart/2005/8/colors/accent2_2">
+  <dgm:title val=""/>
+  <dgm:desc val=""/>
+  <dgm:catLst>
+    <dgm:cat type="accent2" pri="11200"/>
+  </dgm:catLst>
+  <dgm:styleLbl name="node0">
+    <dgm:fillClrLst meth="repeat">
+      <a:schemeClr val="accent2"/>
+    </dgm:fillClrLst>
+    <dgm:linClrLst meth="repeat">
+      <a:schemeClr val="lt1"/>
+    </dgm:linClrLst>
+    <dgm:effectClrLst/>
+    <dgm:txLinClrLst/>
+    <dgm:txFillClrLst/>
+    <dgm:txEffectClrLst/>
+  </dgm:styleLbl>
+  <dgm:styleLbl name="node1">
+    <dgm:fillClrLst meth="repeat">
+      <a:schemeClr val="accent2"/>
+    </dgm:fillClrLst>
+    <dgm:linClrLst meth="repeat">
+      <a:schemeClr val="lt1"/>
+    </dgm:linClrLst>
+    <dgm:effectClrLst/>
+    <dgm:txLinClrLst/>
+    <dgm:txFillClrLst/>
+    <dgm:txEffectClrLst/>
+  </dgm:styleLbl>
+  <dgm:styleLbl name="alignNode1">
+    <dgm:fillClrLst meth="repeat">
+      <a:schemeClr val="accent2"/>
+    </dgm:fillClrLst>
+    <dgm:linClrLst meth="repeat">
+      <a:schemeClr val="accent2"/>
+    </dgm:linClrLst>
+    <dgm:effectClrLst/>
+    <dgm:txLinClrLst/>
+    <dgm:txFillClrLst/>
+    <dgm:txEffectClrLst/>
+  </dgm:styleLbl>
+  <dgm:styleLbl name="lnNode1">
+    <dgm:fillClrLst meth="repeat">
+      <a:schemeClr val="accent2"/>
+    </dgm:fillClrLst>
+    <dgm:linClrLst meth="repeat">
+      <a:schemeClr val="lt1"/>
+    </dgm:linClrLst>
+    <dgm:effectClrLst/>
+    <dgm:txLinClrLst/>
+    <dgm:txFillClrLst/>
+    <dgm:txEffectClrLst/>
+  </dgm:styleLbl>
+  <dgm:styleLbl name="vennNode1">
+    <dgm:fillClrLst meth="repeat">
+      <a:schemeClr val="accent2">
+        <a:alpha val="50000"/>
+      </a:schemeClr>
+    </dgm:fillClrLst>
+    <dgm:linClrLst meth="repeat">
+      <a:schemeClr val="lt1"/>
+    </dgm:linClrLst>
+    <dgm:effectClrLst/>
+    <dgm:txLinClrLst/>
+    <dgm:txFillClrLst/>
+    <dgm:txEffectClrLst/>
+  </dgm:styleLbl>
+  <dgm:styleLbl name="node2">
+    <dgm:fillClrLst meth="repeat">
+      <a:schemeClr val="accent2"/>
+    </dgm:fillClrLst>
+    <dgm:linClrLst meth="repeat">
+      <a:schemeClr val="lt1"/>
+    </dgm:linClrLst>
+    <dgm:effectClrLst/>
+    <dgm:txLinClrLst/>
+    <dgm:txFillClrLst/>
+    <dgm:txEffectClrLst/>
+  </dgm:styleLbl>
+  <dgm:styleLbl name="node3">
+    <dgm:fillClrLst meth="repeat">
+      <a:schemeClr val="accent2"/>
+    </dgm:fillClrLst>
+    <dgm:linClrLst meth="repeat">
+      <a:schemeClr val="lt1"/>
+    </dgm:linClrLst>
+    <dgm:effectClrLst/>
+    <dgm:txLinClrLst/>
+    <dgm:txFillClrLst/>
+    <dgm:txEffectClrLst/>
+  </dgm:styleLbl>
+  <dgm:styleLbl name="node4">
+    <dgm:fillClrLst meth="repeat">
+      <a:schemeClr val="accent2"/>
+    </dgm:fillClrLst>
+    <dgm:linClrLst meth="repeat">
+      <a:schemeClr val="lt1"/>
+    </dgm:linClrLst>
+    <dgm:effectClrLst/>
+    <dgm:txLinClrLst/>
+    <dgm:txFillClrLst/>
+    <dgm:txEffectClrLst/>
+  </dgm:styleLbl>
+  <dgm:styleLbl name="fgImgPlace1">
+    <dgm:fillClrLst meth="repeat">
+      <a:schemeClr val="accent2">
+        <a:tint val="50000"/>
+      </a:schemeClr>
+    </dgm:fillClrLst>
+    <dgm:linClrLst meth="repeat">
+      <a:schemeClr val="lt1"/>
+    </dgm:linClrLst>
+    <dgm:effectClrLst/>
+    <dgm:txLinClrLst/>
+    <dgm:txFillClrLst meth="repeat">
+      <a:schemeClr val="lt1"/>
+    </dgm:txFillClrLst>
+    <dgm:txEffectClrLst/>
+  </dgm:styleLbl>
+  <dgm:styleLbl name="alignImgPlace1">
+    <dgm:fillClrLst meth="repeat">
+      <a:schemeClr val="accent2">
+        <a:tint val="50000"/>
+      </a:schemeClr>
+    </dgm:fillClrLst>
+    <dgm:linClrLst meth="repeat">
+      <a:schemeClr val="lt1"/>
+    </dgm:linClrLst>
+    <dgm:effectClrLst/>
+    <dgm:txLinClrLst/>
+    <dgm:txFillClrLst meth="repeat">
+      <a:schemeClr val="lt1"/>
+    </dgm:txFillClrLst>
+    <dgm:txEffectClrLst/>
+  </dgm:styleLbl>
+  <dgm:styleLbl name="bgImgPlace1">
+    <dgm:fillClrLst meth="repeat">
+      <a:schemeClr val="accent2">
+        <a:tint val="50000"/>
+      </a:schemeClr>
+    </dgm:fillClrLst>
+    <dgm:linClrLst meth="repeat">
+      <a:schemeClr val="lt1"/>
+    </dgm:linClrLst>
+    <dgm:effectClrLst/>
+    <dgm:txLinClrLst/>
+    <dgm:txFillClrLst meth="repeat">
+      <a:schemeClr val="lt1"/>
+    </dgm:txFillClrLst>
+    <dgm:txEffectClrLst/>
+  </dgm:styleLbl>
+  <dgm:styleLbl name="sibTrans2D1">
+    <dgm:fillClrLst meth="repeat">
+      <a:schemeClr val="accent2">
+        <a:tint val="60000"/>
+      </a:schemeClr>
+    </dgm:fillClrLst>
+    <dgm:linClrLst meth="repeat">
+      <a:schemeClr val="accent2">
+        <a:tint val="60000"/>
+      </a:schemeClr>
+    </dgm:linClrLst>
+    <dgm:effectClrLst/>
+    <dgm:txLinClrLst/>
+    <dgm:txFillClrLst/>
+    <dgm:txEffectClrLst/>
+  </dgm:styleLbl>
+  <dgm:styleLbl name="fgSibTrans2D1">
+    <dgm:fillClrLst meth="repeat">
+      <a:schemeClr val="accent2">
+        <a:tint val="60000"/>
+      </a:schemeClr>
+    </dgm:fillClrLst>
+    <dgm:linClrLst meth="repeat">
+      <a:schemeClr val="accent2">
+        <a:tint val="60000"/>
+      </a:schemeClr>
+    </dgm:linClrLst>
+    <dgm:effectClrLst/>
+    <dgm:txLinClrLst/>
+    <dgm:txFillClrLst/>
+    <dgm:txEffectClrLst/>
+  </dgm:styleLbl>
+  <dgm:styleLbl name="bgSibTrans2D1">
+    <dgm:fillClrLst meth="repeat">
+      <a:schemeClr val="accent2">
+        <a:tint val="60000"/>
+      </a:schemeClr>
+    </dgm:fillClrLst>
+    <dgm:linClrLst meth="repeat">
+      <a:schemeClr val="accent2">
+        <a:tint val="60000"/>
+      </a:schemeClr>
+    </dgm:linClrLst>
+    <dgm:effectClrLst/>
+    <dgm:txLinClrLst/>
+    <dgm:txFillClrLst/>
+    <dgm:txEffectClrLst/>
+  </dgm:styleLbl>
+  <dgm:styleLbl name="sibTrans1D1">
+    <dgm:fillClrLst meth="repeat">
+      <a:schemeClr val="accent2"/>
+    </dgm:fillClrLst>
+    <dgm:linClrLst meth="repeat">
+      <a:schemeClr val="accent2"/>
+    </dgm:linClrLst>
+    <dgm:effectClrLst/>
+    <dgm:txLinClrLst/>
+    <dgm:txFillClrLst meth="repeat">
+      <a:schemeClr val="tx1"/>
+    </dgm:txFillClrLst>
+    <dgm:txEffectClrLst/>
+  </dgm:styleLbl>
+  <dgm:styleLbl name="callout">
+    <dgm:fillClrLst meth="repeat">
+      <a:schemeClr val="accent2"/>
+    </dgm:fillClrLst>
+    <dgm:linClrLst meth="repeat">
+      <a:schemeClr val="accent2">
+        <a:tint val="50000"/>
+      </a:schemeClr>
+    </dgm:linClrLst>
+    <dgm:effectClrLst/>
+    <dgm:txLinClrLst/>
+    <dgm:txFillClrLst meth="repeat">
+      <a:schemeClr val="tx1"/>
+    </dgm:txFillClrLst>
+    <dgm:txEffectClrLst/>
+  </dgm:styleLbl>
+  <dgm:styleLbl name="asst0">
+    <dgm:fillClrLst meth="repeat">
+      <a:schemeClr val="accent2"/>
+    </dgm:fillClrLst>
+    <dgm:linClrLst meth="repeat">
+      <a:schemeClr val="lt1"/>
+    </dgm:linClrLst>
+    <dgm:effectClrLst/>
+    <dgm:txLinClrLst/>
+    <dgm:txFillClrLst/>
+    <dgm:txEffectClrLst/>
+  </dgm:styleLbl>
+  <dgm:styleLbl name="asst1">
+    <dgm:fillClrLst meth="repeat">
+      <a:schemeClr val="accent2"/>
+    </dgm:fillClrLst>
+    <dgm:linClrLst meth="repeat">
+      <a:schemeClr val="lt1"/>
+    </dgm:linClrLst>
+    <dgm:effectClrLst/>
+    <dgm:txLinClrLst/>
+    <dgm:txFillClrLst/>
+    <dgm:txEffectClrLst/>
+  </dgm:styleLbl>
+  <dgm:styleLbl name="asst2">
+    <dgm:fillClrLst meth="repeat">
+      <a:schemeClr val="accent2"/>
+    </dgm:fillClrLst>
+    <dgm:linClrLst meth="repeat">
+      <a:schemeClr val="lt1"/>
+    </dgm:linClrLst>
+    <dgm:effectClrLst/>
+    <dgm:txLinClrLst/>
+    <dgm:txFillClrLst/>
+    <dgm:txEffectClrLst/>
+  </dgm:styleLbl>
+  <dgm:styleLbl name="asst3">
+    <dgm:fillClrLst meth="repeat">
+      <a:schemeClr val="accent2"/>
+    </dgm:fillClrLst>
+    <dgm:linClrLst meth="repeat">
+      <a:schemeClr val="lt1"/>
+    </dgm:linClrLst>
+    <dgm:effectClrLst/>
+    <dgm:txLinClrLst/>
+    <dgm:txFillClrLst/>
+    <dgm:txEffectClrLst/>
+  </dgm:styleLbl>
+  <dgm:styleLbl name="asst4">
+    <dgm:fillClrLst meth="repeat">
+      <a:schemeClr val="accent2"/>
+    </dgm:fillClrLst>
+    <dgm:linClrLst meth="repeat">
+      <a:schemeClr val="lt1"/>
+    </dgm:linClrLst>
+    <dgm:effectClrLst/>
+    <dgm:txLinClrLst/>
+    <dgm:txFillClrLst/>
+    <dgm:txEffectClrLst/>
+  </dgm:styleLbl>
+  <dgm:styleLbl name="parChTrans2D1">
+    <dgm:fillClrLst meth="repeat">
+      <a:schemeClr val="accent2">
+        <a:tint val="60000"/>
+      </a:schemeClr>
+    </dgm:fillClrLst>
+    <dgm:linClrLst meth="repeat">
+      <a:schemeClr val="accent2">
+        <a:tint val="60000"/>
+      </a:schemeClr>
+    </dgm:linClrLst>
+    <dgm:effectClrLst/>
+    <dgm:txLinClrLst/>
+    <dgm:txFillClrLst meth="repeat">
+      <a:schemeClr val="lt1"/>
+    </dgm:txFillClrLst>
+    <dgm:txEffectClrLst/>
+  </dgm:styleLbl>
+  <dgm:styleLbl name="parChTrans2D2">
+    <dgm:fillClrLst meth="repeat">
+      <a:schemeClr val="accent2"/>
+    </dgm:fillClrLst>
+    <dgm:linClrLst meth="repeat">
+      <a:schemeClr val="accent2"/>
+    </dgm:linClrLst>
+    <dgm:effectClrLst/>
+    <dgm:txLinClrLst/>
+    <dgm:txFillClrLst meth="repeat">
+      <a:schemeClr val="lt1"/>
+    </dgm:txFillClrLst>
+    <dgm:txEffectClrLst/>
+  </dgm:styleLbl>
+  <dgm:styleLbl name="parChTrans2D3">
+    <dgm:fillClrLst meth="repeat">
+      <a:schemeClr val="accent2"/>
+    </dgm:fillClrLst>
+    <dgm:linClrLst meth="repeat">
+      <a:schemeClr val="accent2"/>
+    </dgm:linClrLst>
+    <dgm:effectClrLst/>
+    <dgm:txLinClrLst/>
+    <dgm:txFillClrLst meth="repeat">
+      <a:schemeClr val="lt1"/>
+    </dgm:txFillClrLst>
+    <dgm:txEffectClrLst/>
+  </dgm:styleLbl>
+  <dgm:styleLbl name="parChTrans2D4">
+    <dgm:fillClrLst meth="repeat">
+      <a:schemeClr val="accent2"/>
+    </dgm:fillClrLst>
+    <dgm:linClrLst meth="repeat">
+      <a:schemeClr val="accent2"/>
+    </dgm:linClrLst>
+    <dgm:effectClrLst/>
+    <dgm:txLinClrLst/>
+    <dgm:txFillClrLst meth="repeat">
+      <a:schemeClr val="lt1"/>
+    </dgm:txFillClrLst>
+    <dgm:txEffectClrLst/>
+  </dgm:styleLbl>
+  <dgm:styleLbl name="parChTrans1D1">
+    <dgm:fillClrLst meth="repeat">
+      <a:schemeClr val="accent2"/>
+    </dgm:fillClrLst>
+    <dgm:linClrLst meth="repeat">
+      <a:schemeClr val="accent2">
+        <a:shade val="60000"/>
+      </a:schemeClr>
+    </dgm:linClrLst>
+    <dgm:effectClrLst/>
+    <dgm:txLinClrLst/>
+    <dgm:txFillClrLst meth="repeat">
+      <a:schemeClr val="tx1"/>
+    </dgm:txFillClrLst>
+    <dgm:txEffectClrLst/>
+  </dgm:styleLbl>
+  <dgm:styleLbl name="parChTrans1D2">
+    <dgm:fillClrLst meth="repeat">
+      <a:schemeClr val="accent2"/>
+    </dgm:fillClrLst>
+    <dgm:linClrLst meth="repeat">
+      <a:schemeClr val="accent2">
+        <a:shade val="60000"/>
+      </a:schemeClr>
+    </dgm:linClrLst>
+    <dgm:effectClrLst/>
+    <dgm:txLinClrLst/>
+    <dgm:txFillClrLst meth="repeat">
+      <a:schemeClr val="tx1"/>
+    </dgm:txFillClrLst>
+    <dgm:txEffectClrLst/>
+  </dgm:styleLbl>
+  <dgm:styleLbl name="parChTrans1D3">
+    <dgm:fillClrLst meth="repeat">
+      <a:schemeClr val="accent2"/>
+    </dgm:fillClrLst>
+    <dgm:linClrLst meth="repeat">
+      <a:schemeClr val="accent2">
+        <a:shade val="80000"/>
+      </a:schemeClr>
+    </dgm:linClrLst>
+    <dgm:effectClrLst/>
+    <dgm:txLinClrLst/>
+    <dgm:txFillClrLst meth="repeat">
+      <a:schemeClr val="tx1"/>
+    </dgm:txFillClrLst>
+    <dgm:txEffectClrLst/>
+  </dgm:styleLbl>
+  <dgm:styleLbl name="parChTrans1D4">
+    <dgm:fillClrLst meth="repeat">
+      <a:schemeClr val="accent2"/>
+    </dgm:fillClrLst>
+    <dgm:linClrLst meth="repeat">
+      <a:schemeClr val="accent2">
+        <a:shade val="80000"/>
+      </a:schemeClr>
+    </dgm:linClrLst>
+    <dgm:effectClrLst/>
+    <dgm:txLinClrLst/>
+    <dgm:txFillClrLst meth="repeat">
+      <a:schemeClr val="tx1"/>
+    </dgm:txFillClrLst>
+    <dgm:txEffectClrLst/>
+  </dgm:styleLbl>
+  <dgm:styleLbl name="fgAcc1">
+    <dgm:fillClrLst meth="repeat">
+      <a:schemeClr val="lt1">
+        <a:alpha val="90000"/>
+      </a:schemeClr>
+    </dgm:fillClrLst>
+    <dgm:linClrLst meth="repeat">
+      <a:schemeClr val="accent2"/>
+    </dgm:linClrLst>
+    <dgm:effectClrLst/>
+    <dgm:txLinClrLst/>
+    <dgm:txFillClrLst meth="repeat">
+      <a:schemeClr val="dk1"/>
+    </dgm:txFillClrLst>
+    <dgm:txEffectClrLst/>
+  </dgm:styleLbl>
+  <dgm:styleLbl name="conFgAcc1">
+    <dgm:fillClrLst meth="repeat">
+      <a:schemeClr val="lt1">
+        <a:alpha val="90000"/>
+      </a:schemeClr>
+    </dgm:fillClrLst>
+    <dgm:linClrLst meth="repeat">
+      <a:schemeClr val="accent2"/>
+    </dgm:linClrLst>
+    <dgm:effectClrLst/>
+    <dgm:txLinClrLst/>
+    <dgm:txFillClrLst meth="repeat">
+      <a:schemeClr val="dk1"/>
+    </dgm:txFillClrLst>
+    <dgm:txEffectClrLst/>
+  </dgm:styleLbl>
+  <dgm:styleLbl name="alignAcc1">
+    <dgm:fillClrLst meth="repeat">
+      <a:schemeClr val="lt1">
+        <a:alpha val="90000"/>
+      </a:schemeClr>
+    </dgm:fillClrLst>
+    <dgm:linClrLst meth="repeat">
+      <a:schemeClr val="accent2"/>
+    </dgm:linClrLst>
+    <dgm:effectClrLst/>
+    <dgm:txLinClrLst/>
+    <dgm:txFillClrLst meth="repeat">
+      <a:schemeClr val="dk1"/>
+    </dgm:txFillClrLst>
+    <dgm:txEffectClrLst/>
+  </dgm:styleLbl>
+  <dgm:styleLbl name="trAlignAcc1">
+    <dgm:fillClrLst meth="repeat">
+      <a:schemeClr val="lt1">
+        <a:alpha val="40000"/>
+      </a:schemeClr>
+    </dgm:fillClrLst>
+    <dgm:linClrLst meth="repeat">
+      <a:schemeClr val="accent2"/>
+    </dgm:linClrLst>
+    <dgm:effectClrLst/>
+    <dgm:txLinClrLst/>
+    <dgm:txFillClrLst meth="repeat">
+      <a:schemeClr val="dk1"/>
+    </dgm:txFillClrLst>
+    <dgm:txEffectClrLst/>
+  </dgm:styleLbl>
+  <dgm:styleLbl name="bgAcc1">
+    <dgm:fillClrLst meth="repeat">
+      <a:schemeClr val="lt1">
+        <a:alpha val="90000"/>
+      </a:schemeClr>
+    </dgm:fillClrLst>
+    <dgm:linClrLst meth="repeat">
+      <a:schemeClr val="accent2"/>
+    </dgm:linClrLst>
+    <dgm:effectClrLst/>
+    <dgm:txLinClrLst/>
+    <dgm:txFillClrLst meth="repeat">
+      <a:schemeClr val="dk1"/>
+    </dgm:txFillClrLst>
+    <dgm:txEffectClrLst/>
+  </dgm:styleLbl>
+  <dgm:styleLbl name="solidFgAcc1">
+    <dgm:fillClrLst meth="repeat">
+      <a:schemeClr val="lt1"/>
+    </dgm:fillClrLst>
+    <dgm:linClrLst meth="repeat">
+      <a:schemeClr val="accent2"/>
+    </dgm:linClrLst>
+    <dgm:effectClrLst/>
+    <dgm:txLinClrLst/>
+    <dgm:txFillClrLst meth="repeat">
+      <a:schemeClr val="dk1"/>
+    </dgm:txFillClrLst>
+    <dgm:txEffectClrLst/>
+  </dgm:styleLbl>
+  <dgm:styleLbl name="solidAlignAcc1">
+    <dgm:fillClrLst meth="repeat">
+      <a:schemeClr val="lt1"/>
+    </dgm:fillClrLst>
+    <dgm:linClrLst meth="repeat">
+      <a:schemeClr val="accent2"/>
+    </dgm:linClrLst>
+    <dgm:effectClrLst/>
+    <dgm:txLinClrLst/>
+    <dgm:txFillClrLst meth="repeat">
+      <a:schemeClr val="dk1"/>
+    </dgm:txFillClrLst>
+    <dgm:txEffectClrLst/>
+  </dgm:styleLbl>
+  <dgm:styleLbl name="solidBgAcc1">
+    <dgm:fillClrLst meth="repeat">
+      <a:schemeClr val="lt1"/>
+    </dgm:fillClrLst>
+    <dgm:linClrLst meth="repeat">
+      <a:schemeClr val="accent2"/>
+    </dgm:linClrLst>
+    <dgm:effectClrLst/>
+    <dgm:txLinClrLst/>
+    <dgm:txFillClrLst meth="repeat">
+      <a:schemeClr val="dk1"/>
+    </dgm:txFillClrLst>
+    <dgm:txEffectClrLst/>
+  </dgm:styleLbl>
+  <dgm:styleLbl name="fgAccFollowNode1">
+    <dgm:fillClrLst meth="repeat">
+      <a:schemeClr val="accent2">
+        <a:alpha val="90000"/>
+        <a:tint val="40000"/>
+      </a:schemeClr>
+    </dgm:fillClrLst>
+    <dgm:linClrLst meth="repeat">
+      <a:schemeClr val="accent2">
+        <a:alpha val="90000"/>
+        <a:tint val="40000"/>
+      </a:schemeClr>
+    </dgm:linClrLst>
+    <dgm:effectClrLst/>
+    <dgm:txLinClrLst/>
+    <dgm:txFillClrLst meth="repeat">
+      <a:schemeClr val="dk1"/>
+    </dgm:txFillClrLst>
+    <dgm:txEffectClrLst/>
+  </dgm:styleLbl>
+  <dgm:styleLbl name="alignAccFollowNode1">
+    <dgm:fillClrLst meth="repeat">
+      <a:schemeClr val="accent2">
+        <a:alpha val="90000"/>
+        <a:tint val="40000"/>
+      </a:schemeClr>
+    </dgm:fillClrLst>
+    <dgm:linClrLst meth="repeat">
+      <a:schemeClr val="accent2">
+        <a:alpha val="90000"/>
+        <a:tint val="40000"/>
+      </a:schemeClr>
+    </dgm:linClrLst>
+    <dgm:effectClrLst/>
+    <dgm:txLinClrLst/>
+    <dgm:txFillClrLst meth="repeat">
+      <a:schemeClr val="dk1"/>
+    </dgm:txFillClrLst>
+    <dgm:txEffectClrLst/>
+  </dgm:styleLbl>
+  <dgm:styleLbl name="bgAccFollowNode1">
+    <dgm:fillClrLst meth="repeat">
+      <a:schemeClr val="accent2">
+        <a:alpha val="90000"/>
+        <a:tint val="40000"/>
+      </a:schemeClr>
+    </dgm:fillClrLst>
+    <dgm:linClrLst meth="repeat">
+      <a:schemeClr val="accent2">
+        <a:alpha val="90000"/>
+        <a:tint val="40000"/>
+      </a:schemeClr>
+    </dgm:linClrLst>
+    <dgm:effectClrLst/>
+    <dgm:txLinClrLst/>
+    <dgm:txFillClrLst meth="repeat">
+      <a:schemeClr val="dk1"/>
+    </dgm:txFillClrLst>
+    <dgm:txEffectClrLst/>
+  </dgm:styleLbl>
+  <dgm:styleLbl name="fgAcc0">
+    <dgm:fillClrLst meth="repeat">
+      <a:schemeClr val="lt1">
+        <a:alpha val="90000"/>
+      </a:schemeClr>
+    </dgm:fillClrLst>
+    <dgm:linClrLst meth="repeat">
+      <a:schemeClr val="accent2"/>
+    </dgm:linClrLst>
+    <dgm:effectClrLst/>
+    <dgm:txLinClrLst/>
+    <dgm:txFillClrLst meth="repeat">
+      <a:schemeClr val="dk1"/>
+    </dgm:txFillClrLst>
+    <dgm:txEffectClrLst/>
+  </dgm:styleLbl>
+  <dgm:styleLbl name="fgAcc2">
+    <dgm:fillClrLst meth="repeat">
+      <a:schemeClr val="lt1">
+        <a:alpha val="90000"/>
+      </a:schemeClr>
+    </dgm:fillClrLst>
+    <dgm:linClrLst meth="repeat">
+      <a:schemeClr val="accent2"/>
+    </dgm:linClrLst>
+    <dgm:effectClrLst/>
+    <dgm:txLinClrLst/>
+    <dgm:txFillClrLst meth="repeat">
+      <a:schemeClr val="dk1"/>
+    </dgm:txFillClrLst>
+    <dgm:txEffectClrLst/>
+  </dgm:styleLbl>
+  <dgm:styleLbl name="fgAcc3">
+    <dgm:fillClrLst meth="repeat">
+      <a:schemeClr val="lt1">
+        <a:alpha val="90000"/>
+      </a:schemeClr>
+    </dgm:fillClrLst>
+    <dgm:linClrLst meth="repeat">
+      <a:schemeClr val="accent2"/>
+    </dgm:linClrLst>
+    <dgm:effectClrLst/>
+    <dgm:txLinClrLst/>
+    <dgm:txFillClrLst meth="repeat">
+      <a:schemeClr val="dk1"/>
+    </dgm:txFillClrLst>
+    <dgm:txEffectClrLst/>
+  </dgm:styleLbl>
+  <dgm:styleLbl name="fgAcc4">
+    <dgm:fillClrLst meth="repeat">
+      <a:schemeClr val="lt1">
+        <a:alpha val="90000"/>
+      </a:schemeClr>
+    </dgm:fillClrLst>
+    <dgm:linClrLst meth="repeat">
+      <a:schemeClr val="accent2"/>
+    </dgm:linClrLst>
+    <dgm:effectClrLst/>
+    <dgm:txLinClrLst/>
+    <dgm:txFillClrLst meth="repeat">
+      <a:schemeClr val="dk1"/>
+    </dgm:txFillClrLst>
+    <dgm:txEffectClrLst/>
+  </dgm:styleLbl>
+  <dgm:styleLbl name="bgShp">
+    <dgm:fillClrLst meth="repeat">
+      <a:schemeClr val="accent2">
+        <a:tint val="40000"/>
+      </a:schemeClr>
+    </dgm:fillClrLst>
+    <dgm:linClrLst meth="repeat">
+      <a:schemeClr val="accent2"/>
+    </dgm:linClrLst>
+    <dgm:effectClrLst/>
+    <dgm:txLinClrLst/>
+    <dgm:txFillClrLst meth="repeat">
+      <a:schemeClr val="dk1"/>
+    </dgm:txFillClrLst>
+    <dgm:txEffectClrLst/>
+  </dgm:styleLbl>
+  <dgm:styleLbl name="dkBgShp">
+    <dgm:fillClrLst meth="repeat">
+      <a:schemeClr val="accent2">
+        <a:shade val="80000"/>
+      </a:schemeClr>
+    </dgm:fillClrLst>
+    <dgm:linClrLst meth="repeat">
+      <a:schemeClr val="accent2"/>
+    </dgm:linClrLst>
+    <dgm:effectClrLst/>
+    <dgm:txLinClrLst/>
+    <dgm:txFillClrLst meth="repeat">
+      <a:schemeClr val="lt1"/>
+    </dgm:txFillClrLst>
+    <dgm:txEffectClrLst/>
+  </dgm:styleLbl>
+  <dgm:styleLbl name="trBgShp">
+    <dgm:fillClrLst meth="repeat">
+      <a:schemeClr val="accent2">
+        <a:tint val="50000"/>
+        <a:alpha val="40000"/>
+      </a:schemeClr>
+    </dgm:fillClrLst>
+    <dgm:linClrLst meth="repeat">
+      <a:schemeClr val="accent2"/>
+    </dgm:linClrLst>
+    <dgm:effectClrLst/>
+    <dgm:txLinClrLst/>
+    <dgm:txFillClrLst meth="repeat">
+      <a:schemeClr val="lt1"/>
+    </dgm:txFillClrLst>
+    <dgm:txEffectClrLst/>
+  </dgm:styleLbl>
+  <dgm:styleLbl name="fgShp">
+    <dgm:fillClrLst meth="repeat">
+      <a:schemeClr val="accent2">
+        <a:tint val="60000"/>
+      </a:schemeClr>
+    </dgm:fillClrLst>
+    <dgm:linClrLst meth="repeat">
+      <a:schemeClr val="lt1"/>
+    </dgm:linClrLst>
+    <dgm:effectClrLst/>
+    <dgm:txLinClrLst/>
+    <dgm:txFillClrLst meth="repeat">
+      <a:schemeClr val="dk1"/>
+    </dgm:txFillClrLst>
+    <dgm:txEffectClrLst/>
+  </dgm:styleLbl>
+  <dgm:styleLbl name="revTx">
+    <dgm:fillClrLst meth="repeat">
+      <a:schemeClr val="lt1">
+        <a:alpha val="0"/>
+      </a:schemeClr>
+    </dgm:fillClrLst>
+    <dgm:linClrLst meth="repeat">
+      <a:schemeClr val="dk1">
+        <a:alpha val="0"/>
+      </a:schemeClr>
+    </dgm:linClrLst>
+    <dgm:effectClrLst/>
+    <dgm:txLinClrLst/>
+    <dgm:txFillClrLst meth="repeat">
+      <a:schemeClr val="tx1"/>
+    </dgm:txFillClrLst>
+    <dgm:txEffectClrLst/>
+  </dgm:styleLbl>
+</dgm:colorsDef>
+</file>
+
+<file path=ppt/diagrams/data1.xml><?xml version="1.0" encoding="utf-8"?>
+<dgm:dataModel xmlns:dgm="http://schemas.openxmlformats.org/drawingml/2006/diagram" xmlns:a="http://schemas.openxmlformats.org/drawingml/2006/main">
+  <dgm:ptLst>
+    <dgm:pt modelId="{A6ECEF83-C456-4E12-8B07-091D03F717A7}" type="doc">
+      <dgm:prSet loTypeId="urn:microsoft.com/office/officeart/2008/layout/LinedList" loCatId="list" qsTypeId="urn:microsoft.com/office/officeart/2005/8/quickstyle/simple1" qsCatId="simple" csTypeId="urn:microsoft.com/office/officeart/2005/8/colors/accent2_2" csCatId="accent2" phldr="1"/>
+      <dgm:spPr/>
+      <dgm:t>
+        <a:bodyPr/>
+        <a:lstStyle/>
+        <a:p>
+          <a:endParaRPr lang="en-US"/>
+        </a:p>
+      </dgm:t>
+    </dgm:pt>
+    <dgm:pt modelId="{A47758F8-4EE4-4468-9381-F32104C19BEB}">
+      <dgm:prSet custT="1"/>
+      <dgm:spPr/>
+      <dgm:t>
+        <a:bodyPr/>
+        <a:lstStyle/>
+        <a:p>
+          <a:r>
+            <a:rPr lang="en-US" sz="2800" b="0" i="0" dirty="0"/>
+            <a:t>Database that reflects the impact of </a:t>
+          </a:r>
+          <a:r>
+            <a:rPr lang="en-US" sz="2800" b="1" i="0" dirty="0"/>
+            <a:t>Covid 19 </a:t>
+          </a:r>
+          <a:r>
+            <a:rPr lang="en-US" sz="2800" b="0" i="0" dirty="0"/>
+            <a:t>in the world.</a:t>
+          </a:r>
+          <a:endParaRPr lang="en-US" sz="2800" dirty="0"/>
+        </a:p>
+      </dgm:t>
+    </dgm:pt>
+    <dgm:pt modelId="{75BF576D-948B-47CE-8B28-60B344CE652C}" type="parTrans" cxnId="{407EF09C-A50C-4E6E-89BF-3626A2329E04}">
+      <dgm:prSet/>
+      <dgm:spPr/>
+      <dgm:t>
+        <a:bodyPr/>
+        <a:lstStyle/>
+        <a:p>
+          <a:endParaRPr lang="en-US" sz="2800"/>
+        </a:p>
+      </dgm:t>
+    </dgm:pt>
+    <dgm:pt modelId="{07499F54-263F-4267-AD55-A82CD5C2DC3F}" type="sibTrans" cxnId="{407EF09C-A50C-4E6E-89BF-3626A2329E04}">
+      <dgm:prSet/>
+      <dgm:spPr/>
+      <dgm:t>
+        <a:bodyPr/>
+        <a:lstStyle/>
+        <a:p>
+          <a:endParaRPr lang="en-US" sz="2800"/>
+        </a:p>
+      </dgm:t>
+    </dgm:pt>
+    <dgm:pt modelId="{1278A1EB-3240-4713-B801-38FB665AD4C0}">
+      <dgm:prSet custT="1"/>
+      <dgm:spPr/>
+      <dgm:t>
+        <a:bodyPr/>
+        <a:lstStyle/>
+        <a:p>
+          <a:r>
+            <a:rPr lang="en-US" sz="2800" dirty="0"/>
+            <a:t>Sources</a:t>
+          </a:r>
+          <a:r>
+            <a:rPr lang="en-US" sz="2800" baseline="0" dirty="0"/>
+            <a:t> from </a:t>
+          </a:r>
+          <a:r>
+            <a:rPr lang="en-US" sz="2800" b="1" baseline="0" dirty="0"/>
+            <a:t>official organizations </a:t>
+          </a:r>
+          <a:r>
+            <a:rPr lang="en-US" sz="2800" baseline="0" dirty="0"/>
+            <a:t>and </a:t>
+          </a:r>
+          <a:r>
+            <a:rPr lang="en-US" sz="2800" b="1" baseline="0" dirty="0"/>
+            <a:t>web scrapping</a:t>
+          </a:r>
+          <a:r>
+            <a:rPr lang="en-US" sz="2800" baseline="0" dirty="0"/>
+            <a:t>.</a:t>
+          </a:r>
+          <a:endParaRPr lang="en-US" sz="2800" dirty="0"/>
+        </a:p>
+      </dgm:t>
+    </dgm:pt>
+    <dgm:pt modelId="{1E84BBD5-05FE-4E39-9AF4-1E4E0B2DFFD2}" type="parTrans" cxnId="{02ADB07A-5144-421E-8BC6-F218D4F2246F}">
+      <dgm:prSet/>
+      <dgm:spPr/>
+      <dgm:t>
+        <a:bodyPr/>
+        <a:lstStyle/>
+        <a:p>
+          <a:endParaRPr lang="fr-FR" sz="2800"/>
+        </a:p>
+      </dgm:t>
+    </dgm:pt>
+    <dgm:pt modelId="{71FD9A48-F2F2-4CB0-903D-61D51692D708}" type="sibTrans" cxnId="{02ADB07A-5144-421E-8BC6-F218D4F2246F}">
+      <dgm:prSet/>
+      <dgm:spPr/>
+      <dgm:t>
+        <a:bodyPr/>
+        <a:lstStyle/>
+        <a:p>
+          <a:endParaRPr lang="fr-FR" sz="2800"/>
+        </a:p>
+      </dgm:t>
+    </dgm:pt>
+    <dgm:pt modelId="{02BB0C01-63D8-4EBE-B547-7D7606DA48F8}">
+      <dgm:prSet custT="1"/>
+      <dgm:spPr/>
+      <dgm:t>
+        <a:bodyPr/>
+        <a:lstStyle/>
+        <a:p>
+          <a:r>
+            <a:rPr lang="en-US" sz="2800" dirty="0"/>
+            <a:t>Data base: </a:t>
+          </a:r>
+          <a:r>
+            <a:rPr lang="en-US" sz="2800" b="1" dirty="0"/>
+            <a:t>4 tables </a:t>
+          </a:r>
+          <a:r>
+            <a:rPr lang="en-US" sz="2800" dirty="0"/>
+            <a:t>with several entities.</a:t>
+          </a:r>
+        </a:p>
+      </dgm:t>
+    </dgm:pt>
+    <dgm:pt modelId="{3649E483-18A3-4906-B226-3596C21849FB}" type="parTrans" cxnId="{A8432722-14DF-4159-9E2E-50487C533657}">
+      <dgm:prSet/>
+      <dgm:spPr/>
+      <dgm:t>
+        <a:bodyPr/>
+        <a:lstStyle/>
+        <a:p>
+          <a:endParaRPr lang="fr-FR" sz="2800"/>
+        </a:p>
+      </dgm:t>
+    </dgm:pt>
+    <dgm:pt modelId="{AA7AE5F4-15F7-48F0-AF4D-A3E279C6BA43}" type="sibTrans" cxnId="{A8432722-14DF-4159-9E2E-50487C533657}">
+      <dgm:prSet/>
+      <dgm:spPr/>
+      <dgm:t>
+        <a:bodyPr/>
+        <a:lstStyle/>
+        <a:p>
+          <a:endParaRPr lang="fr-FR" sz="2800"/>
+        </a:p>
+      </dgm:t>
+    </dgm:pt>
+    <dgm:pt modelId="{7D6F5C84-53FE-464F-8429-F7A6BCF8A137}" type="pres">
+      <dgm:prSet presAssocID="{A6ECEF83-C456-4E12-8B07-091D03F717A7}" presName="vert0" presStyleCnt="0">
+        <dgm:presLayoutVars>
+          <dgm:dir/>
+          <dgm:animOne val="branch"/>
+          <dgm:animLvl val="lvl"/>
+        </dgm:presLayoutVars>
+      </dgm:prSet>
+      <dgm:spPr/>
+    </dgm:pt>
+    <dgm:pt modelId="{6BDCA7BB-A032-4ECF-8489-559635278A2F}" type="pres">
+      <dgm:prSet presAssocID="{A47758F8-4EE4-4468-9381-F32104C19BEB}" presName="thickLine" presStyleLbl="alignNode1" presStyleIdx="0" presStyleCnt="3"/>
+      <dgm:spPr/>
+    </dgm:pt>
+    <dgm:pt modelId="{A626617F-5455-408A-9397-021F3FAB1128}" type="pres">
+      <dgm:prSet presAssocID="{A47758F8-4EE4-4468-9381-F32104C19BEB}" presName="horz1" presStyleCnt="0"/>
+      <dgm:spPr/>
+    </dgm:pt>
+    <dgm:pt modelId="{269FCABD-6C7C-46B6-8857-82338D7A17E6}" type="pres">
+      <dgm:prSet presAssocID="{A47758F8-4EE4-4468-9381-F32104C19BEB}" presName="tx1" presStyleLbl="revTx" presStyleIdx="0" presStyleCnt="3"/>
+      <dgm:spPr/>
+    </dgm:pt>
+    <dgm:pt modelId="{503D9C3D-3C1E-4CC9-9CC8-1B95F542F383}" type="pres">
+      <dgm:prSet presAssocID="{A47758F8-4EE4-4468-9381-F32104C19BEB}" presName="vert1" presStyleCnt="0"/>
+      <dgm:spPr/>
+    </dgm:pt>
+    <dgm:pt modelId="{A0AAE8B2-222E-42EA-93B3-CB6E16CFCC71}" type="pres">
+      <dgm:prSet presAssocID="{1278A1EB-3240-4713-B801-38FB665AD4C0}" presName="thickLine" presStyleLbl="alignNode1" presStyleIdx="1" presStyleCnt="3"/>
+      <dgm:spPr/>
+    </dgm:pt>
+    <dgm:pt modelId="{3520CB73-50B3-4E47-9F12-8309A57DC869}" type="pres">
+      <dgm:prSet presAssocID="{1278A1EB-3240-4713-B801-38FB665AD4C0}" presName="horz1" presStyleCnt="0"/>
+      <dgm:spPr/>
+    </dgm:pt>
+    <dgm:pt modelId="{61F2B8E2-BB8C-4D06-9B2F-2FF439FE8C2C}" type="pres">
+      <dgm:prSet presAssocID="{1278A1EB-3240-4713-B801-38FB665AD4C0}" presName="tx1" presStyleLbl="revTx" presStyleIdx="1" presStyleCnt="3"/>
+      <dgm:spPr/>
+    </dgm:pt>
+    <dgm:pt modelId="{6AB84EEC-D684-4655-B97F-4F428C50A757}" type="pres">
+      <dgm:prSet presAssocID="{1278A1EB-3240-4713-B801-38FB665AD4C0}" presName="vert1" presStyleCnt="0"/>
+      <dgm:spPr/>
+    </dgm:pt>
+    <dgm:pt modelId="{7C51E11E-E175-4954-9238-498E951A32AC}" type="pres">
+      <dgm:prSet presAssocID="{02BB0C01-63D8-4EBE-B547-7D7606DA48F8}" presName="thickLine" presStyleLbl="alignNode1" presStyleIdx="2" presStyleCnt="3"/>
+      <dgm:spPr/>
+    </dgm:pt>
+    <dgm:pt modelId="{8DFB4B96-6333-4452-A05A-922E2A3E4B3F}" type="pres">
+      <dgm:prSet presAssocID="{02BB0C01-63D8-4EBE-B547-7D7606DA48F8}" presName="horz1" presStyleCnt="0"/>
+      <dgm:spPr/>
+    </dgm:pt>
+    <dgm:pt modelId="{FC2AA69A-33F9-4082-B7AC-339DAAAF9F11}" type="pres">
+      <dgm:prSet presAssocID="{02BB0C01-63D8-4EBE-B547-7D7606DA48F8}" presName="tx1" presStyleLbl="revTx" presStyleIdx="2" presStyleCnt="3"/>
+      <dgm:spPr/>
+    </dgm:pt>
+    <dgm:pt modelId="{A4063FD8-7AF6-4785-8CC5-66D0AF61CB43}" type="pres">
+      <dgm:prSet presAssocID="{02BB0C01-63D8-4EBE-B547-7D7606DA48F8}" presName="vert1" presStyleCnt="0"/>
+      <dgm:spPr/>
+    </dgm:pt>
+  </dgm:ptLst>
+  <dgm:cxnLst>
+    <dgm:cxn modelId="{22DA1B08-70DB-4D89-8E34-875EB5B806C1}" type="presOf" srcId="{A47758F8-4EE4-4468-9381-F32104C19BEB}" destId="{269FCABD-6C7C-46B6-8857-82338D7A17E6}" srcOrd="0" destOrd="0" presId="urn:microsoft.com/office/officeart/2008/layout/LinedList"/>
+    <dgm:cxn modelId="{8A70B621-D382-496D-B9FC-47709B0C9642}" type="presOf" srcId="{02BB0C01-63D8-4EBE-B547-7D7606DA48F8}" destId="{FC2AA69A-33F9-4082-B7AC-339DAAAF9F11}" srcOrd="0" destOrd="0" presId="urn:microsoft.com/office/officeart/2008/layout/LinedList"/>
+    <dgm:cxn modelId="{A8432722-14DF-4159-9E2E-50487C533657}" srcId="{A6ECEF83-C456-4E12-8B07-091D03F717A7}" destId="{02BB0C01-63D8-4EBE-B547-7D7606DA48F8}" srcOrd="2" destOrd="0" parTransId="{3649E483-18A3-4906-B226-3596C21849FB}" sibTransId="{AA7AE5F4-15F7-48F0-AF4D-A3E279C6BA43}"/>
+    <dgm:cxn modelId="{E5B5EC65-8F3C-436D-B5D0-0971481CA117}" type="presOf" srcId="{1278A1EB-3240-4713-B801-38FB665AD4C0}" destId="{61F2B8E2-BB8C-4D06-9B2F-2FF439FE8C2C}" srcOrd="0" destOrd="0" presId="urn:microsoft.com/office/officeart/2008/layout/LinedList"/>
+    <dgm:cxn modelId="{3415426F-75F4-48F6-816F-9293C30004F9}" type="presOf" srcId="{A6ECEF83-C456-4E12-8B07-091D03F717A7}" destId="{7D6F5C84-53FE-464F-8429-F7A6BCF8A137}" srcOrd="0" destOrd="0" presId="urn:microsoft.com/office/officeart/2008/layout/LinedList"/>
+    <dgm:cxn modelId="{02ADB07A-5144-421E-8BC6-F218D4F2246F}" srcId="{A6ECEF83-C456-4E12-8B07-091D03F717A7}" destId="{1278A1EB-3240-4713-B801-38FB665AD4C0}" srcOrd="1" destOrd="0" parTransId="{1E84BBD5-05FE-4E39-9AF4-1E4E0B2DFFD2}" sibTransId="{71FD9A48-F2F2-4CB0-903D-61D51692D708}"/>
+    <dgm:cxn modelId="{407EF09C-A50C-4E6E-89BF-3626A2329E04}" srcId="{A6ECEF83-C456-4E12-8B07-091D03F717A7}" destId="{A47758F8-4EE4-4468-9381-F32104C19BEB}" srcOrd="0" destOrd="0" parTransId="{75BF576D-948B-47CE-8B28-60B344CE652C}" sibTransId="{07499F54-263F-4267-AD55-A82CD5C2DC3F}"/>
+    <dgm:cxn modelId="{EACE4C4F-4C1F-4B6E-889F-266A05B3AA7E}" type="presParOf" srcId="{7D6F5C84-53FE-464F-8429-F7A6BCF8A137}" destId="{6BDCA7BB-A032-4ECF-8489-559635278A2F}" srcOrd="0" destOrd="0" presId="urn:microsoft.com/office/officeart/2008/layout/LinedList"/>
+    <dgm:cxn modelId="{F4CD63DF-8389-4421-873D-0DF7A8B9522C}" type="presParOf" srcId="{7D6F5C84-53FE-464F-8429-F7A6BCF8A137}" destId="{A626617F-5455-408A-9397-021F3FAB1128}" srcOrd="1" destOrd="0" presId="urn:microsoft.com/office/officeart/2008/layout/LinedList"/>
+    <dgm:cxn modelId="{36092123-FD5B-4AA0-9488-66D7D57DA8C6}" type="presParOf" srcId="{A626617F-5455-408A-9397-021F3FAB1128}" destId="{269FCABD-6C7C-46B6-8857-82338D7A17E6}" srcOrd="0" destOrd="0" presId="urn:microsoft.com/office/officeart/2008/layout/LinedList"/>
+    <dgm:cxn modelId="{32C2BB66-90CD-4E12-96C2-E520CE414604}" type="presParOf" srcId="{A626617F-5455-408A-9397-021F3FAB1128}" destId="{503D9C3D-3C1E-4CC9-9CC8-1B95F542F383}" srcOrd="1" destOrd="0" presId="urn:microsoft.com/office/officeart/2008/layout/LinedList"/>
+    <dgm:cxn modelId="{F84C2DD7-8941-4C33-94F6-688DEBB67C68}" type="presParOf" srcId="{7D6F5C84-53FE-464F-8429-F7A6BCF8A137}" destId="{A0AAE8B2-222E-42EA-93B3-CB6E16CFCC71}" srcOrd="2" destOrd="0" presId="urn:microsoft.com/office/officeart/2008/layout/LinedList"/>
+    <dgm:cxn modelId="{C6F732C5-DDEA-47F4-BB7D-BC81030B1D41}" type="presParOf" srcId="{7D6F5C84-53FE-464F-8429-F7A6BCF8A137}" destId="{3520CB73-50B3-4E47-9F12-8309A57DC869}" srcOrd="3" destOrd="0" presId="urn:microsoft.com/office/officeart/2008/layout/LinedList"/>
+    <dgm:cxn modelId="{0DE94353-5B5B-490B-836F-68FCDA7A4D2E}" type="presParOf" srcId="{3520CB73-50B3-4E47-9F12-8309A57DC869}" destId="{61F2B8E2-BB8C-4D06-9B2F-2FF439FE8C2C}" srcOrd="0" destOrd="0" presId="urn:microsoft.com/office/officeart/2008/layout/LinedList"/>
+    <dgm:cxn modelId="{F8A145D5-B480-464F-BD08-1B77AF67E668}" type="presParOf" srcId="{3520CB73-50B3-4E47-9F12-8309A57DC869}" destId="{6AB84EEC-D684-4655-B97F-4F428C50A757}" srcOrd="1" destOrd="0" presId="urn:microsoft.com/office/officeart/2008/layout/LinedList"/>
+    <dgm:cxn modelId="{AA62630A-1848-49DE-87D5-C6B9F2CBE07B}" type="presParOf" srcId="{7D6F5C84-53FE-464F-8429-F7A6BCF8A137}" destId="{7C51E11E-E175-4954-9238-498E951A32AC}" srcOrd="4" destOrd="0" presId="urn:microsoft.com/office/officeart/2008/layout/LinedList"/>
+    <dgm:cxn modelId="{AE7DE6A1-A096-41A1-A30F-1B3B12E6E56E}" type="presParOf" srcId="{7D6F5C84-53FE-464F-8429-F7A6BCF8A137}" destId="{8DFB4B96-6333-4452-A05A-922E2A3E4B3F}" srcOrd="5" destOrd="0" presId="urn:microsoft.com/office/officeart/2008/layout/LinedList"/>
+    <dgm:cxn modelId="{E61DE222-8EF8-44A8-90E3-780FACDB339D}" type="presParOf" srcId="{8DFB4B96-6333-4452-A05A-922E2A3E4B3F}" destId="{FC2AA69A-33F9-4082-B7AC-339DAAAF9F11}" srcOrd="0" destOrd="0" presId="urn:microsoft.com/office/officeart/2008/layout/LinedList"/>
+    <dgm:cxn modelId="{916C65A3-CBB7-495F-8AC9-413873E9149E}" type="presParOf" srcId="{8DFB4B96-6333-4452-A05A-922E2A3E4B3F}" destId="{A4063FD8-7AF6-4785-8CC5-66D0AF61CB43}" srcOrd="1" destOrd="0" presId="urn:microsoft.com/office/officeart/2008/layout/LinedList"/>
+  </dgm:cxnLst>
+  <dgm:bg/>
+  <dgm:whole/>
+  <dgm:extLst>
+    <a:ext uri="http://schemas.microsoft.com/office/drawing/2008/diagram">
+      <dsp:dataModelExt xmlns:dsp="http://schemas.microsoft.com/office/drawing/2008/diagram" relId="rId6" minVer="http://schemas.openxmlformats.org/drawingml/2006/diagram"/>
+    </a:ext>
+  </dgm:extLst>
+</dgm:dataModel>
+</file>
+
+<file path=ppt/diagrams/drawing1.xml><?xml version="1.0" encoding="utf-8"?>
+<dsp:drawing xmlns:dgm="http://schemas.openxmlformats.org/drawingml/2006/diagram" xmlns:dsp="http://schemas.microsoft.com/office/drawing/2008/diagram" xmlns:a="http://schemas.openxmlformats.org/drawingml/2006/main">
+  <dsp:spTree>
+    <dsp:nvGrpSpPr>
+      <dsp:cNvPr id="0" name=""/>
+      <dsp:cNvGrpSpPr/>
+    </dsp:nvGrpSpPr>
+    <dsp:grpSpPr/>
+    <dsp:sp modelId="{6BDCA7BB-A032-4ECF-8489-559635278A2F}">
+      <dsp:nvSpPr>
+        <dsp:cNvPr id="0" name=""/>
+        <dsp:cNvSpPr/>
+      </dsp:nvSpPr>
+      <dsp:spPr>
+        <a:xfrm>
+          <a:off x="0" y="2700"/>
+          <a:ext cx="6291714" cy="0"/>
+        </a:xfrm>
+        <a:prstGeom prst="line">
+          <a:avLst/>
+        </a:prstGeom>
+        <a:solidFill>
+          <a:schemeClr val="accent2">
+            <a:hueOff val="0"/>
+            <a:satOff val="0"/>
+            <a:lumOff val="0"/>
+            <a:alphaOff val="0"/>
+          </a:schemeClr>
+        </a:solidFill>
+        <a:ln w="12700" cap="flat" cmpd="sng" algn="ctr">
+          <a:solidFill>
+            <a:schemeClr val="accent2">
+              <a:hueOff val="0"/>
+              <a:satOff val="0"/>
+              <a:lumOff val="0"/>
+              <a:alphaOff val="0"/>
+            </a:schemeClr>
+          </a:solidFill>
+          <a:prstDash val="solid"/>
+          <a:miter lim="800000"/>
+        </a:ln>
+        <a:effectLst/>
+      </dsp:spPr>
+      <dsp:style>
+        <a:lnRef idx="2">
+          <a:scrgbClr r="0" g="0" b="0"/>
+        </a:lnRef>
+        <a:fillRef idx="1">
+          <a:scrgbClr r="0" g="0" b="0"/>
+        </a:fillRef>
+        <a:effectRef idx="0">
+          <a:scrgbClr r="0" g="0" b="0"/>
+        </a:effectRef>
+        <a:fontRef idx="minor">
+          <a:schemeClr val="lt1"/>
+        </a:fontRef>
+      </dsp:style>
+    </dsp:sp>
+    <dsp:sp modelId="{269FCABD-6C7C-46B6-8857-82338D7A17E6}">
+      <dsp:nvSpPr>
+        <dsp:cNvPr id="0" name=""/>
+        <dsp:cNvSpPr/>
+      </dsp:nvSpPr>
+      <dsp:spPr>
+        <a:xfrm>
+          <a:off x="0" y="2700"/>
+          <a:ext cx="6291714" cy="1841777"/>
+        </a:xfrm>
+        <a:prstGeom prst="rect">
+          <a:avLst/>
+        </a:prstGeom>
+        <a:noFill/>
+        <a:ln>
+          <a:noFill/>
+        </a:ln>
+        <a:effectLst/>
+      </dsp:spPr>
+      <dsp:style>
+        <a:lnRef idx="0">
+          <a:scrgbClr r="0" g="0" b="0"/>
+        </a:lnRef>
+        <a:fillRef idx="0">
+          <a:scrgbClr r="0" g="0" b="0"/>
+        </a:fillRef>
+        <a:effectRef idx="0">
+          <a:scrgbClr r="0" g="0" b="0"/>
+        </a:effectRef>
+        <a:fontRef idx="minor"/>
+      </dsp:style>
+      <dsp:txBody>
+        <a:bodyPr spcFirstLastPara="0" vert="horz" wrap="square" lIns="106680" tIns="106680" rIns="106680" bIns="106680" numCol="1" spcCol="1270" anchor="t" anchorCtr="0">
+          <a:noAutofit/>
+        </a:bodyPr>
+        <a:lstStyle/>
+        <a:p>
+          <a:pPr marL="0" lvl="0" indent="0" algn="l" defTabSz="1244600">
+            <a:lnSpc>
+              <a:spcPct val="90000"/>
+            </a:lnSpc>
+            <a:spcBef>
+              <a:spcPct val="0"/>
+            </a:spcBef>
+            <a:spcAft>
+              <a:spcPct val="35000"/>
+            </a:spcAft>
+            <a:buNone/>
+          </a:pPr>
+          <a:r>
+            <a:rPr lang="en-US" sz="2800" b="0" i="0" kern="1200" dirty="0"/>
+            <a:t>Database that reflects the impact of </a:t>
+          </a:r>
+          <a:r>
+            <a:rPr lang="en-US" sz="2800" b="1" i="0" kern="1200" dirty="0"/>
+            <a:t>Covid 19 </a:t>
+          </a:r>
+          <a:r>
+            <a:rPr lang="en-US" sz="2800" b="0" i="0" kern="1200" dirty="0"/>
+            <a:t>in the world.</a:t>
+          </a:r>
+          <a:endParaRPr lang="en-US" sz="2800" kern="1200" dirty="0"/>
+        </a:p>
+      </dsp:txBody>
+      <dsp:txXfrm>
+        <a:off x="0" y="2700"/>
+        <a:ext cx="6291714" cy="1841777"/>
+      </dsp:txXfrm>
+    </dsp:sp>
+    <dsp:sp modelId="{A0AAE8B2-222E-42EA-93B3-CB6E16CFCC71}">
+      <dsp:nvSpPr>
+        <dsp:cNvPr id="0" name=""/>
+        <dsp:cNvSpPr/>
+      </dsp:nvSpPr>
+      <dsp:spPr>
+        <a:xfrm>
+          <a:off x="0" y="1844478"/>
+          <a:ext cx="6291714" cy="0"/>
+        </a:xfrm>
+        <a:prstGeom prst="line">
+          <a:avLst/>
+        </a:prstGeom>
+        <a:solidFill>
+          <a:schemeClr val="accent2">
+            <a:hueOff val="0"/>
+            <a:satOff val="0"/>
+            <a:lumOff val="0"/>
+            <a:alphaOff val="0"/>
+          </a:schemeClr>
+        </a:solidFill>
+        <a:ln w="12700" cap="flat" cmpd="sng" algn="ctr">
+          <a:solidFill>
+            <a:schemeClr val="accent2">
+              <a:hueOff val="0"/>
+              <a:satOff val="0"/>
+              <a:lumOff val="0"/>
+              <a:alphaOff val="0"/>
+            </a:schemeClr>
+          </a:solidFill>
+          <a:prstDash val="solid"/>
+          <a:miter lim="800000"/>
+        </a:ln>
+        <a:effectLst/>
+      </dsp:spPr>
+      <dsp:style>
+        <a:lnRef idx="2">
+          <a:scrgbClr r="0" g="0" b="0"/>
+        </a:lnRef>
+        <a:fillRef idx="1">
+          <a:scrgbClr r="0" g="0" b="0"/>
+        </a:fillRef>
+        <a:effectRef idx="0">
+          <a:scrgbClr r="0" g="0" b="0"/>
+        </a:effectRef>
+        <a:fontRef idx="minor">
+          <a:schemeClr val="lt1"/>
+        </a:fontRef>
+      </dsp:style>
+    </dsp:sp>
+    <dsp:sp modelId="{61F2B8E2-BB8C-4D06-9B2F-2FF439FE8C2C}">
+      <dsp:nvSpPr>
+        <dsp:cNvPr id="0" name=""/>
+        <dsp:cNvSpPr/>
+      </dsp:nvSpPr>
+      <dsp:spPr>
+        <a:xfrm>
+          <a:off x="0" y="1844478"/>
+          <a:ext cx="6291714" cy="1841777"/>
+        </a:xfrm>
+        <a:prstGeom prst="rect">
+          <a:avLst/>
+        </a:prstGeom>
+        <a:noFill/>
+        <a:ln>
+          <a:noFill/>
+        </a:ln>
+        <a:effectLst/>
+      </dsp:spPr>
+      <dsp:style>
+        <a:lnRef idx="0">
+          <a:scrgbClr r="0" g="0" b="0"/>
+        </a:lnRef>
+        <a:fillRef idx="0">
+          <a:scrgbClr r="0" g="0" b="0"/>
+        </a:fillRef>
+        <a:effectRef idx="0">
+          <a:scrgbClr r="0" g="0" b="0"/>
+        </a:effectRef>
+        <a:fontRef idx="minor"/>
+      </dsp:style>
+      <dsp:txBody>
+        <a:bodyPr spcFirstLastPara="0" vert="horz" wrap="square" lIns="106680" tIns="106680" rIns="106680" bIns="106680" numCol="1" spcCol="1270" anchor="t" anchorCtr="0">
+          <a:noAutofit/>
+        </a:bodyPr>
+        <a:lstStyle/>
+        <a:p>
+          <a:pPr marL="0" lvl="0" indent="0" algn="l" defTabSz="1244600">
+            <a:lnSpc>
+              <a:spcPct val="90000"/>
+            </a:lnSpc>
+            <a:spcBef>
+              <a:spcPct val="0"/>
+            </a:spcBef>
+            <a:spcAft>
+              <a:spcPct val="35000"/>
+            </a:spcAft>
+            <a:buNone/>
+          </a:pPr>
+          <a:r>
+            <a:rPr lang="en-US" sz="2800" kern="1200" dirty="0"/>
+            <a:t>Sources</a:t>
+          </a:r>
+          <a:r>
+            <a:rPr lang="en-US" sz="2800" kern="1200" baseline="0" dirty="0"/>
+            <a:t> from </a:t>
+          </a:r>
+          <a:r>
+            <a:rPr lang="en-US" sz="2800" b="1" kern="1200" baseline="0" dirty="0"/>
+            <a:t>official organizations </a:t>
+          </a:r>
+          <a:r>
+            <a:rPr lang="en-US" sz="2800" kern="1200" baseline="0" dirty="0"/>
+            <a:t>and </a:t>
+          </a:r>
+          <a:r>
+            <a:rPr lang="en-US" sz="2800" b="1" kern="1200" baseline="0" dirty="0"/>
+            <a:t>web scrapping</a:t>
+          </a:r>
+          <a:r>
+            <a:rPr lang="en-US" sz="2800" kern="1200" baseline="0" dirty="0"/>
+            <a:t>.</a:t>
+          </a:r>
+          <a:endParaRPr lang="en-US" sz="2800" kern="1200" dirty="0"/>
+        </a:p>
+      </dsp:txBody>
+      <dsp:txXfrm>
+        <a:off x="0" y="1844478"/>
+        <a:ext cx="6291714" cy="1841777"/>
+      </dsp:txXfrm>
+    </dsp:sp>
+    <dsp:sp modelId="{7C51E11E-E175-4954-9238-498E951A32AC}">
+      <dsp:nvSpPr>
+        <dsp:cNvPr id="0" name=""/>
+        <dsp:cNvSpPr/>
+      </dsp:nvSpPr>
+      <dsp:spPr>
+        <a:xfrm>
+          <a:off x="0" y="3686256"/>
+          <a:ext cx="6291714" cy="0"/>
+        </a:xfrm>
+        <a:prstGeom prst="line">
+          <a:avLst/>
+        </a:prstGeom>
+        <a:solidFill>
+          <a:schemeClr val="accent2">
+            <a:hueOff val="0"/>
+            <a:satOff val="0"/>
+            <a:lumOff val="0"/>
+            <a:alphaOff val="0"/>
+          </a:schemeClr>
+        </a:solidFill>
+        <a:ln w="12700" cap="flat" cmpd="sng" algn="ctr">
+          <a:solidFill>
+            <a:schemeClr val="accent2">
+              <a:hueOff val="0"/>
+              <a:satOff val="0"/>
+              <a:lumOff val="0"/>
+              <a:alphaOff val="0"/>
+            </a:schemeClr>
+          </a:solidFill>
+          <a:prstDash val="solid"/>
+          <a:miter lim="800000"/>
+        </a:ln>
+        <a:effectLst/>
+      </dsp:spPr>
+      <dsp:style>
+        <a:lnRef idx="2">
+          <a:scrgbClr r="0" g="0" b="0"/>
+        </a:lnRef>
+        <a:fillRef idx="1">
+          <a:scrgbClr r="0" g="0" b="0"/>
+        </a:fillRef>
+        <a:effectRef idx="0">
+          <a:scrgbClr r="0" g="0" b="0"/>
+        </a:effectRef>
+        <a:fontRef idx="minor">
+          <a:schemeClr val="lt1"/>
+        </a:fontRef>
+      </dsp:style>
+    </dsp:sp>
+    <dsp:sp modelId="{FC2AA69A-33F9-4082-B7AC-339DAAAF9F11}">
+      <dsp:nvSpPr>
+        <dsp:cNvPr id="0" name=""/>
+        <dsp:cNvSpPr/>
+      </dsp:nvSpPr>
+      <dsp:spPr>
+        <a:xfrm>
+          <a:off x="0" y="3686256"/>
+          <a:ext cx="6291714" cy="1841777"/>
+        </a:xfrm>
+        <a:prstGeom prst="rect">
+          <a:avLst/>
+        </a:prstGeom>
+        <a:noFill/>
+        <a:ln>
+          <a:noFill/>
+        </a:ln>
+        <a:effectLst/>
+      </dsp:spPr>
+      <dsp:style>
+        <a:lnRef idx="0">
+          <a:scrgbClr r="0" g="0" b="0"/>
+        </a:lnRef>
+        <a:fillRef idx="0">
+          <a:scrgbClr r="0" g="0" b="0"/>
+        </a:fillRef>
+        <a:effectRef idx="0">
+          <a:scrgbClr r="0" g="0" b="0"/>
+        </a:effectRef>
+        <a:fontRef idx="minor"/>
+      </dsp:style>
+      <dsp:txBody>
+        <a:bodyPr spcFirstLastPara="0" vert="horz" wrap="square" lIns="106680" tIns="106680" rIns="106680" bIns="106680" numCol="1" spcCol="1270" anchor="t" anchorCtr="0">
+          <a:noAutofit/>
+        </a:bodyPr>
+        <a:lstStyle/>
+        <a:p>
+          <a:pPr marL="0" lvl="0" indent="0" algn="l" defTabSz="1244600">
+            <a:lnSpc>
+              <a:spcPct val="90000"/>
+            </a:lnSpc>
+            <a:spcBef>
+              <a:spcPct val="0"/>
+            </a:spcBef>
+            <a:spcAft>
+              <a:spcPct val="35000"/>
+            </a:spcAft>
+            <a:buNone/>
+          </a:pPr>
+          <a:r>
+            <a:rPr lang="en-US" sz="2800" kern="1200" dirty="0"/>
+            <a:t>Data base: </a:t>
+          </a:r>
+          <a:r>
+            <a:rPr lang="en-US" sz="2800" b="1" kern="1200" dirty="0"/>
+            <a:t>4 tables </a:t>
+          </a:r>
+          <a:r>
+            <a:rPr lang="en-US" sz="2800" kern="1200" dirty="0"/>
+            <a:t>with several entities.</a:t>
+          </a:r>
+        </a:p>
+      </dsp:txBody>
+      <dsp:txXfrm>
+        <a:off x="0" y="3686256"/>
+        <a:ext cx="6291714" cy="1841777"/>
+      </dsp:txXfrm>
+    </dsp:sp>
+  </dsp:spTree>
+</dsp:drawing>
+</file>
+
+<file path=ppt/diagrams/layout1.xml><?xml version="1.0" encoding="utf-8"?>
+<dgm:layoutDef xmlns:dgm="http://schemas.openxmlformats.org/drawingml/2006/diagram" xmlns:a="http://schemas.openxmlformats.org/drawingml/2006/main" uniqueId="urn:microsoft.com/office/officeart/2008/layout/LinedList">
+  <dgm:title val=""/>
+  <dgm:desc val=""/>
+  <dgm:catLst>
+    <dgm:cat type="hierarchy" pri="8000"/>
+    <dgm:cat type="list" pri="2500"/>
+  </dgm:catLst>
+  <dgm:sampData>
+    <dgm:dataModel>
+      <dgm:ptLst>
+        <dgm:pt modelId="0" type="doc"/>
+        <dgm:pt modelId="1">
+          <dgm:prSet phldr="1"/>
+        </dgm:pt>
+        <dgm:pt modelId="11">
+          <dgm:prSet phldr="1"/>
+        </dgm:pt>
+        <dgm:pt modelId="12">
+          <dgm:prSet phldr="1"/>
+        </dgm:pt>
+        <dgm:pt modelId="13">
+          <dgm:prSet phldr="1"/>
+        </dgm:pt>
+      </dgm:ptLst>
+      <dgm:cxnLst>
+        <dgm:cxn modelId="2" srcId="0" destId="1" srcOrd="0" destOrd="0"/>
+        <dgm:cxn modelId="3" srcId="1" destId="11" srcOrd="0" destOrd="0"/>
+        <dgm:cxn modelId="4" srcId="1" destId="12" srcOrd="1" destOrd="0"/>
+        <dgm:cxn modelId="5" srcId="1" destId="13" srcOrd="2" destOrd="0"/>
+      </dgm:cxnLst>
+      <dgm:bg/>
+      <dgm:whole/>
+    </dgm:dataModel>
+  </dgm:sampData>
+  <dgm:styleData>
+    <dgm:dataModel>
+      <dgm:ptLst>
+        <dgm:pt modelId="0" type="doc"/>
+        <dgm:pt modelId="1">
+          <dgm:prSet phldr="1"/>
+        </dgm:pt>
+        <dgm:pt modelId="11">
+          <dgm:prSet phldr="1"/>
+        </dgm:pt>
+        <dgm:pt modelId="12">
+          <dgm:prSet phldr="1"/>
+        </dgm:pt>
+      </dgm:ptLst>
+      <dgm:cxnLst>
+        <dgm:cxn modelId="2" srcId="0" destId="1" srcOrd="0" destOrd="0"/>
+        <dgm:cxn modelId="3" srcId="1" destId="11" srcOrd="0" destOrd="0"/>
+        <dgm:cxn modelId="4" srcId="1" destId="12" srcOrd="1" destOrd="0"/>
+      </dgm:cxnLst>
+      <dgm:bg/>
+      <dgm:whole/>
+    </dgm:dataModel>
+  </dgm:styleData>
+  <dgm:clrData>
+    <dgm:dataModel>
+      <dgm:ptLst>
+        <dgm:pt modelId="0" type="doc"/>
+        <dgm:pt modelId="1">
+          <dgm:prSet phldr="1"/>
+        </dgm:pt>
+        <dgm:pt modelId="11">
+          <dgm:prSet phldr="1"/>
+        </dgm:pt>
+        <dgm:pt modelId="12">
+          <dgm:prSet phldr="1"/>
+        </dgm:pt>
+      </dgm:ptLst>
+      <dgm:cxnLst>
+        <dgm:cxn modelId="2" srcId="0" destId="1" srcOrd="0" destOrd="0"/>
+        <dgm:cxn modelId="3" srcId="1" destId="11" srcOrd="0" destOrd="0"/>
+        <dgm:cxn modelId="4" srcId="1" destId="12" srcOrd="1" destOrd="0"/>
+      </dgm:cxnLst>
+      <dgm:bg/>
+      <dgm:whole/>
+    </dgm:dataModel>
+  </dgm:clrData>
+  <dgm:layoutNode name="vert0">
+    <dgm:varLst>
+      <dgm:dir/>
+      <dgm:animOne val="branch"/>
+      <dgm:animLvl val="lvl"/>
+    </dgm:varLst>
+    <dgm:choose name="Name0">
+      <dgm:if name="Name1" func="var" arg="dir" op="equ" val="norm">
+        <dgm:alg type="lin">
+          <dgm:param type="linDir" val="fromT"/>
+          <dgm:param type="nodeHorzAlign" val="l"/>
+        </dgm:alg>
+      </dgm:if>
+      <dgm:else name="Name2">
+        <dgm:alg type="lin">
+          <dgm:param type="linDir" val="fromT"/>
+          <dgm:param type="nodeHorzAlign" val="r"/>
+        </dgm:alg>
+      </dgm:else>
+    </dgm:choose>
+    <dgm:shape xmlns:r="http://schemas.openxmlformats.org/officeDocument/2006/relationships" r:blip="">
+      <dgm:adjLst/>
+    </dgm:shape>
+    <dgm:presOf/>
+    <dgm:constrLst>
+      <dgm:constr type="w" for="ch" forName="horz1" refType="w"/>
+      <dgm:constr type="h" for="ch" forName="horz1" refType="h"/>
+      <dgm:constr type="h" for="des" forName="vert1" refType="h"/>
+      <dgm:constr type="h" for="des" forName="tx1" refType="h"/>
+      <dgm:constr type="h" for="des" forName="horz2" refType="h"/>
+      <dgm:constr type="h" for="des" forName="vert2" refType="h"/>
+      <dgm:constr type="h" for="des" forName="horz3" refType="h"/>
+      <dgm:constr type="h" for="des" forName="vert3" refType="h"/>
+      <dgm:constr type="h" for="des" forName="horz4" refType="h"/>
+      <dgm:constr type="h" for="des" ptType="node" refType="h"/>
+      <dgm:constr type="primFontSz" for="des" forName="tx1" op="equ" val="65"/>
+      <dgm:constr type="primFontSz" for="des" forName="tx2" op="equ" val="65"/>
+      <dgm:constr type="primFontSz" for="des" forName="tx3" op="equ" val="65"/>
+      <dgm:constr type="primFontSz" for="des" forName="tx4" op="equ" val="65"/>
+      <dgm:constr type="w" for="des" forName="thickLine" refType="w"/>
+      <dgm:constr type="h" for="des" forName="thickLine"/>
+      <dgm:constr type="h" for="des" forName="thinLine1"/>
+      <dgm:constr type="h" for="des" forName="thinLine2b"/>
+      <dgm:constr type="h" for="des" forName="thinLine3"/>
+      <dgm:constr type="h" for="des" forName="vertSpace2a" refType="h" fact="0.05"/>
+      <dgm:constr type="h" for="des" forName="vertSpace2b" refType="h" refFor="des" refForName="vertSpace2a"/>
+    </dgm:constrLst>
+    <dgm:forEach name="Name3" axis="ch" ptType="node">
+      <dgm:layoutNode name="thickLine" styleLbl="alignNode1">
+        <dgm:alg type="sp"/>
+        <dgm:shape xmlns:r="http://schemas.openxmlformats.org/officeDocument/2006/relationships" type="line" r:blip="">
+          <dgm:adjLst/>
+        </dgm:shape>
+        <dgm:presOf/>
+      </dgm:layoutNode>
+      <dgm:layoutNode name="horz1">
+        <dgm:choose name="Name4">
+          <dgm:if name="Name5" func="var" arg="dir" op="equ" val="norm">
+            <dgm:alg type="lin">
+              <dgm:param type="linDir" val="fromL"/>
+              <dgm:param type="nodeVertAlign" val="t"/>
+            </dgm:alg>
+          </dgm:if>
+          <dgm:else name="Name6">
+            <dgm:alg type="lin">
+              <dgm:param type="linDir" val="fromR"/>
+              <dgm:param type="nodeVertAlign" val="t"/>
+            </dgm:alg>
+          </dgm:else>
+        </dgm:choose>
+        <dgm:shape xmlns:r="http://schemas.openxmlformats.org/officeDocument/2006/relationships" r:blip="">
+          <dgm:adjLst/>
+        </dgm:shape>
+        <dgm:presOf/>
+        <dgm:choose name="Name7">
+          <dgm:if name="Name8" axis="root des" func="maxDepth" op="equ" val="1">
+            <dgm:constrLst>
+              <dgm:constr type="w" for="ch" forName="tx1" refType="w"/>
+            </dgm:constrLst>
+          </dgm:if>
+          <dgm:if name="Name9" axis="root des" func="maxDepth" op="equ" val="2">
+            <dgm:constrLst>
+              <dgm:constr type="w" for="ch" forName="tx1" refType="w" fact="0.2"/>
+              <dgm:constr type="w" for="des" forName="tx2" refType="w" fact="0.785"/>
+              <dgm:constr type="w" for="des" forName="horzSpace2" refType="w" fact="0.015"/>
+              <dgm:constr type="w" for="des" forName="thinLine2b" refType="w" fact="0.8"/>
+            </dgm:constrLst>
+          </dgm:if>
+          <dgm:if name="Name10" axis="root des" func="maxDepth" op="equ" val="3">
+            <dgm:constrLst>
+              <dgm:constr type="w" for="ch" forName="tx1" refType="w" fact="0.2"/>
+              <dgm:constr type="w" for="des" forName="tx2" refType="w" fact="0.385"/>
+              <dgm:constr type="w" for="des" forName="tx3" refType="w" fact="0.385"/>
+              <dgm:constr type="w" for="des" forName="horzSpace2" refType="w" fact="0.015"/>
+              <dgm:constr type="w" for="des" forName="horzSpace3" refType="w" fact="0.015"/>
+              <dgm:constr type="w" for="des" forName="thinLine2b" refType="w" fact="0.8"/>
+              <dgm:constr type="w" for="des" forName="thinLine3" refType="w" fact="0.385"/>
+            </dgm:constrLst>
+          </dgm:if>
+          <dgm:if name="Name11" axis="root des" func="maxDepth" op="gte" val="4">
+            <dgm:constrLst>
+              <dgm:constr type="w" for="ch" forName="tx1" refType="w" fact="0.2"/>
+              <dgm:constr type="w" for="des" forName="tx2" refType="w" fact="0.2516"/>
+              <dgm:constr type="w" for="des" forName="tx3" refType="w" fact="0.2516"/>
+              <dgm:constr type="w" for="des" forName="tx4" refType="w" fact="0.2516"/>
+              <dgm:constr type="w" for="des" forName="horzSpace2" refType="w" fact="0.015"/>
+              <dgm:constr type="w" for="des" forName="horzSpace3" refType="w" fact="0.015"/>
+              <dgm:constr type="w" for="des" forName="horzSpace4" refType="w" fact="0.015"/>
+              <dgm:constr type="w" for="des" forName="thinLine2b" refType="w" fact="0.8"/>
+              <dgm:constr type="w" for="des" forName="thinLine3" refType="w" fact="0.5332"/>
+            </dgm:constrLst>
+          </dgm:if>
+          <dgm:else name="Name12"/>
+        </dgm:choose>
+        <dgm:layoutNode name="tx1" styleLbl="revTx">
+          <dgm:alg type="tx">
+            <dgm:param type="parTxLTRAlign" val="l"/>
+            <dgm:param type="parTxRTLAlign" val="r"/>
+            <dgm:param type="txAnchorVert" val="t"/>
+          </dgm:alg>
+          <dgm:shape xmlns:r="http://schemas.openxmlformats.org/officeDocument/2006/relationships" type="rect" r:blip="">
+            <dgm:adjLst/>
+          </dgm:shape>
+          <dgm:presOf axis="self"/>
+          <dgm:constrLst>
+            <dgm:constr type="tMarg" refType="primFontSz" fact="0.3"/>
+            <dgm:constr type="bMarg" refType="primFontSz" fact="0.3"/>
+            <dgm:constr type="lMarg" refType="primFontSz" fact="0.3"/>
+            <dgm:constr type="rMarg" refType="primFontSz" fact="0.3"/>
+          </dgm:constrLst>
+          <dgm:ruleLst>
+            <dgm:rule type="primFontSz" val="5" fact="NaN" max="NaN"/>
+          </dgm:ruleLst>
+        </dgm:layoutNode>
+        <dgm:layoutNode name="vert1">
+          <dgm:choose name="Name13">
+            <dgm:if name="Name14" func="var" arg="dir" op="equ" val="norm">
+              <dgm:alg type="lin">
+                <dgm:param type="linDir" val="fromT"/>
+                <dgm:param type="nodeHorzAlign" val="l"/>
+              </dgm:alg>
+            </dgm:if>
+            <dgm:else name="Name15">
+              <dgm:alg type="lin">
+                <dgm:param type="linDir" val="fromT"/>
+                <dgm:param type="nodeHorzAlign" val="r"/>
+              </dgm:alg>
+            </dgm:else>
+          </dgm:choose>
+          <dgm:shape xmlns:r="http://schemas.openxmlformats.org/officeDocument/2006/relationships" r:blip="">
+            <dgm:adjLst/>
+          </dgm:shape>
+          <dgm:presOf/>
+          <dgm:forEach name="Name16" axis="ch" ptType="node">
+            <dgm:choose name="Name17">
+              <dgm:if name="Name18" axis="self" ptType="node" func="pos" op="equ" val="1">
+                <dgm:layoutNode name="vertSpace2a">
+                  <dgm:alg type="sp"/>
+                  <dgm:shape xmlns:r="http://schemas.openxmlformats.org/officeDocument/2006/relationships" r:blip="">
+                    <dgm:adjLst/>
+                  </dgm:shape>
+                  <dgm:presOf/>
+                </dgm:layoutNode>
+              </dgm:if>
+              <dgm:else name="Name19"/>
+            </dgm:choose>
+            <dgm:layoutNode name="horz2">
+              <dgm:choose name="Name20">
+                <dgm:if name="Name21" func="var" arg="dir" op="equ" val="norm">
+                  <dgm:alg type="lin">
+                    <dgm:param type="linDir" val="fromL"/>
+                    <dgm:param type="nodeVertAlign" val="t"/>
+                  </dgm:alg>
+                </dgm:if>
+                <dgm:else name="Name22">
+                  <dgm:alg type="lin">
+                    <dgm:param type="linDir" val="fromR"/>
+                    <dgm:param type="nodeVertAlign" val="t"/>
+                  </dgm:alg>
+                </dgm:else>
+              </dgm:choose>
+              <dgm:shape xmlns:r="http://schemas.openxmlformats.org/officeDocument/2006/relationships" r:blip="">
+                <dgm:adjLst/>
+              </dgm:shape>
+              <dgm:presOf/>
+              <dgm:layoutNode name="horzSpace2">
+                <dgm:alg type="sp"/>
+                <dgm:shape xmlns:r="http://schemas.openxmlformats.org/officeDocument/2006/relationships" r:blip="">
+                  <dgm:adjLst/>
+                </dgm:shape>
+                <dgm:presOf/>
+              </dgm:layoutNode>
+              <dgm:layoutNode name="tx2" styleLbl="revTx">
+                <dgm:alg type="tx">
+                  <dgm:param type="parTxLTRAlign" val="l"/>
+                  <dgm:param type="parTxRTLAlign" val="r"/>
+                  <dgm:param type="txAnchorVert" val="t"/>
+                </dgm:alg>
+                <dgm:shape xmlns:r="http://schemas.openxmlformats.org/officeDocument/2006/relationships" type="rect" r:blip="">
+                  <dgm:adjLst/>
+                </dgm:shape>
+                <dgm:presOf axis="self"/>
+                <dgm:constrLst>
+                  <dgm:constr type="tMarg" refType="primFontSz" fact="0.3"/>
+                  <dgm:constr type="bMarg" refType="primFontSz" fact="0.3"/>
+                  <dgm:constr type="lMarg" refType="primFontSz" fact="0.3"/>
+                  <dgm:constr type="rMarg" refType="primFontSz" fact="0.3"/>
+                </dgm:constrLst>
+                <dgm:ruleLst>
+                  <dgm:rule type="primFontSz" val="5" fact="NaN" max="NaN"/>
+                </dgm:ruleLst>
+              </dgm:layoutNode>
+              <dgm:layoutNode name="vert2">
+                <dgm:choose name="Name23">
+                  <dgm:if name="Name24" func="var" arg="dir" op="equ" val="norm">
+                    <dgm:alg type="lin">
+                      <dgm:param type="linDir" val="fromT"/>
+                      <dgm:param type="nodeHorzAlign" val="l"/>
+                    </dgm:alg>
+                  </dgm:if>
+                  <dgm:else name="Name25">
+                    <dgm:alg type="lin">
+                      <dgm:param type="linDir" val="fromT"/>
+                      <dgm:param type="nodeHorzAlign" val="r"/>
+                    </dgm:alg>
+                  </dgm:else>
+                </dgm:choose>
+                <dgm:shape xmlns:r="http://schemas.openxmlformats.org/officeDocument/2006/relationships" r:blip="">
+                  <dgm:adjLst/>
+                </dgm:shape>
+                <dgm:presOf/>
+                <dgm:forEach name="Name26" axis="ch" ptType="node">
+                  <dgm:layoutNode name="horz3">
+                    <dgm:choose name="Name27">
+                      <dgm:if name="Name28" func="var" arg="dir" op="equ" val="norm">
+                        <dgm:alg type="lin">
+                          <dgm:param type="linDir" val="fromL"/>
+                          <dgm:param type="nodeVertAlign" val="t"/>
+                        </dgm:alg>
+                      </dgm:if>
+                      <dgm:else name="Name29">
+                        <dgm:alg type="lin">
+                          <dgm:param type="linDir" val="fromR"/>
+                          <dgm:param type="nodeVertAlign" val="t"/>
+                        </dgm:alg>
+                      </dgm:else>
+                    </dgm:choose>
+                    <dgm:shape xmlns:r="http://schemas.openxmlformats.org/officeDocument/2006/relationships" r:blip="">
+                      <dgm:adjLst/>
+                    </dgm:shape>
+                    <dgm:presOf/>
+                    <dgm:layoutNode name="horzSpace3">
+                      <dgm:alg type="sp"/>
+                      <dgm:shape xmlns:r="http://schemas.openxmlformats.org/officeDocument/2006/relationships" r:blip="">
+                        <dgm:adjLst/>
+                      </dgm:shape>
+                      <dgm:presOf/>
+                    </dgm:layoutNode>
+                    <dgm:layoutNode name="tx3" styleLbl="revTx">
+                      <dgm:alg type="tx">
+                        <dgm:param type="parTxLTRAlign" val="l"/>
+                        <dgm:param type="parTxRTLAlign" val="r"/>
+                        <dgm:param type="txAnchorVert" val="t"/>
+                      </dgm:alg>
+                      <dgm:shape xmlns:r="http://schemas.openxmlformats.org/officeDocument/2006/relationships" type="rect" r:blip="">
+                        <dgm:adjLst/>
+                      </dgm:shape>
+                      <dgm:presOf axis="self"/>
+                      <dgm:constrLst>
+                        <dgm:constr type="tMarg" refType="primFontSz" fact="0.3"/>
+                        <dgm:constr type="bMarg" refType="primFontSz" fact="0.3"/>
+                        <dgm:constr type="lMarg" refType="primFontSz" fact="0.3"/>
+                        <dgm:constr type="rMarg" refType="primFontSz" fact="0.3"/>
+                      </dgm:constrLst>
+                      <dgm:ruleLst>
+                        <dgm:rule type="primFontSz" val="5" fact="NaN" max="NaN"/>
+                      </dgm:ruleLst>
+                    </dgm:layoutNode>
+                    <dgm:layoutNode name="vert3">
+                      <dgm:choose name="Name30">
+                        <dgm:if name="Name31" func="var" arg="dir" op="equ" val="norm">
+                          <dgm:alg type="lin">
+                            <dgm:param type="linDir" val="fromT"/>
+                            <dgm:param type="nodeHorzAlign" val="l"/>
+                          </dgm:alg>
+                        </dgm:if>
+                        <dgm:else name="Name32">
+                          <dgm:alg type="lin">
+                            <dgm:param type="linDir" val="fromT"/>
+                            <dgm:param type="nodeHorzAlign" val="r"/>
+                          </dgm:alg>
+                        </dgm:else>
+                      </dgm:choose>
+                      <dgm:shape xmlns:r="http://schemas.openxmlformats.org/officeDocument/2006/relationships" r:blip="">
+                        <dgm:adjLst/>
+                      </dgm:shape>
+                      <dgm:presOf/>
+                      <dgm:forEach name="Name33" axis="ch" ptType="node">
+                        <dgm:layoutNode name="horz4">
+                          <dgm:choose name="Name34">
+                            <dgm:if name="Name35" func="var" arg="dir" op="equ" val="norm">
+                              <dgm:alg type="lin">
+                                <dgm:param type="linDir" val="fromL"/>
+                                <dgm:param type="nodeVertAlign" val="t"/>
+                              </dgm:alg>
+                            </dgm:if>
+                            <dgm:else name="Name36">
+                              <dgm:alg type="lin">
+                                <dgm:param type="linDir" val="fromR"/>
+                                <dgm:param type="nodeVertAlign" val="t"/>
+                              </dgm:alg>
+                            </dgm:else>
+                          </dgm:choose>
+                          <dgm:shape xmlns:r="http://schemas.openxmlformats.org/officeDocument/2006/relationships" r:blip="">
+                            <dgm:adjLst/>
+                          </dgm:shape>
+                          <dgm:presOf/>
+                          <dgm:layoutNode name="horzSpace4">
+                            <dgm:alg type="sp"/>
+                            <dgm:shape xmlns:r="http://schemas.openxmlformats.org/officeDocument/2006/relationships" r:blip="">
+                              <dgm:adjLst/>
+                            </dgm:shape>
+                            <dgm:presOf/>
+                          </dgm:layoutNode>
+                          <dgm:layoutNode name="tx4" styleLbl="revTx">
+                            <dgm:varLst>
+                              <dgm:bulletEnabled val="1"/>
+                            </dgm:varLst>
+                            <dgm:alg type="tx">
+                              <dgm:param type="parTxLTRAlign" val="l"/>
+                              <dgm:param type="parTxRTLAlign" val="r"/>
+                              <dgm:param type="txAnchorVert" val="t"/>
+                            </dgm:alg>
+                            <dgm:shape xmlns:r="http://schemas.openxmlformats.org/officeDocument/2006/relationships" type="rect" r:blip="">
+                              <dgm:adjLst/>
+                            </dgm:shape>
+                            <dgm:presOf axis="desOrSelf" ptType="node"/>
+                            <dgm:constrLst>
+                              <dgm:constr type="tMarg" refType="primFontSz" fact="0.3"/>
+                              <dgm:constr type="bMarg" refType="primFontSz" fact="0.3"/>
+                              <dgm:constr type="lMarg" refType="primFontSz" fact="0.3"/>
+                              <dgm:constr type="rMarg" refType="primFontSz" fact="0.3"/>
+                            </dgm:constrLst>
+                            <dgm:ruleLst>
+                              <dgm:rule type="primFontSz" val="5" fact="NaN" max="NaN"/>
+                            </dgm:ruleLst>
+                          </dgm:layoutNode>
+                        </dgm:layoutNode>
+                      </dgm:forEach>
+                    </dgm:layoutNode>
+                  </dgm:layoutNode>
+                  <dgm:forEach name="Name37" axis="followSib" ptType="sibTrans" cnt="1">
+                    <dgm:layoutNode name="thinLine3" styleLbl="callout">
+                      <dgm:alg type="sp"/>
+                      <dgm:shape xmlns:r="http://schemas.openxmlformats.org/officeDocument/2006/relationships" type="line" r:blip="">
+                        <dgm:adjLst/>
+                      </dgm:shape>
+                      <dgm:presOf/>
+                    </dgm:layoutNode>
+                  </dgm:forEach>
+                </dgm:forEach>
+              </dgm:layoutNode>
+            </dgm:layoutNode>
+            <dgm:layoutNode name="thinLine2b" styleLbl="callout">
+              <dgm:alg type="sp"/>
+              <dgm:shape xmlns:r="http://schemas.openxmlformats.org/officeDocument/2006/relationships" type="line" r:blip="">
+                <dgm:adjLst/>
+              </dgm:shape>
+              <dgm:presOf/>
+            </dgm:layoutNode>
+            <dgm:layoutNode name="vertSpace2b">
+              <dgm:alg type="sp"/>
+              <dgm:shape xmlns:r="http://schemas.openxmlformats.org/officeDocument/2006/relationships" r:blip="">
+                <dgm:adjLst/>
+              </dgm:shape>
+              <dgm:presOf/>
+            </dgm:layoutNode>
+          </dgm:forEach>
+        </dgm:layoutNode>
+      </dgm:layoutNode>
+    </dgm:forEach>
+  </dgm:layoutNode>
+</dgm:layoutDef>
+</file>
+
+<file path=ppt/diagrams/quickStyle1.xml><?xml version="1.0" encoding="utf-8"?>
+<dgm:styleDef xmlns:dgm="http://schemas.openxmlformats.org/drawingml/2006/diagram" xmlns:a="http://schemas.openxmlformats.org/drawingml/2006/main" uniqueId="urn:microsoft.com/office/officeart/2005/8/quickstyle/simple1">
+  <dgm:title val=""/>
+  <dgm:desc val=""/>
+  <dgm:catLst>
+    <dgm:cat type="simple" pri="10100"/>
+  </dgm:catLst>
+  <dgm:scene3d>
+    <a:camera prst="orthographicFront"/>
+    <a:lightRig rig="threePt" dir="t"/>
+  </dgm:scene3d>
+  <dgm:styleLbl name="node0">
+    <dgm:scene3d>
+      <a:camera prst="orthographicFront"/>
+      <a:lightRig rig="threePt" dir="t"/>
+    </dgm:scene3d>
+    <dgm:sp3d/>
+    <dgm:txPr/>
+    <dgm:style>
+      <a:lnRef idx="2">
+        <a:scrgbClr r="0" g="0" b="0"/>
+      </a:lnRef>
+      <a:fillRef idx="1">
+        <a:scrgbClr r="0" g="0" b="0"/>
+      </a:fillRef>
+      <a:effectRef idx="0">
+        <a:scrgbClr r="0" g="0" b="0"/>
+      </a:effectRef>
+      <a:fontRef idx="minor">
+        <a:schemeClr val="lt1"/>
+      </a:fontRef>
+    </dgm:style>
+  </dgm:styleLbl>
+  <dgm:styleLbl name="lnNode1">
+    <dgm:scene3d>
+      <a:camera prst="orthographicFront"/>
+      <a:lightRig rig="threePt" dir="t"/>
+    </dgm:scene3d>
+    <dgm:sp3d/>
+    <dgm:txPr/>
+    <dgm:style>
+      <a:lnRef idx="2">
+        <a:scrgbClr r="0" g="0" b="0"/>
+      </a:lnRef>
+      <a:fillRef idx="1">
+        <a:scrgbClr r="0" g="0" b="0"/>
+      </a:fillRef>
+      <a:effectRef idx="0">
+        <a:scrgbClr r="0" g="0" b="0"/>
+      </a:effectRef>
+      <a:fontRef idx="minor">
+        <a:schemeClr val="lt1"/>
+      </a:fontRef>
+    </dgm:style>
+  </dgm:styleLbl>
+  <dgm:styleLbl name="vennNode1">
+    <dgm:scene3d>
+      <a:camera prst="orthographicFront"/>
+      <a:lightRig rig="threePt" dir="t"/>
+    </dgm:scene3d>
+    <dgm:sp3d/>
+    <dgm:txPr/>
+    <dgm:style>
+      <a:lnRef idx="2">
+        <a:scrgbClr r="0" g="0" b="0"/>
+      </a:lnRef>
+      <a:fillRef idx="1">
+        <a:scrgbClr r="0" g="0" b="0"/>
+      </a:fillRef>
+      <a:effectRef idx="0">
+        <a:scrgbClr r="0" g="0" b="0"/>
+      </a:effectRef>
+      <a:fontRef idx="minor">
+        <a:schemeClr val="tx1"/>
+      </a:fontRef>
+    </dgm:style>
+  </dgm:styleLbl>
+  <dgm:styleLbl name="alignNode1">
+    <dgm:scene3d>
+      <a:camera prst="orthographicFront"/>
+      <a:lightRig rig="threePt" dir="t"/>
+    </dgm:scene3d>
+    <dgm:sp3d/>
+    <dgm:txPr/>
+    <dgm:style>
+      <a:lnRef idx="2">
+        <a:scrgbClr r="0" g="0" b="0"/>
+      </a:lnRef>
+      <a:fillRef idx="1">
+        <a:scrgbClr r="0" g="0" b="0"/>
+      </a:fillRef>
+      <a:effectRef idx="0">
+        <a:scrgbClr r="0" g="0" b="0"/>
+      </a:effectRef>
+      <a:fontRef idx="minor">
+        <a:schemeClr val="lt1"/>
+      </a:fontRef>
+    </dgm:style>
+  </dgm:styleLbl>
+  <dgm:styleLbl name="node1">
+    <dgm:scene3d>
+      <a:camera prst="orthographicFront"/>
+      <a:lightRig rig="threePt" dir="t"/>
+    </dgm:scene3d>
+    <dgm:sp3d/>
+    <dgm:txPr/>
+    <dgm:style>
+      <a:lnRef idx="2">
+        <a:scrgbClr r="0" g="0" b="0"/>
+      </a:lnRef>
+      <a:fillRef idx="1">
+        <a:scrgbClr r="0" g="0" b="0"/>
+      </a:fillRef>
+      <a:effectRef idx="0">
+        <a:scrgbClr r="0" g="0" b="0"/>
+      </a:effectRef>
+      <a:fontRef idx="minor">
+        <a:schemeClr val="lt1"/>
+      </a:fontRef>
+    </dgm:style>
+  </dgm:styleLbl>
+  <dgm:styleLbl name="node2">
+    <dgm:scene3d>
+      <a:camera prst="orthographicFront"/>
+      <a:lightRig rig="threePt" dir="t"/>
+    </dgm:scene3d>
+    <dgm:sp3d/>
+    <dgm:txPr/>
+    <dgm:style>
+      <a:lnRef idx="2">
+        <a:scrgbClr r="0" g="0" b="0"/>
+      </a:lnRef>
+      <a:fillRef idx="1">
+        <a:scrgbClr r="0" g="0" b="0"/>
+      </a:fillRef>
+      <a:effectRef idx="0">
+        <a:scrgbClr r="0" g="0" b="0"/>
+      </a:effectRef>
+      <a:fontRef idx="minor">
+        <a:schemeClr val="lt1"/>
+      </a:fontRef>
+    </dgm:style>
+  </dgm:styleLbl>
+  <dgm:styleLbl name="node3">
+    <dgm:scene3d>
+      <a:camera prst="orthographicFront"/>
+      <a:lightRig rig="threePt" dir="t"/>
+    </dgm:scene3d>
+    <dgm:sp3d/>
+    <dgm:txPr/>
+    <dgm:style>
+      <a:lnRef idx="2">
+        <a:scrgbClr r="0" g="0" b="0"/>
+      </a:lnRef>
+      <a:fillRef idx="1">
+        <a:scrgbClr r="0" g="0" b="0"/>
+      </a:fillRef>
+      <a:effectRef idx="0">
+        <a:scrgbClr r="0" g="0" b="0"/>
+      </a:effectRef>
+      <a:fontRef idx="minor">
+        <a:schemeClr val="lt1"/>
+      </a:fontRef>
+    </dgm:style>
+  </dgm:styleLbl>
+  <dgm:styleLbl name="node4">
+    <dgm:scene3d>
+      <a:camera prst="orthographicFront"/>
+      <a:lightRig rig="threePt" dir="t"/>
+    </dgm:scene3d>
+    <dgm:sp3d/>
+    <dgm:txPr/>
+    <dgm:style>
+      <a:lnRef idx="2">
+        <a:scrgbClr r="0" g="0" b="0"/>
+      </a:lnRef>
+      <a:fillRef idx="1">
+        <a:scrgbClr r="0" g="0" b="0"/>
+      </a:fillRef>
+      <a:effectRef idx="0">
+        <a:scrgbClr r="0" g="0" b="0"/>
+      </a:effectRef>
+      <a:fontRef idx="minor">
+        <a:schemeClr val="lt1"/>
+      </a:fontRef>
+    </dgm:style>
+  </dgm:styleLbl>
+  <dgm:styleLbl name="fgImgPlace1">
+    <dgm:scene3d>
+      <a:camera prst="orthographicFront"/>
+      <a:lightRig rig="threePt" dir="t"/>
+    </dgm:scene3d>
+    <dgm:sp3d/>
+    <dgm:txPr/>
+    <dgm:style>
+      <a:lnRef idx="2">
+        <a:scrgbClr r="0" g="0" b="0"/>
+      </a:lnRef>
+      <a:fillRef idx="1">
+        <a:scrgbClr r="0" g="0" b="0"/>
+      </a:fillRef>
+      <a:effectRef idx="0">
+        <a:scrgbClr r="0" g="0" b="0"/>
+      </a:effectRef>
+      <a:fontRef idx="minor"/>
+    </dgm:style>
+  </dgm:styleLbl>
+  <dgm:styleLbl name="alignImgPlace1">
+    <dgm:scene3d>
+      <a:camera prst="orthographicFront"/>
+      <a:lightRig rig="threePt" dir="t"/>
+    </dgm:scene3d>
+    <dgm:sp3d/>
+    <dgm:txPr/>
+    <dgm:style>
+      <a:lnRef idx="2">
+        <a:scrgbClr r="0" g="0" b="0"/>
+      </a:lnRef>
+      <a:fillRef idx="1">
+        <a:scrgbClr r="0" g="0" b="0"/>
+      </a:fillRef>
+      <a:effectRef idx="0">
+        <a:scrgbClr r="0" g="0" b="0"/>
+      </a:effectRef>
+      <a:fontRef idx="minor"/>
+    </dgm:style>
+  </dgm:styleLbl>
+  <dgm:styleLbl name="bgImgPlace1">
+    <dgm:scene3d>
+      <a:camera prst="orthographicFront"/>
+      <a:lightRig rig="threePt" dir="t"/>
+    </dgm:scene3d>
+    <dgm:sp3d/>
+    <dgm:txPr/>
+    <dgm:style>
+      <a:lnRef idx="2">
+        <a:scrgbClr r="0" g="0" b="0"/>
+      </a:lnRef>
+      <a:fillRef idx="1">
+        <a:scrgbClr r="0" g="0" b="0"/>
+      </a:fillRef>
+      <a:effectRef idx="0">
+        <a:scrgbClr r="0" g="0" b="0"/>
+      </a:effectRef>
+      <a:fontRef idx="minor"/>
+    </dgm:style>
+  </dgm:styleLbl>
+  <dgm:styleLbl name="sibTrans2D1">
+    <dgm:scene3d>
+      <a:camera prst="orthographicFront"/>
+      <a:lightRig rig="threePt" dir="t"/>
+    </dgm:scene3d>
+    <dgm:sp3d/>
+    <dgm:txPr/>
+    <dgm:style>
+      <a:lnRef idx="0">
+        <a:scrgbClr r="0" g="0" b="0"/>
+      </a:lnRef>
+      <a:fillRef idx="1">
+        <a:scrgbClr r="0" g="0" b="0"/>
+      </a:fillRef>
+      <a:effectRef idx="0">
+        <a:scrgbClr r="0" g="0" b="0"/>
+      </a:effectRef>
+      <a:fontRef idx="minor">
+        <a:schemeClr val="lt1"/>
+      </a:fontRef>
+    </dgm:style>
+  </dgm:styleLbl>
+  <dgm:styleLbl name="fgSibTrans2D1">
+    <dgm:scene3d>
+      <a:camera prst="orthographicFront"/>
+      <a:lightRig rig="threePt" dir="t"/>
+    </dgm:scene3d>
+    <dgm:sp3d/>
+    <dgm:txPr/>
+    <dgm:style>
+      <a:lnRef idx="0">
+        <a:scrgbClr r="0" g="0" b="0"/>
+      </a:lnRef>
+      <a:fillRef idx="1">
+        <a:scrgbClr r="0" g="0" b="0"/>
+      </a:fillRef>
+      <a:effectRef idx="0">
+        <a:scrgbClr r="0" g="0" b="0"/>
+      </a:effectRef>
+      <a:fontRef idx="minor">
+        <a:schemeClr val="lt1"/>
+      </a:fontRef>
+    </dgm:style>
+  </dgm:styleLbl>
+  <dgm:styleLbl name="bgSibTrans2D1">
+    <dgm:scene3d>
+      <a:camera prst="orthographicFront"/>
+      <a:lightRig rig="threePt" dir="t"/>
+    </dgm:scene3d>
+    <dgm:sp3d/>
+    <dgm:txPr/>
+    <dgm:style>
+      <a:lnRef idx="0">
+        <a:scrgbClr r="0" g="0" b="0"/>
+      </a:lnRef>
+      <a:fillRef idx="1">
+        <a:scrgbClr r="0" g="0" b="0"/>
+      </a:fillRef>
+      <a:effectRef idx="0">
+        <a:scrgbClr r="0" g="0" b="0"/>
+      </a:effectRef>
+      <a:fontRef idx="minor">
+        <a:schemeClr val="lt1"/>
+      </a:fontRef>
+    </dgm:style>
+  </dgm:styleLbl>
+  <dgm:styleLbl name="sibTrans1D1">
+    <dgm:scene3d>
+      <a:camera prst="orthographicFront"/>
+      <a:lightRig rig="threePt" dir="t"/>
+    </dgm:scene3d>
+    <dgm:sp3d/>
+    <dgm:txPr/>
+    <dgm:style>
+      <a:lnRef idx="1">
+        <a:scrgbClr r="0" g="0" b="0"/>
+      </a:lnRef>
+      <a:fillRef idx="0">
+        <a:scrgbClr r="0" g="0" b="0"/>
+      </a:fillRef>
+      <a:effectRef idx="0">
+        <a:scrgbClr r="0" g="0" b="0"/>
+      </a:effectRef>
+      <a:fontRef idx="minor"/>
+    </dgm:style>
+  </dgm:styleLbl>
+  <dgm:styleLbl name="callout">
+    <dgm:scene3d>
+      <a:camera prst="orthographicFront"/>
+      <a:lightRig rig="threePt" dir="t"/>
+    </dgm:scene3d>
+    <dgm:sp3d/>
+    <dgm:txPr/>
+    <dgm:style>
+      <a:lnRef idx="2">
+        <a:scrgbClr r="0" g="0" b="0"/>
+      </a:lnRef>
+      <a:fillRef idx="1">
+        <a:scrgbClr r="0" g="0" b="0"/>
+      </a:fillRef>
+      <a:effectRef idx="0">
+        <a:scrgbClr r="0" g="0" b="0"/>
+      </a:effectRef>
+      <a:fontRef idx="minor"/>
+    </dgm:style>
+  </dgm:styleLbl>
+  <dgm:styleLbl name="asst0">
+    <dgm:scene3d>
+      <a:camera prst="orthographicFront"/>
+      <a:lightRig rig="threePt" dir="t"/>
+    </dgm:scene3d>
+    <dgm:sp3d/>
+    <dgm:txPr/>
+    <dgm:style>
+      <a:lnRef idx="2">
+        <a:scrgbClr r="0" g="0" b="0"/>
+      </a:lnRef>
+      <a:fillRef idx="1">
+        <a:scrgbClr r="0" g="0" b="0"/>
+      </a:fillRef>
+      <a:effectRef idx="0">
+        <a:scrgbClr r="0" g="0" b="0"/>
+      </a:effectRef>
+      <a:fontRef idx="minor">
+        <a:schemeClr val="lt1"/>
+      </a:fontRef>
+    </dgm:style>
+  </dgm:styleLbl>
+  <dgm:styleLbl name="asst1">
+    <dgm:scene3d>
+      <a:camera prst="orthographicFront"/>
+      <a:lightRig rig="threePt" dir="t"/>
+    </dgm:scene3d>
+    <dgm:sp3d/>
+    <dgm:txPr/>
+    <dgm:style>
+      <a:lnRef idx="2">
+        <a:scrgbClr r="0" g="0" b="0"/>
+      </a:lnRef>
+      <a:fillRef idx="1">
+        <a:scrgbClr r="0" g="0" b="0"/>
+      </a:fillRef>
+      <a:effectRef idx="0">
+        <a:scrgbClr r="0" g="0" b="0"/>
+      </a:effectRef>
+      <a:fontRef idx="minor">
+        <a:schemeClr val="lt1"/>
+      </a:fontRef>
+    </dgm:style>
+  </dgm:styleLbl>
+  <dgm:styleLbl name="asst2">
+    <dgm:scene3d>
+      <a:camera prst="orthographicFront"/>
+      <a:lightRig rig="threePt" dir="t"/>
+    </dgm:scene3d>
+    <dgm:sp3d/>
+    <dgm:txPr/>
+    <dgm:style>
+      <a:lnRef idx="2">
+        <a:scrgbClr r="0" g="0" b="0"/>
+      </a:lnRef>
+      <a:fillRef idx="1">
+        <a:scrgbClr r="0" g="0" b="0"/>
+      </a:fillRef>
+      <a:effectRef idx="0">
+        <a:scrgbClr r="0" g="0" b="0"/>
+      </a:effectRef>
+      <a:fontRef idx="minor">
+        <a:schemeClr val="lt1"/>
+      </a:fontRef>
+    </dgm:style>
+  </dgm:styleLbl>
+  <dgm:styleLbl name="asst3">
+    <dgm:scene3d>
+      <a:camera prst="orthographicFront"/>
+      <a:lightRig rig="threePt" dir="t"/>
+    </dgm:scene3d>
+    <dgm:sp3d/>
+    <dgm:txPr/>
+    <dgm:style>
+      <a:lnRef idx="2">
+        <a:scrgbClr r="0" g="0" b="0"/>
+      </a:lnRef>
+      <a:fillRef idx="1">
+        <a:scrgbClr r="0" g="0" b="0"/>
+      </a:fillRef>
+      <a:effectRef idx="0">
+        <a:scrgbClr r="0" g="0" b="0"/>
+      </a:effectRef>
+      <a:fontRef idx="minor">
+        <a:schemeClr val="lt1"/>
+      </a:fontRef>
+    </dgm:style>
+  </dgm:styleLbl>
+  <dgm:styleLbl name="asst4">
+    <dgm:scene3d>
+      <a:camera prst="orthographicFront"/>
+      <a:lightRig rig="threePt" dir="t"/>
+    </dgm:scene3d>
+    <dgm:sp3d/>
+    <dgm:txPr/>
+    <dgm:style>
+      <a:lnRef idx="2">
+        <a:scrgbClr r="0" g="0" b="0"/>
+      </a:lnRef>
+      <a:fillRef idx="1">
+        <a:scrgbClr r="0" g="0" b="0"/>
+      </a:fillRef>
+      <a:effectRef idx="0">
+        <a:scrgbClr r="0" g="0" b="0"/>
+      </a:effectRef>
+      <a:fontRef idx="minor">
+        <a:schemeClr val="lt1"/>
+      </a:fontRef>
+    </dgm:style>
+  </dgm:styleLbl>
+  <dgm:styleLbl name="parChTrans2D1">
+    <dgm:scene3d>
+      <a:camera prst="orthographicFront"/>
+      <a:lightRig rig="threePt" dir="t"/>
+    </dgm:scene3d>
+    <dgm:sp3d/>
+    <dgm:txPr/>
+    <dgm:style>
+      <a:lnRef idx="2">
+        <a:scrgbClr r="0" g="0" b="0"/>
+      </a:lnRef>
+      <a:fillRef idx="1">
+        <a:scrgbClr r="0" g="0" b="0"/>
+      </a:fillRef>
+      <a:effectRef idx="0">
+        <a:scrgbClr r="0" g="0" b="0"/>
+      </a:effectRef>
+      <a:fontRef idx="minor">
+        <a:schemeClr val="lt1"/>
+      </a:fontRef>
+    </dgm:style>
+  </dgm:styleLbl>
+  <dgm:styleLbl name="parChTrans2D2">
+    <dgm:scene3d>
+      <a:camera prst="orthographicFront"/>
+      <a:lightRig rig="threePt" dir="t"/>
+    </dgm:scene3d>
+    <dgm:sp3d/>
+    <dgm:txPr/>
+    <dgm:style>
+      <a:lnRef idx="2">
+        <a:scrgbClr r="0" g="0" b="0"/>
+      </a:lnRef>
+      <a:fillRef idx="1">
+        <a:scrgbClr r="0" g="0" b="0"/>
+      </a:fillRef>
+      <a:effectRef idx="0">
+        <a:scrgbClr r="0" g="0" b="0"/>
+      </a:effectRef>
+      <a:fontRef idx="minor">
+        <a:schemeClr val="lt1"/>
+      </a:fontRef>
+    </dgm:style>
+  </dgm:styleLbl>
+  <dgm:styleLbl name="parChTrans2D3">
+    <dgm:scene3d>
+      <a:camera prst="orthographicFront"/>
+      <a:lightRig rig="threePt" dir="t"/>
+    </dgm:scene3d>
+    <dgm:sp3d/>
+    <dgm:txPr/>
+    <dgm:style>
+      <a:lnRef idx="2">
+        <a:scrgbClr r="0" g="0" b="0"/>
+      </a:lnRef>
+      <a:fillRef idx="1">
+        <a:scrgbClr r="0" g="0" b="0"/>
+      </a:fillRef>
+      <a:effectRef idx="0">
+        <a:scrgbClr r="0" g="0" b="0"/>
+      </a:effectRef>
+      <a:fontRef idx="minor">
+        <a:schemeClr val="lt1"/>
+      </a:fontRef>
+    </dgm:style>
+  </dgm:styleLbl>
+  <dgm:styleLbl name="parChTrans2D4">
+    <dgm:scene3d>
+      <a:camera prst="orthographicFront"/>
+      <a:lightRig rig="threePt" dir="t"/>
+    </dgm:scene3d>
+    <dgm:sp3d/>
+    <dgm:txPr/>
+    <dgm:style>
+      <a:lnRef idx="2">
+        <a:scrgbClr r="0" g="0" b="0"/>
+      </a:lnRef>
+      <a:fillRef idx="1">
+        <a:scrgbClr r="0" g="0" b="0"/>
+      </a:fillRef>
+      <a:effectRef idx="0">
+        <a:scrgbClr r="0" g="0" b="0"/>
+      </a:effectRef>
+      <a:fontRef idx="minor">
+        <a:schemeClr val="lt1"/>
+      </a:fontRef>
+    </dgm:style>
+  </dgm:styleLbl>
+  <dgm:styleLbl name="parChTrans1D1">
+    <dgm:scene3d>
+      <a:camera prst="orthographicFront"/>
+      <a:lightRig rig="threePt" dir="t"/>
+    </dgm:scene3d>
+    <dgm:sp3d/>
+    <dgm:txPr/>
+    <dgm:style>
+      <a:lnRef idx="2">
+        <a:scrgbClr r="0" g="0" b="0"/>
+      </a:lnRef>
+      <a:fillRef idx="0">
+        <a:scrgbClr r="0" g="0" b="0"/>
+      </a:fillRef>
+      <a:effectRef idx="0">
+        <a:scrgbClr r="0" g="0" b="0"/>
+      </a:effectRef>
+      <a:fontRef idx="minor"/>
+    </dgm:style>
+  </dgm:styleLbl>
+  <dgm:styleLbl name="parChTrans1D2">
+    <dgm:scene3d>
+      <a:camera prst="orthographicFront"/>
+      <a:lightRig rig="threePt" dir="t"/>
+    </dgm:scene3d>
+    <dgm:sp3d/>
+    <dgm:txPr/>
+    <dgm:style>
+      <a:lnRef idx="2">
+        <a:scrgbClr r="0" g="0" b="0"/>
+      </a:lnRef>
+      <a:fillRef idx="0">
+        <a:scrgbClr r="0" g="0" b="0"/>
+      </a:fillRef>
+      <a:effectRef idx="0">
+        <a:scrgbClr r="0" g="0" b="0"/>
+      </a:effectRef>
+      <a:fontRef idx="minor"/>
+    </dgm:style>
+  </dgm:styleLbl>
+  <dgm:styleLbl name="parChTrans1D3">
+    <dgm:scene3d>
+      <a:camera prst="orthographicFront"/>
+      <a:lightRig rig="threePt" dir="t"/>
+    </dgm:scene3d>
+    <dgm:sp3d/>
+    <dgm:txPr/>
+    <dgm:style>
+      <a:lnRef idx="2">
+        <a:scrgbClr r="0" g="0" b="0"/>
+      </a:lnRef>
+      <a:fillRef idx="0">
+        <a:scrgbClr r="0" g="0" b="0"/>
+      </a:fillRef>
+      <a:effectRef idx="0">
+        <a:scrgbClr r="0" g="0" b="0"/>
+      </a:effectRef>
+      <a:fontRef idx="minor"/>
+    </dgm:style>
+  </dgm:styleLbl>
+  <dgm:styleLbl name="parChTrans1D4">
+    <dgm:scene3d>
+      <a:camera prst="orthographicFront"/>
+      <a:lightRig rig="threePt" dir="t"/>
+    </dgm:scene3d>
+    <dgm:sp3d/>
+    <dgm:txPr/>
+    <dgm:style>
+      <a:lnRef idx="2">
+        <a:scrgbClr r="0" g="0" b="0"/>
+      </a:lnRef>
+      <a:fillRef idx="0">
+        <a:scrgbClr r="0" g="0" b="0"/>
+      </a:fillRef>
+      <a:effectRef idx="0">
+        <a:scrgbClr r="0" g="0" b="0"/>
+      </a:effectRef>
+      <a:fontRef idx="minor"/>
+    </dgm:style>
+  </dgm:styleLbl>
+  <dgm:styleLbl name="fgAcc1">
+    <dgm:scene3d>
+      <a:camera prst="orthographicFront"/>
+      <a:lightRig rig="threePt" dir="t"/>
+    </dgm:scene3d>
+    <dgm:sp3d/>
+    <dgm:txPr/>
+    <dgm:style>
+      <a:lnRef idx="2">
+        <a:scrgbClr r="0" g="0" b="0"/>
+      </a:lnRef>
+      <a:fillRef idx="1">
+        <a:scrgbClr r="0" g="0" b="0"/>
+      </a:fillRef>
+      <a:effectRef idx="0">
+        <a:scrgbClr r="0" g="0" b="0"/>
+      </a:effectRef>
+      <a:fontRef idx="minor"/>
+    </dgm:style>
+  </dgm:styleLbl>
+  <dgm:styleLbl name="conFgAcc1">
+    <dgm:scene3d>
+      <a:camera prst="orthographicFront"/>
+      <a:lightRig rig="threePt" dir="t"/>
+    </dgm:scene3d>
+    <dgm:sp3d/>
+    <dgm:txPr/>
+    <dgm:style>
+      <a:lnRef idx="2">
+        <a:scrgbClr r="0" g="0" b="0"/>
+      </a:lnRef>
+      <a:fillRef idx="1">
+        <a:scrgbClr r="0" g="0" b="0"/>
+      </a:fillRef>
+      <a:effectRef idx="0">
+        <a:scrgbClr r="0" g="0" b="0"/>
+      </a:effectRef>
+      <a:fontRef idx="minor"/>
+    </dgm:style>
+  </dgm:styleLbl>
+  <dgm:styleLbl name="alignAcc1">
+    <dgm:scene3d>
+      <a:camera prst="orthographicFront"/>
+      <a:lightRig rig="threePt" dir="t"/>
+    </dgm:scene3d>
+    <dgm:sp3d/>
+    <dgm:txPr/>
+    <dgm:style>
+      <a:lnRef idx="2">
+        <a:scrgbClr r="0" g="0" b="0"/>
+      </a:lnRef>
+      <a:fillRef idx="1">
+        <a:scrgbClr r="0" g="0" b="0"/>
+      </a:fillRef>
+      <a:effectRef idx="0">
+        <a:scrgbClr r="0" g="0" b="0"/>
+      </a:effectRef>
+      <a:fontRef idx="minor"/>
+    </dgm:style>
+  </dgm:styleLbl>
+  <dgm:styleLbl name="trAlignAcc1">
+    <dgm:scene3d>
+      <a:camera prst="orthographicFront"/>
+      <a:lightRig rig="threePt" dir="t"/>
+    </dgm:scene3d>
+    <dgm:sp3d/>
+    <dgm:txPr/>
+    <dgm:style>
+      <a:lnRef idx="1">
+        <a:scrgbClr r="0" g="0" b="0"/>
+      </a:lnRef>
+      <a:fillRef idx="1">
+        <a:scrgbClr r="0" g="0" b="0"/>
+      </a:fillRef>
+      <a:effectRef idx="0">
+        <a:scrgbClr r="0" g="0" b="0"/>
+      </a:effectRef>
+      <a:fontRef idx="minor"/>
+    </dgm:style>
+  </dgm:styleLbl>
+  <dgm:styleLbl name="bgAcc1">
+    <dgm:scene3d>
+      <a:camera prst="orthographicFront"/>
+      <a:lightRig rig="threePt" dir="t"/>
+    </dgm:scene3d>
+    <dgm:sp3d/>
+    <dgm:txPr/>
+    <dgm:style>
+      <a:lnRef idx="2">
+        <a:scrgbClr r="0" g="0" b="0"/>
+      </a:lnRef>
+      <a:fillRef idx="1">
+        <a:scrgbClr r="0" g="0" b="0"/>
+      </a:fillRef>
+      <a:effectRef idx="0">
+        <a:scrgbClr r="0" g="0" b="0"/>
+      </a:effectRef>
+      <a:fontRef idx="minor"/>
+    </dgm:style>
+  </dgm:styleLbl>
+  <dgm:styleLbl name="solidFgAcc1">
+    <dgm:scene3d>
+      <a:camera prst="orthographicFront"/>
+      <a:lightRig rig="threePt" dir="t"/>
+    </dgm:scene3d>
+    <dgm:sp3d/>
+    <dgm:txPr/>
+    <dgm:style>
+      <a:lnRef idx="2">
+        <a:scrgbClr r="0" g="0" b="0"/>
+      </a:lnRef>
+      <a:fillRef idx="1">
+        <a:scrgbClr r="0" g="0" b="0"/>
+      </a:fillRef>
+      <a:effectRef idx="0">
+        <a:scrgbClr r="0" g="0" b="0"/>
+      </a:effectRef>
+      <a:fontRef idx="minor"/>
+    </dgm:style>
+  </dgm:styleLbl>
+  <dgm:styleLbl name="solidAlignAcc1">
+    <dgm:scene3d>
+      <a:camera prst="orthographicFront"/>
+      <a:lightRig rig="threePt" dir="t"/>
+    </dgm:scene3d>
+    <dgm:sp3d/>
+    <dgm:txPr/>
+    <dgm:style>
+      <a:lnRef idx="2">
+        <a:scrgbClr r="0" g="0" b="0"/>
+      </a:lnRef>
+      <a:fillRef idx="1">
+        <a:scrgbClr r="0" g="0" b="0"/>
+      </a:fillRef>
+      <a:effectRef idx="0">
+        <a:scrgbClr r="0" g="0" b="0"/>
+      </a:effectRef>
+      <a:fontRef idx="minor"/>
+    </dgm:style>
+  </dgm:styleLbl>
+  <dgm:styleLbl name="solidBgAcc1">
+    <dgm:scene3d>
+      <a:camera prst="orthographicFront"/>
+      <a:lightRig rig="threePt" dir="t"/>
+    </dgm:scene3d>
+    <dgm:sp3d/>
+    <dgm:txPr/>
+    <dgm:style>
+      <a:lnRef idx="2">
+        <a:scrgbClr r="0" g="0" b="0"/>
+      </a:lnRef>
+      <a:fillRef idx="1">
+        <a:scrgbClr r="0" g="0" b="0"/>
+      </a:fillRef>
+      <a:effectRef idx="0">
+        <a:scrgbClr r="0" g="0" b="0"/>
+      </a:effectRef>
+      <a:fontRef idx="minor"/>
+    </dgm:style>
+  </dgm:styleLbl>
+  <dgm:styleLbl name="fgAccFollowNode1">
+    <dgm:scene3d>
+      <a:camera prst="orthographicFront"/>
+      <a:lightRig rig="threePt" dir="t"/>
+    </dgm:scene3d>
+    <dgm:sp3d/>
+    <dgm:txPr/>
+    <dgm:style>
+      <a:lnRef idx="2">
+        <a:scrgbClr r="0" g="0" b="0"/>
+      </a:lnRef>
+      <a:fillRef idx="1">
+        <a:scrgbClr r="0" g="0" b="0"/>
+      </a:fillRef>
+      <a:effectRef idx="0">
+        <a:scrgbClr r="0" g="0" b="0"/>
+      </a:effectRef>
+      <a:fontRef idx="minor"/>
+    </dgm:style>
+  </dgm:styleLbl>
+  <dgm:styleLbl name="alignAccFollowNode1">
+    <dgm:scene3d>
+      <a:camera prst="orthographicFront"/>
+      <a:lightRig rig="threePt" dir="t"/>
+    </dgm:scene3d>
+    <dgm:sp3d/>
+    <dgm:txPr/>
+    <dgm:style>
+      <a:lnRef idx="2">
+        <a:scrgbClr r="0" g="0" b="0"/>
+      </a:lnRef>
+      <a:fillRef idx="1">
+        <a:scrgbClr r="0" g="0" b="0"/>
+      </a:fillRef>
+      <a:effectRef idx="0">
+        <a:scrgbClr r="0" g="0" b="0"/>
+      </a:effectRef>
+      <a:fontRef idx="minor"/>
+    </dgm:style>
+  </dgm:styleLbl>
+  <dgm:styleLbl name="bgAccFollowNode1">
+    <dgm:scene3d>
+      <a:camera prst="orthographicFront"/>
+      <a:lightRig rig="threePt" dir="t"/>
+    </dgm:scene3d>
+    <dgm:sp3d/>
+    <dgm:txPr/>
+    <dgm:style>
+      <a:lnRef idx="2">
+        <a:scrgbClr r="0" g="0" b="0"/>
+      </a:lnRef>
+      <a:fillRef idx="1">
+        <a:scrgbClr r="0" g="0" b="0"/>
+      </a:fillRef>
+      <a:effectRef idx="0">
+        <a:scrgbClr r="0" g="0" b="0"/>
+      </a:effectRef>
+      <a:fontRef idx="minor"/>
+    </dgm:style>
+  </dgm:styleLbl>
+  <dgm:styleLbl name="fgAcc0">
+    <dgm:scene3d>
+      <a:camera prst="orthographicFront"/>
+      <a:lightRig rig="threePt" dir="t"/>
+    </dgm:scene3d>
+    <dgm:sp3d/>
+    <dgm:txPr/>
+    <dgm:style>
+      <a:lnRef idx="2">
+        <a:scrgbClr r="0" g="0" b="0"/>
+      </a:lnRef>
+      <a:fillRef idx="1">
+        <a:scrgbClr r="0" g="0" b="0"/>
+      </a:fillRef>
+      <a:effectRef idx="0">
+        <a:scrgbClr r="0" g="0" b="0"/>
+      </a:effectRef>
+      <a:fontRef idx="minor"/>
+    </dgm:style>
+  </dgm:styleLbl>
+  <dgm:styleLbl name="fgAcc2">
+    <dgm:scene3d>
+      <a:camera prst="orthographicFront"/>
+      <a:lightRig rig="threePt" dir="t"/>
+    </dgm:scene3d>
+    <dgm:sp3d/>
+    <dgm:txPr/>
+    <dgm:style>
+      <a:lnRef idx="2">
+        <a:scrgbClr r="0" g="0" b="0"/>
+      </a:lnRef>
+      <a:fillRef idx="1">
+        <a:scrgbClr r="0" g="0" b="0"/>
+      </a:fillRef>
+      <a:effectRef idx="0">
+        <a:scrgbClr r="0" g="0" b="0"/>
+      </a:effectRef>
+      <a:fontRef idx="minor"/>
+    </dgm:style>
+  </dgm:styleLbl>
+  <dgm:styleLbl name="fgAcc3">
+    <dgm:scene3d>
+      <a:camera prst="orthographicFront"/>
+      <a:lightRig rig="threePt" dir="t"/>
+    </dgm:scene3d>
+    <dgm:sp3d/>
+    <dgm:txPr/>
+    <dgm:style>
+      <a:lnRef idx="2">
+        <a:scrgbClr r="0" g="0" b="0"/>
+      </a:lnRef>
+      <a:fillRef idx="1">
+        <a:scrgbClr r="0" g="0" b="0"/>
+      </a:fillRef>
+      <a:effectRef idx="0">
+        <a:scrgbClr r="0" g="0" b="0"/>
+      </a:effectRef>
+      <a:fontRef idx="minor"/>
+    </dgm:style>
+  </dgm:styleLbl>
+  <dgm:styleLbl name="fgAcc4">
+    <dgm:scene3d>
+      <a:camera prst="orthographicFront"/>
+      <a:lightRig rig="threePt" dir="t"/>
+    </dgm:scene3d>
+    <dgm:sp3d/>
+    <dgm:txPr/>
+    <dgm:style>
+      <a:lnRef idx="2">
+        <a:scrgbClr r="0" g="0" b="0"/>
+      </a:lnRef>
+      <a:fillRef idx="1">
+        <a:scrgbClr r="0" g="0" b="0"/>
+      </a:fillRef>
+      <a:effectRef idx="0">
+        <a:scrgbClr r="0" g="0" b="0"/>
+      </a:effectRef>
+      <a:fontRef idx="minor"/>
+    </dgm:style>
+  </dgm:styleLbl>
+  <dgm:styleLbl name="bgShp">
+    <dgm:scene3d>
+      <a:camera prst="orthographicFront"/>
+      <a:lightRig rig="threePt" dir="t"/>
+    </dgm:scene3d>
+    <dgm:sp3d/>
+    <dgm:txPr/>
+    <dgm:style>
+      <a:lnRef idx="0">
+        <a:scrgbClr r="0" g="0" b="0"/>
+      </a:lnRef>
+      <a:fillRef idx="1">
+        <a:scrgbClr r="0" g="0" b="0"/>
+      </a:fillRef>
+      <a:effectRef idx="0">
+        <a:scrgbClr r="0" g="0" b="0"/>
+      </a:effectRef>
+      <a:fontRef idx="minor"/>
+    </dgm:style>
+  </dgm:styleLbl>
+  <dgm:styleLbl name="dkBgShp">
+    <dgm:scene3d>
+      <a:camera prst="orthographicFront"/>
+      <a:lightRig rig="threePt" dir="t"/>
+    </dgm:scene3d>
+    <dgm:sp3d/>
+    <dgm:txPr/>
+    <dgm:style>
+      <a:lnRef idx="0">
+        <a:scrgbClr r="0" g="0" b="0"/>
+      </a:lnRef>
+      <a:fillRef idx="1">
+        <a:scrgbClr r="0" g="0" b="0"/>
+      </a:fillRef>
+      <a:effectRef idx="0">
+        <a:scrgbClr r="0" g="0" b="0"/>
+      </a:effectRef>
+      <a:fontRef idx="minor"/>
+    </dgm:style>
+  </dgm:styleLbl>
+  <dgm:styleLbl name="trBgShp">
+    <dgm:scene3d>
+      <a:camera prst="orthographicFront"/>
+      <a:lightRig rig="threePt" dir="t"/>
+    </dgm:scene3d>
+    <dgm:sp3d/>
+    <dgm:txPr/>
+    <dgm:style>
+      <a:lnRef idx="0">
+        <a:scrgbClr r="0" g="0" b="0"/>
+      </a:lnRef>
+      <a:fillRef idx="1">
+        <a:scrgbClr r="0" g="0" b="0"/>
+      </a:fillRef>
+      <a:effectRef idx="0">
+        <a:scrgbClr r="0" g="0" b="0"/>
+      </a:effectRef>
+      <a:fontRef idx="minor"/>
+    </dgm:style>
+  </dgm:styleLbl>
+  <dgm:styleLbl name="fgShp">
+    <dgm:scene3d>
+      <a:camera prst="orthographicFront"/>
+      <a:lightRig rig="threePt" dir="t"/>
+    </dgm:scene3d>
+    <dgm:sp3d/>
+    <dgm:txPr/>
+    <dgm:style>
+      <a:lnRef idx="2">
+        <a:scrgbClr r="0" g="0" b="0"/>
+      </a:lnRef>
+      <a:fillRef idx="1">
+        <a:scrgbClr r="0" g="0" b="0"/>
+      </a:fillRef>
+      <a:effectRef idx="0">
+        <a:scrgbClr r="0" g="0" b="0"/>
+      </a:effectRef>
+      <a:fontRef idx="minor"/>
+    </dgm:style>
+  </dgm:styleLbl>
+  <dgm:styleLbl name="revTx">
+    <dgm:scene3d>
+      <a:camera prst="orthographicFront"/>
+      <a:lightRig rig="threePt" dir="t"/>
+    </dgm:scene3d>
+    <dgm:sp3d/>
+    <dgm:txPr/>
+    <dgm:style>
+      <a:lnRef idx="0">
+        <a:scrgbClr r="0" g="0" b="0"/>
+      </a:lnRef>
+      <a:fillRef idx="0">
+        <a:scrgbClr r="0" g="0" b="0"/>
+      </a:fillRef>
+      <a:effectRef idx="0">
+        <a:scrgbClr r="0" g="0" b="0"/>
+      </a:effectRef>
+      <a:fontRef idx="minor"/>
+    </dgm:style>
+  </dgm:styleLbl>
+</dgm:styleDef>
+</file>
+
 <file path=ppt/slideLayouts/slideLayout1.xml><?xml version="1.0" encoding="utf-8"?>
 <p:sldLayout xmlns:a="http://schemas.openxmlformats.org/drawingml/2006/main" xmlns:r="http://schemas.openxmlformats.org/officeDocument/2006/relationships" xmlns:p="http://schemas.openxmlformats.org/presentationml/2006/main" type="title" preserve="1">
-  <p:cSld name="Title Slide">
+  <p:cSld name="Diapositive de titre">
     <p:spTree>
       <p:nvGrpSpPr>
         <p:cNvPr id="1" name=""/>
@@ -149,13 +3050,7 @@
       </p:grpSpPr>
       <p:sp>
         <p:nvSpPr>
-          <p:cNvPr id="2" name="Title 1">
-            <a:extLst>
-              <a:ext uri="{FF2B5EF4-FFF2-40B4-BE49-F238E27FC236}">
-                <a16:creationId xmlns:a16="http://schemas.microsoft.com/office/drawing/2014/main" id="{7B640DE7-6823-44B5-B090-EAF03FC489E4}"/>
-              </a:ext>
-            </a:extLst>
-          </p:cNvPr>
+          <p:cNvPr id="2" name="Title 1"/>
           <p:cNvSpPr>
             <a:spLocks noGrp="1"/>
           </p:cNvSpPr>
@@ -178,21 +3073,16 @@
           </a:lstStyle>
           <a:p>
             <a:r>
-              <a:rPr lang="en-US"/>
-              <a:t>Click to edit Master title style</a:t>
-            </a:r>
+              <a:rPr lang="fr-FR"/>
+              <a:t>Modifiez le style du titre</a:t>
+            </a:r>
+            <a:endParaRPr lang="en-US" dirty="0"/>
           </a:p>
         </p:txBody>
       </p:sp>
       <p:sp>
         <p:nvSpPr>
-          <p:cNvPr id="3" name="Subtitle 2">
-            <a:extLst>
-              <a:ext uri="{FF2B5EF4-FFF2-40B4-BE49-F238E27FC236}">
-                <a16:creationId xmlns:a16="http://schemas.microsoft.com/office/drawing/2014/main" id="{61B863D1-8B59-4A46-9BD8-3A4E0436A7CD}"/>
-              </a:ext>
-            </a:extLst>
-          </p:cNvPr>
+          <p:cNvPr id="3" name="Subtitle 2"/>
           <p:cNvSpPr>
             <a:spLocks noGrp="1"/>
           </p:cNvSpPr>
@@ -248,21 +3138,16 @@
           </a:lstStyle>
           <a:p>
             <a:r>
-              <a:rPr lang="en-US"/>
-              <a:t>Click to edit Master subtitle style</a:t>
-            </a:r>
+              <a:rPr lang="fr-FR"/>
+              <a:t>Modifiez le style des sous-titres du masque</a:t>
+            </a:r>
+            <a:endParaRPr lang="en-US" dirty="0"/>
           </a:p>
         </p:txBody>
       </p:sp>
       <p:sp>
         <p:nvSpPr>
-          <p:cNvPr id="4" name="Date Placeholder 3">
-            <a:extLst>
-              <a:ext uri="{FF2B5EF4-FFF2-40B4-BE49-F238E27FC236}">
-                <a16:creationId xmlns:a16="http://schemas.microsoft.com/office/drawing/2014/main" id="{51BC307C-4C26-4D66-AAA3-EB8F87677001}"/>
-              </a:ext>
-            </a:extLst>
-          </p:cNvPr>
+          <p:cNvPr id="4" name="Date Placeholder 3"/>
           <p:cNvSpPr>
             <a:spLocks noGrp="1"/>
           </p:cNvSpPr>
@@ -277,7 +3162,7 @@
           <a:p>
             <a:fld id="{4DD873EF-7DB7-4C56-8802-0F14347075D3}" type="datetimeFigureOut">
               <a:rPr lang="en-US" smtClean="0"/>
-              <a:t>12/10/2021</a:t>
+              <a:t>12/12/2021</a:t>
             </a:fld>
             <a:endParaRPr lang="en-US"/>
           </a:p>
@@ -285,13 +3170,7 @@
       </p:sp>
       <p:sp>
         <p:nvSpPr>
-          <p:cNvPr id="5" name="Footer Placeholder 4">
-            <a:extLst>
-              <a:ext uri="{FF2B5EF4-FFF2-40B4-BE49-F238E27FC236}">
-                <a16:creationId xmlns:a16="http://schemas.microsoft.com/office/drawing/2014/main" id="{74680F8F-2C8A-408C-A95C-98F71A58E33B}"/>
-              </a:ext>
-            </a:extLst>
-          </p:cNvPr>
+          <p:cNvPr id="5" name="Footer Placeholder 4"/>
           <p:cNvSpPr>
             <a:spLocks noGrp="1"/>
           </p:cNvSpPr>
@@ -310,13 +3189,7 @@
       </p:sp>
       <p:sp>
         <p:nvSpPr>
-          <p:cNvPr id="6" name="Slide Number Placeholder 5">
-            <a:extLst>
-              <a:ext uri="{FF2B5EF4-FFF2-40B4-BE49-F238E27FC236}">
-                <a16:creationId xmlns:a16="http://schemas.microsoft.com/office/drawing/2014/main" id="{7EE9A5D2-A7C7-449E-8A73-C7B321D701AE}"/>
-              </a:ext>
-            </a:extLst>
-          </p:cNvPr>
+          <p:cNvPr id="6" name="Slide Number Placeholder 5"/>
           <p:cNvSpPr>
             <a:spLocks noGrp="1"/>
           </p:cNvSpPr>
@@ -331,7 +3204,7 @@
           <a:p>
             <a:fld id="{66044FAF-DAF1-45CA-B5A5-267E0ADF78A1}" type="slidenum">
               <a:rPr lang="en-US" smtClean="0"/>
-              <a:t>‹#›</a:t>
+              <a:t>‹N°›</a:t>
             </a:fld>
             <a:endParaRPr lang="en-US"/>
           </a:p>
@@ -340,7 +3213,7 @@
     </p:spTree>
     <p:extLst>
       <p:ext uri="{BB962C8B-B14F-4D97-AF65-F5344CB8AC3E}">
-        <p14:creationId xmlns:p14="http://schemas.microsoft.com/office/powerpoint/2010/main" val="3302808725"/>
+        <p14:creationId xmlns:p14="http://schemas.microsoft.com/office/powerpoint/2010/main" val="1310559255"/>
       </p:ext>
     </p:extLst>
   </p:cSld>
@@ -352,7 +3225,7 @@
 
 <file path=ppt/slideLayouts/slideLayout10.xml><?xml version="1.0" encoding="utf-8"?>
 <p:sldLayout xmlns:a="http://schemas.openxmlformats.org/drawingml/2006/main" xmlns:r="http://schemas.openxmlformats.org/officeDocument/2006/relationships" xmlns:p="http://schemas.openxmlformats.org/presentationml/2006/main" type="vertTx" preserve="1">
-  <p:cSld name="Title and Vertical Text">
+  <p:cSld name="Titre et texte vertical">
     <p:spTree>
       <p:nvGrpSpPr>
         <p:cNvPr id="1" name=""/>
@@ -369,13 +3242,7 @@
       </p:grpSpPr>
       <p:sp>
         <p:nvSpPr>
-          <p:cNvPr id="2" name="Title 1">
-            <a:extLst>
-              <a:ext uri="{FF2B5EF4-FFF2-40B4-BE49-F238E27FC236}">
-                <a16:creationId xmlns:a16="http://schemas.microsoft.com/office/drawing/2014/main" id="{7E39A47D-EF39-4706-B9B6-D4DBDBF59BE5}"/>
-              </a:ext>
-            </a:extLst>
-          </p:cNvPr>
+          <p:cNvPr id="2" name="Title 1"/>
           <p:cNvSpPr>
             <a:spLocks noGrp="1"/>
           </p:cNvSpPr>
@@ -389,21 +3256,16 @@
           <a:lstStyle/>
           <a:p>
             <a:r>
-              <a:rPr lang="en-US"/>
-              <a:t>Click to edit Master title style</a:t>
-            </a:r>
+              <a:rPr lang="fr-FR"/>
+              <a:t>Modifiez le style du titre</a:t>
+            </a:r>
+            <a:endParaRPr lang="en-US" dirty="0"/>
           </a:p>
         </p:txBody>
       </p:sp>
       <p:sp>
         <p:nvSpPr>
-          <p:cNvPr id="3" name="Vertical Text Placeholder 2">
-            <a:extLst>
-              <a:ext uri="{FF2B5EF4-FFF2-40B4-BE49-F238E27FC236}">
-                <a16:creationId xmlns:a16="http://schemas.microsoft.com/office/drawing/2014/main" id="{DE3E5618-D54F-4053-88FC-7A8EB469749A}"/>
-              </a:ext>
-            </a:extLst>
-          </p:cNvPr>
+          <p:cNvPr id="3" name="Vertical Text Placeholder 2"/>
           <p:cNvSpPr>
             <a:spLocks noGrp="1"/>
           </p:cNvSpPr>
@@ -418,49 +3280,44 @@
           <a:p>
             <a:pPr lvl="0"/>
             <a:r>
-              <a:rPr lang="en-US"/>
-              <a:t>Click to edit Master text styles</a:t>
+              <a:rPr lang="fr-FR"/>
+              <a:t>Cliquez pour modifier les styles du texte du masque</a:t>
             </a:r>
           </a:p>
           <a:p>
             <a:pPr lvl="1"/>
             <a:r>
-              <a:rPr lang="en-US"/>
-              <a:t>Second level</a:t>
+              <a:rPr lang="fr-FR"/>
+              <a:t>Deuxième niveau</a:t>
             </a:r>
           </a:p>
           <a:p>
             <a:pPr lvl="2"/>
             <a:r>
-              <a:rPr lang="en-US"/>
-              <a:t>Third level</a:t>
+              <a:rPr lang="fr-FR"/>
+              <a:t>Troisième niveau</a:t>
             </a:r>
           </a:p>
           <a:p>
             <a:pPr lvl="3"/>
             <a:r>
-              <a:rPr lang="en-US"/>
-              <a:t>Fourth level</a:t>
+              <a:rPr lang="fr-FR"/>
+              <a:t>Quatrième niveau</a:t>
             </a:r>
           </a:p>
           <a:p>
             <a:pPr lvl="4"/>
             <a:r>
-              <a:rPr lang="en-US"/>
-              <a:t>Fifth level</a:t>
-            </a:r>
+              <a:rPr lang="fr-FR"/>
+              <a:t>Cinquième niveau</a:t>
+            </a:r>
+            <a:endParaRPr lang="en-US" dirty="0"/>
           </a:p>
         </p:txBody>
       </p:sp>
       <p:sp>
         <p:nvSpPr>
-          <p:cNvPr id="4" name="Date Placeholder 3">
-            <a:extLst>
-              <a:ext uri="{FF2B5EF4-FFF2-40B4-BE49-F238E27FC236}">
-                <a16:creationId xmlns:a16="http://schemas.microsoft.com/office/drawing/2014/main" id="{697B4E79-79B6-435F-BCC0-617BC5FE4330}"/>
-              </a:ext>
-            </a:extLst>
-          </p:cNvPr>
+          <p:cNvPr id="4" name="Date Placeholder 3"/>
           <p:cNvSpPr>
             <a:spLocks noGrp="1"/>
           </p:cNvSpPr>
@@ -475,7 +3332,7 @@
           <a:p>
             <a:fld id="{4DD873EF-7DB7-4C56-8802-0F14347075D3}" type="datetimeFigureOut">
               <a:rPr lang="en-US" smtClean="0"/>
-              <a:t>12/10/2021</a:t>
+              <a:t>12/12/2021</a:t>
             </a:fld>
             <a:endParaRPr lang="en-US"/>
           </a:p>
@@ -483,13 +3340,7 @@
       </p:sp>
       <p:sp>
         <p:nvSpPr>
-          <p:cNvPr id="5" name="Footer Placeholder 4">
-            <a:extLst>
-              <a:ext uri="{FF2B5EF4-FFF2-40B4-BE49-F238E27FC236}">
-                <a16:creationId xmlns:a16="http://schemas.microsoft.com/office/drawing/2014/main" id="{FF7232E5-6497-4DE6-97AC-D65783667497}"/>
-              </a:ext>
-            </a:extLst>
-          </p:cNvPr>
+          <p:cNvPr id="5" name="Footer Placeholder 4"/>
           <p:cNvSpPr>
             <a:spLocks noGrp="1"/>
           </p:cNvSpPr>
@@ -508,13 +3359,7 @@
       </p:sp>
       <p:sp>
         <p:nvSpPr>
-          <p:cNvPr id="6" name="Slide Number Placeholder 5">
-            <a:extLst>
-              <a:ext uri="{FF2B5EF4-FFF2-40B4-BE49-F238E27FC236}">
-                <a16:creationId xmlns:a16="http://schemas.microsoft.com/office/drawing/2014/main" id="{E482FBCA-B654-4C1F-AD51-DCAF0135F634}"/>
-              </a:ext>
-            </a:extLst>
-          </p:cNvPr>
+          <p:cNvPr id="6" name="Slide Number Placeholder 5"/>
           <p:cNvSpPr>
             <a:spLocks noGrp="1"/>
           </p:cNvSpPr>
@@ -529,7 +3374,7 @@
           <a:p>
             <a:fld id="{66044FAF-DAF1-45CA-B5A5-267E0ADF78A1}" type="slidenum">
               <a:rPr lang="en-US" smtClean="0"/>
-              <a:t>‹#›</a:t>
+              <a:t>‹N°›</a:t>
             </a:fld>
             <a:endParaRPr lang="en-US"/>
           </a:p>
@@ -538,7 +3383,7 @@
     </p:spTree>
     <p:extLst>
       <p:ext uri="{BB962C8B-B14F-4D97-AF65-F5344CB8AC3E}">
-        <p14:creationId xmlns:p14="http://schemas.microsoft.com/office/powerpoint/2010/main" val="3293480967"/>
+        <p14:creationId xmlns:p14="http://schemas.microsoft.com/office/powerpoint/2010/main" val="2823515490"/>
       </p:ext>
     </p:extLst>
   </p:cSld>
@@ -550,7 +3395,7 @@
 
 <file path=ppt/slideLayouts/slideLayout11.xml><?xml version="1.0" encoding="utf-8"?>
 <p:sldLayout xmlns:a="http://schemas.openxmlformats.org/drawingml/2006/main" xmlns:r="http://schemas.openxmlformats.org/officeDocument/2006/relationships" xmlns:p="http://schemas.openxmlformats.org/presentationml/2006/main" type="vertTitleAndTx" preserve="1">
-  <p:cSld name="Vertical Title and Text">
+  <p:cSld name="Titre vertical et texte">
     <p:spTree>
       <p:nvGrpSpPr>
         <p:cNvPr id="1" name=""/>
@@ -567,13 +3412,7 @@
       </p:grpSpPr>
       <p:sp>
         <p:nvSpPr>
-          <p:cNvPr id="2" name="Vertical Title 1">
-            <a:extLst>
-              <a:ext uri="{FF2B5EF4-FFF2-40B4-BE49-F238E27FC236}">
-                <a16:creationId xmlns:a16="http://schemas.microsoft.com/office/drawing/2014/main" id="{6DF8DBC2-592B-4B5C-9733-A1A221AB0A2D}"/>
-              </a:ext>
-            </a:extLst>
-          </p:cNvPr>
+          <p:cNvPr id="2" name="Vertical Title 1"/>
           <p:cNvSpPr>
             <a:spLocks noGrp="1"/>
           </p:cNvSpPr>
@@ -592,21 +3431,16 @@
           <a:lstStyle/>
           <a:p>
             <a:r>
-              <a:rPr lang="en-US"/>
-              <a:t>Click to edit Master title style</a:t>
-            </a:r>
+              <a:rPr lang="fr-FR"/>
+              <a:t>Modifiez le style du titre</a:t>
+            </a:r>
+            <a:endParaRPr lang="en-US" dirty="0"/>
           </a:p>
         </p:txBody>
       </p:sp>
       <p:sp>
         <p:nvSpPr>
-          <p:cNvPr id="3" name="Vertical Text Placeholder 2">
-            <a:extLst>
-              <a:ext uri="{FF2B5EF4-FFF2-40B4-BE49-F238E27FC236}">
-                <a16:creationId xmlns:a16="http://schemas.microsoft.com/office/drawing/2014/main" id="{C89DEE5D-CBE3-4638-A268-A2C4F9423ED7}"/>
-              </a:ext>
-            </a:extLst>
-          </p:cNvPr>
+          <p:cNvPr id="3" name="Vertical Text Placeholder 2"/>
           <p:cNvSpPr>
             <a:spLocks noGrp="1"/>
           </p:cNvSpPr>
@@ -626,49 +3460,44 @@
           <a:p>
             <a:pPr lvl="0"/>
             <a:r>
-              <a:rPr lang="en-US"/>
-              <a:t>Click to edit Master text styles</a:t>
+              <a:rPr lang="fr-FR"/>
+              <a:t>Cliquez pour modifier les styles du texte du masque</a:t>
             </a:r>
           </a:p>
           <a:p>
             <a:pPr lvl="1"/>
             <a:r>
-              <a:rPr lang="en-US"/>
-              <a:t>Second level</a:t>
+              <a:rPr lang="fr-FR"/>
+              <a:t>Deuxième niveau</a:t>
             </a:r>
           </a:p>
           <a:p>
             <a:pPr lvl="2"/>
             <a:r>
-              <a:rPr lang="en-US"/>
-              <a:t>Third level</a:t>
+              <a:rPr lang="fr-FR"/>
+              <a:t>Troisième niveau</a:t>
             </a:r>
           </a:p>
           <a:p>
             <a:pPr lvl="3"/>
             <a:r>
-              <a:rPr lang="en-US"/>
-              <a:t>Fourth level</a:t>
+              <a:rPr lang="fr-FR"/>
+              <a:t>Quatrième niveau</a:t>
             </a:r>
           </a:p>
           <a:p>
             <a:pPr lvl="4"/>
             <a:r>
-              <a:rPr lang="en-US"/>
-              <a:t>Fifth level</a:t>
-            </a:r>
+              <a:rPr lang="fr-FR"/>
+              <a:t>Cinquième niveau</a:t>
+            </a:r>
+            <a:endParaRPr lang="en-US" dirty="0"/>
           </a:p>
         </p:txBody>
       </p:sp>
       <p:sp>
         <p:nvSpPr>
-          <p:cNvPr id="4" name="Date Placeholder 3">
-            <a:extLst>
-              <a:ext uri="{FF2B5EF4-FFF2-40B4-BE49-F238E27FC236}">
-                <a16:creationId xmlns:a16="http://schemas.microsoft.com/office/drawing/2014/main" id="{C4F118E0-5A02-4C7F-9928-B26BE5CAED93}"/>
-              </a:ext>
-            </a:extLst>
-          </p:cNvPr>
+          <p:cNvPr id="4" name="Date Placeholder 3"/>
           <p:cNvSpPr>
             <a:spLocks noGrp="1"/>
           </p:cNvSpPr>
@@ -683,7 +3512,7 @@
           <a:p>
             <a:fld id="{4DD873EF-7DB7-4C56-8802-0F14347075D3}" type="datetimeFigureOut">
               <a:rPr lang="en-US" smtClean="0"/>
-              <a:t>12/10/2021</a:t>
+              <a:t>12/12/2021</a:t>
             </a:fld>
             <a:endParaRPr lang="en-US"/>
           </a:p>
@@ -691,13 +3520,7 @@
       </p:sp>
       <p:sp>
         <p:nvSpPr>
-          <p:cNvPr id="5" name="Footer Placeholder 4">
-            <a:extLst>
-              <a:ext uri="{FF2B5EF4-FFF2-40B4-BE49-F238E27FC236}">
-                <a16:creationId xmlns:a16="http://schemas.microsoft.com/office/drawing/2014/main" id="{9A281B5E-FAC8-4846-91D5-9E9D17FC433A}"/>
-              </a:ext>
-            </a:extLst>
-          </p:cNvPr>
+          <p:cNvPr id="5" name="Footer Placeholder 4"/>
           <p:cNvSpPr>
             <a:spLocks noGrp="1"/>
           </p:cNvSpPr>
@@ -716,13 +3539,7 @@
       </p:sp>
       <p:sp>
         <p:nvSpPr>
-          <p:cNvPr id="6" name="Slide Number Placeholder 5">
-            <a:extLst>
-              <a:ext uri="{FF2B5EF4-FFF2-40B4-BE49-F238E27FC236}">
-                <a16:creationId xmlns:a16="http://schemas.microsoft.com/office/drawing/2014/main" id="{2F0A5E5C-D122-4B8F-8382-95EA3E99BD9E}"/>
-              </a:ext>
-            </a:extLst>
-          </p:cNvPr>
+          <p:cNvPr id="6" name="Slide Number Placeholder 5"/>
           <p:cNvSpPr>
             <a:spLocks noGrp="1"/>
           </p:cNvSpPr>
@@ -737,7 +3554,7 @@
           <a:p>
             <a:fld id="{66044FAF-DAF1-45CA-B5A5-267E0ADF78A1}" type="slidenum">
               <a:rPr lang="en-US" smtClean="0"/>
-              <a:t>‹#›</a:t>
+              <a:t>‹N°›</a:t>
             </a:fld>
             <a:endParaRPr lang="en-US"/>
           </a:p>
@@ -746,7 +3563,7 @@
     </p:spTree>
     <p:extLst>
       <p:ext uri="{BB962C8B-B14F-4D97-AF65-F5344CB8AC3E}">
-        <p14:creationId xmlns:p14="http://schemas.microsoft.com/office/powerpoint/2010/main" val="3238923160"/>
+        <p14:creationId xmlns:p14="http://schemas.microsoft.com/office/powerpoint/2010/main" val="885472400"/>
       </p:ext>
     </p:extLst>
   </p:cSld>
@@ -758,7 +3575,7 @@
 
 <file path=ppt/slideLayouts/slideLayout2.xml><?xml version="1.0" encoding="utf-8"?>
 <p:sldLayout xmlns:a="http://schemas.openxmlformats.org/drawingml/2006/main" xmlns:r="http://schemas.openxmlformats.org/officeDocument/2006/relationships" xmlns:p="http://schemas.openxmlformats.org/presentationml/2006/main" type="obj" preserve="1">
-  <p:cSld name="Title and Content">
+  <p:cSld name="Titre et contenu">
     <p:spTree>
       <p:nvGrpSpPr>
         <p:cNvPr id="1" name=""/>
@@ -775,13 +3592,7 @@
       </p:grpSpPr>
       <p:sp>
         <p:nvSpPr>
-          <p:cNvPr id="2" name="Title 1">
-            <a:extLst>
-              <a:ext uri="{FF2B5EF4-FFF2-40B4-BE49-F238E27FC236}">
-                <a16:creationId xmlns:a16="http://schemas.microsoft.com/office/drawing/2014/main" id="{D8CE957D-5EF8-4D16-A143-1C438F3D24A4}"/>
-              </a:ext>
-            </a:extLst>
-          </p:cNvPr>
+          <p:cNvPr id="2" name="Title 1"/>
           <p:cNvSpPr>
             <a:spLocks noGrp="1"/>
           </p:cNvSpPr>
@@ -795,21 +3606,16 @@
           <a:lstStyle/>
           <a:p>
             <a:r>
-              <a:rPr lang="en-US"/>
-              <a:t>Click to edit Master title style</a:t>
-            </a:r>
+              <a:rPr lang="fr-FR"/>
+              <a:t>Modifiez le style du titre</a:t>
+            </a:r>
+            <a:endParaRPr lang="en-US" dirty="0"/>
           </a:p>
         </p:txBody>
       </p:sp>
       <p:sp>
         <p:nvSpPr>
-          <p:cNvPr id="3" name="Content Placeholder 2">
-            <a:extLst>
-              <a:ext uri="{FF2B5EF4-FFF2-40B4-BE49-F238E27FC236}">
-                <a16:creationId xmlns:a16="http://schemas.microsoft.com/office/drawing/2014/main" id="{6D0FF949-8F45-4B63-BC83-10F95D978417}"/>
-              </a:ext>
-            </a:extLst>
-          </p:cNvPr>
+          <p:cNvPr id="3" name="Content Placeholder 2"/>
           <p:cNvSpPr>
             <a:spLocks noGrp="1"/>
           </p:cNvSpPr>
@@ -824,49 +3630,44 @@
           <a:p>
             <a:pPr lvl="0"/>
             <a:r>
-              <a:rPr lang="en-US"/>
-              <a:t>Click to edit Master text styles</a:t>
+              <a:rPr lang="fr-FR"/>
+              <a:t>Cliquez pour modifier les styles du texte du masque</a:t>
             </a:r>
           </a:p>
           <a:p>
             <a:pPr lvl="1"/>
             <a:r>
-              <a:rPr lang="en-US"/>
-              <a:t>Second level</a:t>
+              <a:rPr lang="fr-FR"/>
+              <a:t>Deuxième niveau</a:t>
             </a:r>
           </a:p>
           <a:p>
             <a:pPr lvl="2"/>
             <a:r>
-              <a:rPr lang="en-US"/>
-              <a:t>Third level</a:t>
+              <a:rPr lang="fr-FR"/>
+              <a:t>Troisième niveau</a:t>
             </a:r>
           </a:p>
           <a:p>
             <a:pPr lvl="3"/>
             <a:r>
-              <a:rPr lang="en-US"/>
-              <a:t>Fourth level</a:t>
+              <a:rPr lang="fr-FR"/>
+              <a:t>Quatrième niveau</a:t>
             </a:r>
           </a:p>
           <a:p>
             <a:pPr lvl="4"/>
             <a:r>
-              <a:rPr lang="en-US"/>
-              <a:t>Fifth level</a:t>
-            </a:r>
+              <a:rPr lang="fr-FR"/>
+              <a:t>Cinquième niveau</a:t>
+            </a:r>
+            <a:endParaRPr lang="en-US" dirty="0"/>
           </a:p>
         </p:txBody>
       </p:sp>
       <p:sp>
         <p:nvSpPr>
-          <p:cNvPr id="4" name="Date Placeholder 3">
-            <a:extLst>
-              <a:ext uri="{FF2B5EF4-FFF2-40B4-BE49-F238E27FC236}">
-                <a16:creationId xmlns:a16="http://schemas.microsoft.com/office/drawing/2014/main" id="{CBE3DD39-3EAB-4F4B-9E6F-EFE643C9DB55}"/>
-              </a:ext>
-            </a:extLst>
-          </p:cNvPr>
+          <p:cNvPr id="4" name="Date Placeholder 3"/>
           <p:cNvSpPr>
             <a:spLocks noGrp="1"/>
           </p:cNvSpPr>
@@ -881,7 +3682,7 @@
           <a:p>
             <a:fld id="{4DD873EF-7DB7-4C56-8802-0F14347075D3}" type="datetimeFigureOut">
               <a:rPr lang="en-US" smtClean="0"/>
-              <a:t>12/10/2021</a:t>
+              <a:t>12/12/2021</a:t>
             </a:fld>
             <a:endParaRPr lang="en-US"/>
           </a:p>
@@ -889,13 +3690,7 @@
       </p:sp>
       <p:sp>
         <p:nvSpPr>
-          <p:cNvPr id="5" name="Footer Placeholder 4">
-            <a:extLst>
-              <a:ext uri="{FF2B5EF4-FFF2-40B4-BE49-F238E27FC236}">
-                <a16:creationId xmlns:a16="http://schemas.microsoft.com/office/drawing/2014/main" id="{F9793AB6-4334-45D1-8D83-D9C077A4C091}"/>
-              </a:ext>
-            </a:extLst>
-          </p:cNvPr>
+          <p:cNvPr id="5" name="Footer Placeholder 4"/>
           <p:cNvSpPr>
             <a:spLocks noGrp="1"/>
           </p:cNvSpPr>
@@ -914,13 +3709,7 @@
       </p:sp>
       <p:sp>
         <p:nvSpPr>
-          <p:cNvPr id="6" name="Slide Number Placeholder 5">
-            <a:extLst>
-              <a:ext uri="{FF2B5EF4-FFF2-40B4-BE49-F238E27FC236}">
-                <a16:creationId xmlns:a16="http://schemas.microsoft.com/office/drawing/2014/main" id="{F672810F-8EB5-4886-AC07-6ABF7E0596F8}"/>
-              </a:ext>
-            </a:extLst>
-          </p:cNvPr>
+          <p:cNvPr id="6" name="Slide Number Placeholder 5"/>
           <p:cNvSpPr>
             <a:spLocks noGrp="1"/>
           </p:cNvSpPr>
@@ -935,7 +3724,7 @@
           <a:p>
             <a:fld id="{66044FAF-DAF1-45CA-B5A5-267E0ADF78A1}" type="slidenum">
               <a:rPr lang="en-US" smtClean="0"/>
-              <a:t>‹#›</a:t>
+              <a:t>‹N°›</a:t>
             </a:fld>
             <a:endParaRPr lang="en-US"/>
           </a:p>
@@ -944,7 +3733,7 @@
     </p:spTree>
     <p:extLst>
       <p:ext uri="{BB962C8B-B14F-4D97-AF65-F5344CB8AC3E}">
-        <p14:creationId xmlns:p14="http://schemas.microsoft.com/office/powerpoint/2010/main" val="369532668"/>
+        <p14:creationId xmlns:p14="http://schemas.microsoft.com/office/powerpoint/2010/main" val="1561825995"/>
       </p:ext>
     </p:extLst>
   </p:cSld>
@@ -956,7 +3745,7 @@
 
 <file path=ppt/slideLayouts/slideLayout3.xml><?xml version="1.0" encoding="utf-8"?>
 <p:sldLayout xmlns:a="http://schemas.openxmlformats.org/drawingml/2006/main" xmlns:r="http://schemas.openxmlformats.org/officeDocument/2006/relationships" xmlns:p="http://schemas.openxmlformats.org/presentationml/2006/main" type="secHead" preserve="1">
-  <p:cSld name="Section Header">
+  <p:cSld name="Titre de section">
     <p:spTree>
       <p:nvGrpSpPr>
         <p:cNvPr id="1" name=""/>
@@ -973,13 +3762,7 @@
       </p:grpSpPr>
       <p:sp>
         <p:nvSpPr>
-          <p:cNvPr id="2" name="Title 1">
-            <a:extLst>
-              <a:ext uri="{FF2B5EF4-FFF2-40B4-BE49-F238E27FC236}">
-                <a16:creationId xmlns:a16="http://schemas.microsoft.com/office/drawing/2014/main" id="{AA09C82D-717C-44C6-9DDA-540940D6B1B3}"/>
-              </a:ext>
-            </a:extLst>
-          </p:cNvPr>
+          <p:cNvPr id="2" name="Title 1"/>
           <p:cNvSpPr>
             <a:spLocks noGrp="1"/>
           </p:cNvSpPr>
@@ -1002,21 +3785,16 @@
           </a:lstStyle>
           <a:p>
             <a:r>
-              <a:rPr lang="en-US"/>
-              <a:t>Click to edit Master title style</a:t>
-            </a:r>
+              <a:rPr lang="fr-FR"/>
+              <a:t>Modifiez le style du titre</a:t>
+            </a:r>
+            <a:endParaRPr lang="en-US" dirty="0"/>
           </a:p>
         </p:txBody>
       </p:sp>
       <p:sp>
         <p:nvSpPr>
-          <p:cNvPr id="3" name="Text Placeholder 2">
-            <a:extLst>
-              <a:ext uri="{FF2B5EF4-FFF2-40B4-BE49-F238E27FC236}">
-                <a16:creationId xmlns:a16="http://schemas.microsoft.com/office/drawing/2014/main" id="{236CBD5A-A12B-47C5-BB0F-D55341E9ED07}"/>
-              </a:ext>
-            </a:extLst>
-          </p:cNvPr>
+          <p:cNvPr id="3" name="Text Placeholder 2"/>
           <p:cNvSpPr>
             <a:spLocks noGrp="1"/>
           </p:cNvSpPr>
@@ -1127,21 +3905,15 @@
           <a:p>
             <a:pPr lvl="0"/>
             <a:r>
-              <a:rPr lang="en-US"/>
-              <a:t>Click to edit Master text styles</a:t>
+              <a:rPr lang="fr-FR"/>
+              <a:t>Cliquez pour modifier les styles du texte du masque</a:t>
             </a:r>
           </a:p>
         </p:txBody>
       </p:sp>
       <p:sp>
         <p:nvSpPr>
-          <p:cNvPr id="4" name="Date Placeholder 3">
-            <a:extLst>
-              <a:ext uri="{FF2B5EF4-FFF2-40B4-BE49-F238E27FC236}">
-                <a16:creationId xmlns:a16="http://schemas.microsoft.com/office/drawing/2014/main" id="{3733D721-57F4-4B52-927F-8E6EE321CED1}"/>
-              </a:ext>
-            </a:extLst>
-          </p:cNvPr>
+          <p:cNvPr id="4" name="Date Placeholder 3"/>
           <p:cNvSpPr>
             <a:spLocks noGrp="1"/>
           </p:cNvSpPr>
@@ -1156,7 +3928,7 @@
           <a:p>
             <a:fld id="{4DD873EF-7DB7-4C56-8802-0F14347075D3}" type="datetimeFigureOut">
               <a:rPr lang="en-US" smtClean="0"/>
-              <a:t>12/10/2021</a:t>
+              <a:t>12/12/2021</a:t>
             </a:fld>
             <a:endParaRPr lang="en-US"/>
           </a:p>
@@ -1164,13 +3936,7 @@
       </p:sp>
       <p:sp>
         <p:nvSpPr>
-          <p:cNvPr id="5" name="Footer Placeholder 4">
-            <a:extLst>
-              <a:ext uri="{FF2B5EF4-FFF2-40B4-BE49-F238E27FC236}">
-                <a16:creationId xmlns:a16="http://schemas.microsoft.com/office/drawing/2014/main" id="{292A7217-9B7B-4E9D-B1B1-F0F5E19A7628}"/>
-              </a:ext>
-            </a:extLst>
-          </p:cNvPr>
+          <p:cNvPr id="5" name="Footer Placeholder 4"/>
           <p:cNvSpPr>
             <a:spLocks noGrp="1"/>
           </p:cNvSpPr>
@@ -1189,13 +3955,7 @@
       </p:sp>
       <p:sp>
         <p:nvSpPr>
-          <p:cNvPr id="6" name="Slide Number Placeholder 5">
-            <a:extLst>
-              <a:ext uri="{FF2B5EF4-FFF2-40B4-BE49-F238E27FC236}">
-                <a16:creationId xmlns:a16="http://schemas.microsoft.com/office/drawing/2014/main" id="{B9AF5FF5-0340-401E-B6B7-5E549A9F7D6A}"/>
-              </a:ext>
-            </a:extLst>
-          </p:cNvPr>
+          <p:cNvPr id="6" name="Slide Number Placeholder 5"/>
           <p:cNvSpPr>
             <a:spLocks noGrp="1"/>
           </p:cNvSpPr>
@@ -1210,7 +3970,7 @@
           <a:p>
             <a:fld id="{66044FAF-DAF1-45CA-B5A5-267E0ADF78A1}" type="slidenum">
               <a:rPr lang="en-US" smtClean="0"/>
-              <a:t>‹#›</a:t>
+              <a:t>‹N°›</a:t>
             </a:fld>
             <a:endParaRPr lang="en-US"/>
           </a:p>
@@ -1219,7 +3979,7 @@
     </p:spTree>
     <p:extLst>
       <p:ext uri="{BB962C8B-B14F-4D97-AF65-F5344CB8AC3E}">
-        <p14:creationId xmlns:p14="http://schemas.microsoft.com/office/powerpoint/2010/main" val="3232370239"/>
+        <p14:creationId xmlns:p14="http://schemas.microsoft.com/office/powerpoint/2010/main" val="1227216937"/>
       </p:ext>
     </p:extLst>
   </p:cSld>
@@ -1231,7 +3991,7 @@
 
 <file path=ppt/slideLayouts/slideLayout4.xml><?xml version="1.0" encoding="utf-8"?>
 <p:sldLayout xmlns:a="http://schemas.openxmlformats.org/drawingml/2006/main" xmlns:r="http://schemas.openxmlformats.org/officeDocument/2006/relationships" xmlns:p="http://schemas.openxmlformats.org/presentationml/2006/main" type="twoObj" preserve="1">
-  <p:cSld name="Two Content">
+  <p:cSld name="Deux contenus">
     <p:spTree>
       <p:nvGrpSpPr>
         <p:cNvPr id="1" name=""/>
@@ -1248,13 +4008,7 @@
       </p:grpSpPr>
       <p:sp>
         <p:nvSpPr>
-          <p:cNvPr id="2" name="Title 1">
-            <a:extLst>
-              <a:ext uri="{FF2B5EF4-FFF2-40B4-BE49-F238E27FC236}">
-                <a16:creationId xmlns:a16="http://schemas.microsoft.com/office/drawing/2014/main" id="{BEBB7FCB-1D03-4D12-9D37-240A7DCEC73A}"/>
-              </a:ext>
-            </a:extLst>
-          </p:cNvPr>
+          <p:cNvPr id="2" name="Title 1"/>
           <p:cNvSpPr>
             <a:spLocks noGrp="1"/>
           </p:cNvSpPr>
@@ -1268,21 +4022,16 @@
           <a:lstStyle/>
           <a:p>
             <a:r>
-              <a:rPr lang="en-US"/>
-              <a:t>Click to edit Master title style</a:t>
-            </a:r>
+              <a:rPr lang="fr-FR"/>
+              <a:t>Modifiez le style du titre</a:t>
+            </a:r>
+            <a:endParaRPr lang="en-US" dirty="0"/>
           </a:p>
         </p:txBody>
       </p:sp>
       <p:sp>
         <p:nvSpPr>
-          <p:cNvPr id="3" name="Content Placeholder 2">
-            <a:extLst>
-              <a:ext uri="{FF2B5EF4-FFF2-40B4-BE49-F238E27FC236}">
-                <a16:creationId xmlns:a16="http://schemas.microsoft.com/office/drawing/2014/main" id="{1DD649FD-44D1-4312-A69C-37FCFB99B680}"/>
-              </a:ext>
-            </a:extLst>
-          </p:cNvPr>
+          <p:cNvPr id="3" name="Content Placeholder 2"/>
           <p:cNvSpPr>
             <a:spLocks noGrp="1"/>
           </p:cNvSpPr>
@@ -1302,49 +4051,44 @@
           <a:p>
             <a:pPr lvl="0"/>
             <a:r>
-              <a:rPr lang="en-US"/>
-              <a:t>Click to edit Master text styles</a:t>
+              <a:rPr lang="fr-FR"/>
+              <a:t>Cliquez pour modifier les styles du texte du masque</a:t>
             </a:r>
           </a:p>
           <a:p>
             <a:pPr lvl="1"/>
             <a:r>
-              <a:rPr lang="en-US"/>
-              <a:t>Second level</a:t>
+              <a:rPr lang="fr-FR"/>
+              <a:t>Deuxième niveau</a:t>
             </a:r>
           </a:p>
           <a:p>
             <a:pPr lvl="2"/>
             <a:r>
-              <a:rPr lang="en-US"/>
-              <a:t>Third level</a:t>
+              <a:rPr lang="fr-FR"/>
+              <a:t>Troisième niveau</a:t>
             </a:r>
           </a:p>
           <a:p>
             <a:pPr lvl="3"/>
             <a:r>
-              <a:rPr lang="en-US"/>
-              <a:t>Fourth level</a:t>
+              <a:rPr lang="fr-FR"/>
+              <a:t>Quatrième niveau</a:t>
             </a:r>
           </a:p>
           <a:p>
             <a:pPr lvl="4"/>
             <a:r>
-              <a:rPr lang="en-US"/>
-              <a:t>Fifth level</a:t>
-            </a:r>
+              <a:rPr lang="fr-FR"/>
+              <a:t>Cinquième niveau</a:t>
+            </a:r>
+            <a:endParaRPr lang="en-US" dirty="0"/>
           </a:p>
         </p:txBody>
       </p:sp>
       <p:sp>
         <p:nvSpPr>
-          <p:cNvPr id="4" name="Content Placeholder 3">
-            <a:extLst>
-              <a:ext uri="{FF2B5EF4-FFF2-40B4-BE49-F238E27FC236}">
-                <a16:creationId xmlns:a16="http://schemas.microsoft.com/office/drawing/2014/main" id="{E9F07B7D-0ADE-4410-B887-9C54EDA97D46}"/>
-              </a:ext>
-            </a:extLst>
-          </p:cNvPr>
+          <p:cNvPr id="4" name="Content Placeholder 3"/>
           <p:cNvSpPr>
             <a:spLocks noGrp="1"/>
           </p:cNvSpPr>
@@ -1364,49 +4108,44 @@
           <a:p>
             <a:pPr lvl="0"/>
             <a:r>
-              <a:rPr lang="en-US"/>
-              <a:t>Click to edit Master text styles</a:t>
+              <a:rPr lang="fr-FR"/>
+              <a:t>Cliquez pour modifier les styles du texte du masque</a:t>
             </a:r>
           </a:p>
           <a:p>
             <a:pPr lvl="1"/>
             <a:r>
-              <a:rPr lang="en-US"/>
-              <a:t>Second level</a:t>
+              <a:rPr lang="fr-FR"/>
+              <a:t>Deuxième niveau</a:t>
             </a:r>
           </a:p>
           <a:p>
             <a:pPr lvl="2"/>
             <a:r>
-              <a:rPr lang="en-US"/>
-              <a:t>Third level</a:t>
+              <a:rPr lang="fr-FR"/>
+              <a:t>Troisième niveau</a:t>
             </a:r>
           </a:p>
           <a:p>
             <a:pPr lvl="3"/>
             <a:r>
-              <a:rPr lang="en-US"/>
-              <a:t>Fourth level</a:t>
+              <a:rPr lang="fr-FR"/>
+              <a:t>Quatrième niveau</a:t>
             </a:r>
           </a:p>
           <a:p>
             <a:pPr lvl="4"/>
             <a:r>
-              <a:rPr lang="en-US"/>
-              <a:t>Fifth level</a:t>
-            </a:r>
+              <a:rPr lang="fr-FR"/>
+              <a:t>Cinquième niveau</a:t>
+            </a:r>
+            <a:endParaRPr lang="en-US" dirty="0"/>
           </a:p>
         </p:txBody>
       </p:sp>
       <p:sp>
         <p:nvSpPr>
-          <p:cNvPr id="5" name="Date Placeholder 4">
-            <a:extLst>
-              <a:ext uri="{FF2B5EF4-FFF2-40B4-BE49-F238E27FC236}">
-                <a16:creationId xmlns:a16="http://schemas.microsoft.com/office/drawing/2014/main" id="{99A434A2-A77C-4F62-A51E-9EDE779F388B}"/>
-              </a:ext>
-            </a:extLst>
-          </p:cNvPr>
+          <p:cNvPr id="5" name="Date Placeholder 4"/>
           <p:cNvSpPr>
             <a:spLocks noGrp="1"/>
           </p:cNvSpPr>
@@ -1421,7 +4160,7 @@
           <a:p>
             <a:fld id="{4DD873EF-7DB7-4C56-8802-0F14347075D3}" type="datetimeFigureOut">
               <a:rPr lang="en-US" smtClean="0"/>
-              <a:t>12/10/2021</a:t>
+              <a:t>12/12/2021</a:t>
             </a:fld>
             <a:endParaRPr lang="en-US"/>
           </a:p>
@@ -1429,13 +4168,7 @@
       </p:sp>
       <p:sp>
         <p:nvSpPr>
-          <p:cNvPr id="6" name="Footer Placeholder 5">
-            <a:extLst>
-              <a:ext uri="{FF2B5EF4-FFF2-40B4-BE49-F238E27FC236}">
-                <a16:creationId xmlns:a16="http://schemas.microsoft.com/office/drawing/2014/main" id="{56AB2D95-14EB-4D27-B4ED-0C8F155FDA6B}"/>
-              </a:ext>
-            </a:extLst>
-          </p:cNvPr>
+          <p:cNvPr id="6" name="Footer Placeholder 5"/>
           <p:cNvSpPr>
             <a:spLocks noGrp="1"/>
           </p:cNvSpPr>
@@ -1454,13 +4187,7 @@
       </p:sp>
       <p:sp>
         <p:nvSpPr>
-          <p:cNvPr id="7" name="Slide Number Placeholder 6">
-            <a:extLst>
-              <a:ext uri="{FF2B5EF4-FFF2-40B4-BE49-F238E27FC236}">
-                <a16:creationId xmlns:a16="http://schemas.microsoft.com/office/drawing/2014/main" id="{8A2D6385-44F2-407E-9588-04BAB34E85F1}"/>
-              </a:ext>
-            </a:extLst>
-          </p:cNvPr>
+          <p:cNvPr id="7" name="Slide Number Placeholder 6"/>
           <p:cNvSpPr>
             <a:spLocks noGrp="1"/>
           </p:cNvSpPr>
@@ -1475,7 +4202,7 @@
           <a:p>
             <a:fld id="{66044FAF-DAF1-45CA-B5A5-267E0ADF78A1}" type="slidenum">
               <a:rPr lang="en-US" smtClean="0"/>
-              <a:t>‹#›</a:t>
+              <a:t>‹N°›</a:t>
             </a:fld>
             <a:endParaRPr lang="en-US"/>
           </a:p>
@@ -1484,7 +4211,7 @@
     </p:spTree>
     <p:extLst>
       <p:ext uri="{BB962C8B-B14F-4D97-AF65-F5344CB8AC3E}">
-        <p14:creationId xmlns:p14="http://schemas.microsoft.com/office/powerpoint/2010/main" val="1052599453"/>
+        <p14:creationId xmlns:p14="http://schemas.microsoft.com/office/powerpoint/2010/main" val="4119752920"/>
       </p:ext>
     </p:extLst>
   </p:cSld>
@@ -1496,7 +4223,7 @@
 
 <file path=ppt/slideLayouts/slideLayout5.xml><?xml version="1.0" encoding="utf-8"?>
 <p:sldLayout xmlns:a="http://schemas.openxmlformats.org/drawingml/2006/main" xmlns:r="http://schemas.openxmlformats.org/officeDocument/2006/relationships" xmlns:p="http://schemas.openxmlformats.org/presentationml/2006/main" type="twoTxTwoObj" preserve="1">
-  <p:cSld name="Comparison">
+  <p:cSld name="Comparaison">
     <p:spTree>
       <p:nvGrpSpPr>
         <p:cNvPr id="1" name=""/>
@@ -1513,13 +4240,7 @@
       </p:grpSpPr>
       <p:sp>
         <p:nvSpPr>
-          <p:cNvPr id="2" name="Title 1">
-            <a:extLst>
-              <a:ext uri="{FF2B5EF4-FFF2-40B4-BE49-F238E27FC236}">
-                <a16:creationId xmlns:a16="http://schemas.microsoft.com/office/drawing/2014/main" id="{58A35FAE-8A27-4FFC-927B-630AD0236276}"/>
-              </a:ext>
-            </a:extLst>
-          </p:cNvPr>
+          <p:cNvPr id="2" name="Title 1"/>
           <p:cNvSpPr>
             <a:spLocks noGrp="1"/>
           </p:cNvSpPr>
@@ -1538,21 +4259,16 @@
           <a:lstStyle/>
           <a:p>
             <a:r>
-              <a:rPr lang="en-US"/>
-              <a:t>Click to edit Master title style</a:t>
-            </a:r>
+              <a:rPr lang="fr-FR"/>
+              <a:t>Modifiez le style du titre</a:t>
+            </a:r>
+            <a:endParaRPr lang="en-US" dirty="0"/>
           </a:p>
         </p:txBody>
       </p:sp>
       <p:sp>
         <p:nvSpPr>
-          <p:cNvPr id="3" name="Text Placeholder 2">
-            <a:extLst>
-              <a:ext uri="{FF2B5EF4-FFF2-40B4-BE49-F238E27FC236}">
-                <a16:creationId xmlns:a16="http://schemas.microsoft.com/office/drawing/2014/main" id="{0B9A95DF-79C4-4458-8F66-68052D2C88D9}"/>
-              </a:ext>
-            </a:extLst>
-          </p:cNvPr>
+          <p:cNvPr id="3" name="Text Placeholder 2"/>
           <p:cNvSpPr>
             <a:spLocks noGrp="1"/>
           </p:cNvSpPr>
@@ -1609,21 +4325,15 @@
           <a:p>
             <a:pPr lvl="0"/>
             <a:r>
-              <a:rPr lang="en-US"/>
-              <a:t>Click to edit Master text styles</a:t>
+              <a:rPr lang="fr-FR"/>
+              <a:t>Cliquez pour modifier les styles du texte du masque</a:t>
             </a:r>
           </a:p>
         </p:txBody>
       </p:sp>
       <p:sp>
         <p:nvSpPr>
-          <p:cNvPr id="4" name="Content Placeholder 3">
-            <a:extLst>
-              <a:ext uri="{FF2B5EF4-FFF2-40B4-BE49-F238E27FC236}">
-                <a16:creationId xmlns:a16="http://schemas.microsoft.com/office/drawing/2014/main" id="{8EF45759-3076-48CF-9137-C4E0D6BCBAC4}"/>
-              </a:ext>
-            </a:extLst>
-          </p:cNvPr>
+          <p:cNvPr id="4" name="Content Placeholder 3"/>
           <p:cNvSpPr>
             <a:spLocks noGrp="1"/>
           </p:cNvSpPr>
@@ -1643,49 +4353,44 @@
           <a:p>
             <a:pPr lvl="0"/>
             <a:r>
-              <a:rPr lang="en-US"/>
-              <a:t>Click to edit Master text styles</a:t>
+              <a:rPr lang="fr-FR"/>
+              <a:t>Cliquez pour modifier les styles du texte du masque</a:t>
             </a:r>
           </a:p>
           <a:p>
             <a:pPr lvl="1"/>
             <a:r>
-              <a:rPr lang="en-US"/>
-              <a:t>Second level</a:t>
+              <a:rPr lang="fr-FR"/>
+              <a:t>Deuxième niveau</a:t>
             </a:r>
           </a:p>
           <a:p>
             <a:pPr lvl="2"/>
             <a:r>
-              <a:rPr lang="en-US"/>
-              <a:t>Third level</a:t>
+              <a:rPr lang="fr-FR"/>
+              <a:t>Troisième niveau</a:t>
             </a:r>
           </a:p>
           <a:p>
             <a:pPr lvl="3"/>
             <a:r>
-              <a:rPr lang="en-US"/>
-              <a:t>Fourth level</a:t>
+              <a:rPr lang="fr-FR"/>
+              <a:t>Quatrième niveau</a:t>
             </a:r>
           </a:p>
           <a:p>
             <a:pPr lvl="4"/>
             <a:r>
-              <a:rPr lang="en-US"/>
-              <a:t>Fifth level</a:t>
-            </a:r>
+              <a:rPr lang="fr-FR"/>
+              <a:t>Cinquième niveau</a:t>
+            </a:r>
+            <a:endParaRPr lang="en-US" dirty="0"/>
           </a:p>
         </p:txBody>
       </p:sp>
       <p:sp>
         <p:nvSpPr>
-          <p:cNvPr id="5" name="Text Placeholder 4">
-            <a:extLst>
-              <a:ext uri="{FF2B5EF4-FFF2-40B4-BE49-F238E27FC236}">
-                <a16:creationId xmlns:a16="http://schemas.microsoft.com/office/drawing/2014/main" id="{A45E89A8-30DB-4A38-91C6-F22AB0849158}"/>
-              </a:ext>
-            </a:extLst>
-          </p:cNvPr>
+          <p:cNvPr id="5" name="Text Placeholder 4"/>
           <p:cNvSpPr>
             <a:spLocks noGrp="1"/>
           </p:cNvSpPr>
@@ -1742,21 +4447,15 @@
           <a:p>
             <a:pPr lvl="0"/>
             <a:r>
-              <a:rPr lang="en-US"/>
-              <a:t>Click to edit Master text styles</a:t>
+              <a:rPr lang="fr-FR"/>
+              <a:t>Cliquez pour modifier les styles du texte du masque</a:t>
             </a:r>
           </a:p>
         </p:txBody>
       </p:sp>
       <p:sp>
         <p:nvSpPr>
-          <p:cNvPr id="6" name="Content Placeholder 5">
-            <a:extLst>
-              <a:ext uri="{FF2B5EF4-FFF2-40B4-BE49-F238E27FC236}">
-                <a16:creationId xmlns:a16="http://schemas.microsoft.com/office/drawing/2014/main" id="{F9522DE0-AF7E-48B1-A63C-4098E980E40E}"/>
-              </a:ext>
-            </a:extLst>
-          </p:cNvPr>
+          <p:cNvPr id="6" name="Content Placeholder 5"/>
           <p:cNvSpPr>
             <a:spLocks noGrp="1"/>
           </p:cNvSpPr>
@@ -1776,49 +4475,44 @@
           <a:p>
             <a:pPr lvl="0"/>
             <a:r>
-              <a:rPr lang="en-US"/>
-              <a:t>Click to edit Master text styles</a:t>
+              <a:rPr lang="fr-FR"/>
+              <a:t>Cliquez pour modifier les styles du texte du masque</a:t>
             </a:r>
           </a:p>
           <a:p>
             <a:pPr lvl="1"/>
             <a:r>
-              <a:rPr lang="en-US"/>
-              <a:t>Second level</a:t>
+              <a:rPr lang="fr-FR"/>
+              <a:t>Deuxième niveau</a:t>
             </a:r>
           </a:p>
           <a:p>
             <a:pPr lvl="2"/>
             <a:r>
-              <a:rPr lang="en-US"/>
-              <a:t>Third level</a:t>
+              <a:rPr lang="fr-FR"/>
+              <a:t>Troisième niveau</a:t>
             </a:r>
           </a:p>
           <a:p>
             <a:pPr lvl="3"/>
             <a:r>
-              <a:rPr lang="en-US"/>
-              <a:t>Fourth level</a:t>
+              <a:rPr lang="fr-FR"/>
+              <a:t>Quatrième niveau</a:t>
             </a:r>
           </a:p>
           <a:p>
             <a:pPr lvl="4"/>
             <a:r>
-              <a:rPr lang="en-US"/>
-              <a:t>Fifth level</a:t>
-            </a:r>
+              <a:rPr lang="fr-FR"/>
+              <a:t>Cinquième niveau</a:t>
+            </a:r>
+            <a:endParaRPr lang="en-US" dirty="0"/>
           </a:p>
         </p:txBody>
       </p:sp>
       <p:sp>
         <p:nvSpPr>
-          <p:cNvPr id="7" name="Date Placeholder 6">
-            <a:extLst>
-              <a:ext uri="{FF2B5EF4-FFF2-40B4-BE49-F238E27FC236}">
-                <a16:creationId xmlns:a16="http://schemas.microsoft.com/office/drawing/2014/main" id="{64CDD7CC-DA58-4DBC-AA55-D05DC313CDEF}"/>
-              </a:ext>
-            </a:extLst>
-          </p:cNvPr>
+          <p:cNvPr id="7" name="Date Placeholder 6"/>
           <p:cNvSpPr>
             <a:spLocks noGrp="1"/>
           </p:cNvSpPr>
@@ -1833,7 +4527,7 @@
           <a:p>
             <a:fld id="{4DD873EF-7DB7-4C56-8802-0F14347075D3}" type="datetimeFigureOut">
               <a:rPr lang="en-US" smtClean="0"/>
-              <a:t>12/10/2021</a:t>
+              <a:t>12/12/2021</a:t>
             </a:fld>
             <a:endParaRPr lang="en-US"/>
           </a:p>
@@ -1841,13 +4535,7 @@
       </p:sp>
       <p:sp>
         <p:nvSpPr>
-          <p:cNvPr id="8" name="Footer Placeholder 7">
-            <a:extLst>
-              <a:ext uri="{FF2B5EF4-FFF2-40B4-BE49-F238E27FC236}">
-                <a16:creationId xmlns:a16="http://schemas.microsoft.com/office/drawing/2014/main" id="{9AB5419C-2199-404D-9C68-8DC5FE5F7033}"/>
-              </a:ext>
-            </a:extLst>
-          </p:cNvPr>
+          <p:cNvPr id="8" name="Footer Placeholder 7"/>
           <p:cNvSpPr>
             <a:spLocks noGrp="1"/>
           </p:cNvSpPr>
@@ -1866,13 +4554,7 @@
       </p:sp>
       <p:sp>
         <p:nvSpPr>
-          <p:cNvPr id="9" name="Slide Number Placeholder 8">
-            <a:extLst>
-              <a:ext uri="{FF2B5EF4-FFF2-40B4-BE49-F238E27FC236}">
-                <a16:creationId xmlns:a16="http://schemas.microsoft.com/office/drawing/2014/main" id="{8D3BBFCE-E1F5-476A-B5E9-D5712B725349}"/>
-              </a:ext>
-            </a:extLst>
-          </p:cNvPr>
+          <p:cNvPr id="9" name="Slide Number Placeholder 8"/>
           <p:cNvSpPr>
             <a:spLocks noGrp="1"/>
           </p:cNvSpPr>
@@ -1887,7 +4569,7 @@
           <a:p>
             <a:fld id="{66044FAF-DAF1-45CA-B5A5-267E0ADF78A1}" type="slidenum">
               <a:rPr lang="en-US" smtClean="0"/>
-              <a:t>‹#›</a:t>
+              <a:t>‹N°›</a:t>
             </a:fld>
             <a:endParaRPr lang="en-US"/>
           </a:p>
@@ -1896,7 +4578,7 @@
     </p:spTree>
     <p:extLst>
       <p:ext uri="{BB962C8B-B14F-4D97-AF65-F5344CB8AC3E}">
-        <p14:creationId xmlns:p14="http://schemas.microsoft.com/office/powerpoint/2010/main" val="4235022121"/>
+        <p14:creationId xmlns:p14="http://schemas.microsoft.com/office/powerpoint/2010/main" val="1707500039"/>
       </p:ext>
     </p:extLst>
   </p:cSld>
@@ -1908,7 +4590,7 @@
 
 <file path=ppt/slideLayouts/slideLayout6.xml><?xml version="1.0" encoding="utf-8"?>
 <p:sldLayout xmlns:a="http://schemas.openxmlformats.org/drawingml/2006/main" xmlns:r="http://schemas.openxmlformats.org/officeDocument/2006/relationships" xmlns:p="http://schemas.openxmlformats.org/presentationml/2006/main" type="titleOnly" preserve="1">
-  <p:cSld name="Title Only">
+  <p:cSld name="Titre seul">
     <p:spTree>
       <p:nvGrpSpPr>
         <p:cNvPr id="1" name=""/>
@@ -1925,13 +4607,7 @@
       </p:grpSpPr>
       <p:sp>
         <p:nvSpPr>
-          <p:cNvPr id="2" name="Title 1">
-            <a:extLst>
-              <a:ext uri="{FF2B5EF4-FFF2-40B4-BE49-F238E27FC236}">
-                <a16:creationId xmlns:a16="http://schemas.microsoft.com/office/drawing/2014/main" id="{01067511-C71D-4CFC-8FD5-E74A80D897C1}"/>
-              </a:ext>
-            </a:extLst>
-          </p:cNvPr>
+          <p:cNvPr id="2" name="Title 1"/>
           <p:cNvSpPr>
             <a:spLocks noGrp="1"/>
           </p:cNvSpPr>
@@ -1945,21 +4621,16 @@
           <a:lstStyle/>
           <a:p>
             <a:r>
-              <a:rPr lang="en-US"/>
-              <a:t>Click to edit Master title style</a:t>
-            </a:r>
+              <a:rPr lang="fr-FR"/>
+              <a:t>Modifiez le style du titre</a:t>
+            </a:r>
+            <a:endParaRPr lang="en-US" dirty="0"/>
           </a:p>
         </p:txBody>
       </p:sp>
       <p:sp>
         <p:nvSpPr>
-          <p:cNvPr id="3" name="Date Placeholder 2">
-            <a:extLst>
-              <a:ext uri="{FF2B5EF4-FFF2-40B4-BE49-F238E27FC236}">
-                <a16:creationId xmlns:a16="http://schemas.microsoft.com/office/drawing/2014/main" id="{CAE047A3-6132-40C4-AD0A-9906224E9D9D}"/>
-              </a:ext>
-            </a:extLst>
-          </p:cNvPr>
+          <p:cNvPr id="3" name="Date Placeholder 2"/>
           <p:cNvSpPr>
             <a:spLocks noGrp="1"/>
           </p:cNvSpPr>
@@ -1974,7 +4645,7 @@
           <a:p>
             <a:fld id="{4DD873EF-7DB7-4C56-8802-0F14347075D3}" type="datetimeFigureOut">
               <a:rPr lang="en-US" smtClean="0"/>
-              <a:t>12/10/2021</a:t>
+              <a:t>12/12/2021</a:t>
             </a:fld>
             <a:endParaRPr lang="en-US"/>
           </a:p>
@@ -1982,13 +4653,7 @@
       </p:sp>
       <p:sp>
         <p:nvSpPr>
-          <p:cNvPr id="4" name="Footer Placeholder 3">
-            <a:extLst>
-              <a:ext uri="{FF2B5EF4-FFF2-40B4-BE49-F238E27FC236}">
-                <a16:creationId xmlns:a16="http://schemas.microsoft.com/office/drawing/2014/main" id="{45BA94F1-CC17-4F1C-A803-913053284BAC}"/>
-              </a:ext>
-            </a:extLst>
-          </p:cNvPr>
+          <p:cNvPr id="4" name="Footer Placeholder 3"/>
           <p:cNvSpPr>
             <a:spLocks noGrp="1"/>
           </p:cNvSpPr>
@@ -2007,13 +4672,7 @@
       </p:sp>
       <p:sp>
         <p:nvSpPr>
-          <p:cNvPr id="5" name="Slide Number Placeholder 4">
-            <a:extLst>
-              <a:ext uri="{FF2B5EF4-FFF2-40B4-BE49-F238E27FC236}">
-                <a16:creationId xmlns:a16="http://schemas.microsoft.com/office/drawing/2014/main" id="{CDA406A0-3FD7-4A7D-BE1A-4507AFCBEC7C}"/>
-              </a:ext>
-            </a:extLst>
-          </p:cNvPr>
+          <p:cNvPr id="5" name="Slide Number Placeholder 4"/>
           <p:cNvSpPr>
             <a:spLocks noGrp="1"/>
           </p:cNvSpPr>
@@ -2028,7 +4687,7 @@
           <a:p>
             <a:fld id="{66044FAF-DAF1-45CA-B5A5-267E0ADF78A1}" type="slidenum">
               <a:rPr lang="en-US" smtClean="0"/>
-              <a:t>‹#›</a:t>
+              <a:t>‹N°›</a:t>
             </a:fld>
             <a:endParaRPr lang="en-US"/>
           </a:p>
@@ -2037,7 +4696,7 @@
     </p:spTree>
     <p:extLst>
       <p:ext uri="{BB962C8B-B14F-4D97-AF65-F5344CB8AC3E}">
-        <p14:creationId xmlns:p14="http://schemas.microsoft.com/office/powerpoint/2010/main" val="3100903554"/>
+        <p14:creationId xmlns:p14="http://schemas.microsoft.com/office/powerpoint/2010/main" val="2522163305"/>
       </p:ext>
     </p:extLst>
   </p:cSld>
@@ -2049,7 +4708,7 @@
 
 <file path=ppt/slideLayouts/slideLayout7.xml><?xml version="1.0" encoding="utf-8"?>
 <p:sldLayout xmlns:a="http://schemas.openxmlformats.org/drawingml/2006/main" xmlns:r="http://schemas.openxmlformats.org/officeDocument/2006/relationships" xmlns:p="http://schemas.openxmlformats.org/presentationml/2006/main" type="blank" preserve="1">
-  <p:cSld name="Blank">
+  <p:cSld name="Vide">
     <p:spTree>
       <p:nvGrpSpPr>
         <p:cNvPr id="1" name=""/>
@@ -2066,13 +4725,7 @@
       </p:grpSpPr>
       <p:sp>
         <p:nvSpPr>
-          <p:cNvPr id="2" name="Date Placeholder 1">
-            <a:extLst>
-              <a:ext uri="{FF2B5EF4-FFF2-40B4-BE49-F238E27FC236}">
-                <a16:creationId xmlns:a16="http://schemas.microsoft.com/office/drawing/2014/main" id="{A2394BED-E33E-4C96-AA4D-D28779EA600E}"/>
-              </a:ext>
-            </a:extLst>
-          </p:cNvPr>
+          <p:cNvPr id="2" name="Date Placeholder 1"/>
           <p:cNvSpPr>
             <a:spLocks noGrp="1"/>
           </p:cNvSpPr>
@@ -2087,7 +4740,7 @@
           <a:p>
             <a:fld id="{4DD873EF-7DB7-4C56-8802-0F14347075D3}" type="datetimeFigureOut">
               <a:rPr lang="en-US" smtClean="0"/>
-              <a:t>12/10/2021</a:t>
+              <a:t>12/12/2021</a:t>
             </a:fld>
             <a:endParaRPr lang="en-US"/>
           </a:p>
@@ -2095,13 +4748,7 @@
       </p:sp>
       <p:sp>
         <p:nvSpPr>
-          <p:cNvPr id="3" name="Footer Placeholder 2">
-            <a:extLst>
-              <a:ext uri="{FF2B5EF4-FFF2-40B4-BE49-F238E27FC236}">
-                <a16:creationId xmlns:a16="http://schemas.microsoft.com/office/drawing/2014/main" id="{07DFCD49-640D-4257-8D8E-D48C3D4DA758}"/>
-              </a:ext>
-            </a:extLst>
-          </p:cNvPr>
+          <p:cNvPr id="3" name="Footer Placeholder 2"/>
           <p:cNvSpPr>
             <a:spLocks noGrp="1"/>
           </p:cNvSpPr>
@@ -2120,13 +4767,7 @@
       </p:sp>
       <p:sp>
         <p:nvSpPr>
-          <p:cNvPr id="4" name="Slide Number Placeholder 3">
-            <a:extLst>
-              <a:ext uri="{FF2B5EF4-FFF2-40B4-BE49-F238E27FC236}">
-                <a16:creationId xmlns:a16="http://schemas.microsoft.com/office/drawing/2014/main" id="{D035DA31-9E12-43B6-B041-E0BB317D63BE}"/>
-              </a:ext>
-            </a:extLst>
-          </p:cNvPr>
+          <p:cNvPr id="4" name="Slide Number Placeholder 3"/>
           <p:cNvSpPr>
             <a:spLocks noGrp="1"/>
           </p:cNvSpPr>
@@ -2141,7 +4782,7 @@
           <a:p>
             <a:fld id="{66044FAF-DAF1-45CA-B5A5-267E0ADF78A1}" type="slidenum">
               <a:rPr lang="en-US" smtClean="0"/>
-              <a:t>‹#›</a:t>
+              <a:t>‹N°›</a:t>
             </a:fld>
             <a:endParaRPr lang="en-US"/>
           </a:p>
@@ -2150,7 +4791,7 @@
     </p:spTree>
     <p:extLst>
       <p:ext uri="{BB962C8B-B14F-4D97-AF65-F5344CB8AC3E}">
-        <p14:creationId xmlns:p14="http://schemas.microsoft.com/office/powerpoint/2010/main" val="2183319377"/>
+        <p14:creationId xmlns:p14="http://schemas.microsoft.com/office/powerpoint/2010/main" val="1328525226"/>
       </p:ext>
     </p:extLst>
   </p:cSld>
@@ -2162,7 +4803,7 @@
 
 <file path=ppt/slideLayouts/slideLayout8.xml><?xml version="1.0" encoding="utf-8"?>
 <p:sldLayout xmlns:a="http://schemas.openxmlformats.org/drawingml/2006/main" xmlns:r="http://schemas.openxmlformats.org/officeDocument/2006/relationships" xmlns:p="http://schemas.openxmlformats.org/presentationml/2006/main" type="objTx" preserve="1">
-  <p:cSld name="Content with Caption">
+  <p:cSld name="Contenu avec légende">
     <p:spTree>
       <p:nvGrpSpPr>
         <p:cNvPr id="1" name=""/>
@@ -2179,13 +4820,7 @@
       </p:grpSpPr>
       <p:sp>
         <p:nvSpPr>
-          <p:cNvPr id="2" name="Title 1">
-            <a:extLst>
-              <a:ext uri="{FF2B5EF4-FFF2-40B4-BE49-F238E27FC236}">
-                <a16:creationId xmlns:a16="http://schemas.microsoft.com/office/drawing/2014/main" id="{D4E71597-F5EE-4669-9A7F-FEC02CDF4AD9}"/>
-              </a:ext>
-            </a:extLst>
-          </p:cNvPr>
+          <p:cNvPr id="2" name="Title 1"/>
           <p:cNvSpPr>
             <a:spLocks noGrp="1"/>
           </p:cNvSpPr>
@@ -2208,21 +4843,16 @@
           </a:lstStyle>
           <a:p>
             <a:r>
-              <a:rPr lang="en-US"/>
-              <a:t>Click to edit Master title style</a:t>
-            </a:r>
+              <a:rPr lang="fr-FR"/>
+              <a:t>Modifiez le style du titre</a:t>
+            </a:r>
+            <a:endParaRPr lang="en-US" dirty="0"/>
           </a:p>
         </p:txBody>
       </p:sp>
       <p:sp>
         <p:nvSpPr>
-          <p:cNvPr id="3" name="Content Placeholder 2">
-            <a:extLst>
-              <a:ext uri="{FF2B5EF4-FFF2-40B4-BE49-F238E27FC236}">
-                <a16:creationId xmlns:a16="http://schemas.microsoft.com/office/drawing/2014/main" id="{63E3B33A-0E06-463F-B856-A124DBEB2771}"/>
-              </a:ext>
-            </a:extLst>
-          </p:cNvPr>
+          <p:cNvPr id="3" name="Content Placeholder 2"/>
           <p:cNvSpPr>
             <a:spLocks noGrp="1"/>
           </p:cNvSpPr>
@@ -2270,49 +4900,44 @@
           <a:p>
             <a:pPr lvl="0"/>
             <a:r>
-              <a:rPr lang="en-US"/>
-              <a:t>Click to edit Master text styles</a:t>
+              <a:rPr lang="fr-FR"/>
+              <a:t>Cliquez pour modifier les styles du texte du masque</a:t>
             </a:r>
           </a:p>
           <a:p>
             <a:pPr lvl="1"/>
             <a:r>
-              <a:rPr lang="en-US"/>
-              <a:t>Second level</a:t>
+              <a:rPr lang="fr-FR"/>
+              <a:t>Deuxième niveau</a:t>
             </a:r>
           </a:p>
           <a:p>
             <a:pPr lvl="2"/>
             <a:r>
-              <a:rPr lang="en-US"/>
-              <a:t>Third level</a:t>
+              <a:rPr lang="fr-FR"/>
+              <a:t>Troisième niveau</a:t>
             </a:r>
           </a:p>
           <a:p>
             <a:pPr lvl="3"/>
             <a:r>
-              <a:rPr lang="en-US"/>
-              <a:t>Fourth level</a:t>
+              <a:rPr lang="fr-FR"/>
+              <a:t>Quatrième niveau</a:t>
             </a:r>
           </a:p>
           <a:p>
             <a:pPr lvl="4"/>
             <a:r>
-              <a:rPr lang="en-US"/>
-              <a:t>Fifth level</a:t>
-            </a:r>
+              <a:rPr lang="fr-FR"/>
+              <a:t>Cinquième niveau</a:t>
+            </a:r>
+            <a:endParaRPr lang="en-US" dirty="0"/>
           </a:p>
         </p:txBody>
       </p:sp>
       <p:sp>
         <p:nvSpPr>
-          <p:cNvPr id="4" name="Text Placeholder 3">
-            <a:extLst>
-              <a:ext uri="{FF2B5EF4-FFF2-40B4-BE49-F238E27FC236}">
-                <a16:creationId xmlns:a16="http://schemas.microsoft.com/office/drawing/2014/main" id="{9B1EDEDB-4B83-4957-84D1-7295E2E7E9E1}"/>
-              </a:ext>
-            </a:extLst>
-          </p:cNvPr>
+          <p:cNvPr id="4" name="Text Placeholder 3"/>
           <p:cNvSpPr>
             <a:spLocks noGrp="1"/>
           </p:cNvSpPr>
@@ -2369,21 +4994,15 @@
           <a:p>
             <a:pPr lvl="0"/>
             <a:r>
-              <a:rPr lang="en-US"/>
-              <a:t>Click to edit Master text styles</a:t>
+              <a:rPr lang="fr-FR"/>
+              <a:t>Cliquez pour modifier les styles du texte du masque</a:t>
             </a:r>
           </a:p>
         </p:txBody>
       </p:sp>
       <p:sp>
         <p:nvSpPr>
-          <p:cNvPr id="5" name="Date Placeholder 4">
-            <a:extLst>
-              <a:ext uri="{FF2B5EF4-FFF2-40B4-BE49-F238E27FC236}">
-                <a16:creationId xmlns:a16="http://schemas.microsoft.com/office/drawing/2014/main" id="{D32C7BAC-DB8B-413F-B063-360B5FC9710E}"/>
-              </a:ext>
-            </a:extLst>
-          </p:cNvPr>
+          <p:cNvPr id="5" name="Date Placeholder 4"/>
           <p:cNvSpPr>
             <a:spLocks noGrp="1"/>
           </p:cNvSpPr>
@@ -2398,7 +5017,7 @@
           <a:p>
             <a:fld id="{4DD873EF-7DB7-4C56-8802-0F14347075D3}" type="datetimeFigureOut">
               <a:rPr lang="en-US" smtClean="0"/>
-              <a:t>12/10/2021</a:t>
+              <a:t>12/12/2021</a:t>
             </a:fld>
             <a:endParaRPr lang="en-US"/>
           </a:p>
@@ -2406,13 +5025,7 @@
       </p:sp>
       <p:sp>
         <p:nvSpPr>
-          <p:cNvPr id="6" name="Footer Placeholder 5">
-            <a:extLst>
-              <a:ext uri="{FF2B5EF4-FFF2-40B4-BE49-F238E27FC236}">
-                <a16:creationId xmlns:a16="http://schemas.microsoft.com/office/drawing/2014/main" id="{CC2100E5-96F6-4955-9B6E-B9ACC50037EF}"/>
-              </a:ext>
-            </a:extLst>
-          </p:cNvPr>
+          <p:cNvPr id="6" name="Footer Placeholder 5"/>
           <p:cNvSpPr>
             <a:spLocks noGrp="1"/>
           </p:cNvSpPr>
@@ -2431,13 +5044,7 @@
       </p:sp>
       <p:sp>
         <p:nvSpPr>
-          <p:cNvPr id="7" name="Slide Number Placeholder 6">
-            <a:extLst>
-              <a:ext uri="{FF2B5EF4-FFF2-40B4-BE49-F238E27FC236}">
-                <a16:creationId xmlns:a16="http://schemas.microsoft.com/office/drawing/2014/main" id="{1A8B1FE5-401B-44A4-9508-19D0D6AAE17B}"/>
-              </a:ext>
-            </a:extLst>
-          </p:cNvPr>
+          <p:cNvPr id="7" name="Slide Number Placeholder 6"/>
           <p:cNvSpPr>
             <a:spLocks noGrp="1"/>
           </p:cNvSpPr>
@@ -2452,7 +5059,7 @@
           <a:p>
             <a:fld id="{66044FAF-DAF1-45CA-B5A5-267E0ADF78A1}" type="slidenum">
               <a:rPr lang="en-US" smtClean="0"/>
-              <a:t>‹#›</a:t>
+              <a:t>‹N°›</a:t>
             </a:fld>
             <a:endParaRPr lang="en-US"/>
           </a:p>
@@ -2461,7 +5068,7 @@
     </p:spTree>
     <p:extLst>
       <p:ext uri="{BB962C8B-B14F-4D97-AF65-F5344CB8AC3E}">
-        <p14:creationId xmlns:p14="http://schemas.microsoft.com/office/powerpoint/2010/main" val="2963660057"/>
+        <p14:creationId xmlns:p14="http://schemas.microsoft.com/office/powerpoint/2010/main" val="46970592"/>
       </p:ext>
     </p:extLst>
   </p:cSld>
@@ -2473,7 +5080,7 @@
 
 <file path=ppt/slideLayouts/slideLayout9.xml><?xml version="1.0" encoding="utf-8"?>
 <p:sldLayout xmlns:a="http://schemas.openxmlformats.org/drawingml/2006/main" xmlns:r="http://schemas.openxmlformats.org/officeDocument/2006/relationships" xmlns:p="http://schemas.openxmlformats.org/presentationml/2006/main" type="picTx" preserve="1">
-  <p:cSld name="Picture with Caption">
+  <p:cSld name="Image avec légende">
     <p:spTree>
       <p:nvGrpSpPr>
         <p:cNvPr id="1" name=""/>
@@ -2490,13 +5097,7 @@
       </p:grpSpPr>
       <p:sp>
         <p:nvSpPr>
-          <p:cNvPr id="2" name="Title 1">
-            <a:extLst>
-              <a:ext uri="{FF2B5EF4-FFF2-40B4-BE49-F238E27FC236}">
-                <a16:creationId xmlns:a16="http://schemas.microsoft.com/office/drawing/2014/main" id="{9DE20589-3019-468C-B797-513C0C0AEF99}"/>
-              </a:ext>
-            </a:extLst>
-          </p:cNvPr>
+          <p:cNvPr id="2" name="Title 1"/>
           <p:cNvSpPr>
             <a:spLocks noGrp="1"/>
           </p:cNvSpPr>
@@ -2519,23 +5120,18 @@
           </a:lstStyle>
           <a:p>
             <a:r>
-              <a:rPr lang="en-US"/>
-              <a:t>Click to edit Master title style</a:t>
-            </a:r>
+              <a:rPr lang="fr-FR"/>
+              <a:t>Modifiez le style du titre</a:t>
+            </a:r>
+            <a:endParaRPr lang="en-US" dirty="0"/>
           </a:p>
         </p:txBody>
       </p:sp>
       <p:sp>
         <p:nvSpPr>
-          <p:cNvPr id="3" name="Picture Placeholder 2">
-            <a:extLst>
-              <a:ext uri="{FF2B5EF4-FFF2-40B4-BE49-F238E27FC236}">
-                <a16:creationId xmlns:a16="http://schemas.microsoft.com/office/drawing/2014/main" id="{BAE68D73-DACA-43E9-BC5C-1A92F78816F9}"/>
-              </a:ext>
-            </a:extLst>
-          </p:cNvPr>
+          <p:cNvPr id="3" name="Picture Placeholder 2"/>
           <p:cNvSpPr>
-            <a:spLocks noGrp="1"/>
+            <a:spLocks noGrp="1" noChangeAspect="1"/>
           </p:cNvSpPr>
           <p:nvPr>
             <p:ph type="pic" idx="1"/>
@@ -2548,7 +5144,7 @@
           </a:xfrm>
         </p:spPr>
         <p:txBody>
-          <a:bodyPr/>
+          <a:bodyPr anchor="t"/>
           <a:lstStyle>
             <a:lvl1pPr marL="0" indent="0">
               <a:buNone/>
@@ -2588,19 +5184,17 @@
             </a:lvl9pPr>
           </a:lstStyle>
           <a:p>
-            <a:endParaRPr lang="en-US"/>
+            <a:r>
+              <a:rPr lang="fr-FR"/>
+              <a:t>Cliquez sur l'icône pour ajouter une image</a:t>
+            </a:r>
+            <a:endParaRPr lang="en-US" dirty="0"/>
           </a:p>
         </p:txBody>
       </p:sp>
       <p:sp>
         <p:nvSpPr>
-          <p:cNvPr id="4" name="Text Placeholder 3">
-            <a:extLst>
-              <a:ext uri="{FF2B5EF4-FFF2-40B4-BE49-F238E27FC236}">
-                <a16:creationId xmlns:a16="http://schemas.microsoft.com/office/drawing/2014/main" id="{1E884CF6-0AAE-4339-91DB-A9A895060C5B}"/>
-              </a:ext>
-            </a:extLst>
-          </p:cNvPr>
+          <p:cNvPr id="4" name="Text Placeholder 3"/>
           <p:cNvSpPr>
             <a:spLocks noGrp="1"/>
           </p:cNvSpPr>
@@ -2657,21 +5251,15 @@
           <a:p>
             <a:pPr lvl="0"/>
             <a:r>
-              <a:rPr lang="en-US"/>
-              <a:t>Click to edit Master text styles</a:t>
+              <a:rPr lang="fr-FR"/>
+              <a:t>Cliquez pour modifier les styles du texte du masque</a:t>
             </a:r>
           </a:p>
         </p:txBody>
       </p:sp>
       <p:sp>
         <p:nvSpPr>
-          <p:cNvPr id="5" name="Date Placeholder 4">
-            <a:extLst>
-              <a:ext uri="{FF2B5EF4-FFF2-40B4-BE49-F238E27FC236}">
-                <a16:creationId xmlns:a16="http://schemas.microsoft.com/office/drawing/2014/main" id="{5A6D1AC4-F9DC-457A-973A-91A1B07FAF60}"/>
-              </a:ext>
-            </a:extLst>
-          </p:cNvPr>
+          <p:cNvPr id="5" name="Date Placeholder 4"/>
           <p:cNvSpPr>
             <a:spLocks noGrp="1"/>
           </p:cNvSpPr>
@@ -2686,7 +5274,7 @@
           <a:p>
             <a:fld id="{4DD873EF-7DB7-4C56-8802-0F14347075D3}" type="datetimeFigureOut">
               <a:rPr lang="en-US" smtClean="0"/>
-              <a:t>12/10/2021</a:t>
+              <a:t>12/12/2021</a:t>
             </a:fld>
             <a:endParaRPr lang="en-US"/>
           </a:p>
@@ -2694,13 +5282,7 @@
       </p:sp>
       <p:sp>
         <p:nvSpPr>
-          <p:cNvPr id="6" name="Footer Placeholder 5">
-            <a:extLst>
-              <a:ext uri="{FF2B5EF4-FFF2-40B4-BE49-F238E27FC236}">
-                <a16:creationId xmlns:a16="http://schemas.microsoft.com/office/drawing/2014/main" id="{9A35F955-9F4E-4082-A373-8832189380B3}"/>
-              </a:ext>
-            </a:extLst>
-          </p:cNvPr>
+          <p:cNvPr id="6" name="Footer Placeholder 5"/>
           <p:cNvSpPr>
             <a:spLocks noGrp="1"/>
           </p:cNvSpPr>
@@ -2719,13 +5301,7 @@
       </p:sp>
       <p:sp>
         <p:nvSpPr>
-          <p:cNvPr id="7" name="Slide Number Placeholder 6">
-            <a:extLst>
-              <a:ext uri="{FF2B5EF4-FFF2-40B4-BE49-F238E27FC236}">
-                <a16:creationId xmlns:a16="http://schemas.microsoft.com/office/drawing/2014/main" id="{E134C828-46AD-4006-BCF5-034EB1CF06DE}"/>
-              </a:ext>
-            </a:extLst>
-          </p:cNvPr>
+          <p:cNvPr id="7" name="Slide Number Placeholder 6"/>
           <p:cNvSpPr>
             <a:spLocks noGrp="1"/>
           </p:cNvSpPr>
@@ -2740,7 +5316,7 @@
           <a:p>
             <a:fld id="{66044FAF-DAF1-45CA-B5A5-267E0ADF78A1}" type="slidenum">
               <a:rPr lang="en-US" smtClean="0"/>
-              <a:t>‹#›</a:t>
+              <a:t>‹N°›</a:t>
             </a:fld>
             <a:endParaRPr lang="en-US"/>
           </a:p>
@@ -2749,7 +5325,7 @@
     </p:spTree>
     <p:extLst>
       <p:ext uri="{BB962C8B-B14F-4D97-AF65-F5344CB8AC3E}">
-        <p14:creationId xmlns:p14="http://schemas.microsoft.com/office/powerpoint/2010/main" val="921731222"/>
+        <p14:creationId xmlns:p14="http://schemas.microsoft.com/office/powerpoint/2010/main" val="3039833345"/>
       </p:ext>
     </p:extLst>
   </p:cSld>
@@ -2783,13 +5359,7 @@
       </p:grpSpPr>
       <p:sp>
         <p:nvSpPr>
-          <p:cNvPr id="2" name="Title Placeholder 1">
-            <a:extLst>
-              <a:ext uri="{FF2B5EF4-FFF2-40B4-BE49-F238E27FC236}">
-                <a16:creationId xmlns:a16="http://schemas.microsoft.com/office/drawing/2014/main" id="{79B56A51-C254-4562-A0DE-5D96BA2AEF6F}"/>
-              </a:ext>
-            </a:extLst>
-          </p:cNvPr>
+          <p:cNvPr id="2" name="Title Placeholder 1"/>
           <p:cNvSpPr>
             <a:spLocks noGrp="1"/>
           </p:cNvSpPr>
@@ -2813,21 +5383,16 @@
           <a:lstStyle/>
           <a:p>
             <a:r>
-              <a:rPr lang="en-US"/>
-              <a:t>Click to edit Master title style</a:t>
-            </a:r>
+              <a:rPr lang="fr-FR"/>
+              <a:t>Modifiez le style du titre</a:t>
+            </a:r>
+            <a:endParaRPr lang="en-US" dirty="0"/>
           </a:p>
         </p:txBody>
       </p:sp>
       <p:sp>
         <p:nvSpPr>
-          <p:cNvPr id="3" name="Text Placeholder 2">
-            <a:extLst>
-              <a:ext uri="{FF2B5EF4-FFF2-40B4-BE49-F238E27FC236}">
-                <a16:creationId xmlns:a16="http://schemas.microsoft.com/office/drawing/2014/main" id="{D012B7C7-293B-462C-94CD-AB0FBF3CEF2B}"/>
-              </a:ext>
-            </a:extLst>
-          </p:cNvPr>
+          <p:cNvPr id="3" name="Text Placeholder 2"/>
           <p:cNvSpPr>
             <a:spLocks noGrp="1"/>
           </p:cNvSpPr>
@@ -2852,49 +5417,44 @@
           <a:p>
             <a:pPr lvl="0"/>
             <a:r>
-              <a:rPr lang="en-US"/>
-              <a:t>Click to edit Master text styles</a:t>
+              <a:rPr lang="fr-FR"/>
+              <a:t>Cliquez pour modifier les styles du texte du masque</a:t>
             </a:r>
           </a:p>
           <a:p>
             <a:pPr lvl="1"/>
             <a:r>
-              <a:rPr lang="en-US"/>
-              <a:t>Second level</a:t>
+              <a:rPr lang="fr-FR"/>
+              <a:t>Deuxième niveau</a:t>
             </a:r>
           </a:p>
           <a:p>
             <a:pPr lvl="2"/>
             <a:r>
-              <a:rPr lang="en-US"/>
-              <a:t>Third level</a:t>
+              <a:rPr lang="fr-FR"/>
+              <a:t>Troisième niveau</a:t>
             </a:r>
           </a:p>
           <a:p>
             <a:pPr lvl="3"/>
             <a:r>
-              <a:rPr lang="en-US"/>
-              <a:t>Fourth level</a:t>
+              <a:rPr lang="fr-FR"/>
+              <a:t>Quatrième niveau</a:t>
             </a:r>
           </a:p>
           <a:p>
             <a:pPr lvl="4"/>
             <a:r>
-              <a:rPr lang="en-US"/>
-              <a:t>Fifth level</a:t>
-            </a:r>
+              <a:rPr lang="fr-FR"/>
+              <a:t>Cinquième niveau</a:t>
+            </a:r>
+            <a:endParaRPr lang="en-US" dirty="0"/>
           </a:p>
         </p:txBody>
       </p:sp>
       <p:sp>
         <p:nvSpPr>
-          <p:cNvPr id="4" name="Date Placeholder 3">
-            <a:extLst>
-              <a:ext uri="{FF2B5EF4-FFF2-40B4-BE49-F238E27FC236}">
-                <a16:creationId xmlns:a16="http://schemas.microsoft.com/office/drawing/2014/main" id="{5BBA0069-0998-42FA-B23A-AAB3FC4BAE1D}"/>
-              </a:ext>
-            </a:extLst>
-          </p:cNvPr>
+          <p:cNvPr id="4" name="Date Placeholder 3"/>
           <p:cNvSpPr>
             <a:spLocks noGrp="1"/>
           </p:cNvSpPr>
@@ -2927,7 +5487,7 @@
           <a:p>
             <a:fld id="{4DD873EF-7DB7-4C56-8802-0F14347075D3}" type="datetimeFigureOut">
               <a:rPr lang="en-US" smtClean="0"/>
-              <a:t>12/10/2021</a:t>
+              <a:t>12/12/2021</a:t>
             </a:fld>
             <a:endParaRPr lang="en-US"/>
           </a:p>
@@ -2935,13 +5495,7 @@
       </p:sp>
       <p:sp>
         <p:nvSpPr>
-          <p:cNvPr id="5" name="Footer Placeholder 4">
-            <a:extLst>
-              <a:ext uri="{FF2B5EF4-FFF2-40B4-BE49-F238E27FC236}">
-                <a16:creationId xmlns:a16="http://schemas.microsoft.com/office/drawing/2014/main" id="{0165F890-F9B5-4BA1-A814-BFB2497C68EF}"/>
-              </a:ext>
-            </a:extLst>
-          </p:cNvPr>
+          <p:cNvPr id="5" name="Footer Placeholder 4"/>
           <p:cNvSpPr>
             <a:spLocks noGrp="1"/>
           </p:cNvSpPr>
@@ -2978,13 +5532,7 @@
       </p:sp>
       <p:sp>
         <p:nvSpPr>
-          <p:cNvPr id="6" name="Slide Number Placeholder 5">
-            <a:extLst>
-              <a:ext uri="{FF2B5EF4-FFF2-40B4-BE49-F238E27FC236}">
-                <a16:creationId xmlns:a16="http://schemas.microsoft.com/office/drawing/2014/main" id="{49F89770-E8EB-4D9D-B00C-8D53AFD598CE}"/>
-              </a:ext>
-            </a:extLst>
-          </p:cNvPr>
+          <p:cNvPr id="6" name="Slide Number Placeholder 5"/>
           <p:cNvSpPr>
             <a:spLocks noGrp="1"/>
           </p:cNvSpPr>
@@ -3017,7 +5565,7 @@
           <a:p>
             <a:fld id="{66044FAF-DAF1-45CA-B5A5-267E0ADF78A1}" type="slidenum">
               <a:rPr lang="en-US" smtClean="0"/>
-              <a:t>‹#›</a:t>
+              <a:t>‹N°›</a:t>
             </a:fld>
             <a:endParaRPr lang="en-US"/>
           </a:p>
@@ -3026,23 +5574,23 @@
     </p:spTree>
     <p:extLst>
       <p:ext uri="{BB962C8B-B14F-4D97-AF65-F5344CB8AC3E}">
-        <p14:creationId xmlns:p14="http://schemas.microsoft.com/office/powerpoint/2010/main" val="865935228"/>
+        <p14:creationId xmlns:p14="http://schemas.microsoft.com/office/powerpoint/2010/main" val="1573900747"/>
       </p:ext>
     </p:extLst>
   </p:cSld>
   <p:clrMap bg1="lt1" tx1="dk1" bg2="lt2" tx2="dk2" accent1="accent1" accent2="accent2" accent3="accent3" accent4="accent4" accent5="accent5" accent6="accent6" hlink="hlink" folHlink="folHlink"/>
   <p:sldLayoutIdLst>
-    <p:sldLayoutId id="2147483649" r:id="rId1"/>
-    <p:sldLayoutId id="2147483650" r:id="rId2"/>
-    <p:sldLayoutId id="2147483651" r:id="rId3"/>
-    <p:sldLayoutId id="2147483652" r:id="rId4"/>
-    <p:sldLayoutId id="2147483653" r:id="rId5"/>
-    <p:sldLayoutId id="2147483654" r:id="rId6"/>
-    <p:sldLayoutId id="2147483655" r:id="rId7"/>
-    <p:sldLayoutId id="2147483656" r:id="rId8"/>
-    <p:sldLayoutId id="2147483657" r:id="rId9"/>
-    <p:sldLayoutId id="2147483658" r:id="rId10"/>
-    <p:sldLayoutId id="2147483659" r:id="rId11"/>
+    <p:sldLayoutId id="2147483673" r:id="rId1"/>
+    <p:sldLayoutId id="2147483674" r:id="rId2"/>
+    <p:sldLayoutId id="2147483675" r:id="rId3"/>
+    <p:sldLayoutId id="2147483676" r:id="rId4"/>
+    <p:sldLayoutId id="2147483677" r:id="rId5"/>
+    <p:sldLayoutId id="2147483678" r:id="rId6"/>
+    <p:sldLayoutId id="2147483679" r:id="rId7"/>
+    <p:sldLayoutId id="2147483680" r:id="rId8"/>
+    <p:sldLayoutId id="2147483681" r:id="rId9"/>
+    <p:sldLayoutId id="2147483682" r:id="rId10"/>
+    <p:sldLayoutId id="2147483683" r:id="rId11"/>
   </p:sldLayoutIdLst>
   <p:txStyles>
     <p:titleStyle>
@@ -3330,6 +5878,14 @@
 <file path=ppt/slides/slide1.xml><?xml version="1.0" encoding="utf-8"?>
 <p:sld xmlns:a="http://schemas.openxmlformats.org/drawingml/2006/main" xmlns:r="http://schemas.openxmlformats.org/officeDocument/2006/relationships" xmlns:p="http://schemas.openxmlformats.org/presentationml/2006/main">
   <p:cSld>
+    <p:bg>
+      <p:bgPr>
+        <a:solidFill>
+          <a:schemeClr val="bg1"/>
+        </a:solidFill>
+        <a:effectLst/>
+      </p:bgPr>
+    </p:bg>
     <p:spTree>
       <p:nvGrpSpPr>
         <p:cNvPr id="1" name=""/>
@@ -3358,7 +5914,7 @@
           </p:cNvPicPr>
           <p:nvPr/>
         </p:nvPicPr>
-        <p:blipFill>
+        <p:blipFill rotWithShape="1">
           <a:blip r:embed="rId2">
             <a:extLst>
               <a:ext uri="{28A0092B-C50C-407E-A947-70E740481C1C}">
@@ -3366,15 +5922,13 @@
               </a:ext>
             </a:extLst>
           </a:blip>
-          <a:srcRect/>
-          <a:stretch>
-            <a:fillRect/>
-          </a:stretch>
+          <a:srcRect t="9091" r="42251" b="-1"/>
+          <a:stretch/>
         </p:blipFill>
         <p:spPr bwMode="auto">
           <a:xfrm>
-            <a:off x="-426697" y="23150"/>
-            <a:ext cx="14092262" cy="7072131"/>
+            <a:off x="3579276" y="0"/>
+            <a:ext cx="8669532" cy="6857990"/>
           </a:xfrm>
           <a:prstGeom prst="rect">
             <a:avLst/>
@@ -3407,15 +5961,35 @@
             <p:ph type="ctrTitle"/>
           </p:nvPr>
         </p:nvSpPr>
-        <p:spPr/>
+        <p:spPr>
+          <a:xfrm>
+            <a:off x="371094" y="1161288"/>
+            <a:ext cx="3438144" cy="1124712"/>
+          </a:xfrm>
+        </p:spPr>
         <p:txBody>
-          <a:bodyPr/>
+          <a:bodyPr vert="horz" lIns="91440" tIns="45720" rIns="91440" bIns="45720" rtlCol="0" anchor="b">
+            <a:normAutofit/>
+          </a:bodyPr>
           <a:lstStyle/>
           <a:p>
+            <a:pPr algn="l"/>
             <a:br>
-              <a:rPr lang="fr-FR" dirty="0"/>
+              <a:rPr lang="en-US" sz="2800">
+                <a:ln w="22225">
+                  <a:solidFill>
+                    <a:srgbClr val="FFFFFF"/>
+                  </a:solidFill>
+                </a:ln>
+              </a:rPr>
             </a:br>
-            <a:endParaRPr lang="en-US" dirty="0"/>
+            <a:endParaRPr lang="en-US" sz="2800">
+              <a:ln w="22225">
+                <a:solidFill>
+                  <a:srgbClr val="FFFFFF"/>
+                </a:solidFill>
+              </a:ln>
+            </a:endParaRPr>
           </a:p>
         </p:txBody>
       </p:sp>
@@ -3437,91 +6011,119 @@
         </p:nvSpPr>
         <p:spPr>
           <a:xfrm>
-            <a:off x="331807" y="2870522"/>
-            <a:ext cx="11532243" cy="3417565"/>
+            <a:off x="371094" y="2718054"/>
+            <a:ext cx="2488220" cy="1853947"/>
           </a:xfrm>
         </p:spPr>
         <p:txBody>
-          <a:bodyPr>
-            <a:noAutofit/>
+          <a:bodyPr vert="horz" lIns="91440" tIns="45720" rIns="91440" bIns="45720" rtlCol="0" anchor="t">
+            <a:normAutofit/>
           </a:bodyPr>
           <a:lstStyle/>
           <a:p>
-            <a:pPr algn="r"/>
-            <a:r>
-              <a:rPr lang="en-US" sz="4000" b="1" i="0" dirty="0">
-                <a:solidFill>
-                  <a:schemeClr val="bg1"/>
-                </a:solidFill>
+            <a:pPr algn="l"/>
+            <a:endParaRPr lang="en-US" sz="1700" b="1" dirty="0"/>
+          </a:p>
+          <a:p>
+            <a:pPr algn="l"/>
+            <a:r>
+              <a:rPr lang="en-US" sz="1700" b="1" i="0" dirty="0">
                 <a:effectLst/>
-                <a:latin typeface="-apple-system"/>
               </a:rPr>
+              <a:t>Anna Shin</a:t>
+            </a:r>
+          </a:p>
+          <a:p>
+            <a:pPr algn="l"/>
+            <a:r>
+              <a:rPr lang="en-US" sz="1700" b="1" i="0" dirty="0">
+                <a:effectLst/>
+              </a:rPr>
+              <a:t>Ingrid </a:t>
+            </a:r>
+            <a:r>
+              <a:rPr lang="en-US" sz="1700" b="1" i="0" dirty="0" err="1">
+                <a:effectLst/>
+              </a:rPr>
+              <a:t>Mongori</a:t>
+            </a:r>
+            <a:r>
+              <a:rPr lang="en-US" sz="1700" b="1" i="0" dirty="0">
+                <a:effectLst/>
+              </a:rPr>
+              <a:t> </a:t>
+            </a:r>
+            <a:r>
+              <a:rPr lang="en-US" sz="1700" b="1" i="0" dirty="0" err="1">
+                <a:effectLst/>
+              </a:rPr>
+              <a:t>Yondo</a:t>
+            </a:r>
+            <a:endParaRPr lang="en-US" sz="1700" b="1" i="0" dirty="0">
+              <a:effectLst/>
+            </a:endParaRPr>
+          </a:p>
+          <a:p>
+            <a:pPr algn="l"/>
+            <a:r>
+              <a:rPr lang="en-US" sz="1700" b="1" dirty="0" err="1"/>
+              <a:t>Yanis</a:t>
+            </a:r>
+            <a:r>
+              <a:rPr lang="en-US" sz="1700" b="1" dirty="0"/>
+              <a:t> </a:t>
+            </a:r>
+            <a:r>
+              <a:rPr lang="en-US" sz="1700" b="1" dirty="0" err="1"/>
+              <a:t>Benneouala</a:t>
+            </a:r>
+            <a:endParaRPr lang="en-US" sz="1700" b="1" i="0" dirty="0">
+              <a:effectLst/>
+            </a:endParaRPr>
+          </a:p>
+          <a:p>
+            <a:pPr indent="-228600" algn="l">
+              <a:buFont typeface="Arial" panose="020B0604020202020204" pitchFamily="34" charset="0"/>
+              <a:buChar char="•"/>
+            </a:pPr>
+            <a:endParaRPr lang="en-US" sz="1700" b="1" i="0" dirty="0">
+              <a:effectLst/>
+            </a:endParaRPr>
+          </a:p>
+        </p:txBody>
+      </p:sp>
+      <p:sp>
+        <p:nvSpPr>
+          <p:cNvPr id="4" name="ZoneTexte 3">
+            <a:extLst>
+              <a:ext uri="{FF2B5EF4-FFF2-40B4-BE49-F238E27FC236}">
+                <a16:creationId xmlns:a16="http://schemas.microsoft.com/office/drawing/2014/main" id="{7F4E16CD-35A4-4F4B-9465-1676B063BEF6}"/>
+              </a:ext>
+            </a:extLst>
+          </p:cNvPr>
+          <p:cNvSpPr txBox="1"/>
+          <p:nvPr/>
+        </p:nvSpPr>
+        <p:spPr>
+          <a:xfrm>
+            <a:off x="307975" y="991898"/>
+            <a:ext cx="6842506" cy="1323439"/>
+          </a:xfrm>
+          <a:prstGeom prst="rect">
+            <a:avLst/>
+          </a:prstGeom>
+          <a:noFill/>
+        </p:spPr>
+        <p:txBody>
+          <a:bodyPr wrap="square" rtlCol="0">
+            <a:spAutoFit/>
+          </a:bodyPr>
+          <a:lstStyle/>
+          <a:p>
+            <a:r>
+              <a:rPr lang="fr-FR" sz="8000" dirty="0"/>
               <a:t>COVID PLANET</a:t>
             </a:r>
-          </a:p>
-          <a:p>
-            <a:pPr algn="r"/>
-            <a:endParaRPr lang="en-US" sz="4000" b="1" dirty="0">
-              <a:solidFill>
-                <a:schemeClr val="bg1"/>
-              </a:solidFill>
-              <a:latin typeface="-apple-system"/>
-            </a:endParaRPr>
-          </a:p>
-          <a:p>
-            <a:pPr algn="r"/>
-            <a:r>
-              <a:rPr lang="en-US" sz="2800" b="1" i="0" dirty="0">
-                <a:solidFill>
-                  <a:schemeClr val="bg1"/>
-                </a:solidFill>
-                <a:effectLst/>
-                <a:latin typeface="-apple-system"/>
-              </a:rPr>
-              <a:t>ANNA</a:t>
-            </a:r>
-          </a:p>
-          <a:p>
-            <a:pPr algn="r"/>
-            <a:r>
-              <a:rPr lang="en-US" sz="2800" b="1" i="0" dirty="0">
-                <a:solidFill>
-                  <a:schemeClr val="bg1"/>
-                </a:solidFill>
-                <a:effectLst/>
-                <a:latin typeface="-apple-system"/>
-              </a:rPr>
-              <a:t>INGRID</a:t>
-            </a:r>
-          </a:p>
-          <a:p>
-            <a:pPr algn="r"/>
-            <a:r>
-              <a:rPr lang="en-US" sz="2800" b="1" dirty="0">
-                <a:solidFill>
-                  <a:schemeClr val="bg1"/>
-                </a:solidFill>
-                <a:latin typeface="-apple-system"/>
-              </a:rPr>
-              <a:t>YANIS</a:t>
-            </a:r>
-            <a:endParaRPr lang="en-US" sz="2800" b="1" i="0" dirty="0">
-              <a:solidFill>
-                <a:schemeClr val="bg1"/>
-              </a:solidFill>
-              <a:effectLst/>
-              <a:latin typeface="-apple-system"/>
-            </a:endParaRPr>
-          </a:p>
-          <a:p>
-            <a:pPr algn="r"/>
-            <a:endParaRPr lang="en-US" sz="4000" b="1" i="0" dirty="0">
-              <a:solidFill>
-                <a:schemeClr val="bg1"/>
-              </a:solidFill>
-              <a:effectLst/>
-              <a:latin typeface="-apple-system"/>
-            </a:endParaRPr>
           </a:p>
         </p:txBody>
       </p:sp>
@@ -3533,12 +6135,12 @@
     </p:extLst>
   </p:cSld>
   <p:clrMapOvr>
-    <a:masterClrMapping/>
+    <a:overrideClrMapping bg1="dk1" tx1="lt1" bg2="dk2" tx2="lt2" accent1="accent1" accent2="accent2" accent3="accent3" accent4="accent4" accent5="accent5" accent6="accent6" hlink="hlink" folHlink="folHlink"/>
   </p:clrMapOvr>
 </p:sld>
 </file>
 
-<file path=ppt/slides/slide2.xml><?xml version="1.0" encoding="utf-8"?>
+<file path=ppt/slides/slide10.xml><?xml version="1.0" encoding="utf-8"?>
 <p:sld xmlns:a="http://schemas.openxmlformats.org/drawingml/2006/main" xmlns:r="http://schemas.openxmlformats.org/officeDocument/2006/relationships" xmlns:p="http://schemas.openxmlformats.org/presentationml/2006/main">
   <p:cSld>
     <p:spTree>
@@ -3555,6 +6157,282 @@
           <a:chExt cx="0" cy="0"/>
         </a:xfrm>
       </p:grpSpPr>
+      <p:pic>
+        <p:nvPicPr>
+          <p:cNvPr id="19" name="Espace réservé du contenu 18" descr="Une image contenant texte&#10;&#10;Description générée automatiquement">
+            <a:extLst>
+              <a:ext uri="{FF2B5EF4-FFF2-40B4-BE49-F238E27FC236}">
+                <a16:creationId xmlns:a16="http://schemas.microsoft.com/office/drawing/2014/main" id="{28F63702-E75F-47ED-8281-6A61F11170F8}"/>
+              </a:ext>
+            </a:extLst>
+          </p:cNvPr>
+          <p:cNvPicPr>
+            <a:picLocks noGrp="1" noChangeAspect="1"/>
+          </p:cNvPicPr>
+          <p:nvPr>
+            <p:ph idx="1"/>
+          </p:nvPr>
+        </p:nvPicPr>
+        <p:blipFill>
+          <a:blip r:embed="rId2">
+            <a:extLst>
+              <a:ext uri="{28A0092B-C50C-407E-A947-70E740481C1C}">
+                <a14:useLocalDpi xmlns:a14="http://schemas.microsoft.com/office/drawing/2010/main" val="0"/>
+              </a:ext>
+              <a:ext uri="{837473B0-CC2E-450A-ABE3-18F120FF3D39}">
+                <a1611:picAttrSrcUrl xmlns:a1611="http://schemas.microsoft.com/office/drawing/2016/11/main" r:id="rId3"/>
+              </a:ext>
+            </a:extLst>
+          </a:blip>
+          <a:stretch>
+            <a:fillRect/>
+          </a:stretch>
+        </p:blipFill>
+        <p:spPr>
+          <a:xfrm>
+            <a:off x="1789044" y="147762"/>
+            <a:ext cx="8203096" cy="6562476"/>
+          </a:xfrm>
+        </p:spPr>
+      </p:pic>
+    </p:spTree>
+    <p:extLst>
+      <p:ext uri="{BB962C8B-B14F-4D97-AF65-F5344CB8AC3E}">
+        <p14:creationId xmlns:p14="http://schemas.microsoft.com/office/powerpoint/2010/main" val="478301727"/>
+      </p:ext>
+    </p:extLst>
+  </p:cSld>
+  <p:clrMapOvr>
+    <a:masterClrMapping/>
+  </p:clrMapOvr>
+</p:sld>
+</file>
+
+<file path=ppt/slides/slide2.xml><?xml version="1.0" encoding="utf-8"?>
+<p:sld xmlns:a="http://schemas.openxmlformats.org/drawingml/2006/main" xmlns:r="http://schemas.openxmlformats.org/officeDocument/2006/relationships" xmlns:p="http://schemas.openxmlformats.org/presentationml/2006/main">
+  <p:cSld>
+    <p:bg>
+      <p:bgPr>
+        <a:solidFill>
+          <a:schemeClr val="bg1"/>
+        </a:solidFill>
+        <a:effectLst/>
+      </p:bgPr>
+    </p:bg>
+    <p:spTree>
+      <p:nvGrpSpPr>
+        <p:cNvPr id="1" name=""/>
+        <p:cNvGrpSpPr/>
+        <p:nvPr/>
+      </p:nvGrpSpPr>
+      <p:grpSpPr>
+        <a:xfrm>
+          <a:off x="0" y="0"/>
+          <a:ext cx="0" cy="0"/>
+          <a:chOff x="0" y="0"/>
+          <a:chExt cx="0" cy="0"/>
+        </a:xfrm>
+      </p:grpSpPr>
+      <p:sp useBgFill="1">
+        <p:nvSpPr>
+          <p:cNvPr id="61" name="Rectangle 57">
+            <a:extLst>
+              <a:ext uri="{FF2B5EF4-FFF2-40B4-BE49-F238E27FC236}">
+                <a16:creationId xmlns:a16="http://schemas.microsoft.com/office/drawing/2014/main" id="{9DBC8166-481C-4473-95F5-9A5B9073B7F1}"/>
+              </a:ext>
+              <a:ext uri="{C183D7F6-B498-43B3-948B-1728B52AA6E4}">
+                <adec:decorative xmlns:adec="http://schemas.microsoft.com/office/drawing/2017/decorative" val="1"/>
+              </a:ext>
+            </a:extLst>
+          </p:cNvPr>
+          <p:cNvSpPr>
+            <a:spLocks noGrp="1" noRot="1" noChangeAspect="1" noMove="1" noResize="1" noEditPoints="1" noAdjustHandles="1" noChangeArrowheads="1" noChangeShapeType="1" noTextEdit="1"/>
+          </p:cNvSpPr>
+          <p:nvPr>
+            <p:extLst>
+              <p:ext uri="{386F3935-93C4-4BCD-93E2-E3B085C9AB24}">
+                <p16:designElem xmlns:p16="http://schemas.microsoft.com/office/powerpoint/2015/main" val="1"/>
+              </p:ext>
+            </p:extLst>
+          </p:nvPr>
+        </p:nvSpPr>
+        <p:spPr>
+          <a:xfrm>
+            <a:off x="0" y="0"/>
+            <a:ext cx="12188952" cy="6858000"/>
+          </a:xfrm>
+          <a:prstGeom prst="rect">
+            <a:avLst/>
+          </a:prstGeom>
+          <a:ln>
+            <a:noFill/>
+          </a:ln>
+        </p:spPr>
+        <p:style>
+          <a:lnRef idx="2">
+            <a:schemeClr val="accent1">
+              <a:shade val="50000"/>
+            </a:schemeClr>
+          </a:lnRef>
+          <a:fillRef idx="1">
+            <a:schemeClr val="accent1"/>
+          </a:fillRef>
+          <a:effectRef idx="0">
+            <a:schemeClr val="accent1"/>
+          </a:effectRef>
+          <a:fontRef idx="minor">
+            <a:schemeClr val="lt1"/>
+          </a:fontRef>
+        </p:style>
+        <p:txBody>
+          <a:bodyPr rtlCol="0" anchor="ctr"/>
+          <a:lstStyle/>
+          <a:p>
+            <a:pPr algn="ctr"/>
+            <a:endParaRPr lang="en-US"/>
+          </a:p>
+        </p:txBody>
+      </p:sp>
+      <p:sp>
+        <p:nvSpPr>
+          <p:cNvPr id="60" name="Freeform: Shape 59">
+            <a:extLst>
+              <a:ext uri="{FF2B5EF4-FFF2-40B4-BE49-F238E27FC236}">
+                <a16:creationId xmlns:a16="http://schemas.microsoft.com/office/drawing/2014/main" id="{A5A5CE6E-90AF-4D43-A014-1F9EC83EB93D}"/>
+              </a:ext>
+              <a:ext uri="{C183D7F6-B498-43B3-948B-1728B52AA6E4}">
+                <adec:decorative xmlns:adec="http://schemas.microsoft.com/office/drawing/2017/decorative" val="1"/>
+              </a:ext>
+            </a:extLst>
+          </p:cNvPr>
+          <p:cNvSpPr>
+            <a:spLocks noGrp="1" noRot="1" noChangeAspect="1" noMove="1" noResize="1" noEditPoints="1" noAdjustHandles="1" noChangeArrowheads="1" noChangeShapeType="1" noTextEdit="1"/>
+          </p:cNvSpPr>
+          <p:nvPr>
+            <p:extLst>
+              <p:ext uri="{386F3935-93C4-4BCD-93E2-E3B085C9AB24}">
+                <p16:designElem xmlns:p16="http://schemas.microsoft.com/office/powerpoint/2015/main" val="1"/>
+              </p:ext>
+            </p:extLst>
+          </p:nvPr>
+        </p:nvSpPr>
+        <p:spPr>
+          <a:xfrm>
+            <a:off x="0" y="1"/>
+            <a:ext cx="4512467" cy="6858000"/>
+          </a:xfrm>
+          <a:custGeom>
+            <a:avLst/>
+            <a:gdLst>
+              <a:gd name="connsiteX0" fmla="*/ 0 w 4512467"/>
+              <a:gd name="connsiteY0" fmla="*/ 0 h 6858000"/>
+              <a:gd name="connsiteX1" fmla="*/ 2579526 w 4512467"/>
+              <a:gd name="connsiteY1" fmla="*/ 0 h 6858000"/>
+              <a:gd name="connsiteX2" fmla="*/ 2583267 w 4512467"/>
+              <a:gd name="connsiteY2" fmla="*/ 2151 h 6858000"/>
+              <a:gd name="connsiteX3" fmla="*/ 4512467 w 4512467"/>
+              <a:gd name="connsiteY3" fmla="*/ 3429000 h 6858000"/>
+              <a:gd name="connsiteX4" fmla="*/ 2583267 w 4512467"/>
+              <a:gd name="connsiteY4" fmla="*/ 6855849 h 6858000"/>
+              <a:gd name="connsiteX5" fmla="*/ 2579526 w 4512467"/>
+              <a:gd name="connsiteY5" fmla="*/ 6858000 h 6858000"/>
+              <a:gd name="connsiteX6" fmla="*/ 0 w 4512467"/>
+              <a:gd name="connsiteY6" fmla="*/ 6858000 h 6858000"/>
+            </a:gdLst>
+            <a:ahLst/>
+            <a:cxnLst>
+              <a:cxn ang="0">
+                <a:pos x="connsiteX0" y="connsiteY0"/>
+              </a:cxn>
+              <a:cxn ang="0">
+                <a:pos x="connsiteX1" y="connsiteY1"/>
+              </a:cxn>
+              <a:cxn ang="0">
+                <a:pos x="connsiteX2" y="connsiteY2"/>
+              </a:cxn>
+              <a:cxn ang="0">
+                <a:pos x="connsiteX3" y="connsiteY3"/>
+              </a:cxn>
+              <a:cxn ang="0">
+                <a:pos x="connsiteX4" y="connsiteY4"/>
+              </a:cxn>
+              <a:cxn ang="0">
+                <a:pos x="connsiteX5" y="connsiteY5"/>
+              </a:cxn>
+              <a:cxn ang="0">
+                <a:pos x="connsiteX6" y="connsiteY6"/>
+              </a:cxn>
+            </a:cxnLst>
+            <a:rect l="l" t="t" r="r" b="b"/>
+            <a:pathLst>
+              <a:path w="4512467" h="6858000">
+                <a:moveTo>
+                  <a:pt x="0" y="0"/>
+                </a:moveTo>
+                <a:lnTo>
+                  <a:pt x="2579526" y="0"/>
+                </a:lnTo>
+                <a:lnTo>
+                  <a:pt x="2583267" y="2151"/>
+                </a:lnTo>
+                <a:cubicBezTo>
+                  <a:pt x="3739868" y="704919"/>
+                  <a:pt x="4512467" y="1976735"/>
+                  <a:pt x="4512467" y="3429000"/>
+                </a:cubicBezTo>
+                <a:cubicBezTo>
+                  <a:pt x="4512467" y="4881266"/>
+                  <a:pt x="3739868" y="6153081"/>
+                  <a:pt x="2583267" y="6855849"/>
+                </a:cubicBezTo>
+                <a:lnTo>
+                  <a:pt x="2579526" y="6858000"/>
+                </a:lnTo>
+                <a:lnTo>
+                  <a:pt x="0" y="6858000"/>
+                </a:lnTo>
+                <a:close/>
+              </a:path>
+            </a:pathLst>
+          </a:custGeom>
+          <a:solidFill>
+            <a:schemeClr val="accent2"/>
+          </a:solidFill>
+          <a:ln>
+            <a:noFill/>
+          </a:ln>
+        </p:spPr>
+        <p:style>
+          <a:lnRef idx="2">
+            <a:schemeClr val="accent1">
+              <a:shade val="50000"/>
+            </a:schemeClr>
+          </a:lnRef>
+          <a:fillRef idx="1">
+            <a:schemeClr val="accent1"/>
+          </a:fillRef>
+          <a:effectRef idx="0">
+            <a:schemeClr val="accent1"/>
+          </a:effectRef>
+          <a:fontRef idx="minor">
+            <a:schemeClr val="lt1"/>
+          </a:fontRef>
+        </p:style>
+        <p:txBody>
+          <a:bodyPr wrap="square" rtlCol="0" anchor="ctr">
+            <a:noAutofit/>
+          </a:bodyPr>
+          <a:lstStyle/>
+          <a:p>
+            <a:pPr algn="ctr"/>
+            <a:endParaRPr lang="en-US">
+              <a:solidFill>
+                <a:schemeClr val="bg1"/>
+              </a:solidFill>
+            </a:endParaRPr>
+          </a:p>
+        </p:txBody>
+      </p:sp>
       <p:sp>
         <p:nvSpPr>
           <p:cNvPr id="2" name="Title 1">
@@ -3571,122 +6449,60 @@
             <p:ph type="title"/>
           </p:nvPr>
         </p:nvSpPr>
-        <p:spPr/>
+        <p:spPr>
+          <a:xfrm>
+            <a:off x="838200" y="643467"/>
+            <a:ext cx="2951205" cy="5571066"/>
+          </a:xfrm>
+        </p:spPr>
         <p:txBody>
-          <a:bodyPr/>
+          <a:bodyPr>
+            <a:normAutofit/>
+          </a:bodyPr>
           <a:lstStyle/>
           <a:p>
-            <a:endParaRPr lang="en-US"/>
+            <a:r>
+              <a:rPr lang="en-US" sz="4000" b="1" dirty="0">
+                <a:solidFill>
+                  <a:srgbClr val="FFFFFF"/>
+                </a:solidFill>
+              </a:rPr>
+              <a:t>HEALTHCARE </a:t>
+            </a:r>
           </a:p>
         </p:txBody>
       </p:sp>
-      <p:sp>
-        <p:nvSpPr>
-          <p:cNvPr id="3" name="Content Placeholder 2">
+      <p:graphicFrame>
+        <p:nvGraphicFramePr>
+          <p:cNvPr id="53" name="Content Placeholder 2">
             <a:extLst>
               <a:ext uri="{FF2B5EF4-FFF2-40B4-BE49-F238E27FC236}">
-                <a16:creationId xmlns:a16="http://schemas.microsoft.com/office/drawing/2014/main" id="{858C2B3D-901F-4BB8-A90B-2CCA8AFD559C}"/>
+                <a16:creationId xmlns:a16="http://schemas.microsoft.com/office/drawing/2014/main" id="{BC963EEF-6D94-4C66-9B1D-A7AEEF99222B}"/>
               </a:ext>
             </a:extLst>
           </p:cNvPr>
-          <p:cNvSpPr>
-            <a:spLocks noGrp="1"/>
-          </p:cNvSpPr>
+          <p:cNvGraphicFramePr>
+            <a:graphicFrameLocks noGrp="1"/>
+          </p:cNvGraphicFramePr>
           <p:nvPr>
             <p:ph idx="1"/>
+            <p:extLst>
+              <p:ext uri="{D42A27DB-BD31-4B8C-83A1-F6EECF244321}">
+                <p14:modId xmlns:p14="http://schemas.microsoft.com/office/powerpoint/2010/main" val="1935029880"/>
+              </p:ext>
+            </p:extLst>
           </p:nvPr>
-        </p:nvSpPr>
-        <p:spPr/>
-        <p:txBody>
-          <a:bodyPr/>
-          <a:lstStyle/>
-          <a:p>
-            <a:pPr algn="l">
-              <a:buFont typeface="Arial" panose="020B0604020202020204" pitchFamily="34" charset="0"/>
-              <a:buChar char="•"/>
-            </a:pPr>
-            <a:r>
-              <a:rPr lang="en-US" b="0" i="0" dirty="0">
-                <a:solidFill>
-                  <a:srgbClr val="24292F"/>
-                </a:solidFill>
-                <a:effectLst/>
-                <a:latin typeface="-apple-system"/>
-              </a:rPr>
-              <a:t>Description of your Project (Planning, ER, </a:t>
-            </a:r>
-            <a:r>
-              <a:rPr lang="en-US" b="0" i="0" dirty="0" err="1">
-                <a:solidFill>
-                  <a:srgbClr val="24292F"/>
-                </a:solidFill>
-                <a:effectLst/>
-                <a:latin typeface="-apple-system"/>
-              </a:rPr>
-              <a:t>DataBase</a:t>
-            </a:r>
-            <a:r>
-              <a:rPr lang="en-US" b="0" i="0" dirty="0">
-                <a:solidFill>
-                  <a:srgbClr val="24292F"/>
-                </a:solidFill>
-                <a:effectLst/>
-                <a:latin typeface="-apple-system"/>
-              </a:rPr>
-              <a:t> Schema, Queries, </a:t>
-            </a:r>
-            <a:r>
-              <a:rPr lang="en-US" b="0" i="0" dirty="0" err="1">
-                <a:solidFill>
-                  <a:srgbClr val="24292F"/>
-                </a:solidFill>
-                <a:effectLst/>
-                <a:latin typeface="-apple-system"/>
-              </a:rPr>
-              <a:t>Methodoloy</a:t>
-            </a:r>
-            <a:r>
-              <a:rPr lang="en-US" b="0" i="0" dirty="0">
-                <a:solidFill>
-                  <a:srgbClr val="24292F"/>
-                </a:solidFill>
-                <a:effectLst/>
-                <a:latin typeface="-apple-system"/>
-              </a:rPr>
-              <a:t> for the composite indicator)</a:t>
-            </a:r>
-          </a:p>
-          <a:p>
-            <a:pPr algn="l">
-              <a:buFont typeface="Arial" panose="020B0604020202020204" pitchFamily="34" charset="0"/>
-              <a:buChar char="•"/>
-            </a:pPr>
-            <a:endParaRPr lang="en-US" b="0" i="0" dirty="0">
-              <a:solidFill>
-                <a:srgbClr val="24292F"/>
-              </a:solidFill>
-              <a:effectLst/>
-              <a:latin typeface="-apple-system"/>
-            </a:endParaRPr>
-          </a:p>
-          <a:p>
-            <a:pPr algn="l">
-              <a:buFont typeface="Arial" panose="020B0604020202020204" pitchFamily="34" charset="0"/>
-              <a:buChar char="•"/>
-            </a:pPr>
-            <a:endParaRPr lang="en-US" b="0" i="0" dirty="0">
-              <a:solidFill>
-                <a:srgbClr val="24292F"/>
-              </a:solidFill>
-              <a:effectLst/>
-              <a:latin typeface="-apple-system"/>
-            </a:endParaRPr>
-          </a:p>
-          <a:p>
-            <a:endParaRPr lang="en-US" dirty="0"/>
-          </a:p>
-        </p:txBody>
-      </p:sp>
+        </p:nvGraphicFramePr>
+        <p:xfrm>
+          <a:off x="5207640" y="643466"/>
+          <a:ext cx="6291714" cy="5530735"/>
+        </p:xfrm>
+        <a:graphic>
+          <a:graphicData uri="http://schemas.openxmlformats.org/drawingml/2006/diagram">
+            <dgm:relIds xmlns:dgm="http://schemas.openxmlformats.org/drawingml/2006/diagram" xmlns:r="http://schemas.openxmlformats.org/officeDocument/2006/relationships" r:dm="rId2" r:lo="rId3" r:qs="rId4" r:cs="rId5"/>
+          </a:graphicData>
+        </a:graphic>
+      </p:graphicFrame>
     </p:spTree>
     <p:extLst>
       <p:ext uri="{BB962C8B-B14F-4D97-AF65-F5344CB8AC3E}">
@@ -3697,12 +6513,32 @@
   <p:clrMapOvr>
     <a:masterClrMapping/>
   </p:clrMapOvr>
+  <mc:AlternateContent xmlns:mc="http://schemas.openxmlformats.org/markup-compatibility/2006">
+    <mc:Choice xmlns:p14="http://schemas.microsoft.com/office/powerpoint/2010/main" Requires="p14">
+      <p:transition spd="med" p14:dur="700">
+        <p:fade/>
+      </p:transition>
+    </mc:Choice>
+    <mc:Fallback>
+      <p:transition spd="med">
+        <p:fade/>
+      </p:transition>
+    </mc:Fallback>
+  </mc:AlternateContent>
 </p:sld>
 </file>
 
 <file path=ppt/slides/slide3.xml><?xml version="1.0" encoding="utf-8"?>
 <p:sld xmlns:a="http://schemas.openxmlformats.org/drawingml/2006/main" xmlns:r="http://schemas.openxmlformats.org/officeDocument/2006/relationships" xmlns:p="http://schemas.openxmlformats.org/presentationml/2006/main">
   <p:cSld>
+    <p:bg>
+      <p:bgPr>
+        <a:solidFill>
+          <a:schemeClr val="bg1"/>
+        </a:solidFill>
+        <a:effectLst/>
+      </p:bgPr>
+    </p:bg>
     <p:spTree>
       <p:nvGrpSpPr>
         <p:cNvPr id="1" name=""/>
@@ -3717,12 +6553,206 @@
           <a:chExt cx="0" cy="0"/>
         </a:xfrm>
       </p:grpSpPr>
+      <p:sp useBgFill="1">
+        <p:nvSpPr>
+          <p:cNvPr id="8" name="Rectangle 7">
+            <a:extLst>
+              <a:ext uri="{FF2B5EF4-FFF2-40B4-BE49-F238E27FC236}">
+                <a16:creationId xmlns:a16="http://schemas.microsoft.com/office/drawing/2014/main" id="{907EF6B7-1338-4443-8C46-6A318D952DFD}"/>
+              </a:ext>
+              <a:ext uri="{C183D7F6-B498-43B3-948B-1728B52AA6E4}">
+                <adec:decorative xmlns:adec="http://schemas.microsoft.com/office/drawing/2017/decorative" val="1"/>
+              </a:ext>
+            </a:extLst>
+          </p:cNvPr>
+          <p:cNvSpPr>
+            <a:spLocks noGrp="1" noRot="1" noChangeAspect="1" noMove="1" noResize="1" noEditPoints="1" noAdjustHandles="1" noChangeArrowheads="1" noChangeShapeType="1" noTextEdit="1"/>
+          </p:cNvSpPr>
+          <p:nvPr>
+            <p:extLst>
+              <p:ext uri="{386F3935-93C4-4BCD-93E2-E3B085C9AB24}">
+                <p16:designElem xmlns:p16="http://schemas.microsoft.com/office/powerpoint/2015/main" val="1"/>
+              </p:ext>
+            </p:extLst>
+          </p:nvPr>
+        </p:nvSpPr>
+        <p:spPr>
+          <a:xfrm>
+            <a:off x="3048" y="0"/>
+            <a:ext cx="12188952" cy="6858000"/>
+          </a:xfrm>
+          <a:prstGeom prst="rect">
+            <a:avLst/>
+          </a:prstGeom>
+          <a:ln>
+            <a:noFill/>
+          </a:ln>
+        </p:spPr>
+        <p:style>
+          <a:lnRef idx="2">
+            <a:schemeClr val="accent1">
+              <a:shade val="50000"/>
+            </a:schemeClr>
+          </a:lnRef>
+          <a:fillRef idx="1">
+            <a:schemeClr val="accent1"/>
+          </a:fillRef>
+          <a:effectRef idx="0">
+            <a:schemeClr val="accent1"/>
+          </a:effectRef>
+          <a:fontRef idx="minor">
+            <a:schemeClr val="lt1"/>
+          </a:fontRef>
+        </p:style>
+        <p:txBody>
+          <a:bodyPr rtlCol="0" anchor="ctr"/>
+          <a:lstStyle/>
+          <a:p>
+            <a:pPr algn="ctr"/>
+            <a:endParaRPr lang="en-US"/>
+          </a:p>
+        </p:txBody>
+      </p:sp>
       <p:sp>
         <p:nvSpPr>
-          <p:cNvPr id="2" name="Title 1">
+          <p:cNvPr id="10" name="Freeform: Shape 9">
             <a:extLst>
               <a:ext uri="{FF2B5EF4-FFF2-40B4-BE49-F238E27FC236}">
-                <a16:creationId xmlns:a16="http://schemas.microsoft.com/office/drawing/2014/main" id="{0CD7E36F-6135-4B5B-B71E-5F0AF1179276}"/>
+                <a16:creationId xmlns:a16="http://schemas.microsoft.com/office/drawing/2014/main" id="{DAAE4CDD-124C-4DCF-9584-B6033B545DD5}"/>
+              </a:ext>
+              <a:ext uri="{C183D7F6-B498-43B3-948B-1728B52AA6E4}">
+                <adec:decorative xmlns:adec="http://schemas.microsoft.com/office/drawing/2017/decorative" val="1"/>
+              </a:ext>
+            </a:extLst>
+          </p:cNvPr>
+          <p:cNvSpPr>
+            <a:spLocks noGrp="1" noRot="1" noChangeAspect="1" noMove="1" noResize="1" noEditPoints="1" noAdjustHandles="1" noChangeArrowheads="1" noChangeShapeType="1" noTextEdit="1"/>
+          </p:cNvSpPr>
+          <p:nvPr>
+            <p:extLst>
+              <p:ext uri="{386F3935-93C4-4BCD-93E2-E3B085C9AB24}">
+                <p16:designElem xmlns:p16="http://schemas.microsoft.com/office/powerpoint/2015/main" val="1"/>
+              </p:ext>
+            </p:extLst>
+          </p:nvPr>
+        </p:nvSpPr>
+        <p:spPr>
+          <a:xfrm>
+            <a:off x="1" y="0"/>
+            <a:ext cx="4167271" cy="6858000"/>
+          </a:xfrm>
+          <a:custGeom>
+            <a:avLst/>
+            <a:gdLst>
+              <a:gd name="connsiteX0" fmla="*/ 0 w 4167271"/>
+              <a:gd name="connsiteY0" fmla="*/ 0 h 6858000"/>
+              <a:gd name="connsiteX1" fmla="*/ 2259550 w 4167271"/>
+              <a:gd name="connsiteY1" fmla="*/ 0 h 6858000"/>
+              <a:gd name="connsiteX2" fmla="*/ 2387803 w 4167271"/>
+              <a:gd name="connsiteY2" fmla="*/ 82222 h 6858000"/>
+              <a:gd name="connsiteX3" fmla="*/ 4167271 w 4167271"/>
+              <a:gd name="connsiteY3" fmla="*/ 3429000 h 6858000"/>
+              <a:gd name="connsiteX4" fmla="*/ 2387803 w 4167271"/>
+              <a:gd name="connsiteY4" fmla="*/ 6775779 h 6858000"/>
+              <a:gd name="connsiteX5" fmla="*/ 2259550 w 4167271"/>
+              <a:gd name="connsiteY5" fmla="*/ 6858000 h 6858000"/>
+              <a:gd name="connsiteX6" fmla="*/ 0 w 4167271"/>
+              <a:gd name="connsiteY6" fmla="*/ 6858000 h 6858000"/>
+            </a:gdLst>
+            <a:ahLst/>
+            <a:cxnLst>
+              <a:cxn ang="0">
+                <a:pos x="connsiteX0" y="connsiteY0"/>
+              </a:cxn>
+              <a:cxn ang="0">
+                <a:pos x="connsiteX1" y="connsiteY1"/>
+              </a:cxn>
+              <a:cxn ang="0">
+                <a:pos x="connsiteX2" y="connsiteY2"/>
+              </a:cxn>
+              <a:cxn ang="0">
+                <a:pos x="connsiteX3" y="connsiteY3"/>
+              </a:cxn>
+              <a:cxn ang="0">
+                <a:pos x="connsiteX4" y="connsiteY4"/>
+              </a:cxn>
+              <a:cxn ang="0">
+                <a:pos x="connsiteX5" y="connsiteY5"/>
+              </a:cxn>
+              <a:cxn ang="0">
+                <a:pos x="connsiteX6" y="connsiteY6"/>
+              </a:cxn>
+            </a:cxnLst>
+            <a:rect l="l" t="t" r="r" b="b"/>
+            <a:pathLst>
+              <a:path w="4167271" h="6858000">
+                <a:moveTo>
+                  <a:pt x="0" y="0"/>
+                </a:moveTo>
+                <a:lnTo>
+                  <a:pt x="2259550" y="0"/>
+                </a:lnTo>
+                <a:lnTo>
+                  <a:pt x="2387803" y="82222"/>
+                </a:lnTo>
+                <a:cubicBezTo>
+                  <a:pt x="3461407" y="807534"/>
+                  <a:pt x="4167271" y="2035835"/>
+                  <a:pt x="4167271" y="3429000"/>
+                </a:cubicBezTo>
+                <a:cubicBezTo>
+                  <a:pt x="4167271" y="4822165"/>
+                  <a:pt x="3461407" y="6050467"/>
+                  <a:pt x="2387803" y="6775779"/>
+                </a:cubicBezTo>
+                <a:lnTo>
+                  <a:pt x="2259550" y="6858000"/>
+                </a:lnTo>
+                <a:lnTo>
+                  <a:pt x="0" y="6858000"/>
+                </a:lnTo>
+                <a:close/>
+              </a:path>
+            </a:pathLst>
+          </a:custGeom>
+          <a:solidFill>
+            <a:schemeClr val="accent2"/>
+          </a:solidFill>
+          <a:ln>
+            <a:noFill/>
+          </a:ln>
+        </p:spPr>
+        <p:style>
+          <a:lnRef idx="2">
+            <a:schemeClr val="accent1">
+              <a:shade val="50000"/>
+            </a:schemeClr>
+          </a:lnRef>
+          <a:fillRef idx="1">
+            <a:schemeClr val="accent1"/>
+          </a:fillRef>
+          <a:effectRef idx="0">
+            <a:schemeClr val="accent1"/>
+          </a:effectRef>
+          <a:fontRef idx="minor">
+            <a:schemeClr val="lt1"/>
+          </a:fontRef>
+        </p:style>
+        <p:txBody>
+          <a:bodyPr rtlCol="0" anchor="ctr"/>
+          <a:lstStyle/>
+          <a:p>
+            <a:pPr algn="ctr"/>
+            <a:endParaRPr lang="en-US"/>
+          </a:p>
+        </p:txBody>
+      </p:sp>
+      <p:sp>
+        <p:nvSpPr>
+          <p:cNvPr id="2" name="Titre 1">
+            <a:extLst>
+              <a:ext uri="{FF2B5EF4-FFF2-40B4-BE49-F238E27FC236}">
+                <a16:creationId xmlns:a16="http://schemas.microsoft.com/office/drawing/2014/main" id="{58155EF8-CDE7-4562-8413-963363434ACB}"/>
               </a:ext>
             </a:extLst>
           </p:cNvPr>
@@ -3733,70 +6763,161 @@
             <p:ph type="title"/>
           </p:nvPr>
         </p:nvSpPr>
-        <p:spPr/>
+        <p:spPr>
+          <a:xfrm>
+            <a:off x="686834" y="1153572"/>
+            <a:ext cx="3200400" cy="4461163"/>
+          </a:xfrm>
+        </p:spPr>
         <p:txBody>
-          <a:bodyPr/>
+          <a:bodyPr>
+            <a:normAutofit/>
+          </a:bodyPr>
           <a:lstStyle/>
           <a:p>
             <a:r>
-              <a:rPr lang="fr-FR" dirty="0"/>
+              <a:rPr lang="fr-FR">
+                <a:solidFill>
+                  <a:srgbClr val="FFFFFF"/>
+                </a:solidFill>
+              </a:rPr>
               <a:t>ER</a:t>
             </a:r>
+            <a:endParaRPr lang="fr-FR" dirty="0">
+              <a:solidFill>
+                <a:srgbClr val="FFFFFF"/>
+              </a:solidFill>
+            </a:endParaRPr>
+          </a:p>
+        </p:txBody>
+      </p:sp>
+      <p:sp>
+        <p:nvSpPr>
+          <p:cNvPr id="12" name="Arc 11">
+            <a:extLst>
+              <a:ext uri="{FF2B5EF4-FFF2-40B4-BE49-F238E27FC236}">
+                <a16:creationId xmlns:a16="http://schemas.microsoft.com/office/drawing/2014/main" id="{081E4A58-353D-44AE-B2FC-2A74E2E400F7}"/>
+              </a:ext>
+              <a:ext uri="{C183D7F6-B498-43B3-948B-1728B52AA6E4}">
+                <adec:decorative xmlns:adec="http://schemas.microsoft.com/office/drawing/2017/decorative" val="1"/>
+              </a:ext>
+            </a:extLst>
+          </p:cNvPr>
+          <p:cNvSpPr>
+            <a:spLocks noGrp="1" noRot="1" noChangeAspect="1" noMove="1" noResize="1" noEditPoints="1" noAdjustHandles="1" noChangeArrowheads="1" noChangeShapeType="1" noTextEdit="1"/>
+          </p:cNvSpPr>
+          <p:nvPr>
+            <p:extLst>
+              <p:ext uri="{386F3935-93C4-4BCD-93E2-E3B085C9AB24}">
+                <p16:designElem xmlns:p16="http://schemas.microsoft.com/office/powerpoint/2015/main" val="1"/>
+              </p:ext>
+            </p:extLst>
+          </p:nvPr>
+        </p:nvSpPr>
+        <p:spPr>
+          <a:xfrm flipV="1">
+            <a:off x="7550402" y="2455479"/>
+            <a:ext cx="4083433" cy="4083433"/>
+          </a:xfrm>
+          <a:prstGeom prst="arc">
+            <a:avLst/>
+          </a:prstGeom>
+          <a:ln w="127000" cap="rnd">
+            <a:solidFill>
+              <a:schemeClr val="accent4"/>
+            </a:solidFill>
+            <a:prstDash val="dash"/>
+          </a:ln>
+        </p:spPr>
+        <p:style>
+          <a:lnRef idx="1">
+            <a:schemeClr val="accent1"/>
+          </a:lnRef>
+          <a:fillRef idx="0">
+            <a:schemeClr val="accent1"/>
+          </a:fillRef>
+          <a:effectRef idx="0">
+            <a:schemeClr val="accent1"/>
+          </a:effectRef>
+          <a:fontRef idx="minor">
+            <a:schemeClr val="tx1"/>
+          </a:fontRef>
+        </p:style>
+        <p:txBody>
+          <a:bodyPr rtlCol="0" anchor="ctr"/>
+          <a:lstStyle/>
+          <a:p>
+            <a:pPr algn="ctr"/>
             <a:endParaRPr lang="en-US" dirty="0"/>
           </a:p>
         </p:txBody>
       </p:sp>
       <p:pic>
         <p:nvPicPr>
-          <p:cNvPr id="5" name="Content Placeholder 4">
+          <p:cNvPr id="6" name="Image 5">
             <a:extLst>
               <a:ext uri="{FF2B5EF4-FFF2-40B4-BE49-F238E27FC236}">
-                <a16:creationId xmlns:a16="http://schemas.microsoft.com/office/drawing/2014/main" id="{88BA184A-9345-4278-9EFD-F3E698454DF3}"/>
+                <a16:creationId xmlns:a16="http://schemas.microsoft.com/office/drawing/2014/main" id="{334D0935-EFC5-4CDB-B86C-90BD5B689AEC}"/>
               </a:ext>
             </a:extLst>
           </p:cNvPr>
           <p:cNvPicPr>
-            <a:picLocks noGrp="1" noChangeAspect="1"/>
+            <a:picLocks noChangeAspect="1"/>
           </p:cNvPicPr>
-          <p:nvPr>
-            <p:ph idx="1"/>
-          </p:nvPr>
+          <p:nvPr/>
         </p:nvPicPr>
         <p:blipFill>
-          <a:blip r:embed="rId2">
-            <a:extLst>
-              <a:ext uri="{28A0092B-C50C-407E-A947-70E740481C1C}">
-                <a14:useLocalDpi xmlns:a14="http://schemas.microsoft.com/office/drawing/2010/main" val="0"/>
-              </a:ext>
-            </a:extLst>
-          </a:blip>
+          <a:blip r:embed="rId2"/>
           <a:stretch>
             <a:fillRect/>
           </a:stretch>
         </p:blipFill>
         <p:spPr>
           <a:xfrm>
-            <a:off x="2601744" y="1825625"/>
-            <a:ext cx="6988512" cy="4351338"/>
+            <a:off x="4376555" y="305836"/>
+            <a:ext cx="6995992" cy="4584216"/>
           </a:xfrm>
+          <a:prstGeom prst="rect">
+            <a:avLst/>
+          </a:prstGeom>
         </p:spPr>
       </p:pic>
     </p:spTree>
     <p:extLst>
       <p:ext uri="{BB962C8B-B14F-4D97-AF65-F5344CB8AC3E}">
-        <p14:creationId xmlns:p14="http://schemas.microsoft.com/office/powerpoint/2010/main" val="512844955"/>
+        <p14:creationId xmlns:p14="http://schemas.microsoft.com/office/powerpoint/2010/main" val="2705732312"/>
       </p:ext>
     </p:extLst>
   </p:cSld>
   <p:clrMapOvr>
     <a:masterClrMapping/>
   </p:clrMapOvr>
+  <mc:AlternateContent xmlns:mc="http://schemas.openxmlformats.org/markup-compatibility/2006">
+    <mc:Choice xmlns:p14="http://schemas.microsoft.com/office/powerpoint/2010/main" Requires="p14">
+      <p:transition spd="med" p14:dur="700">
+        <p:fade/>
+      </p:transition>
+    </mc:Choice>
+    <mc:Fallback>
+      <p:transition spd="med">
+        <p:fade/>
+      </p:transition>
+    </mc:Fallback>
+  </mc:AlternateContent>
 </p:sld>
 </file>
 
 <file path=ppt/slides/slide4.xml><?xml version="1.0" encoding="utf-8"?>
 <p:sld xmlns:a="http://schemas.openxmlformats.org/drawingml/2006/main" xmlns:r="http://schemas.openxmlformats.org/officeDocument/2006/relationships" xmlns:p="http://schemas.openxmlformats.org/presentationml/2006/main">
   <p:cSld>
+    <p:bg>
+      <p:bgPr>
+        <a:solidFill>
+          <a:schemeClr val="bg1"/>
+        </a:solidFill>
+        <a:effectLst/>
+      </p:bgPr>
+    </p:bg>
     <p:spTree>
       <p:nvGrpSpPr>
         <p:cNvPr id="1" name=""/>
@@ -3811,12 +6932,206 @@
           <a:chExt cx="0" cy="0"/>
         </a:xfrm>
       </p:grpSpPr>
+      <p:sp useBgFill="1">
+        <p:nvSpPr>
+          <p:cNvPr id="8" name="Rectangle 7">
+            <a:extLst>
+              <a:ext uri="{FF2B5EF4-FFF2-40B4-BE49-F238E27FC236}">
+                <a16:creationId xmlns:a16="http://schemas.microsoft.com/office/drawing/2014/main" id="{907EF6B7-1338-4443-8C46-6A318D952DFD}"/>
+              </a:ext>
+              <a:ext uri="{C183D7F6-B498-43B3-948B-1728B52AA6E4}">
+                <adec:decorative xmlns:adec="http://schemas.microsoft.com/office/drawing/2017/decorative" val="1"/>
+              </a:ext>
+            </a:extLst>
+          </p:cNvPr>
+          <p:cNvSpPr>
+            <a:spLocks noGrp="1" noRot="1" noChangeAspect="1" noMove="1" noResize="1" noEditPoints="1" noAdjustHandles="1" noChangeArrowheads="1" noChangeShapeType="1" noTextEdit="1"/>
+          </p:cNvSpPr>
+          <p:nvPr>
+            <p:extLst>
+              <p:ext uri="{386F3935-93C4-4BCD-93E2-E3B085C9AB24}">
+                <p16:designElem xmlns:p16="http://schemas.microsoft.com/office/powerpoint/2015/main" val="1"/>
+              </p:ext>
+            </p:extLst>
+          </p:nvPr>
+        </p:nvSpPr>
+        <p:spPr>
+          <a:xfrm>
+            <a:off x="3048" y="0"/>
+            <a:ext cx="12188952" cy="6858000"/>
+          </a:xfrm>
+          <a:prstGeom prst="rect">
+            <a:avLst/>
+          </a:prstGeom>
+          <a:ln>
+            <a:noFill/>
+          </a:ln>
+        </p:spPr>
+        <p:style>
+          <a:lnRef idx="2">
+            <a:schemeClr val="accent1">
+              <a:shade val="50000"/>
+            </a:schemeClr>
+          </a:lnRef>
+          <a:fillRef idx="1">
+            <a:schemeClr val="accent1"/>
+          </a:fillRef>
+          <a:effectRef idx="0">
+            <a:schemeClr val="accent1"/>
+          </a:effectRef>
+          <a:fontRef idx="minor">
+            <a:schemeClr val="lt1"/>
+          </a:fontRef>
+        </p:style>
+        <p:txBody>
+          <a:bodyPr rtlCol="0" anchor="ctr"/>
+          <a:lstStyle/>
+          <a:p>
+            <a:pPr algn="ctr"/>
+            <a:endParaRPr lang="en-US"/>
+          </a:p>
+        </p:txBody>
+      </p:sp>
       <p:sp>
         <p:nvSpPr>
-          <p:cNvPr id="4" name="Title 3">
+          <p:cNvPr id="10" name="Freeform: Shape 9">
             <a:extLst>
               <a:ext uri="{FF2B5EF4-FFF2-40B4-BE49-F238E27FC236}">
-                <a16:creationId xmlns:a16="http://schemas.microsoft.com/office/drawing/2014/main" id="{86C44B53-3B0F-4D0A-95F2-5FA24D97DAA3}"/>
+                <a16:creationId xmlns:a16="http://schemas.microsoft.com/office/drawing/2014/main" id="{DAAE4CDD-124C-4DCF-9584-B6033B545DD5}"/>
+              </a:ext>
+              <a:ext uri="{C183D7F6-B498-43B3-948B-1728B52AA6E4}">
+                <adec:decorative xmlns:adec="http://schemas.microsoft.com/office/drawing/2017/decorative" val="1"/>
+              </a:ext>
+            </a:extLst>
+          </p:cNvPr>
+          <p:cNvSpPr>
+            <a:spLocks noGrp="1" noRot="1" noChangeAspect="1" noMove="1" noResize="1" noEditPoints="1" noAdjustHandles="1" noChangeArrowheads="1" noChangeShapeType="1" noTextEdit="1"/>
+          </p:cNvSpPr>
+          <p:nvPr>
+            <p:extLst>
+              <p:ext uri="{386F3935-93C4-4BCD-93E2-E3B085C9AB24}">
+                <p16:designElem xmlns:p16="http://schemas.microsoft.com/office/powerpoint/2015/main" val="1"/>
+              </p:ext>
+            </p:extLst>
+          </p:nvPr>
+        </p:nvSpPr>
+        <p:spPr>
+          <a:xfrm>
+            <a:off x="1" y="0"/>
+            <a:ext cx="4167271" cy="6858000"/>
+          </a:xfrm>
+          <a:custGeom>
+            <a:avLst/>
+            <a:gdLst>
+              <a:gd name="connsiteX0" fmla="*/ 0 w 4167271"/>
+              <a:gd name="connsiteY0" fmla="*/ 0 h 6858000"/>
+              <a:gd name="connsiteX1" fmla="*/ 2259550 w 4167271"/>
+              <a:gd name="connsiteY1" fmla="*/ 0 h 6858000"/>
+              <a:gd name="connsiteX2" fmla="*/ 2387803 w 4167271"/>
+              <a:gd name="connsiteY2" fmla="*/ 82222 h 6858000"/>
+              <a:gd name="connsiteX3" fmla="*/ 4167271 w 4167271"/>
+              <a:gd name="connsiteY3" fmla="*/ 3429000 h 6858000"/>
+              <a:gd name="connsiteX4" fmla="*/ 2387803 w 4167271"/>
+              <a:gd name="connsiteY4" fmla="*/ 6775779 h 6858000"/>
+              <a:gd name="connsiteX5" fmla="*/ 2259550 w 4167271"/>
+              <a:gd name="connsiteY5" fmla="*/ 6858000 h 6858000"/>
+              <a:gd name="connsiteX6" fmla="*/ 0 w 4167271"/>
+              <a:gd name="connsiteY6" fmla="*/ 6858000 h 6858000"/>
+            </a:gdLst>
+            <a:ahLst/>
+            <a:cxnLst>
+              <a:cxn ang="0">
+                <a:pos x="connsiteX0" y="connsiteY0"/>
+              </a:cxn>
+              <a:cxn ang="0">
+                <a:pos x="connsiteX1" y="connsiteY1"/>
+              </a:cxn>
+              <a:cxn ang="0">
+                <a:pos x="connsiteX2" y="connsiteY2"/>
+              </a:cxn>
+              <a:cxn ang="0">
+                <a:pos x="connsiteX3" y="connsiteY3"/>
+              </a:cxn>
+              <a:cxn ang="0">
+                <a:pos x="connsiteX4" y="connsiteY4"/>
+              </a:cxn>
+              <a:cxn ang="0">
+                <a:pos x="connsiteX5" y="connsiteY5"/>
+              </a:cxn>
+              <a:cxn ang="0">
+                <a:pos x="connsiteX6" y="connsiteY6"/>
+              </a:cxn>
+            </a:cxnLst>
+            <a:rect l="l" t="t" r="r" b="b"/>
+            <a:pathLst>
+              <a:path w="4167271" h="6858000">
+                <a:moveTo>
+                  <a:pt x="0" y="0"/>
+                </a:moveTo>
+                <a:lnTo>
+                  <a:pt x="2259550" y="0"/>
+                </a:lnTo>
+                <a:lnTo>
+                  <a:pt x="2387803" y="82222"/>
+                </a:lnTo>
+                <a:cubicBezTo>
+                  <a:pt x="3461407" y="807534"/>
+                  <a:pt x="4167271" y="2035835"/>
+                  <a:pt x="4167271" y="3429000"/>
+                </a:cubicBezTo>
+                <a:cubicBezTo>
+                  <a:pt x="4167271" y="4822165"/>
+                  <a:pt x="3461407" y="6050467"/>
+                  <a:pt x="2387803" y="6775779"/>
+                </a:cubicBezTo>
+                <a:lnTo>
+                  <a:pt x="2259550" y="6858000"/>
+                </a:lnTo>
+                <a:lnTo>
+                  <a:pt x="0" y="6858000"/>
+                </a:lnTo>
+                <a:close/>
+              </a:path>
+            </a:pathLst>
+          </a:custGeom>
+          <a:solidFill>
+            <a:schemeClr val="accent2"/>
+          </a:solidFill>
+          <a:ln>
+            <a:noFill/>
+          </a:ln>
+        </p:spPr>
+        <p:style>
+          <a:lnRef idx="2">
+            <a:schemeClr val="accent1">
+              <a:shade val="50000"/>
+            </a:schemeClr>
+          </a:lnRef>
+          <a:fillRef idx="1">
+            <a:schemeClr val="accent1"/>
+          </a:fillRef>
+          <a:effectRef idx="0">
+            <a:schemeClr val="accent1"/>
+          </a:effectRef>
+          <a:fontRef idx="minor">
+            <a:schemeClr val="lt1"/>
+          </a:fontRef>
+        </p:style>
+        <p:txBody>
+          <a:bodyPr rtlCol="0" anchor="ctr"/>
+          <a:lstStyle/>
+          <a:p>
+            <a:pPr algn="ctr"/>
+            <a:endParaRPr lang="en-US"/>
+          </a:p>
+        </p:txBody>
+      </p:sp>
+      <p:sp>
+        <p:nvSpPr>
+          <p:cNvPr id="2" name="Titre 1">
+            <a:extLst>
+              <a:ext uri="{FF2B5EF4-FFF2-40B4-BE49-F238E27FC236}">
+                <a16:creationId xmlns:a16="http://schemas.microsoft.com/office/drawing/2014/main" id="{FA6A7D49-E4FD-4D37-BC96-E3E4F40B811E}"/>
               </a:ext>
             </a:extLst>
           </p:cNvPr>
@@ -3827,25 +7142,96 @@
             <p:ph type="title"/>
           </p:nvPr>
         </p:nvSpPr>
-        <p:spPr/>
+        <p:spPr>
+          <a:xfrm>
+            <a:off x="686834" y="1153572"/>
+            <a:ext cx="3200400" cy="4461163"/>
+          </a:xfrm>
+        </p:spPr>
         <p:txBody>
-          <a:bodyPr/>
+          <a:bodyPr>
+            <a:normAutofit/>
+          </a:bodyPr>
           <a:lstStyle/>
           <a:p>
             <a:r>
-              <a:rPr lang="fr-FR" dirty="0"/>
-              <a:t>Challenges</a:t>
-            </a:r>
-            <a:endParaRPr lang="en-US" dirty="0"/>
+              <a:rPr lang="fr-FR" dirty="0">
+                <a:solidFill>
+                  <a:srgbClr val="FFFFFF"/>
+                </a:solidFill>
+              </a:rPr>
+              <a:t>CHALLENGES</a:t>
+            </a:r>
           </a:p>
         </p:txBody>
       </p:sp>
       <p:sp>
         <p:nvSpPr>
-          <p:cNvPr id="5" name="Content Placeholder 4">
+          <p:cNvPr id="12" name="Arc 11">
             <a:extLst>
               <a:ext uri="{FF2B5EF4-FFF2-40B4-BE49-F238E27FC236}">
-                <a16:creationId xmlns:a16="http://schemas.microsoft.com/office/drawing/2014/main" id="{6EA99688-D307-4F0A-836A-35DAA9B53E8E}"/>
+                <a16:creationId xmlns:a16="http://schemas.microsoft.com/office/drawing/2014/main" id="{081E4A58-353D-44AE-B2FC-2A74E2E400F7}"/>
+              </a:ext>
+              <a:ext uri="{C183D7F6-B498-43B3-948B-1728B52AA6E4}">
+                <adec:decorative xmlns:adec="http://schemas.microsoft.com/office/drawing/2017/decorative" val="1"/>
+              </a:ext>
+            </a:extLst>
+          </p:cNvPr>
+          <p:cNvSpPr>
+            <a:spLocks noGrp="1" noRot="1" noChangeAspect="1" noMove="1" noResize="1" noEditPoints="1" noAdjustHandles="1" noChangeArrowheads="1" noChangeShapeType="1" noTextEdit="1"/>
+          </p:cNvSpPr>
+          <p:nvPr>
+            <p:extLst>
+              <p:ext uri="{386F3935-93C4-4BCD-93E2-E3B085C9AB24}">
+                <p16:designElem xmlns:p16="http://schemas.microsoft.com/office/powerpoint/2015/main" val="1"/>
+              </p:ext>
+            </p:extLst>
+          </p:nvPr>
+        </p:nvSpPr>
+        <p:spPr>
+          <a:xfrm flipV="1">
+            <a:off x="7550402" y="2455479"/>
+            <a:ext cx="4083433" cy="4083433"/>
+          </a:xfrm>
+          <a:prstGeom prst="arc">
+            <a:avLst/>
+          </a:prstGeom>
+          <a:ln w="127000" cap="rnd">
+            <a:solidFill>
+              <a:schemeClr val="accent4"/>
+            </a:solidFill>
+            <a:prstDash val="dash"/>
+          </a:ln>
+        </p:spPr>
+        <p:style>
+          <a:lnRef idx="1">
+            <a:schemeClr val="accent1"/>
+          </a:lnRef>
+          <a:fillRef idx="0">
+            <a:schemeClr val="accent1"/>
+          </a:fillRef>
+          <a:effectRef idx="0">
+            <a:schemeClr val="accent1"/>
+          </a:effectRef>
+          <a:fontRef idx="minor">
+            <a:schemeClr val="tx1"/>
+          </a:fontRef>
+        </p:style>
+        <p:txBody>
+          <a:bodyPr rtlCol="0" anchor="ctr"/>
+          <a:lstStyle/>
+          <a:p>
+            <a:pPr algn="ctr"/>
+            <a:endParaRPr lang="en-US" dirty="0"/>
+          </a:p>
+        </p:txBody>
+      </p:sp>
+      <p:sp>
+        <p:nvSpPr>
+          <p:cNvPr id="3" name="Espace réservé du contenu 2">
+            <a:extLst>
+              <a:ext uri="{FF2B5EF4-FFF2-40B4-BE49-F238E27FC236}">
+                <a16:creationId xmlns:a16="http://schemas.microsoft.com/office/drawing/2014/main" id="{2A620A12-F88D-4D39-881D-281A172B7209}"/>
               </a:ext>
             </a:extLst>
           </p:cNvPr>
@@ -3856,14 +7242,90 @@
             <p:ph idx="1"/>
           </p:nvPr>
         </p:nvSpPr>
-        <p:spPr/>
+        <p:spPr>
+          <a:xfrm>
+            <a:off x="4277409" y="320124"/>
+            <a:ext cx="7871791" cy="6732104"/>
+          </a:xfrm>
+        </p:spPr>
         <p:txBody>
-          <a:bodyPr/>
+          <a:bodyPr anchor="ctr">
+            <a:normAutofit/>
+          </a:bodyPr>
           <a:lstStyle/>
           <a:p>
+            <a:pPr marL="285750" indent="-285750">
+              <a:buFont typeface="Arial" panose="020B0604020202020204" pitchFamily="34" charset="0"/>
+              <a:buChar char="•"/>
+            </a:pPr>
+            <a:r>
+              <a:rPr lang="fr-FR" dirty="0"/>
+              <a:t>Good data sets are </a:t>
+            </a:r>
+            <a:r>
+              <a:rPr lang="fr-FR" b="1" dirty="0"/>
+              <a:t>not </a:t>
+            </a:r>
+            <a:r>
+              <a:rPr lang="fr-FR" b="1" dirty="0" err="1"/>
+              <a:t>easy</a:t>
+            </a:r>
+            <a:r>
+              <a:rPr lang="fr-FR" b="1" dirty="0"/>
+              <a:t> to </a:t>
+            </a:r>
+            <a:r>
+              <a:rPr lang="fr-FR" b="1" dirty="0" err="1"/>
+              <a:t>find</a:t>
+            </a:r>
+            <a:r>
+              <a:rPr lang="fr-FR" dirty="0"/>
+              <a:t>.</a:t>
+            </a:r>
+          </a:p>
+          <a:p>
+            <a:pPr marL="285750" indent="-285750">
+              <a:buFont typeface="Arial" panose="020B0604020202020204" pitchFamily="34" charset="0"/>
+              <a:buChar char="•"/>
+            </a:pPr>
+            <a:endParaRPr lang="fr-FR" dirty="0"/>
+          </a:p>
+          <a:p>
+            <a:pPr marL="285750" indent="-285750">
+              <a:buFont typeface="Arial" panose="020B0604020202020204" pitchFamily="34" charset="0"/>
+              <a:buChar char="•"/>
+            </a:pPr>
             <a:r>
               <a:rPr lang="fr-FR" dirty="0" err="1"/>
-              <a:t>Difficulty</a:t>
+              <a:t>Difficulties</a:t>
+            </a:r>
+            <a:r>
+              <a:rPr lang="fr-FR" dirty="0"/>
+              <a:t> to </a:t>
+            </a:r>
+            <a:r>
+              <a:rPr lang="fr-FR" b="1" dirty="0"/>
+              <a:t>sort out data</a:t>
+            </a:r>
+            <a:r>
+              <a:rPr lang="fr-FR" dirty="0"/>
+              <a:t>.</a:t>
+            </a:r>
+          </a:p>
+          <a:p>
+            <a:pPr marL="0" indent="0">
+              <a:buNone/>
+            </a:pPr>
+            <a:endParaRPr lang="fr-FR" dirty="0"/>
+          </a:p>
+          <a:p>
+            <a:pPr marL="285750" indent="-285750">
+              <a:buFont typeface="Arial" panose="020B0604020202020204" pitchFamily="34" charset="0"/>
+              <a:buChar char="•"/>
+            </a:pPr>
+            <a:r>
+              <a:rPr lang="fr-FR" dirty="0" err="1"/>
+              <a:t>Some</a:t>
             </a:r>
             <a:r>
               <a:rPr lang="fr-FR" dirty="0"/>
@@ -3871,31 +7333,7 @@
             </a:r>
             <a:r>
               <a:rPr lang="fr-FR" dirty="0" err="1"/>
-              <a:t>finding</a:t>
-            </a:r>
-            <a:r>
-              <a:rPr lang="fr-FR" dirty="0"/>
-              <a:t> French </a:t>
-            </a:r>
-            <a:r>
-              <a:rPr lang="fr-FR" dirty="0" err="1"/>
-              <a:t>dataset</a:t>
-            </a:r>
-            <a:r>
-              <a:rPr lang="fr-FR" dirty="0"/>
-              <a:t> due to </a:t>
-            </a:r>
-            <a:r>
-              <a:rPr lang="fr-FR" dirty="0" err="1"/>
-              <a:t>lack</a:t>
-            </a:r>
-            <a:r>
-              <a:rPr lang="fr-FR" dirty="0"/>
-              <a:t> of </a:t>
-            </a:r>
-            <a:r>
-              <a:rPr lang="fr-FR" dirty="0" err="1"/>
-              <a:t>census</a:t>
+              <a:t>websites</a:t>
             </a:r>
             <a:r>
               <a:rPr lang="fr-FR" dirty="0"/>
@@ -3903,42 +7341,128 @@
             </a:r>
             <a:r>
               <a:rPr lang="fr-FR" dirty="0" err="1"/>
-              <a:t>later</a:t>
+              <a:t>don’t</a:t>
             </a:r>
             <a:r>
               <a:rPr lang="fr-FR" dirty="0"/>
+              <a:t> have public API.</a:t>
+            </a:r>
+          </a:p>
+          <a:p>
+            <a:pPr marL="285750" indent="-285750">
+              <a:buFont typeface="Arial" panose="020B0604020202020204" pitchFamily="34" charset="0"/>
+              <a:buChar char="•"/>
+            </a:pPr>
+            <a:endParaRPr lang="fr-FR" dirty="0"/>
+          </a:p>
+          <a:p>
+            <a:pPr marL="285750" indent="-285750">
+              <a:buFont typeface="Arial" panose="020B0604020202020204" pitchFamily="34" charset="0"/>
+              <a:buChar char="•"/>
+            </a:pPr>
+            <a:r>
+              <a:rPr lang="fr-FR" b="1" dirty="0"/>
+              <a:t>Web </a:t>
+            </a:r>
+            <a:r>
+              <a:rPr lang="fr-FR" b="1" dirty="0" err="1"/>
+              <a:t>scrapping</a:t>
+            </a:r>
+            <a:r>
+              <a:rPr lang="fr-FR" b="1" dirty="0"/>
+              <a:t> can </a:t>
+            </a:r>
+            <a:r>
+              <a:rPr lang="fr-FR" b="1" dirty="0" err="1"/>
+              <a:t>be</a:t>
+            </a:r>
+            <a:r>
+              <a:rPr lang="fr-FR" b="1" dirty="0"/>
               <a:t> </a:t>
             </a:r>
             <a:r>
+              <a:rPr lang="fr-FR" b="1" dirty="0" err="1"/>
+              <a:t>difficult</a:t>
+            </a:r>
+            <a:r>
+              <a:rPr lang="fr-FR" b="1" dirty="0"/>
+              <a:t> </a:t>
+            </a:r>
+            <a:r>
+              <a:rPr lang="fr-FR" dirty="0"/>
+              <a:t>on </a:t>
+            </a:r>
+            <a:r>
               <a:rPr lang="fr-FR" dirty="0" err="1"/>
-              <a:t>than</a:t>
+              <a:t>some</a:t>
             </a:r>
             <a:r>
               <a:rPr lang="fr-FR" dirty="0"/>
-              <a:t> 2018</a:t>
-            </a:r>
-          </a:p>
-          <a:p>
-            <a:endParaRPr lang="en-US" dirty="0"/>
+              <a:t> web pages.</a:t>
+            </a:r>
+          </a:p>
+          <a:p>
+            <a:pPr marL="285750" indent="-285750">
+              <a:lnSpc>
+                <a:spcPct val="150000"/>
+              </a:lnSpc>
+              <a:buFont typeface="Arial" panose="020B0604020202020204" pitchFamily="34" charset="0"/>
+              <a:buChar char="•"/>
+            </a:pPr>
+            <a:r>
+              <a:rPr lang="fr-FR" dirty="0"/>
+              <a:t>Issues to </a:t>
+            </a:r>
+            <a:r>
+              <a:rPr lang="fr-FR" b="1" dirty="0"/>
+              <a:t>download CSV files </a:t>
+            </a:r>
+            <a:r>
+              <a:rPr lang="fr-FR" dirty="0"/>
+              <a:t>on MySQL.</a:t>
+            </a:r>
+          </a:p>
+          <a:p>
+            <a:endParaRPr lang="fr-FR" dirty="0"/>
           </a:p>
         </p:txBody>
       </p:sp>
     </p:spTree>
     <p:extLst>
       <p:ext uri="{BB962C8B-B14F-4D97-AF65-F5344CB8AC3E}">
-        <p14:creationId xmlns:p14="http://schemas.microsoft.com/office/powerpoint/2010/main" val="3620836591"/>
+        <p14:creationId xmlns:p14="http://schemas.microsoft.com/office/powerpoint/2010/main" val="2212164828"/>
       </p:ext>
     </p:extLst>
   </p:cSld>
   <p:clrMapOvr>
     <a:masterClrMapping/>
   </p:clrMapOvr>
+  <mc:AlternateContent xmlns:mc="http://schemas.openxmlformats.org/markup-compatibility/2006">
+    <mc:Choice xmlns:p14="http://schemas.microsoft.com/office/powerpoint/2010/main" Requires="p14">
+      <p:transition spd="med" p14:dur="700">
+        <p:fade/>
+      </p:transition>
+    </mc:Choice>
+    <mc:Fallback>
+      <p:transition spd="med">
+        <p:fade/>
+      </p:transition>
+    </mc:Fallback>
+  </mc:AlternateContent>
 </p:sld>
 </file>
 
 <file path=ppt/slides/slide5.xml><?xml version="1.0" encoding="utf-8"?>
 <p:sld xmlns:a="http://schemas.openxmlformats.org/drawingml/2006/main" xmlns:r="http://schemas.openxmlformats.org/officeDocument/2006/relationships" xmlns:p="http://schemas.openxmlformats.org/presentationml/2006/main">
   <p:cSld>
+    <p:bg>
+      <p:bgPr>
+        <a:solidFill>
+          <a:schemeClr val="bg1"/>
+        </a:solidFill>
+        <a:effectLst/>
+      </p:bgPr>
+    </p:bg>
     <p:spTree>
       <p:nvGrpSpPr>
         <p:cNvPr id="1" name=""/>
@@ -3953,12 +7477,206 @@
           <a:chExt cx="0" cy="0"/>
         </a:xfrm>
       </p:grpSpPr>
+      <p:sp useBgFill="1">
+        <p:nvSpPr>
+          <p:cNvPr id="8" name="Rectangle 7">
+            <a:extLst>
+              <a:ext uri="{FF2B5EF4-FFF2-40B4-BE49-F238E27FC236}">
+                <a16:creationId xmlns:a16="http://schemas.microsoft.com/office/drawing/2014/main" id="{907EF6B7-1338-4443-8C46-6A318D952DFD}"/>
+              </a:ext>
+              <a:ext uri="{C183D7F6-B498-43B3-948B-1728B52AA6E4}">
+                <adec:decorative xmlns:adec="http://schemas.microsoft.com/office/drawing/2017/decorative" val="1"/>
+              </a:ext>
+            </a:extLst>
+          </p:cNvPr>
+          <p:cNvSpPr>
+            <a:spLocks noGrp="1" noRot="1" noChangeAspect="1" noMove="1" noResize="1" noEditPoints="1" noAdjustHandles="1" noChangeArrowheads="1" noChangeShapeType="1" noTextEdit="1"/>
+          </p:cNvSpPr>
+          <p:nvPr>
+            <p:extLst>
+              <p:ext uri="{386F3935-93C4-4BCD-93E2-E3B085C9AB24}">
+                <p16:designElem xmlns:p16="http://schemas.microsoft.com/office/powerpoint/2015/main" val="1"/>
+              </p:ext>
+            </p:extLst>
+          </p:nvPr>
+        </p:nvSpPr>
+        <p:spPr>
+          <a:xfrm>
+            <a:off x="3048" y="0"/>
+            <a:ext cx="12188952" cy="6858000"/>
+          </a:xfrm>
+          <a:prstGeom prst="rect">
+            <a:avLst/>
+          </a:prstGeom>
+          <a:ln>
+            <a:noFill/>
+          </a:ln>
+        </p:spPr>
+        <p:style>
+          <a:lnRef idx="2">
+            <a:schemeClr val="accent1">
+              <a:shade val="50000"/>
+            </a:schemeClr>
+          </a:lnRef>
+          <a:fillRef idx="1">
+            <a:schemeClr val="accent1"/>
+          </a:fillRef>
+          <a:effectRef idx="0">
+            <a:schemeClr val="accent1"/>
+          </a:effectRef>
+          <a:fontRef idx="minor">
+            <a:schemeClr val="lt1"/>
+          </a:fontRef>
+        </p:style>
+        <p:txBody>
+          <a:bodyPr rtlCol="0" anchor="ctr"/>
+          <a:lstStyle/>
+          <a:p>
+            <a:pPr algn="ctr"/>
+            <a:endParaRPr lang="en-US"/>
+          </a:p>
+        </p:txBody>
+      </p:sp>
       <p:sp>
         <p:nvSpPr>
-          <p:cNvPr id="2" name="Title 1">
+          <p:cNvPr id="10" name="Freeform: Shape 9">
             <a:extLst>
               <a:ext uri="{FF2B5EF4-FFF2-40B4-BE49-F238E27FC236}">
-                <a16:creationId xmlns:a16="http://schemas.microsoft.com/office/drawing/2014/main" id="{BDA43527-4A57-4B7B-84D6-AC5843A812CE}"/>
+                <a16:creationId xmlns:a16="http://schemas.microsoft.com/office/drawing/2014/main" id="{DAAE4CDD-124C-4DCF-9584-B6033B545DD5}"/>
+              </a:ext>
+              <a:ext uri="{C183D7F6-B498-43B3-948B-1728B52AA6E4}">
+                <adec:decorative xmlns:adec="http://schemas.microsoft.com/office/drawing/2017/decorative" val="1"/>
+              </a:ext>
+            </a:extLst>
+          </p:cNvPr>
+          <p:cNvSpPr>
+            <a:spLocks noGrp="1" noRot="1" noChangeAspect="1" noMove="1" noResize="1" noEditPoints="1" noAdjustHandles="1" noChangeArrowheads="1" noChangeShapeType="1" noTextEdit="1"/>
+          </p:cNvSpPr>
+          <p:nvPr>
+            <p:extLst>
+              <p:ext uri="{386F3935-93C4-4BCD-93E2-E3B085C9AB24}">
+                <p16:designElem xmlns:p16="http://schemas.microsoft.com/office/powerpoint/2015/main" val="1"/>
+              </p:ext>
+            </p:extLst>
+          </p:nvPr>
+        </p:nvSpPr>
+        <p:spPr>
+          <a:xfrm>
+            <a:off x="1" y="0"/>
+            <a:ext cx="4167271" cy="6858000"/>
+          </a:xfrm>
+          <a:custGeom>
+            <a:avLst/>
+            <a:gdLst>
+              <a:gd name="connsiteX0" fmla="*/ 0 w 4167271"/>
+              <a:gd name="connsiteY0" fmla="*/ 0 h 6858000"/>
+              <a:gd name="connsiteX1" fmla="*/ 2259550 w 4167271"/>
+              <a:gd name="connsiteY1" fmla="*/ 0 h 6858000"/>
+              <a:gd name="connsiteX2" fmla="*/ 2387803 w 4167271"/>
+              <a:gd name="connsiteY2" fmla="*/ 82222 h 6858000"/>
+              <a:gd name="connsiteX3" fmla="*/ 4167271 w 4167271"/>
+              <a:gd name="connsiteY3" fmla="*/ 3429000 h 6858000"/>
+              <a:gd name="connsiteX4" fmla="*/ 2387803 w 4167271"/>
+              <a:gd name="connsiteY4" fmla="*/ 6775779 h 6858000"/>
+              <a:gd name="connsiteX5" fmla="*/ 2259550 w 4167271"/>
+              <a:gd name="connsiteY5" fmla="*/ 6858000 h 6858000"/>
+              <a:gd name="connsiteX6" fmla="*/ 0 w 4167271"/>
+              <a:gd name="connsiteY6" fmla="*/ 6858000 h 6858000"/>
+            </a:gdLst>
+            <a:ahLst/>
+            <a:cxnLst>
+              <a:cxn ang="0">
+                <a:pos x="connsiteX0" y="connsiteY0"/>
+              </a:cxn>
+              <a:cxn ang="0">
+                <a:pos x="connsiteX1" y="connsiteY1"/>
+              </a:cxn>
+              <a:cxn ang="0">
+                <a:pos x="connsiteX2" y="connsiteY2"/>
+              </a:cxn>
+              <a:cxn ang="0">
+                <a:pos x="connsiteX3" y="connsiteY3"/>
+              </a:cxn>
+              <a:cxn ang="0">
+                <a:pos x="connsiteX4" y="connsiteY4"/>
+              </a:cxn>
+              <a:cxn ang="0">
+                <a:pos x="connsiteX5" y="connsiteY5"/>
+              </a:cxn>
+              <a:cxn ang="0">
+                <a:pos x="connsiteX6" y="connsiteY6"/>
+              </a:cxn>
+            </a:cxnLst>
+            <a:rect l="l" t="t" r="r" b="b"/>
+            <a:pathLst>
+              <a:path w="4167271" h="6858000">
+                <a:moveTo>
+                  <a:pt x="0" y="0"/>
+                </a:moveTo>
+                <a:lnTo>
+                  <a:pt x="2259550" y="0"/>
+                </a:lnTo>
+                <a:lnTo>
+                  <a:pt x="2387803" y="82222"/>
+                </a:lnTo>
+                <a:cubicBezTo>
+                  <a:pt x="3461407" y="807534"/>
+                  <a:pt x="4167271" y="2035835"/>
+                  <a:pt x="4167271" y="3429000"/>
+                </a:cubicBezTo>
+                <a:cubicBezTo>
+                  <a:pt x="4167271" y="4822165"/>
+                  <a:pt x="3461407" y="6050467"/>
+                  <a:pt x="2387803" y="6775779"/>
+                </a:cubicBezTo>
+                <a:lnTo>
+                  <a:pt x="2259550" y="6858000"/>
+                </a:lnTo>
+                <a:lnTo>
+                  <a:pt x="0" y="6858000"/>
+                </a:lnTo>
+                <a:close/>
+              </a:path>
+            </a:pathLst>
+          </a:custGeom>
+          <a:solidFill>
+            <a:schemeClr val="accent2"/>
+          </a:solidFill>
+          <a:ln>
+            <a:noFill/>
+          </a:ln>
+        </p:spPr>
+        <p:style>
+          <a:lnRef idx="2">
+            <a:schemeClr val="accent1">
+              <a:shade val="50000"/>
+            </a:schemeClr>
+          </a:lnRef>
+          <a:fillRef idx="1">
+            <a:schemeClr val="accent1"/>
+          </a:fillRef>
+          <a:effectRef idx="0">
+            <a:schemeClr val="accent1"/>
+          </a:effectRef>
+          <a:fontRef idx="minor">
+            <a:schemeClr val="lt1"/>
+          </a:fontRef>
+        </p:style>
+        <p:txBody>
+          <a:bodyPr rtlCol="0" anchor="ctr"/>
+          <a:lstStyle/>
+          <a:p>
+            <a:pPr algn="ctr"/>
+            <a:endParaRPr lang="en-US"/>
+          </a:p>
+        </p:txBody>
+      </p:sp>
+      <p:sp>
+        <p:nvSpPr>
+          <p:cNvPr id="2" name="Titre 1">
+            <a:extLst>
+              <a:ext uri="{FF2B5EF4-FFF2-40B4-BE49-F238E27FC236}">
+                <a16:creationId xmlns:a16="http://schemas.microsoft.com/office/drawing/2014/main" id="{D92020FB-488D-445A-A6BA-2FC52436D75D}"/>
               </a:ext>
             </a:extLst>
           </p:cNvPr>
@@ -3969,66 +7687,684 @@
             <p:ph type="title"/>
           </p:nvPr>
         </p:nvSpPr>
-        <p:spPr/>
+        <p:spPr>
+          <a:xfrm>
+            <a:off x="686834" y="1153572"/>
+            <a:ext cx="3200400" cy="4461163"/>
+          </a:xfrm>
+        </p:spPr>
         <p:txBody>
-          <a:bodyPr/>
+          <a:bodyPr>
+            <a:normAutofit/>
+          </a:bodyPr>
           <a:lstStyle/>
           <a:p>
             <a:r>
-              <a:rPr lang="en-US" b="0" i="0" dirty="0">
+              <a:rPr lang="fr-FR" sz="3600" dirty="0">
                 <a:solidFill>
-                  <a:srgbClr val="24292F"/>
+                  <a:srgbClr val="FFFFFF"/>
                 </a:solidFill>
-                <a:effectLst/>
-                <a:latin typeface="-apple-system"/>
               </a:rPr>
-              <a:t>Process</a:t>
-            </a:r>
-            <a:endParaRPr lang="en-US" dirty="0"/>
+              <a:t>WEB SCRAPING</a:t>
+            </a:r>
+            <a:br>
+              <a:rPr lang="fr-FR" sz="3600" dirty="0">
+                <a:solidFill>
+                  <a:srgbClr val="FFFFFF"/>
+                </a:solidFill>
+              </a:rPr>
+            </a:br>
+            <a:r>
+              <a:rPr lang="fr-FR" sz="3600" dirty="0">
+                <a:solidFill>
+                  <a:srgbClr val="FFFFFF"/>
+                </a:solidFill>
+              </a:rPr>
+              <a:t> WITH PYTHON</a:t>
+            </a:r>
           </a:p>
         </p:txBody>
       </p:sp>
       <p:sp>
         <p:nvSpPr>
-          <p:cNvPr id="3" name="Content Placeholder 2">
+          <p:cNvPr id="12" name="Arc 11">
             <a:extLst>
               <a:ext uri="{FF2B5EF4-FFF2-40B4-BE49-F238E27FC236}">
-                <a16:creationId xmlns:a16="http://schemas.microsoft.com/office/drawing/2014/main" id="{D6B36B3B-2932-48FA-97D4-9FCDBF7D2859}"/>
+                <a16:creationId xmlns:a16="http://schemas.microsoft.com/office/drawing/2014/main" id="{081E4A58-353D-44AE-B2FC-2A74E2E400F7}"/>
+              </a:ext>
+              <a:ext uri="{C183D7F6-B498-43B3-948B-1728B52AA6E4}">
+                <adec:decorative xmlns:adec="http://schemas.microsoft.com/office/drawing/2017/decorative" val="1"/>
               </a:ext>
             </a:extLst>
           </p:cNvPr>
           <p:cNvSpPr>
-            <a:spLocks noGrp="1"/>
+            <a:spLocks noGrp="1" noRot="1" noChangeAspect="1" noMove="1" noResize="1" noEditPoints="1" noAdjustHandles="1" noChangeArrowheads="1" noChangeShapeType="1" noTextEdit="1"/>
           </p:cNvSpPr>
           <p:nvPr>
-            <p:ph idx="1"/>
+            <p:extLst>
+              <p:ext uri="{386F3935-93C4-4BCD-93E2-E3B085C9AB24}">
+                <p16:designElem xmlns:p16="http://schemas.microsoft.com/office/powerpoint/2015/main" val="1"/>
+              </p:ext>
+            </p:extLst>
           </p:nvPr>
         </p:nvSpPr>
-        <p:spPr/>
+        <p:spPr>
+          <a:xfrm flipV="1">
+            <a:off x="7550402" y="2455479"/>
+            <a:ext cx="4083433" cy="4083433"/>
+          </a:xfrm>
+          <a:prstGeom prst="arc">
+            <a:avLst/>
+          </a:prstGeom>
+          <a:ln w="127000" cap="rnd">
+            <a:solidFill>
+              <a:schemeClr val="accent4"/>
+            </a:solidFill>
+            <a:prstDash val="dash"/>
+          </a:ln>
+        </p:spPr>
+        <p:style>
+          <a:lnRef idx="1">
+            <a:schemeClr val="accent1"/>
+          </a:lnRef>
+          <a:fillRef idx="0">
+            <a:schemeClr val="accent1"/>
+          </a:fillRef>
+          <a:effectRef idx="0">
+            <a:schemeClr val="accent1"/>
+          </a:effectRef>
+          <a:fontRef idx="minor">
+            <a:schemeClr val="tx1"/>
+          </a:fontRef>
+        </p:style>
         <p:txBody>
-          <a:bodyPr/>
+          <a:bodyPr rtlCol="0" anchor="ctr"/>
           <a:lstStyle/>
           <a:p>
+            <a:pPr algn="ctr"/>
             <a:endParaRPr lang="en-US" dirty="0"/>
+          </a:p>
+        </p:txBody>
+      </p:sp>
+      <p:sp>
+        <p:nvSpPr>
+          <p:cNvPr id="4" name="ZoneTexte 3">
+            <a:extLst>
+              <a:ext uri="{FF2B5EF4-FFF2-40B4-BE49-F238E27FC236}">
+                <a16:creationId xmlns:a16="http://schemas.microsoft.com/office/drawing/2014/main" id="{D742EE2C-B508-47C1-A4EE-0C66EF817DFF}"/>
+              </a:ext>
+            </a:extLst>
+          </p:cNvPr>
+          <p:cNvSpPr txBox="1"/>
+          <p:nvPr/>
+        </p:nvSpPr>
+        <p:spPr>
+          <a:xfrm>
+            <a:off x="4375254" y="1"/>
+            <a:ext cx="5563876" cy="7171194"/>
+          </a:xfrm>
+          <a:prstGeom prst="rect">
+            <a:avLst/>
+          </a:prstGeom>
+          <a:noFill/>
+          <a:ln>
+            <a:noFill/>
+          </a:ln>
+        </p:spPr>
+        <p:txBody>
+          <a:bodyPr wrap="square" rtlCol="0">
+            <a:spAutoFit/>
+          </a:bodyPr>
+          <a:lstStyle/>
+          <a:p>
+            <a:r>
+              <a:rPr lang="fr-FR" sz="1400" dirty="0"/>
+              <a:t>import </a:t>
+            </a:r>
+            <a:r>
+              <a:rPr lang="fr-FR" sz="1400" b="1" dirty="0"/>
+              <a:t>pandas</a:t>
+            </a:r>
+            <a:r>
+              <a:rPr lang="fr-FR" sz="1400" dirty="0"/>
+              <a:t> as </a:t>
+            </a:r>
+            <a:r>
+              <a:rPr lang="fr-FR" sz="1400" dirty="0" err="1"/>
+              <a:t>pd</a:t>
+            </a:r>
+            <a:endParaRPr lang="fr-FR" sz="1400" dirty="0"/>
+          </a:p>
+          <a:p>
+            <a:r>
+              <a:rPr lang="fr-FR" sz="1400" dirty="0" err="1"/>
+              <a:t>from</a:t>
+            </a:r>
+            <a:r>
+              <a:rPr lang="fr-FR" sz="1400" dirty="0"/>
+              <a:t> bs4 import </a:t>
+            </a:r>
+            <a:r>
+              <a:rPr lang="fr-FR" sz="1400" b="1" dirty="0" err="1"/>
+              <a:t>BeautifulSoup</a:t>
+            </a:r>
+            <a:endParaRPr lang="fr-FR" sz="1400" b="1" dirty="0"/>
+          </a:p>
+          <a:p>
+            <a:r>
+              <a:rPr lang="fr-FR" sz="1400" dirty="0"/>
+              <a:t>import </a:t>
+            </a:r>
+            <a:r>
+              <a:rPr lang="fr-FR" sz="1400" b="1" dirty="0" err="1"/>
+              <a:t>requests</a:t>
+            </a:r>
+            <a:endParaRPr lang="fr-FR" sz="1400" b="1" dirty="0"/>
+          </a:p>
+          <a:p>
+            <a:r>
+              <a:rPr lang="fr-FR" sz="1400" dirty="0"/>
+              <a:t>import </a:t>
+            </a:r>
+            <a:r>
+              <a:rPr lang="fr-FR" sz="1400" b="1" dirty="0" err="1"/>
+              <a:t>dask.dataframe</a:t>
+            </a:r>
+            <a:r>
+              <a:rPr lang="fr-FR" sz="1400" b="1" dirty="0"/>
+              <a:t> </a:t>
+            </a:r>
+            <a:r>
+              <a:rPr lang="fr-FR" sz="1400" dirty="0"/>
+              <a:t>as dd</a:t>
+            </a:r>
+          </a:p>
+          <a:p>
+            <a:endParaRPr lang="fr-FR" sz="1400" dirty="0"/>
+          </a:p>
+          <a:p>
+            <a:r>
+              <a:rPr lang="fr-FR" sz="1400" dirty="0"/>
+              <a:t>page = </a:t>
+            </a:r>
+            <a:r>
+              <a:rPr lang="fr-FR" sz="1400" dirty="0" err="1"/>
+              <a:t>requests.get</a:t>
+            </a:r>
+            <a:r>
+              <a:rPr lang="fr-FR" sz="1400" dirty="0"/>
+              <a:t>("https://www.worldometers.info/coronavirus")</a:t>
+            </a:r>
+          </a:p>
+          <a:p>
+            <a:endParaRPr lang="fr-FR" sz="1400" dirty="0"/>
+          </a:p>
+          <a:p>
+            <a:r>
+              <a:rPr lang="fr-FR" sz="1400" i="1" dirty="0">
+                <a:solidFill>
+                  <a:schemeClr val="accent2"/>
+                </a:solidFill>
+              </a:rPr>
+              <a:t># </a:t>
+            </a:r>
+            <a:r>
+              <a:rPr lang="fr-FR" sz="1400" i="1" dirty="0" err="1">
+                <a:solidFill>
+                  <a:schemeClr val="accent2"/>
+                </a:solidFill>
+              </a:rPr>
+              <a:t>page.content</a:t>
+            </a:r>
+            <a:endParaRPr lang="fr-FR" sz="1400" i="1" dirty="0">
+              <a:solidFill>
+                <a:schemeClr val="accent2"/>
+              </a:solidFill>
+            </a:endParaRPr>
+          </a:p>
+          <a:p>
+            <a:r>
+              <a:rPr lang="fr-FR" sz="1400" dirty="0" err="1"/>
+              <a:t>soup</a:t>
+            </a:r>
+            <a:r>
+              <a:rPr lang="fr-FR" sz="1400" dirty="0"/>
+              <a:t> = </a:t>
+            </a:r>
+            <a:r>
+              <a:rPr lang="fr-FR" sz="1400" dirty="0" err="1"/>
+              <a:t>BeautifulSoup</a:t>
+            </a:r>
+            <a:r>
+              <a:rPr lang="fr-FR" sz="1400" dirty="0"/>
+              <a:t>(</a:t>
+            </a:r>
+            <a:r>
+              <a:rPr lang="fr-FR" sz="1400" dirty="0" err="1"/>
+              <a:t>page.content</a:t>
+            </a:r>
+            <a:r>
+              <a:rPr lang="fr-FR" sz="1400" dirty="0"/>
+              <a:t>, '</a:t>
+            </a:r>
+            <a:r>
+              <a:rPr lang="fr-FR" sz="1400" dirty="0" err="1"/>
+              <a:t>lxml</a:t>
+            </a:r>
+            <a:r>
+              <a:rPr lang="fr-FR" sz="1400" dirty="0"/>
+              <a:t>’)</a:t>
+            </a:r>
+          </a:p>
+          <a:p>
+            <a:endParaRPr lang="fr-FR" sz="1400" dirty="0"/>
+          </a:p>
+          <a:p>
+            <a:r>
+              <a:rPr lang="fr-FR" sz="1400" i="1" dirty="0">
+                <a:solidFill>
+                  <a:schemeClr val="accent2"/>
+                </a:solidFill>
+              </a:rPr>
+              <a:t># </a:t>
+            </a:r>
+            <a:r>
+              <a:rPr lang="fr-FR" sz="1400" i="1" dirty="0" err="1">
+                <a:solidFill>
+                  <a:schemeClr val="accent2"/>
+                </a:solidFill>
+              </a:rPr>
+              <a:t>print</a:t>
+            </a:r>
+            <a:r>
+              <a:rPr lang="fr-FR" sz="1400" i="1" dirty="0">
+                <a:solidFill>
+                  <a:schemeClr val="accent2"/>
+                </a:solidFill>
+              </a:rPr>
+              <a:t>(</a:t>
+            </a:r>
+            <a:r>
+              <a:rPr lang="fr-FR" sz="1400" i="1" dirty="0" err="1">
+                <a:solidFill>
+                  <a:schemeClr val="accent2"/>
+                </a:solidFill>
+              </a:rPr>
+              <a:t>soup.prettify</a:t>
+            </a:r>
+            <a:r>
+              <a:rPr lang="fr-FR" sz="1400" i="1" dirty="0">
+                <a:solidFill>
+                  <a:schemeClr val="accent2"/>
+                </a:solidFill>
+              </a:rPr>
+              <a:t>())</a:t>
+            </a:r>
+          </a:p>
+          <a:p>
+            <a:r>
+              <a:rPr lang="fr-FR" sz="1400" dirty="0"/>
+              <a:t>table = </a:t>
+            </a:r>
+            <a:r>
+              <a:rPr lang="fr-FR" sz="1400" dirty="0" err="1"/>
+              <a:t>soup.find</a:t>
+            </a:r>
+            <a:r>
+              <a:rPr lang="fr-FR" sz="1400" dirty="0"/>
+              <a:t>('table', </a:t>
+            </a:r>
+            <a:r>
+              <a:rPr lang="fr-FR" sz="1400" dirty="0" err="1"/>
+              <a:t>attrs</a:t>
+            </a:r>
+            <a:r>
+              <a:rPr lang="fr-FR" sz="1400" dirty="0"/>
+              <a:t>={'id': '</a:t>
+            </a:r>
+            <a:r>
+              <a:rPr lang="fr-FR" sz="1400" dirty="0" err="1"/>
+              <a:t>main_table_countries_today</a:t>
+            </a:r>
+            <a:r>
+              <a:rPr lang="fr-FR" sz="1400" dirty="0"/>
+              <a:t>'})</a:t>
+            </a:r>
+          </a:p>
+          <a:p>
+            <a:endParaRPr lang="fr-FR" sz="1400" dirty="0"/>
+          </a:p>
+          <a:p>
+            <a:r>
+              <a:rPr lang="fr-FR" sz="1400" dirty="0" err="1"/>
+              <a:t>rows</a:t>
+            </a:r>
+            <a:r>
+              <a:rPr lang="fr-FR" sz="1400" dirty="0"/>
+              <a:t> = </a:t>
+            </a:r>
+            <a:r>
+              <a:rPr lang="fr-FR" sz="1400" dirty="0" err="1"/>
+              <a:t>table.find_all</a:t>
+            </a:r>
+            <a:r>
+              <a:rPr lang="fr-FR" sz="1400" dirty="0"/>
+              <a:t>("tr", </a:t>
+            </a:r>
+            <a:r>
+              <a:rPr lang="fr-FR" sz="1400" dirty="0" err="1"/>
+              <a:t>attrs</a:t>
+            </a:r>
+            <a:r>
+              <a:rPr lang="fr-FR" sz="1400" dirty="0"/>
+              <a:t>={"style": ""})</a:t>
+            </a:r>
+          </a:p>
+          <a:p>
+            <a:r>
+              <a:rPr lang="fr-FR" sz="1400" dirty="0"/>
+              <a:t>data = []</a:t>
+            </a:r>
+          </a:p>
+          <a:p>
+            <a:endParaRPr lang="fr-FR" sz="1400" dirty="0"/>
+          </a:p>
+          <a:p>
+            <a:r>
+              <a:rPr lang="fr-FR" sz="1400" dirty="0"/>
+              <a:t>for i, item in </a:t>
+            </a:r>
+            <a:r>
+              <a:rPr lang="fr-FR" sz="1400" dirty="0" err="1"/>
+              <a:t>enumerate</a:t>
+            </a:r>
+            <a:r>
+              <a:rPr lang="fr-FR" sz="1400" dirty="0"/>
+              <a:t>(</a:t>
+            </a:r>
+            <a:r>
+              <a:rPr lang="fr-FR" sz="1400" dirty="0" err="1"/>
+              <a:t>rows</a:t>
+            </a:r>
+            <a:r>
+              <a:rPr lang="fr-FR" sz="1400" dirty="0"/>
+              <a:t>):</a:t>
+            </a:r>
+          </a:p>
+          <a:p>
+            <a:r>
+              <a:rPr lang="fr-FR" sz="1400" dirty="0"/>
+              <a:t>    if i == 0:</a:t>
+            </a:r>
+          </a:p>
+          <a:p>
+            <a:r>
+              <a:rPr lang="fr-FR" sz="1400" dirty="0"/>
+              <a:t>        </a:t>
+            </a:r>
+            <a:r>
+              <a:rPr lang="fr-FR" sz="1400" dirty="0" err="1"/>
+              <a:t>data.append</a:t>
+            </a:r>
+            <a:r>
+              <a:rPr lang="fr-FR" sz="1400" dirty="0"/>
+              <a:t>(</a:t>
+            </a:r>
+            <a:r>
+              <a:rPr lang="fr-FR" sz="1400" dirty="0" err="1"/>
+              <a:t>item.text.strip</a:t>
+            </a:r>
+            <a:r>
+              <a:rPr lang="fr-FR" sz="1400" dirty="0"/>
+              <a:t>().split("\n")[:13])</a:t>
+            </a:r>
+          </a:p>
+          <a:p>
+            <a:r>
+              <a:rPr lang="fr-FR" sz="1400" dirty="0"/>
+              <a:t>    </a:t>
+            </a:r>
+            <a:r>
+              <a:rPr lang="fr-FR" sz="1400" dirty="0" err="1"/>
+              <a:t>else</a:t>
+            </a:r>
+            <a:r>
+              <a:rPr lang="fr-FR" sz="1400" dirty="0"/>
+              <a:t>:</a:t>
+            </a:r>
+          </a:p>
+          <a:p>
+            <a:r>
+              <a:rPr lang="fr-FR" sz="1400" dirty="0"/>
+              <a:t>        </a:t>
+            </a:r>
+            <a:r>
+              <a:rPr lang="fr-FR" sz="1400" dirty="0" err="1"/>
+              <a:t>data.append</a:t>
+            </a:r>
+            <a:r>
+              <a:rPr lang="fr-FR" sz="1400" dirty="0"/>
+              <a:t>(</a:t>
+            </a:r>
+            <a:r>
+              <a:rPr lang="fr-FR" sz="1400" dirty="0" err="1"/>
+              <a:t>item.text.strip</a:t>
+            </a:r>
+            <a:r>
+              <a:rPr lang="fr-FR" sz="1400" dirty="0"/>
+              <a:t>().split("\n")[:12])</a:t>
+            </a:r>
+          </a:p>
+          <a:p>
+            <a:endParaRPr lang="fr-FR" sz="1400" dirty="0"/>
+          </a:p>
+          <a:p>
+            <a:r>
+              <a:rPr lang="fr-FR" sz="1400" i="1" dirty="0">
+                <a:solidFill>
+                  <a:schemeClr val="accent2"/>
+                </a:solidFill>
+              </a:rPr>
+              <a:t># </a:t>
+            </a:r>
+            <a:r>
+              <a:rPr lang="fr-FR" sz="1400" i="1" dirty="0" err="1">
+                <a:solidFill>
+                  <a:schemeClr val="accent2"/>
+                </a:solidFill>
+              </a:rPr>
+              <a:t>print</a:t>
+            </a:r>
+            <a:r>
+              <a:rPr lang="fr-FR" sz="1400" i="1" dirty="0">
+                <a:solidFill>
+                  <a:schemeClr val="accent2"/>
+                </a:solidFill>
+              </a:rPr>
+              <a:t>(data)</a:t>
+            </a:r>
+            <a:endParaRPr lang="fr-FR" sz="1400" dirty="0"/>
+          </a:p>
+          <a:p>
+            <a:r>
+              <a:rPr lang="fr-FR" sz="1400" dirty="0" err="1"/>
+              <a:t>df</a:t>
+            </a:r>
+            <a:r>
+              <a:rPr lang="fr-FR" sz="1400" dirty="0"/>
+              <a:t> = </a:t>
+            </a:r>
+            <a:r>
+              <a:rPr lang="fr-FR" sz="1400" dirty="0" err="1"/>
+              <a:t>pd.DataFrame</a:t>
+            </a:r>
+            <a:r>
+              <a:rPr lang="fr-FR" sz="1400" dirty="0"/>
+              <a:t>(data)</a:t>
+            </a:r>
+          </a:p>
+          <a:p>
+            <a:endParaRPr lang="fr-FR" sz="1400" dirty="0"/>
+          </a:p>
+          <a:p>
+            <a:r>
+              <a:rPr lang="fr-FR" sz="1400" dirty="0" err="1"/>
+              <a:t>df.to_csv</a:t>
+            </a:r>
+            <a:endParaRPr lang="fr-FR" sz="1400" dirty="0"/>
+          </a:p>
+          <a:p>
+            <a:endParaRPr lang="fr-FR" sz="1400" dirty="0"/>
+          </a:p>
+          <a:p>
+            <a:r>
+              <a:rPr lang="fr-FR" sz="1400" i="1" dirty="0">
+                <a:solidFill>
+                  <a:schemeClr val="accent2"/>
+                </a:solidFill>
+              </a:rPr>
+              <a:t># </a:t>
+            </a:r>
+            <a:r>
+              <a:rPr lang="fr-FR" sz="1400" i="1" dirty="0" err="1">
+                <a:solidFill>
+                  <a:schemeClr val="accent2"/>
+                </a:solidFill>
+              </a:rPr>
+              <a:t>print</a:t>
+            </a:r>
+            <a:r>
+              <a:rPr lang="fr-FR" sz="1400" i="1" dirty="0">
+                <a:solidFill>
+                  <a:schemeClr val="accent2"/>
+                </a:solidFill>
+              </a:rPr>
+              <a:t>(</a:t>
+            </a:r>
+            <a:r>
+              <a:rPr lang="fr-FR" sz="1400" i="1" dirty="0" err="1">
+                <a:solidFill>
+                  <a:schemeClr val="accent2"/>
+                </a:solidFill>
+              </a:rPr>
+              <a:t>df</a:t>
+            </a:r>
+            <a:r>
+              <a:rPr lang="fr-FR" sz="1400" i="1" dirty="0">
+                <a:solidFill>
+                  <a:schemeClr val="accent2"/>
+                </a:solidFill>
+              </a:rPr>
+              <a:t>)</a:t>
+            </a:r>
+            <a:endParaRPr lang="fr-FR" sz="1400" dirty="0"/>
+          </a:p>
+          <a:p>
+            <a:r>
+              <a:rPr lang="fr-FR" sz="1400" dirty="0" err="1"/>
+              <a:t>ddd</a:t>
+            </a:r>
+            <a:r>
+              <a:rPr lang="fr-FR" sz="1400" dirty="0"/>
+              <a:t> = </a:t>
+            </a:r>
+            <a:r>
+              <a:rPr lang="fr-FR" sz="1400" dirty="0" err="1"/>
+              <a:t>dd.from_pandas</a:t>
+            </a:r>
+            <a:r>
+              <a:rPr lang="fr-FR" sz="1400" dirty="0"/>
+              <a:t>(</a:t>
+            </a:r>
+            <a:r>
+              <a:rPr lang="fr-FR" sz="1400" dirty="0" err="1"/>
+              <a:t>df</a:t>
+            </a:r>
+            <a:r>
+              <a:rPr lang="fr-FR" sz="1400" dirty="0"/>
+              <a:t>, </a:t>
+            </a:r>
+            <a:r>
+              <a:rPr lang="fr-FR" sz="1400" dirty="0" err="1"/>
+              <a:t>npartitions</a:t>
+            </a:r>
+            <a:r>
+              <a:rPr lang="fr-FR" sz="1400" dirty="0"/>
+              <a:t>=1)</a:t>
+            </a:r>
+          </a:p>
+          <a:p>
+            <a:r>
+              <a:rPr lang="fr-FR" sz="1400" dirty="0" err="1"/>
+              <a:t>ddd.head</a:t>
+            </a:r>
+            <a:r>
+              <a:rPr lang="fr-FR" sz="1400" dirty="0"/>
+              <a:t>(10)</a:t>
+            </a:r>
+          </a:p>
+          <a:p>
+            <a:endParaRPr lang="fr-FR" sz="1400" dirty="0"/>
+          </a:p>
+          <a:p>
+            <a:r>
+              <a:rPr lang="fr-FR" sz="1400" dirty="0" err="1"/>
+              <a:t>df.to_csv</a:t>
+            </a:r>
+            <a:r>
+              <a:rPr lang="fr-FR" sz="1400" dirty="0"/>
+              <a:t>("/</a:t>
+            </a:r>
+            <a:r>
+              <a:rPr lang="fr-FR" sz="1400" dirty="0" err="1"/>
+              <a:t>Users</a:t>
+            </a:r>
+            <a:r>
+              <a:rPr lang="fr-FR" sz="1400" dirty="0"/>
+              <a:t>/bene/Downloads/df.csv")</a:t>
+            </a:r>
+          </a:p>
+          <a:p>
+            <a:endParaRPr lang="fr-FR" sz="1200" dirty="0"/>
           </a:p>
         </p:txBody>
       </p:sp>
     </p:spTree>
     <p:extLst>
       <p:ext uri="{BB962C8B-B14F-4D97-AF65-F5344CB8AC3E}">
-        <p14:creationId xmlns:p14="http://schemas.microsoft.com/office/powerpoint/2010/main" val="2357916808"/>
+        <p14:creationId xmlns:p14="http://schemas.microsoft.com/office/powerpoint/2010/main" val="2464510559"/>
       </p:ext>
     </p:extLst>
   </p:cSld>
   <p:clrMapOvr>
     <a:masterClrMapping/>
   </p:clrMapOvr>
+  <mc:AlternateContent xmlns:mc="http://schemas.openxmlformats.org/markup-compatibility/2006">
+    <mc:Choice xmlns:p14="http://schemas.microsoft.com/office/powerpoint/2010/main" Requires="p14">
+      <p:transition spd="med" p14:dur="700">
+        <p:fade/>
+      </p:transition>
+    </mc:Choice>
+    <mc:Fallback>
+      <p:transition spd="med">
+        <p:fade/>
+      </p:transition>
+    </mc:Fallback>
+  </mc:AlternateContent>
 </p:sld>
 </file>
 
 <file path=ppt/slides/slide6.xml><?xml version="1.0" encoding="utf-8"?>
 <p:sld xmlns:a="http://schemas.openxmlformats.org/drawingml/2006/main" xmlns:r="http://schemas.openxmlformats.org/officeDocument/2006/relationships" xmlns:p="http://schemas.openxmlformats.org/presentationml/2006/main">
   <p:cSld>
+    <p:bg>
+      <p:bgPr>
+        <a:solidFill>
+          <a:schemeClr val="bg1"/>
+        </a:solidFill>
+        <a:effectLst/>
+      </p:bgPr>
+    </p:bg>
     <p:spTree>
       <p:nvGrpSpPr>
         <p:cNvPr id="1" name=""/>
@@ -4043,12 +8379,206 @@
           <a:chExt cx="0" cy="0"/>
         </a:xfrm>
       </p:grpSpPr>
+      <p:sp useBgFill="1">
+        <p:nvSpPr>
+          <p:cNvPr id="8" name="Rectangle 7">
+            <a:extLst>
+              <a:ext uri="{FF2B5EF4-FFF2-40B4-BE49-F238E27FC236}">
+                <a16:creationId xmlns:a16="http://schemas.microsoft.com/office/drawing/2014/main" id="{907EF6B7-1338-4443-8C46-6A318D952DFD}"/>
+              </a:ext>
+              <a:ext uri="{C183D7F6-B498-43B3-948B-1728B52AA6E4}">
+                <adec:decorative xmlns:adec="http://schemas.microsoft.com/office/drawing/2017/decorative" val="1"/>
+              </a:ext>
+            </a:extLst>
+          </p:cNvPr>
+          <p:cNvSpPr>
+            <a:spLocks noGrp="1" noRot="1" noChangeAspect="1" noMove="1" noResize="1" noEditPoints="1" noAdjustHandles="1" noChangeArrowheads="1" noChangeShapeType="1" noTextEdit="1"/>
+          </p:cNvSpPr>
+          <p:nvPr>
+            <p:extLst>
+              <p:ext uri="{386F3935-93C4-4BCD-93E2-E3B085C9AB24}">
+                <p16:designElem xmlns:p16="http://schemas.microsoft.com/office/powerpoint/2015/main" val="1"/>
+              </p:ext>
+            </p:extLst>
+          </p:nvPr>
+        </p:nvSpPr>
+        <p:spPr>
+          <a:xfrm>
+            <a:off x="3048" y="0"/>
+            <a:ext cx="12188952" cy="6858000"/>
+          </a:xfrm>
+          <a:prstGeom prst="rect">
+            <a:avLst/>
+          </a:prstGeom>
+          <a:ln>
+            <a:noFill/>
+          </a:ln>
+        </p:spPr>
+        <p:style>
+          <a:lnRef idx="2">
+            <a:schemeClr val="accent1">
+              <a:shade val="50000"/>
+            </a:schemeClr>
+          </a:lnRef>
+          <a:fillRef idx="1">
+            <a:schemeClr val="accent1"/>
+          </a:fillRef>
+          <a:effectRef idx="0">
+            <a:schemeClr val="accent1"/>
+          </a:effectRef>
+          <a:fontRef idx="minor">
+            <a:schemeClr val="lt1"/>
+          </a:fontRef>
+        </p:style>
+        <p:txBody>
+          <a:bodyPr rtlCol="0" anchor="ctr"/>
+          <a:lstStyle/>
+          <a:p>
+            <a:pPr algn="ctr"/>
+            <a:endParaRPr lang="en-US"/>
+          </a:p>
+        </p:txBody>
+      </p:sp>
       <p:sp>
         <p:nvSpPr>
-          <p:cNvPr id="2" name="Title 1">
+          <p:cNvPr id="10" name="Freeform: Shape 9">
             <a:extLst>
               <a:ext uri="{FF2B5EF4-FFF2-40B4-BE49-F238E27FC236}">
-                <a16:creationId xmlns:a16="http://schemas.microsoft.com/office/drawing/2014/main" id="{CDE82A70-BE9E-4EBE-B4E6-95A51536AFA3}"/>
+                <a16:creationId xmlns:a16="http://schemas.microsoft.com/office/drawing/2014/main" id="{DAAE4CDD-124C-4DCF-9584-B6033B545DD5}"/>
+              </a:ext>
+              <a:ext uri="{C183D7F6-B498-43B3-948B-1728B52AA6E4}">
+                <adec:decorative xmlns:adec="http://schemas.microsoft.com/office/drawing/2017/decorative" val="1"/>
+              </a:ext>
+            </a:extLst>
+          </p:cNvPr>
+          <p:cNvSpPr>
+            <a:spLocks noGrp="1" noRot="1" noChangeAspect="1" noMove="1" noResize="1" noEditPoints="1" noAdjustHandles="1" noChangeArrowheads="1" noChangeShapeType="1" noTextEdit="1"/>
+          </p:cNvSpPr>
+          <p:nvPr>
+            <p:extLst>
+              <p:ext uri="{386F3935-93C4-4BCD-93E2-E3B085C9AB24}">
+                <p16:designElem xmlns:p16="http://schemas.microsoft.com/office/powerpoint/2015/main" val="1"/>
+              </p:ext>
+            </p:extLst>
+          </p:nvPr>
+        </p:nvSpPr>
+        <p:spPr>
+          <a:xfrm>
+            <a:off x="1" y="0"/>
+            <a:ext cx="4167271" cy="6858000"/>
+          </a:xfrm>
+          <a:custGeom>
+            <a:avLst/>
+            <a:gdLst>
+              <a:gd name="connsiteX0" fmla="*/ 0 w 4167271"/>
+              <a:gd name="connsiteY0" fmla="*/ 0 h 6858000"/>
+              <a:gd name="connsiteX1" fmla="*/ 2259550 w 4167271"/>
+              <a:gd name="connsiteY1" fmla="*/ 0 h 6858000"/>
+              <a:gd name="connsiteX2" fmla="*/ 2387803 w 4167271"/>
+              <a:gd name="connsiteY2" fmla="*/ 82222 h 6858000"/>
+              <a:gd name="connsiteX3" fmla="*/ 4167271 w 4167271"/>
+              <a:gd name="connsiteY3" fmla="*/ 3429000 h 6858000"/>
+              <a:gd name="connsiteX4" fmla="*/ 2387803 w 4167271"/>
+              <a:gd name="connsiteY4" fmla="*/ 6775779 h 6858000"/>
+              <a:gd name="connsiteX5" fmla="*/ 2259550 w 4167271"/>
+              <a:gd name="connsiteY5" fmla="*/ 6858000 h 6858000"/>
+              <a:gd name="connsiteX6" fmla="*/ 0 w 4167271"/>
+              <a:gd name="connsiteY6" fmla="*/ 6858000 h 6858000"/>
+            </a:gdLst>
+            <a:ahLst/>
+            <a:cxnLst>
+              <a:cxn ang="0">
+                <a:pos x="connsiteX0" y="connsiteY0"/>
+              </a:cxn>
+              <a:cxn ang="0">
+                <a:pos x="connsiteX1" y="connsiteY1"/>
+              </a:cxn>
+              <a:cxn ang="0">
+                <a:pos x="connsiteX2" y="connsiteY2"/>
+              </a:cxn>
+              <a:cxn ang="0">
+                <a:pos x="connsiteX3" y="connsiteY3"/>
+              </a:cxn>
+              <a:cxn ang="0">
+                <a:pos x="connsiteX4" y="connsiteY4"/>
+              </a:cxn>
+              <a:cxn ang="0">
+                <a:pos x="connsiteX5" y="connsiteY5"/>
+              </a:cxn>
+              <a:cxn ang="0">
+                <a:pos x="connsiteX6" y="connsiteY6"/>
+              </a:cxn>
+            </a:cxnLst>
+            <a:rect l="l" t="t" r="r" b="b"/>
+            <a:pathLst>
+              <a:path w="4167271" h="6858000">
+                <a:moveTo>
+                  <a:pt x="0" y="0"/>
+                </a:moveTo>
+                <a:lnTo>
+                  <a:pt x="2259550" y="0"/>
+                </a:lnTo>
+                <a:lnTo>
+                  <a:pt x="2387803" y="82222"/>
+                </a:lnTo>
+                <a:cubicBezTo>
+                  <a:pt x="3461407" y="807534"/>
+                  <a:pt x="4167271" y="2035835"/>
+                  <a:pt x="4167271" y="3429000"/>
+                </a:cubicBezTo>
+                <a:cubicBezTo>
+                  <a:pt x="4167271" y="4822165"/>
+                  <a:pt x="3461407" y="6050467"/>
+                  <a:pt x="2387803" y="6775779"/>
+                </a:cubicBezTo>
+                <a:lnTo>
+                  <a:pt x="2259550" y="6858000"/>
+                </a:lnTo>
+                <a:lnTo>
+                  <a:pt x="0" y="6858000"/>
+                </a:lnTo>
+                <a:close/>
+              </a:path>
+            </a:pathLst>
+          </a:custGeom>
+          <a:solidFill>
+            <a:schemeClr val="accent2"/>
+          </a:solidFill>
+          <a:ln>
+            <a:noFill/>
+          </a:ln>
+        </p:spPr>
+        <p:style>
+          <a:lnRef idx="2">
+            <a:schemeClr val="accent1">
+              <a:shade val="50000"/>
+            </a:schemeClr>
+          </a:lnRef>
+          <a:fillRef idx="1">
+            <a:schemeClr val="accent1"/>
+          </a:fillRef>
+          <a:effectRef idx="0">
+            <a:schemeClr val="accent1"/>
+          </a:effectRef>
+          <a:fontRef idx="minor">
+            <a:schemeClr val="lt1"/>
+          </a:fontRef>
+        </p:style>
+        <p:txBody>
+          <a:bodyPr rtlCol="0" anchor="ctr"/>
+          <a:lstStyle/>
+          <a:p>
+            <a:pPr algn="ctr"/>
+            <a:endParaRPr lang="en-US"/>
+          </a:p>
+        </p:txBody>
+      </p:sp>
+      <p:sp>
+        <p:nvSpPr>
+          <p:cNvPr id="2" name="Titre 1">
+            <a:extLst>
+              <a:ext uri="{FF2B5EF4-FFF2-40B4-BE49-F238E27FC236}">
+                <a16:creationId xmlns:a16="http://schemas.microsoft.com/office/drawing/2014/main" id="{FA6A7D49-E4FD-4D37-BC96-E3E4F40B811E}"/>
               </a:ext>
             </a:extLst>
           </p:cNvPr>
@@ -4059,31 +8589,112 @@
             <p:ph type="title"/>
           </p:nvPr>
         </p:nvSpPr>
-        <p:spPr/>
+        <p:spPr>
+          <a:xfrm>
+            <a:off x="686834" y="1153572"/>
+            <a:ext cx="3200400" cy="4461163"/>
+          </a:xfrm>
+        </p:spPr>
         <p:txBody>
-          <a:bodyPr/>
+          <a:bodyPr>
+            <a:normAutofit/>
+          </a:bodyPr>
           <a:lstStyle/>
           <a:p>
-            <a:r>
-              <a:rPr lang="en-US" b="0" i="0" dirty="0">
+            <a:pPr algn="ctr"/>
+            <a:r>
+              <a:rPr lang="fr-FR" dirty="0">
                 <a:solidFill>
-                  <a:srgbClr val="24292F"/>
+                  <a:srgbClr val="FFFFFF"/>
                 </a:solidFill>
-                <a:effectLst/>
-                <a:latin typeface="-apple-system"/>
               </a:rPr>
-              <a:t>Highlights</a:t>
-            </a:r>
-            <a:endParaRPr lang="en-US" dirty="0"/>
+              <a:t>QUERIES</a:t>
+            </a:r>
+            <a:br>
+              <a:rPr lang="fr-FR" dirty="0">
+                <a:solidFill>
+                  <a:srgbClr val="FFFFFF"/>
+                </a:solidFill>
+              </a:rPr>
+            </a:br>
+            <a:r>
+              <a:rPr lang="fr-FR" dirty="0">
+                <a:solidFill>
+                  <a:srgbClr val="FFFFFF"/>
+                </a:solidFill>
+              </a:rPr>
+              <a:t>#1</a:t>
+            </a:r>
           </a:p>
         </p:txBody>
       </p:sp>
       <p:sp>
         <p:nvSpPr>
-          <p:cNvPr id="3" name="Content Placeholder 2">
+          <p:cNvPr id="12" name="Arc 11">
             <a:extLst>
               <a:ext uri="{FF2B5EF4-FFF2-40B4-BE49-F238E27FC236}">
-                <a16:creationId xmlns:a16="http://schemas.microsoft.com/office/drawing/2014/main" id="{DA7008F3-364A-4965-8FA4-1429EA00F51F}"/>
+                <a16:creationId xmlns:a16="http://schemas.microsoft.com/office/drawing/2014/main" id="{081E4A58-353D-44AE-B2FC-2A74E2E400F7}"/>
+              </a:ext>
+              <a:ext uri="{C183D7F6-B498-43B3-948B-1728B52AA6E4}">
+                <adec:decorative xmlns:adec="http://schemas.microsoft.com/office/drawing/2017/decorative" val="1"/>
+              </a:ext>
+            </a:extLst>
+          </p:cNvPr>
+          <p:cNvSpPr>
+            <a:spLocks noGrp="1" noRot="1" noChangeAspect="1" noMove="1" noResize="1" noEditPoints="1" noAdjustHandles="1" noChangeArrowheads="1" noChangeShapeType="1" noTextEdit="1"/>
+          </p:cNvSpPr>
+          <p:nvPr>
+            <p:extLst>
+              <p:ext uri="{386F3935-93C4-4BCD-93E2-E3B085C9AB24}">
+                <p16:designElem xmlns:p16="http://schemas.microsoft.com/office/powerpoint/2015/main" val="1"/>
+              </p:ext>
+            </p:extLst>
+          </p:nvPr>
+        </p:nvSpPr>
+        <p:spPr>
+          <a:xfrm flipV="1">
+            <a:off x="7550402" y="2455479"/>
+            <a:ext cx="4083433" cy="4083433"/>
+          </a:xfrm>
+          <a:prstGeom prst="arc">
+            <a:avLst/>
+          </a:prstGeom>
+          <a:ln w="127000" cap="rnd">
+            <a:solidFill>
+              <a:schemeClr val="accent4"/>
+            </a:solidFill>
+            <a:prstDash val="dash"/>
+          </a:ln>
+        </p:spPr>
+        <p:style>
+          <a:lnRef idx="1">
+            <a:schemeClr val="accent1"/>
+          </a:lnRef>
+          <a:fillRef idx="0">
+            <a:schemeClr val="accent1"/>
+          </a:fillRef>
+          <a:effectRef idx="0">
+            <a:schemeClr val="accent1"/>
+          </a:effectRef>
+          <a:fontRef idx="minor">
+            <a:schemeClr val="tx1"/>
+          </a:fontRef>
+        </p:style>
+        <p:txBody>
+          <a:bodyPr rtlCol="0" anchor="ctr"/>
+          <a:lstStyle/>
+          <a:p>
+            <a:pPr algn="ctr"/>
+            <a:endParaRPr lang="en-US" dirty="0"/>
+          </a:p>
+        </p:txBody>
+      </p:sp>
+      <p:sp>
+        <p:nvSpPr>
+          <p:cNvPr id="3" name="Espace réservé du contenu 2">
+            <a:extLst>
+              <a:ext uri="{FF2B5EF4-FFF2-40B4-BE49-F238E27FC236}">
+                <a16:creationId xmlns:a16="http://schemas.microsoft.com/office/drawing/2014/main" id="{2A620A12-F88D-4D39-881D-281A172B7209}"/>
               </a:ext>
             </a:extLst>
           </p:cNvPr>
@@ -4094,31 +8705,159 @@
             <p:ph idx="1"/>
           </p:nvPr>
         </p:nvSpPr>
-        <p:spPr/>
+        <p:spPr>
+          <a:xfrm>
+            <a:off x="4333462" y="591344"/>
+            <a:ext cx="6268278" cy="5120343"/>
+          </a:xfrm>
+        </p:spPr>
         <p:txBody>
-          <a:bodyPr/>
+          <a:bodyPr anchor="ctr">
+            <a:normAutofit/>
+          </a:bodyPr>
           <a:lstStyle/>
           <a:p>
-            <a:endParaRPr lang="en-US"/>
+            <a:pPr marL="0" indent="0" algn="ctr">
+              <a:buNone/>
+            </a:pPr>
+            <a:r>
+              <a:rPr lang="fr-FR" sz="2400" b="1" dirty="0"/>
+              <a:t>1 - </a:t>
+            </a:r>
+            <a:r>
+              <a:rPr lang="en-US" sz="2400" b="1" dirty="0"/>
+              <a:t>The country with the most deaths:</a:t>
+            </a:r>
+          </a:p>
+          <a:p>
+            <a:pPr marL="0" indent="0">
+              <a:buNone/>
+            </a:pPr>
+            <a:endParaRPr lang="fr-FR" sz="2400" b="1" dirty="0"/>
+          </a:p>
+          <a:p>
+            <a:pPr marL="0" indent="0">
+              <a:buNone/>
+            </a:pPr>
+            <a:r>
+              <a:rPr lang="en-US" sz="2400" b="1" dirty="0"/>
+              <a:t>SELECT </a:t>
+            </a:r>
+            <a:r>
+              <a:rPr lang="en-US" sz="2400" dirty="0" err="1"/>
+              <a:t>Country_name</a:t>
+            </a:r>
+            <a:r>
+              <a:rPr lang="en-US" sz="2400" dirty="0"/>
+              <a:t>, max(</a:t>
+            </a:r>
+            <a:r>
+              <a:rPr lang="en-US" sz="2400" dirty="0" err="1"/>
+              <a:t>TotalDeaths</a:t>
+            </a:r>
+            <a:r>
+              <a:rPr lang="en-US" sz="2400" dirty="0"/>
+              <a:t>) </a:t>
+            </a:r>
+          </a:p>
+          <a:p>
+            <a:pPr marL="0" indent="0">
+              <a:buNone/>
+            </a:pPr>
+            <a:r>
+              <a:rPr lang="en-US" sz="2400" b="1" dirty="0"/>
+              <a:t>FROM </a:t>
+            </a:r>
+            <a:r>
+              <a:rPr lang="en-US" sz="2400" dirty="0" err="1"/>
+              <a:t>healthcare.cases</a:t>
+            </a:r>
+            <a:r>
+              <a:rPr lang="en-US" sz="2400" dirty="0"/>
+              <a:t>;</a:t>
+            </a:r>
+            <a:endParaRPr lang="fr-FR" sz="2400" dirty="0"/>
+          </a:p>
+          <a:p>
+            <a:pPr marL="0" indent="0">
+              <a:buNone/>
+            </a:pPr>
+            <a:endParaRPr lang="fr-FR" dirty="0"/>
+          </a:p>
+          <a:p>
+            <a:pPr marL="0" indent="0">
+              <a:buNone/>
+            </a:pPr>
+            <a:endParaRPr lang="fr-FR" dirty="0"/>
           </a:p>
         </p:txBody>
       </p:sp>
+      <p:pic>
+        <p:nvPicPr>
+          <p:cNvPr id="7" name="Image 6">
+            <a:extLst>
+              <a:ext uri="{FF2B5EF4-FFF2-40B4-BE49-F238E27FC236}">
+                <a16:creationId xmlns:a16="http://schemas.microsoft.com/office/drawing/2014/main" id="{7758C492-E529-46BC-BFD3-98AA10FA9CB1}"/>
+              </a:ext>
+            </a:extLst>
+          </p:cNvPr>
+          <p:cNvPicPr>
+            <a:picLocks noChangeAspect="1"/>
+          </p:cNvPicPr>
+          <p:nvPr/>
+        </p:nvPicPr>
+        <p:blipFill>
+          <a:blip r:embed="rId2"/>
+          <a:stretch>
+            <a:fillRect/>
+          </a:stretch>
+        </p:blipFill>
+        <p:spPr>
+          <a:xfrm>
+            <a:off x="4414849" y="4056025"/>
+            <a:ext cx="5476422" cy="1258097"/>
+          </a:xfrm>
+          <a:prstGeom prst="rect">
+            <a:avLst/>
+          </a:prstGeom>
+        </p:spPr>
+      </p:pic>
     </p:spTree>
     <p:extLst>
       <p:ext uri="{BB962C8B-B14F-4D97-AF65-F5344CB8AC3E}">
-        <p14:creationId xmlns:p14="http://schemas.microsoft.com/office/powerpoint/2010/main" val="3924448266"/>
+        <p14:creationId xmlns:p14="http://schemas.microsoft.com/office/powerpoint/2010/main" val="4089000899"/>
       </p:ext>
     </p:extLst>
   </p:cSld>
   <p:clrMapOvr>
     <a:masterClrMapping/>
   </p:clrMapOvr>
+  <mc:AlternateContent xmlns:mc="http://schemas.openxmlformats.org/markup-compatibility/2006">
+    <mc:Choice xmlns:p14="http://schemas.microsoft.com/office/powerpoint/2010/main" Requires="p14">
+      <p:transition spd="med" p14:dur="700">
+        <p:fade/>
+      </p:transition>
+    </mc:Choice>
+    <mc:Fallback>
+      <p:transition spd="med">
+        <p:fade/>
+      </p:transition>
+    </mc:Fallback>
+  </mc:AlternateContent>
 </p:sld>
 </file>
 
 <file path=ppt/slides/slide7.xml><?xml version="1.0" encoding="utf-8"?>
 <p:sld xmlns:a="http://schemas.openxmlformats.org/drawingml/2006/main" xmlns:r="http://schemas.openxmlformats.org/officeDocument/2006/relationships" xmlns:p="http://schemas.openxmlformats.org/presentationml/2006/main">
   <p:cSld>
+    <p:bg>
+      <p:bgPr>
+        <a:solidFill>
+          <a:schemeClr val="bg1"/>
+        </a:solidFill>
+        <a:effectLst/>
+      </p:bgPr>
+    </p:bg>
     <p:spTree>
       <p:nvGrpSpPr>
         <p:cNvPr id="1" name=""/>
@@ -4133,12 +8872,206 @@
           <a:chExt cx="0" cy="0"/>
         </a:xfrm>
       </p:grpSpPr>
+      <p:sp useBgFill="1">
+        <p:nvSpPr>
+          <p:cNvPr id="8" name="Rectangle 7">
+            <a:extLst>
+              <a:ext uri="{FF2B5EF4-FFF2-40B4-BE49-F238E27FC236}">
+                <a16:creationId xmlns:a16="http://schemas.microsoft.com/office/drawing/2014/main" id="{907EF6B7-1338-4443-8C46-6A318D952DFD}"/>
+              </a:ext>
+              <a:ext uri="{C183D7F6-B498-43B3-948B-1728B52AA6E4}">
+                <adec:decorative xmlns:adec="http://schemas.microsoft.com/office/drawing/2017/decorative" val="1"/>
+              </a:ext>
+            </a:extLst>
+          </p:cNvPr>
+          <p:cNvSpPr>
+            <a:spLocks noGrp="1" noRot="1" noChangeAspect="1" noMove="1" noResize="1" noEditPoints="1" noAdjustHandles="1" noChangeArrowheads="1" noChangeShapeType="1" noTextEdit="1"/>
+          </p:cNvSpPr>
+          <p:nvPr>
+            <p:extLst>
+              <p:ext uri="{386F3935-93C4-4BCD-93E2-E3B085C9AB24}">
+                <p16:designElem xmlns:p16="http://schemas.microsoft.com/office/powerpoint/2015/main" val="1"/>
+              </p:ext>
+            </p:extLst>
+          </p:nvPr>
+        </p:nvSpPr>
+        <p:spPr>
+          <a:xfrm>
+            <a:off x="3048" y="0"/>
+            <a:ext cx="12188952" cy="6858000"/>
+          </a:xfrm>
+          <a:prstGeom prst="rect">
+            <a:avLst/>
+          </a:prstGeom>
+          <a:ln>
+            <a:noFill/>
+          </a:ln>
+        </p:spPr>
+        <p:style>
+          <a:lnRef idx="2">
+            <a:schemeClr val="accent1">
+              <a:shade val="50000"/>
+            </a:schemeClr>
+          </a:lnRef>
+          <a:fillRef idx="1">
+            <a:schemeClr val="accent1"/>
+          </a:fillRef>
+          <a:effectRef idx="0">
+            <a:schemeClr val="accent1"/>
+          </a:effectRef>
+          <a:fontRef idx="minor">
+            <a:schemeClr val="lt1"/>
+          </a:fontRef>
+        </p:style>
+        <p:txBody>
+          <a:bodyPr rtlCol="0" anchor="ctr"/>
+          <a:lstStyle/>
+          <a:p>
+            <a:pPr algn="ctr"/>
+            <a:endParaRPr lang="en-US"/>
+          </a:p>
+        </p:txBody>
+      </p:sp>
       <p:sp>
         <p:nvSpPr>
-          <p:cNvPr id="2" name="Title 1">
+          <p:cNvPr id="10" name="Freeform: Shape 9">
             <a:extLst>
               <a:ext uri="{FF2B5EF4-FFF2-40B4-BE49-F238E27FC236}">
-                <a16:creationId xmlns:a16="http://schemas.microsoft.com/office/drawing/2014/main" id="{4D832688-CD93-4243-A1E7-AD37CE72391B}"/>
+                <a16:creationId xmlns:a16="http://schemas.microsoft.com/office/drawing/2014/main" id="{DAAE4CDD-124C-4DCF-9584-B6033B545DD5}"/>
+              </a:ext>
+              <a:ext uri="{C183D7F6-B498-43B3-948B-1728B52AA6E4}">
+                <adec:decorative xmlns:adec="http://schemas.microsoft.com/office/drawing/2017/decorative" val="1"/>
+              </a:ext>
+            </a:extLst>
+          </p:cNvPr>
+          <p:cNvSpPr>
+            <a:spLocks noGrp="1" noRot="1" noChangeAspect="1" noMove="1" noResize="1" noEditPoints="1" noAdjustHandles="1" noChangeArrowheads="1" noChangeShapeType="1" noTextEdit="1"/>
+          </p:cNvSpPr>
+          <p:nvPr>
+            <p:extLst>
+              <p:ext uri="{386F3935-93C4-4BCD-93E2-E3B085C9AB24}">
+                <p16:designElem xmlns:p16="http://schemas.microsoft.com/office/powerpoint/2015/main" val="1"/>
+              </p:ext>
+            </p:extLst>
+          </p:nvPr>
+        </p:nvSpPr>
+        <p:spPr>
+          <a:xfrm>
+            <a:off x="1" y="0"/>
+            <a:ext cx="4167271" cy="6858000"/>
+          </a:xfrm>
+          <a:custGeom>
+            <a:avLst/>
+            <a:gdLst>
+              <a:gd name="connsiteX0" fmla="*/ 0 w 4167271"/>
+              <a:gd name="connsiteY0" fmla="*/ 0 h 6858000"/>
+              <a:gd name="connsiteX1" fmla="*/ 2259550 w 4167271"/>
+              <a:gd name="connsiteY1" fmla="*/ 0 h 6858000"/>
+              <a:gd name="connsiteX2" fmla="*/ 2387803 w 4167271"/>
+              <a:gd name="connsiteY2" fmla="*/ 82222 h 6858000"/>
+              <a:gd name="connsiteX3" fmla="*/ 4167271 w 4167271"/>
+              <a:gd name="connsiteY3" fmla="*/ 3429000 h 6858000"/>
+              <a:gd name="connsiteX4" fmla="*/ 2387803 w 4167271"/>
+              <a:gd name="connsiteY4" fmla="*/ 6775779 h 6858000"/>
+              <a:gd name="connsiteX5" fmla="*/ 2259550 w 4167271"/>
+              <a:gd name="connsiteY5" fmla="*/ 6858000 h 6858000"/>
+              <a:gd name="connsiteX6" fmla="*/ 0 w 4167271"/>
+              <a:gd name="connsiteY6" fmla="*/ 6858000 h 6858000"/>
+            </a:gdLst>
+            <a:ahLst/>
+            <a:cxnLst>
+              <a:cxn ang="0">
+                <a:pos x="connsiteX0" y="connsiteY0"/>
+              </a:cxn>
+              <a:cxn ang="0">
+                <a:pos x="connsiteX1" y="connsiteY1"/>
+              </a:cxn>
+              <a:cxn ang="0">
+                <a:pos x="connsiteX2" y="connsiteY2"/>
+              </a:cxn>
+              <a:cxn ang="0">
+                <a:pos x="connsiteX3" y="connsiteY3"/>
+              </a:cxn>
+              <a:cxn ang="0">
+                <a:pos x="connsiteX4" y="connsiteY4"/>
+              </a:cxn>
+              <a:cxn ang="0">
+                <a:pos x="connsiteX5" y="connsiteY5"/>
+              </a:cxn>
+              <a:cxn ang="0">
+                <a:pos x="connsiteX6" y="connsiteY6"/>
+              </a:cxn>
+            </a:cxnLst>
+            <a:rect l="l" t="t" r="r" b="b"/>
+            <a:pathLst>
+              <a:path w="4167271" h="6858000">
+                <a:moveTo>
+                  <a:pt x="0" y="0"/>
+                </a:moveTo>
+                <a:lnTo>
+                  <a:pt x="2259550" y="0"/>
+                </a:lnTo>
+                <a:lnTo>
+                  <a:pt x="2387803" y="82222"/>
+                </a:lnTo>
+                <a:cubicBezTo>
+                  <a:pt x="3461407" y="807534"/>
+                  <a:pt x="4167271" y="2035835"/>
+                  <a:pt x="4167271" y="3429000"/>
+                </a:cubicBezTo>
+                <a:cubicBezTo>
+                  <a:pt x="4167271" y="4822165"/>
+                  <a:pt x="3461407" y="6050467"/>
+                  <a:pt x="2387803" y="6775779"/>
+                </a:cubicBezTo>
+                <a:lnTo>
+                  <a:pt x="2259550" y="6858000"/>
+                </a:lnTo>
+                <a:lnTo>
+                  <a:pt x="0" y="6858000"/>
+                </a:lnTo>
+                <a:close/>
+              </a:path>
+            </a:pathLst>
+          </a:custGeom>
+          <a:solidFill>
+            <a:schemeClr val="accent2"/>
+          </a:solidFill>
+          <a:ln>
+            <a:noFill/>
+          </a:ln>
+        </p:spPr>
+        <p:style>
+          <a:lnRef idx="2">
+            <a:schemeClr val="accent1">
+              <a:shade val="50000"/>
+            </a:schemeClr>
+          </a:lnRef>
+          <a:fillRef idx="1">
+            <a:schemeClr val="accent1"/>
+          </a:fillRef>
+          <a:effectRef idx="0">
+            <a:schemeClr val="accent1"/>
+          </a:effectRef>
+          <a:fontRef idx="minor">
+            <a:schemeClr val="lt1"/>
+          </a:fontRef>
+        </p:style>
+        <p:txBody>
+          <a:bodyPr rtlCol="0" anchor="ctr"/>
+          <a:lstStyle/>
+          <a:p>
+            <a:pPr algn="ctr"/>
+            <a:endParaRPr lang="en-US"/>
+          </a:p>
+        </p:txBody>
+      </p:sp>
+      <p:sp>
+        <p:nvSpPr>
+          <p:cNvPr id="2" name="Titre 1">
+            <a:extLst>
+              <a:ext uri="{FF2B5EF4-FFF2-40B4-BE49-F238E27FC236}">
+                <a16:creationId xmlns:a16="http://schemas.microsoft.com/office/drawing/2014/main" id="{FA6A7D49-E4FD-4D37-BC96-E3E4F40B811E}"/>
               </a:ext>
             </a:extLst>
           </p:cNvPr>
@@ -4149,31 +9082,112 @@
             <p:ph type="title"/>
           </p:nvPr>
         </p:nvSpPr>
-        <p:spPr/>
+        <p:spPr>
+          <a:xfrm>
+            <a:off x="686834" y="1153572"/>
+            <a:ext cx="3200400" cy="4461163"/>
+          </a:xfrm>
+        </p:spPr>
         <p:txBody>
-          <a:bodyPr/>
+          <a:bodyPr>
+            <a:normAutofit/>
+          </a:bodyPr>
           <a:lstStyle/>
           <a:p>
-            <a:r>
-              <a:rPr lang="en-US" b="0" i="0" dirty="0">
+            <a:pPr algn="ctr"/>
+            <a:r>
+              <a:rPr lang="fr-FR" dirty="0">
                 <a:solidFill>
-                  <a:srgbClr val="24292F"/>
+                  <a:srgbClr val="FFFFFF"/>
                 </a:solidFill>
-                <a:effectLst/>
-                <a:latin typeface="-apple-system"/>
               </a:rPr>
-              <a:t>Main results</a:t>
-            </a:r>
-            <a:endParaRPr lang="en-US" dirty="0"/>
+              <a:t>QUERIES</a:t>
+            </a:r>
+            <a:br>
+              <a:rPr lang="fr-FR" dirty="0">
+                <a:solidFill>
+                  <a:srgbClr val="FFFFFF"/>
+                </a:solidFill>
+              </a:rPr>
+            </a:br>
+            <a:r>
+              <a:rPr lang="fr-FR" dirty="0">
+                <a:solidFill>
+                  <a:srgbClr val="FFFFFF"/>
+                </a:solidFill>
+              </a:rPr>
+              <a:t>#2</a:t>
+            </a:r>
           </a:p>
         </p:txBody>
       </p:sp>
       <p:sp>
         <p:nvSpPr>
-          <p:cNvPr id="3" name="Content Placeholder 2">
+          <p:cNvPr id="12" name="Arc 11">
             <a:extLst>
               <a:ext uri="{FF2B5EF4-FFF2-40B4-BE49-F238E27FC236}">
-                <a16:creationId xmlns:a16="http://schemas.microsoft.com/office/drawing/2014/main" id="{81424FD7-3672-4B20-91C3-AEEF051D1237}"/>
+                <a16:creationId xmlns:a16="http://schemas.microsoft.com/office/drawing/2014/main" id="{081E4A58-353D-44AE-B2FC-2A74E2E400F7}"/>
+              </a:ext>
+              <a:ext uri="{C183D7F6-B498-43B3-948B-1728B52AA6E4}">
+                <adec:decorative xmlns:adec="http://schemas.microsoft.com/office/drawing/2017/decorative" val="1"/>
+              </a:ext>
+            </a:extLst>
+          </p:cNvPr>
+          <p:cNvSpPr>
+            <a:spLocks noGrp="1" noRot="1" noChangeAspect="1" noMove="1" noResize="1" noEditPoints="1" noAdjustHandles="1" noChangeArrowheads="1" noChangeShapeType="1" noTextEdit="1"/>
+          </p:cNvSpPr>
+          <p:nvPr>
+            <p:extLst>
+              <p:ext uri="{386F3935-93C4-4BCD-93E2-E3B085C9AB24}">
+                <p16:designElem xmlns:p16="http://schemas.microsoft.com/office/powerpoint/2015/main" val="1"/>
+              </p:ext>
+            </p:extLst>
+          </p:nvPr>
+        </p:nvSpPr>
+        <p:spPr>
+          <a:xfrm flipV="1">
+            <a:off x="7550402" y="2455479"/>
+            <a:ext cx="4083433" cy="4083433"/>
+          </a:xfrm>
+          <a:prstGeom prst="arc">
+            <a:avLst/>
+          </a:prstGeom>
+          <a:ln w="127000" cap="rnd">
+            <a:solidFill>
+              <a:schemeClr val="accent4"/>
+            </a:solidFill>
+            <a:prstDash val="dash"/>
+          </a:ln>
+        </p:spPr>
+        <p:style>
+          <a:lnRef idx="1">
+            <a:schemeClr val="accent1"/>
+          </a:lnRef>
+          <a:fillRef idx="0">
+            <a:schemeClr val="accent1"/>
+          </a:fillRef>
+          <a:effectRef idx="0">
+            <a:schemeClr val="accent1"/>
+          </a:effectRef>
+          <a:fontRef idx="minor">
+            <a:schemeClr val="tx1"/>
+          </a:fontRef>
+        </p:style>
+        <p:txBody>
+          <a:bodyPr rtlCol="0" anchor="ctr"/>
+          <a:lstStyle/>
+          <a:p>
+            <a:pPr algn="ctr"/>
+            <a:endParaRPr lang="en-US" dirty="0"/>
+          </a:p>
+        </p:txBody>
+      </p:sp>
+      <p:sp>
+        <p:nvSpPr>
+          <p:cNvPr id="3" name="Espace réservé du contenu 2">
+            <a:extLst>
+              <a:ext uri="{FF2B5EF4-FFF2-40B4-BE49-F238E27FC236}">
+                <a16:creationId xmlns:a16="http://schemas.microsoft.com/office/drawing/2014/main" id="{2A620A12-F88D-4D39-881D-281A172B7209}"/>
               </a:ext>
             </a:extLst>
           </p:cNvPr>
@@ -4184,31 +9198,168 @@
             <p:ph idx="1"/>
           </p:nvPr>
         </p:nvSpPr>
-        <p:spPr/>
+        <p:spPr>
+          <a:xfrm>
+            <a:off x="4333461" y="591344"/>
+            <a:ext cx="7855491" cy="5585619"/>
+          </a:xfrm>
+        </p:spPr>
         <p:txBody>
-          <a:bodyPr/>
+          <a:bodyPr anchor="ctr">
+            <a:normAutofit/>
+          </a:bodyPr>
           <a:lstStyle/>
           <a:p>
-            <a:endParaRPr lang="en-US"/>
+            <a:pPr marL="0" indent="0" algn="ctr">
+              <a:buNone/>
+            </a:pPr>
+            <a:r>
+              <a:rPr lang="fr-FR" sz="2400" b="1" dirty="0"/>
+              <a:t>2- </a:t>
+            </a:r>
+            <a:r>
+              <a:rPr lang="en-US" sz="2400" b="1" dirty="0"/>
+              <a:t>Number of people fully vaccinated in Germany:</a:t>
+            </a:r>
+          </a:p>
+          <a:p>
+            <a:pPr marL="0" indent="0" algn="ctr">
+              <a:buNone/>
+            </a:pPr>
+            <a:endParaRPr lang="fr-FR" sz="2400" b="1" dirty="0"/>
+          </a:p>
+          <a:p>
+            <a:pPr marL="0" indent="0">
+              <a:buNone/>
+            </a:pPr>
+            <a:r>
+              <a:rPr lang="en-US" b="1" dirty="0"/>
+              <a:t>SELECT</a:t>
+            </a:r>
+            <a:r>
+              <a:rPr lang="en-US" dirty="0"/>
+              <a:t> </a:t>
+            </a:r>
+            <a:r>
+              <a:rPr lang="en-US" dirty="0" err="1"/>
+              <a:t>Country_name</a:t>
+            </a:r>
+            <a:r>
+              <a:rPr lang="en-US" dirty="0"/>
+              <a:t>, </a:t>
+            </a:r>
+            <a:r>
+              <a:rPr lang="en-US" dirty="0" err="1"/>
+              <a:t>People_fully_vaccinated</a:t>
+            </a:r>
+            <a:r>
+              <a:rPr lang="en-US" dirty="0"/>
+              <a:t> </a:t>
+            </a:r>
+            <a:r>
+              <a:rPr lang="en-US" b="1" dirty="0"/>
+              <a:t>FROM</a:t>
+            </a:r>
+            <a:r>
+              <a:rPr lang="en-US" dirty="0"/>
+              <a:t> </a:t>
+            </a:r>
+            <a:r>
+              <a:rPr lang="en-US" dirty="0" err="1"/>
+              <a:t>healthcare.vaccination</a:t>
+            </a:r>
+            <a:endParaRPr lang="en-US" dirty="0"/>
+          </a:p>
+          <a:p>
+            <a:pPr marL="0" indent="0">
+              <a:buNone/>
+            </a:pPr>
+            <a:r>
+              <a:rPr lang="en-US" b="1" dirty="0"/>
+              <a:t>WHERE</a:t>
+            </a:r>
+            <a:r>
+              <a:rPr lang="en-US" dirty="0"/>
+              <a:t> </a:t>
+            </a:r>
+            <a:r>
+              <a:rPr lang="en-US" dirty="0" err="1"/>
+              <a:t>Country_name</a:t>
+            </a:r>
+            <a:r>
+              <a:rPr lang="en-US" dirty="0"/>
+              <a:t> = "Germany“;</a:t>
+            </a:r>
+            <a:endParaRPr lang="fr-FR" dirty="0"/>
           </a:p>
         </p:txBody>
       </p:sp>
+      <p:pic>
+        <p:nvPicPr>
+          <p:cNvPr id="9" name="Image 8">
+            <a:extLst>
+              <a:ext uri="{FF2B5EF4-FFF2-40B4-BE49-F238E27FC236}">
+                <a16:creationId xmlns:a16="http://schemas.microsoft.com/office/drawing/2014/main" id="{D81CE97C-D059-4EA6-8632-1A3D08DAF618}"/>
+              </a:ext>
+            </a:extLst>
+          </p:cNvPr>
+          <p:cNvPicPr>
+            <a:picLocks noChangeAspect="1"/>
+          </p:cNvPicPr>
+          <p:nvPr/>
+        </p:nvPicPr>
+        <p:blipFill>
+          <a:blip r:embed="rId2"/>
+          <a:stretch>
+            <a:fillRect/>
+          </a:stretch>
+        </p:blipFill>
+        <p:spPr>
+          <a:xfrm>
+            <a:off x="4364873" y="4711148"/>
+            <a:ext cx="5934075" cy="1066800"/>
+          </a:xfrm>
+          <a:prstGeom prst="rect">
+            <a:avLst/>
+          </a:prstGeom>
+        </p:spPr>
+      </p:pic>
     </p:spTree>
     <p:extLst>
       <p:ext uri="{BB962C8B-B14F-4D97-AF65-F5344CB8AC3E}">
-        <p14:creationId xmlns:p14="http://schemas.microsoft.com/office/powerpoint/2010/main" val="2315926912"/>
+        <p14:creationId xmlns:p14="http://schemas.microsoft.com/office/powerpoint/2010/main" val="2648667606"/>
       </p:ext>
     </p:extLst>
   </p:cSld>
   <p:clrMapOvr>
     <a:masterClrMapping/>
   </p:clrMapOvr>
+  <mc:AlternateContent xmlns:mc="http://schemas.openxmlformats.org/markup-compatibility/2006">
+    <mc:Choice xmlns:p14="http://schemas.microsoft.com/office/powerpoint/2010/main" Requires="p14">
+      <p:transition spd="med" p14:dur="700">
+        <p:fade/>
+      </p:transition>
+    </mc:Choice>
+    <mc:Fallback>
+      <p:transition spd="med">
+        <p:fade/>
+      </p:transition>
+    </mc:Fallback>
+  </mc:AlternateContent>
 </p:sld>
 </file>
 
 <file path=ppt/slides/slide8.xml><?xml version="1.0" encoding="utf-8"?>
 <p:sld xmlns:a="http://schemas.openxmlformats.org/drawingml/2006/main" xmlns:r="http://schemas.openxmlformats.org/officeDocument/2006/relationships" xmlns:p="http://schemas.openxmlformats.org/presentationml/2006/main">
   <p:cSld>
+    <p:bg>
+      <p:bgPr>
+        <a:solidFill>
+          <a:schemeClr val="bg1"/>
+        </a:solidFill>
+        <a:effectLst/>
+      </p:bgPr>
+    </p:bg>
     <p:spTree>
       <p:nvGrpSpPr>
         <p:cNvPr id="1" name=""/>
@@ -4223,12 +9374,206 @@
           <a:chExt cx="0" cy="0"/>
         </a:xfrm>
       </p:grpSpPr>
+      <p:sp useBgFill="1">
+        <p:nvSpPr>
+          <p:cNvPr id="8" name="Rectangle 7">
+            <a:extLst>
+              <a:ext uri="{FF2B5EF4-FFF2-40B4-BE49-F238E27FC236}">
+                <a16:creationId xmlns:a16="http://schemas.microsoft.com/office/drawing/2014/main" id="{907EF6B7-1338-4443-8C46-6A318D952DFD}"/>
+              </a:ext>
+              <a:ext uri="{C183D7F6-B498-43B3-948B-1728B52AA6E4}">
+                <adec:decorative xmlns:adec="http://schemas.microsoft.com/office/drawing/2017/decorative" val="1"/>
+              </a:ext>
+            </a:extLst>
+          </p:cNvPr>
+          <p:cNvSpPr>
+            <a:spLocks noGrp="1" noRot="1" noChangeAspect="1" noMove="1" noResize="1" noEditPoints="1" noAdjustHandles="1" noChangeArrowheads="1" noChangeShapeType="1" noTextEdit="1"/>
+          </p:cNvSpPr>
+          <p:nvPr>
+            <p:extLst>
+              <p:ext uri="{386F3935-93C4-4BCD-93E2-E3B085C9AB24}">
+                <p16:designElem xmlns:p16="http://schemas.microsoft.com/office/powerpoint/2015/main" val="1"/>
+              </p:ext>
+            </p:extLst>
+          </p:nvPr>
+        </p:nvSpPr>
+        <p:spPr>
+          <a:xfrm>
+            <a:off x="3048" y="0"/>
+            <a:ext cx="12188952" cy="6858000"/>
+          </a:xfrm>
+          <a:prstGeom prst="rect">
+            <a:avLst/>
+          </a:prstGeom>
+          <a:ln>
+            <a:noFill/>
+          </a:ln>
+        </p:spPr>
+        <p:style>
+          <a:lnRef idx="2">
+            <a:schemeClr val="accent1">
+              <a:shade val="50000"/>
+            </a:schemeClr>
+          </a:lnRef>
+          <a:fillRef idx="1">
+            <a:schemeClr val="accent1"/>
+          </a:fillRef>
+          <a:effectRef idx="0">
+            <a:schemeClr val="accent1"/>
+          </a:effectRef>
+          <a:fontRef idx="minor">
+            <a:schemeClr val="lt1"/>
+          </a:fontRef>
+        </p:style>
+        <p:txBody>
+          <a:bodyPr rtlCol="0" anchor="ctr"/>
+          <a:lstStyle/>
+          <a:p>
+            <a:pPr algn="ctr"/>
+            <a:endParaRPr lang="en-US"/>
+          </a:p>
+        </p:txBody>
+      </p:sp>
       <p:sp>
         <p:nvSpPr>
-          <p:cNvPr id="2" name="Title 1">
+          <p:cNvPr id="10" name="Freeform: Shape 9">
             <a:extLst>
               <a:ext uri="{FF2B5EF4-FFF2-40B4-BE49-F238E27FC236}">
-                <a16:creationId xmlns:a16="http://schemas.microsoft.com/office/drawing/2014/main" id="{7BA5A6E8-8FBA-400B-842C-CF610E08BCF3}"/>
+                <a16:creationId xmlns:a16="http://schemas.microsoft.com/office/drawing/2014/main" id="{DAAE4CDD-124C-4DCF-9584-B6033B545DD5}"/>
+              </a:ext>
+              <a:ext uri="{C183D7F6-B498-43B3-948B-1728B52AA6E4}">
+                <adec:decorative xmlns:adec="http://schemas.microsoft.com/office/drawing/2017/decorative" val="1"/>
+              </a:ext>
+            </a:extLst>
+          </p:cNvPr>
+          <p:cNvSpPr>
+            <a:spLocks noGrp="1" noRot="1" noChangeAspect="1" noMove="1" noResize="1" noEditPoints="1" noAdjustHandles="1" noChangeArrowheads="1" noChangeShapeType="1" noTextEdit="1"/>
+          </p:cNvSpPr>
+          <p:nvPr>
+            <p:extLst>
+              <p:ext uri="{386F3935-93C4-4BCD-93E2-E3B085C9AB24}">
+                <p16:designElem xmlns:p16="http://schemas.microsoft.com/office/powerpoint/2015/main" val="1"/>
+              </p:ext>
+            </p:extLst>
+          </p:nvPr>
+        </p:nvSpPr>
+        <p:spPr>
+          <a:xfrm>
+            <a:off x="1" y="0"/>
+            <a:ext cx="4167271" cy="6858000"/>
+          </a:xfrm>
+          <a:custGeom>
+            <a:avLst/>
+            <a:gdLst>
+              <a:gd name="connsiteX0" fmla="*/ 0 w 4167271"/>
+              <a:gd name="connsiteY0" fmla="*/ 0 h 6858000"/>
+              <a:gd name="connsiteX1" fmla="*/ 2259550 w 4167271"/>
+              <a:gd name="connsiteY1" fmla="*/ 0 h 6858000"/>
+              <a:gd name="connsiteX2" fmla="*/ 2387803 w 4167271"/>
+              <a:gd name="connsiteY2" fmla="*/ 82222 h 6858000"/>
+              <a:gd name="connsiteX3" fmla="*/ 4167271 w 4167271"/>
+              <a:gd name="connsiteY3" fmla="*/ 3429000 h 6858000"/>
+              <a:gd name="connsiteX4" fmla="*/ 2387803 w 4167271"/>
+              <a:gd name="connsiteY4" fmla="*/ 6775779 h 6858000"/>
+              <a:gd name="connsiteX5" fmla="*/ 2259550 w 4167271"/>
+              <a:gd name="connsiteY5" fmla="*/ 6858000 h 6858000"/>
+              <a:gd name="connsiteX6" fmla="*/ 0 w 4167271"/>
+              <a:gd name="connsiteY6" fmla="*/ 6858000 h 6858000"/>
+            </a:gdLst>
+            <a:ahLst/>
+            <a:cxnLst>
+              <a:cxn ang="0">
+                <a:pos x="connsiteX0" y="connsiteY0"/>
+              </a:cxn>
+              <a:cxn ang="0">
+                <a:pos x="connsiteX1" y="connsiteY1"/>
+              </a:cxn>
+              <a:cxn ang="0">
+                <a:pos x="connsiteX2" y="connsiteY2"/>
+              </a:cxn>
+              <a:cxn ang="0">
+                <a:pos x="connsiteX3" y="connsiteY3"/>
+              </a:cxn>
+              <a:cxn ang="0">
+                <a:pos x="connsiteX4" y="connsiteY4"/>
+              </a:cxn>
+              <a:cxn ang="0">
+                <a:pos x="connsiteX5" y="connsiteY5"/>
+              </a:cxn>
+              <a:cxn ang="0">
+                <a:pos x="connsiteX6" y="connsiteY6"/>
+              </a:cxn>
+            </a:cxnLst>
+            <a:rect l="l" t="t" r="r" b="b"/>
+            <a:pathLst>
+              <a:path w="4167271" h="6858000">
+                <a:moveTo>
+                  <a:pt x="0" y="0"/>
+                </a:moveTo>
+                <a:lnTo>
+                  <a:pt x="2259550" y="0"/>
+                </a:lnTo>
+                <a:lnTo>
+                  <a:pt x="2387803" y="82222"/>
+                </a:lnTo>
+                <a:cubicBezTo>
+                  <a:pt x="3461407" y="807534"/>
+                  <a:pt x="4167271" y="2035835"/>
+                  <a:pt x="4167271" y="3429000"/>
+                </a:cubicBezTo>
+                <a:cubicBezTo>
+                  <a:pt x="4167271" y="4822165"/>
+                  <a:pt x="3461407" y="6050467"/>
+                  <a:pt x="2387803" y="6775779"/>
+                </a:cubicBezTo>
+                <a:lnTo>
+                  <a:pt x="2259550" y="6858000"/>
+                </a:lnTo>
+                <a:lnTo>
+                  <a:pt x="0" y="6858000"/>
+                </a:lnTo>
+                <a:close/>
+              </a:path>
+            </a:pathLst>
+          </a:custGeom>
+          <a:solidFill>
+            <a:schemeClr val="accent2"/>
+          </a:solidFill>
+          <a:ln>
+            <a:noFill/>
+          </a:ln>
+        </p:spPr>
+        <p:style>
+          <a:lnRef idx="2">
+            <a:schemeClr val="accent1">
+              <a:shade val="50000"/>
+            </a:schemeClr>
+          </a:lnRef>
+          <a:fillRef idx="1">
+            <a:schemeClr val="accent1"/>
+          </a:fillRef>
+          <a:effectRef idx="0">
+            <a:schemeClr val="accent1"/>
+          </a:effectRef>
+          <a:fontRef idx="minor">
+            <a:schemeClr val="lt1"/>
+          </a:fontRef>
+        </p:style>
+        <p:txBody>
+          <a:bodyPr rtlCol="0" anchor="ctr"/>
+          <a:lstStyle/>
+          <a:p>
+            <a:pPr algn="ctr"/>
+            <a:endParaRPr lang="en-US"/>
+          </a:p>
+        </p:txBody>
+      </p:sp>
+      <p:sp>
+        <p:nvSpPr>
+          <p:cNvPr id="2" name="Titre 1">
+            <a:extLst>
+              <a:ext uri="{FF2B5EF4-FFF2-40B4-BE49-F238E27FC236}">
+                <a16:creationId xmlns:a16="http://schemas.microsoft.com/office/drawing/2014/main" id="{FA6A7D49-E4FD-4D37-BC96-E3E4F40B811E}"/>
               </a:ext>
             </a:extLst>
           </p:cNvPr>
@@ -4239,31 +9584,112 @@
             <p:ph type="title"/>
           </p:nvPr>
         </p:nvSpPr>
-        <p:spPr/>
+        <p:spPr>
+          <a:xfrm>
+            <a:off x="686834" y="1153572"/>
+            <a:ext cx="3200400" cy="4461163"/>
+          </a:xfrm>
+        </p:spPr>
         <p:txBody>
-          <a:bodyPr/>
+          <a:bodyPr>
+            <a:normAutofit/>
+          </a:bodyPr>
           <a:lstStyle/>
           <a:p>
-            <a:r>
-              <a:rPr lang="en-US" b="0" i="0" dirty="0">
+            <a:pPr algn="ctr"/>
+            <a:r>
+              <a:rPr lang="fr-FR" dirty="0">
                 <a:solidFill>
-                  <a:srgbClr val="24292F"/>
+                  <a:srgbClr val="FFFFFF"/>
                 </a:solidFill>
-                <a:effectLst/>
-                <a:latin typeface="-apple-system"/>
               </a:rPr>
-              <a:t>Demo (ONE MINUTE)</a:t>
-            </a:r>
-            <a:endParaRPr lang="en-US" dirty="0"/>
+              <a:t>QUERIES</a:t>
+            </a:r>
+            <a:br>
+              <a:rPr lang="fr-FR" dirty="0">
+                <a:solidFill>
+                  <a:srgbClr val="FFFFFF"/>
+                </a:solidFill>
+              </a:rPr>
+            </a:br>
+            <a:r>
+              <a:rPr lang="fr-FR" dirty="0">
+                <a:solidFill>
+                  <a:srgbClr val="FFFFFF"/>
+                </a:solidFill>
+              </a:rPr>
+              <a:t>#3</a:t>
+            </a:r>
           </a:p>
         </p:txBody>
       </p:sp>
       <p:sp>
         <p:nvSpPr>
-          <p:cNvPr id="3" name="Content Placeholder 2">
+          <p:cNvPr id="12" name="Arc 11">
             <a:extLst>
               <a:ext uri="{FF2B5EF4-FFF2-40B4-BE49-F238E27FC236}">
-                <a16:creationId xmlns:a16="http://schemas.microsoft.com/office/drawing/2014/main" id="{E010205E-85F2-4800-A06B-B3F7107628FD}"/>
+                <a16:creationId xmlns:a16="http://schemas.microsoft.com/office/drawing/2014/main" id="{081E4A58-353D-44AE-B2FC-2A74E2E400F7}"/>
+              </a:ext>
+              <a:ext uri="{C183D7F6-B498-43B3-948B-1728B52AA6E4}">
+                <adec:decorative xmlns:adec="http://schemas.microsoft.com/office/drawing/2017/decorative" val="1"/>
+              </a:ext>
+            </a:extLst>
+          </p:cNvPr>
+          <p:cNvSpPr>
+            <a:spLocks noGrp="1" noRot="1" noChangeAspect="1" noMove="1" noResize="1" noEditPoints="1" noAdjustHandles="1" noChangeArrowheads="1" noChangeShapeType="1" noTextEdit="1"/>
+          </p:cNvSpPr>
+          <p:nvPr>
+            <p:extLst>
+              <p:ext uri="{386F3935-93C4-4BCD-93E2-E3B085C9AB24}">
+                <p16:designElem xmlns:p16="http://schemas.microsoft.com/office/powerpoint/2015/main" val="1"/>
+              </p:ext>
+            </p:extLst>
+          </p:nvPr>
+        </p:nvSpPr>
+        <p:spPr>
+          <a:xfrm flipV="1">
+            <a:off x="7550402" y="2455479"/>
+            <a:ext cx="4083433" cy="4083433"/>
+          </a:xfrm>
+          <a:prstGeom prst="arc">
+            <a:avLst/>
+          </a:prstGeom>
+          <a:ln w="127000" cap="rnd">
+            <a:solidFill>
+              <a:schemeClr val="accent4"/>
+            </a:solidFill>
+            <a:prstDash val="dash"/>
+          </a:ln>
+        </p:spPr>
+        <p:style>
+          <a:lnRef idx="1">
+            <a:schemeClr val="accent1"/>
+          </a:lnRef>
+          <a:fillRef idx="0">
+            <a:schemeClr val="accent1"/>
+          </a:fillRef>
+          <a:effectRef idx="0">
+            <a:schemeClr val="accent1"/>
+          </a:effectRef>
+          <a:fontRef idx="minor">
+            <a:schemeClr val="tx1"/>
+          </a:fontRef>
+        </p:style>
+        <p:txBody>
+          <a:bodyPr rtlCol="0" anchor="ctr"/>
+          <a:lstStyle/>
+          <a:p>
+            <a:pPr algn="ctr"/>
+            <a:endParaRPr lang="en-US" dirty="0"/>
+          </a:p>
+        </p:txBody>
+      </p:sp>
+      <p:sp>
+        <p:nvSpPr>
+          <p:cNvPr id="3" name="Espace réservé du contenu 2">
+            <a:extLst>
+              <a:ext uri="{FF2B5EF4-FFF2-40B4-BE49-F238E27FC236}">
+                <a16:creationId xmlns:a16="http://schemas.microsoft.com/office/drawing/2014/main" id="{2A620A12-F88D-4D39-881D-281A172B7209}"/>
               </a:ext>
             </a:extLst>
           </p:cNvPr>
@@ -4274,19 +9700,597 @@
             <p:ph idx="1"/>
           </p:nvPr>
         </p:nvSpPr>
-        <p:spPr/>
+        <p:spPr>
+          <a:xfrm>
+            <a:off x="4198549" y="250826"/>
+            <a:ext cx="7026042" cy="4692236"/>
+          </a:xfrm>
+        </p:spPr>
         <p:txBody>
-          <a:bodyPr/>
+          <a:bodyPr anchor="ctr">
+            <a:normAutofit lnSpcReduction="10000"/>
+          </a:bodyPr>
           <a:lstStyle/>
           <a:p>
+            <a:pPr marL="0" indent="0" algn="ctr">
+              <a:buNone/>
+            </a:pPr>
+            <a:r>
+              <a:rPr lang="fr-FR" b="1" dirty="0"/>
+              <a:t>3 - </a:t>
+            </a:r>
+            <a:r>
+              <a:rPr lang="en-US" b="1" dirty="0"/>
+              <a:t>Number of deaths for the top 5 countries with low life expectancy:</a:t>
+            </a:r>
+          </a:p>
+          <a:p>
+            <a:pPr marL="0" indent="0" algn="ctr">
+              <a:buNone/>
+            </a:pPr>
+            <a:endParaRPr lang="fr-FR" b="1" dirty="0"/>
+          </a:p>
+          <a:p>
+            <a:pPr marL="0" indent="0">
+              <a:buNone/>
+            </a:pPr>
+            <a:r>
+              <a:rPr lang="fr-FR" sz="2400" b="1" dirty="0"/>
+              <a:t>SELECT</a:t>
+            </a:r>
+            <a:r>
+              <a:rPr lang="fr-FR" sz="2400" dirty="0"/>
+              <a:t> </a:t>
+            </a:r>
+            <a:r>
+              <a:rPr lang="fr-FR" sz="2400" dirty="0" err="1"/>
+              <a:t>Dvlp.Country_name</a:t>
+            </a:r>
+            <a:r>
+              <a:rPr lang="fr-FR" sz="2400" dirty="0"/>
+              <a:t>, </a:t>
+            </a:r>
+            <a:r>
+              <a:rPr lang="fr-FR" sz="2400" dirty="0" err="1"/>
+              <a:t>Dvlp.life_expectancy</a:t>
+            </a:r>
+            <a:r>
+              <a:rPr lang="fr-FR" sz="2400" dirty="0"/>
+              <a:t>, cases1.TotalDeaths</a:t>
+            </a:r>
+          </a:p>
+          <a:p>
+            <a:pPr marL="0" indent="0">
+              <a:buNone/>
+            </a:pPr>
+            <a:r>
+              <a:rPr lang="fr-FR" sz="2400" b="1" dirty="0"/>
+              <a:t>FROM </a:t>
+            </a:r>
+            <a:r>
+              <a:rPr lang="fr-FR" sz="2400" dirty="0" err="1"/>
+              <a:t>healthcare.development</a:t>
+            </a:r>
+            <a:r>
+              <a:rPr lang="fr-FR" sz="2400" dirty="0"/>
+              <a:t>  </a:t>
+            </a:r>
+            <a:r>
+              <a:rPr lang="fr-FR" sz="2400" dirty="0" err="1"/>
+              <a:t>Dvlp</a:t>
+            </a:r>
+            <a:endParaRPr lang="fr-FR" sz="2400" dirty="0"/>
+          </a:p>
+          <a:p>
+            <a:pPr marL="0" indent="0">
+              <a:buNone/>
+            </a:pPr>
+            <a:r>
+              <a:rPr lang="fr-FR" sz="2400" b="1" dirty="0"/>
+              <a:t>LEFT JOIN </a:t>
+            </a:r>
+            <a:r>
+              <a:rPr lang="fr-FR" sz="2400" dirty="0" err="1"/>
+              <a:t>healthcare.cases</a:t>
+            </a:r>
+            <a:r>
+              <a:rPr lang="fr-FR" sz="2400" dirty="0"/>
+              <a:t> cases1</a:t>
+            </a:r>
+          </a:p>
+          <a:p>
+            <a:pPr marL="0" indent="0">
+              <a:buNone/>
+            </a:pPr>
+            <a:r>
+              <a:rPr lang="fr-FR" sz="2400" b="1" dirty="0"/>
+              <a:t>ON </a:t>
+            </a:r>
+            <a:r>
+              <a:rPr lang="fr-FR" sz="2400" dirty="0" err="1"/>
+              <a:t>Dvlp.Country_name</a:t>
+            </a:r>
+            <a:r>
+              <a:rPr lang="fr-FR" sz="2400" dirty="0"/>
+              <a:t> = cases1.Country_name</a:t>
+            </a:r>
+          </a:p>
+          <a:p>
+            <a:pPr marL="0" indent="0">
+              <a:buNone/>
+            </a:pPr>
+            <a:r>
+              <a:rPr lang="fr-FR" sz="2400" b="1" dirty="0"/>
+              <a:t>WHERE</a:t>
+            </a:r>
+            <a:r>
+              <a:rPr lang="fr-FR" sz="2400" dirty="0"/>
+              <a:t> </a:t>
+            </a:r>
+            <a:r>
+              <a:rPr lang="fr-FR" sz="2400" dirty="0" err="1"/>
+              <a:t>SeriousCritical</a:t>
+            </a:r>
+            <a:r>
+              <a:rPr lang="fr-FR" sz="2400" dirty="0"/>
+              <a:t> </a:t>
+            </a:r>
+            <a:r>
+              <a:rPr lang="fr-FR" sz="2400" b="1" dirty="0"/>
+              <a:t>IS NOT NULL</a:t>
+            </a:r>
+          </a:p>
+          <a:p>
+            <a:pPr marL="0" indent="0">
+              <a:buNone/>
+            </a:pPr>
+            <a:r>
+              <a:rPr lang="fr-FR" sz="2400" b="1" dirty="0"/>
+              <a:t>GROUP BY </a:t>
+            </a:r>
+            <a:r>
+              <a:rPr lang="fr-FR" sz="2400" dirty="0" err="1"/>
+              <a:t>Dvlp.Country_name</a:t>
+            </a:r>
+            <a:endParaRPr lang="fr-FR" sz="2400" dirty="0"/>
+          </a:p>
+          <a:p>
+            <a:pPr marL="0" indent="0">
+              <a:buNone/>
+            </a:pPr>
+            <a:r>
+              <a:rPr lang="fr-FR" sz="2400" b="1" dirty="0"/>
+              <a:t>ORDER BY </a:t>
+            </a:r>
+            <a:r>
+              <a:rPr lang="fr-FR" sz="2400" dirty="0" err="1"/>
+              <a:t>Dvlp.life_expectancy</a:t>
+            </a:r>
+            <a:r>
+              <a:rPr lang="fr-FR" sz="2400" dirty="0"/>
+              <a:t> </a:t>
+            </a:r>
+            <a:r>
+              <a:rPr lang="fr-FR" sz="2400" b="1" dirty="0"/>
+              <a:t>ASC</a:t>
+            </a:r>
+            <a:r>
+              <a:rPr lang="fr-FR" sz="2400" dirty="0"/>
+              <a:t>;</a:t>
+            </a:r>
+          </a:p>
+        </p:txBody>
+      </p:sp>
+      <p:pic>
+        <p:nvPicPr>
+          <p:cNvPr id="6" name="Image 5">
+            <a:extLst>
+              <a:ext uri="{FF2B5EF4-FFF2-40B4-BE49-F238E27FC236}">
+                <a16:creationId xmlns:a16="http://schemas.microsoft.com/office/drawing/2014/main" id="{C026F39D-4FBC-43D6-A86C-BC9ACF76C002}"/>
+              </a:ext>
+            </a:extLst>
+          </p:cNvPr>
+          <p:cNvPicPr>
+            <a:picLocks noChangeAspect="1"/>
+          </p:cNvPicPr>
+          <p:nvPr/>
+        </p:nvPicPr>
+        <p:blipFill>
+          <a:blip r:embed="rId2"/>
+          <a:stretch>
+            <a:fillRect/>
+          </a:stretch>
+        </p:blipFill>
+        <p:spPr>
+          <a:xfrm>
+            <a:off x="3918511" y="4835563"/>
+            <a:ext cx="5461440" cy="1941442"/>
+          </a:xfrm>
+          <a:prstGeom prst="rect">
+            <a:avLst/>
+          </a:prstGeom>
+        </p:spPr>
+      </p:pic>
+    </p:spTree>
+    <p:extLst>
+      <p:ext uri="{BB962C8B-B14F-4D97-AF65-F5344CB8AC3E}">
+        <p14:creationId xmlns:p14="http://schemas.microsoft.com/office/powerpoint/2010/main" val="22366777"/>
+      </p:ext>
+    </p:extLst>
+  </p:cSld>
+  <p:clrMapOvr>
+    <a:masterClrMapping/>
+  </p:clrMapOvr>
+  <mc:AlternateContent xmlns:mc="http://schemas.openxmlformats.org/markup-compatibility/2006">
+    <mc:Choice xmlns:p14="http://schemas.microsoft.com/office/powerpoint/2010/main" Requires="p14">
+      <p:transition spd="med" p14:dur="700">
+        <p:fade/>
+      </p:transition>
+    </mc:Choice>
+    <mc:Fallback>
+      <p:transition spd="med">
+        <p:fade/>
+      </p:transition>
+    </mc:Fallback>
+  </mc:AlternateContent>
+</p:sld>
+</file>
+
+<file path=ppt/slides/slide9.xml><?xml version="1.0" encoding="utf-8"?>
+<p:sld xmlns:a="http://schemas.openxmlformats.org/drawingml/2006/main" xmlns:r="http://schemas.openxmlformats.org/officeDocument/2006/relationships" xmlns:p="http://schemas.openxmlformats.org/presentationml/2006/main">
+  <p:cSld>
+    <p:bg>
+      <p:bgPr>
+        <a:solidFill>
+          <a:schemeClr val="bg1"/>
+        </a:solidFill>
+        <a:effectLst/>
+      </p:bgPr>
+    </p:bg>
+    <p:spTree>
+      <p:nvGrpSpPr>
+        <p:cNvPr id="1" name=""/>
+        <p:cNvGrpSpPr/>
+        <p:nvPr/>
+      </p:nvGrpSpPr>
+      <p:grpSpPr>
+        <a:xfrm>
+          <a:off x="0" y="0"/>
+          <a:ext cx="0" cy="0"/>
+          <a:chOff x="0" y="0"/>
+          <a:chExt cx="0" cy="0"/>
+        </a:xfrm>
+      </p:grpSpPr>
+      <p:sp useBgFill="1">
+        <p:nvSpPr>
+          <p:cNvPr id="8" name="Rectangle 7">
+            <a:extLst>
+              <a:ext uri="{FF2B5EF4-FFF2-40B4-BE49-F238E27FC236}">
+                <a16:creationId xmlns:a16="http://schemas.microsoft.com/office/drawing/2014/main" id="{907EF6B7-1338-4443-8C46-6A318D952DFD}"/>
+              </a:ext>
+              <a:ext uri="{C183D7F6-B498-43B3-948B-1728B52AA6E4}">
+                <adec:decorative xmlns:adec="http://schemas.microsoft.com/office/drawing/2017/decorative" val="1"/>
+              </a:ext>
+            </a:extLst>
+          </p:cNvPr>
+          <p:cNvSpPr>
+            <a:spLocks noGrp="1" noRot="1" noChangeAspect="1" noMove="1" noResize="1" noEditPoints="1" noAdjustHandles="1" noChangeArrowheads="1" noChangeShapeType="1" noTextEdit="1"/>
+          </p:cNvSpPr>
+          <p:nvPr>
+            <p:extLst>
+              <p:ext uri="{386F3935-93C4-4BCD-93E2-E3B085C9AB24}">
+                <p16:designElem xmlns:p16="http://schemas.microsoft.com/office/powerpoint/2015/main" val="1"/>
+              </p:ext>
+            </p:extLst>
+          </p:nvPr>
+        </p:nvSpPr>
+        <p:spPr>
+          <a:xfrm>
+            <a:off x="3048" y="0"/>
+            <a:ext cx="12188952" cy="6858000"/>
+          </a:xfrm>
+          <a:prstGeom prst="rect">
+            <a:avLst/>
+          </a:prstGeom>
+          <a:ln>
+            <a:noFill/>
+          </a:ln>
+        </p:spPr>
+        <p:style>
+          <a:lnRef idx="2">
+            <a:schemeClr val="accent1">
+              <a:shade val="50000"/>
+            </a:schemeClr>
+          </a:lnRef>
+          <a:fillRef idx="1">
+            <a:schemeClr val="accent1"/>
+          </a:fillRef>
+          <a:effectRef idx="0">
+            <a:schemeClr val="accent1"/>
+          </a:effectRef>
+          <a:fontRef idx="minor">
+            <a:schemeClr val="lt1"/>
+          </a:fontRef>
+        </p:style>
+        <p:txBody>
+          <a:bodyPr rtlCol="0" anchor="ctr"/>
+          <a:lstStyle/>
+          <a:p>
+            <a:pPr algn="ctr"/>
             <a:endParaRPr lang="en-US"/>
+          </a:p>
+        </p:txBody>
+      </p:sp>
+      <p:sp>
+        <p:nvSpPr>
+          <p:cNvPr id="10" name="Freeform: Shape 9">
+            <a:extLst>
+              <a:ext uri="{FF2B5EF4-FFF2-40B4-BE49-F238E27FC236}">
+                <a16:creationId xmlns:a16="http://schemas.microsoft.com/office/drawing/2014/main" id="{DAAE4CDD-124C-4DCF-9584-B6033B545DD5}"/>
+              </a:ext>
+              <a:ext uri="{C183D7F6-B498-43B3-948B-1728B52AA6E4}">
+                <adec:decorative xmlns:adec="http://schemas.microsoft.com/office/drawing/2017/decorative" val="1"/>
+              </a:ext>
+            </a:extLst>
+          </p:cNvPr>
+          <p:cNvSpPr>
+            <a:spLocks noGrp="1" noRot="1" noChangeAspect="1" noMove="1" noResize="1" noEditPoints="1" noAdjustHandles="1" noChangeArrowheads="1" noChangeShapeType="1" noTextEdit="1"/>
+          </p:cNvSpPr>
+          <p:nvPr>
+            <p:extLst>
+              <p:ext uri="{386F3935-93C4-4BCD-93E2-E3B085C9AB24}">
+                <p16:designElem xmlns:p16="http://schemas.microsoft.com/office/powerpoint/2015/main" val="1"/>
+              </p:ext>
+            </p:extLst>
+          </p:nvPr>
+        </p:nvSpPr>
+        <p:spPr>
+          <a:xfrm>
+            <a:off x="1" y="0"/>
+            <a:ext cx="4167271" cy="6858000"/>
+          </a:xfrm>
+          <a:custGeom>
+            <a:avLst/>
+            <a:gdLst>
+              <a:gd name="connsiteX0" fmla="*/ 0 w 4167271"/>
+              <a:gd name="connsiteY0" fmla="*/ 0 h 6858000"/>
+              <a:gd name="connsiteX1" fmla="*/ 2259550 w 4167271"/>
+              <a:gd name="connsiteY1" fmla="*/ 0 h 6858000"/>
+              <a:gd name="connsiteX2" fmla="*/ 2387803 w 4167271"/>
+              <a:gd name="connsiteY2" fmla="*/ 82222 h 6858000"/>
+              <a:gd name="connsiteX3" fmla="*/ 4167271 w 4167271"/>
+              <a:gd name="connsiteY3" fmla="*/ 3429000 h 6858000"/>
+              <a:gd name="connsiteX4" fmla="*/ 2387803 w 4167271"/>
+              <a:gd name="connsiteY4" fmla="*/ 6775779 h 6858000"/>
+              <a:gd name="connsiteX5" fmla="*/ 2259550 w 4167271"/>
+              <a:gd name="connsiteY5" fmla="*/ 6858000 h 6858000"/>
+              <a:gd name="connsiteX6" fmla="*/ 0 w 4167271"/>
+              <a:gd name="connsiteY6" fmla="*/ 6858000 h 6858000"/>
+            </a:gdLst>
+            <a:ahLst/>
+            <a:cxnLst>
+              <a:cxn ang="0">
+                <a:pos x="connsiteX0" y="connsiteY0"/>
+              </a:cxn>
+              <a:cxn ang="0">
+                <a:pos x="connsiteX1" y="connsiteY1"/>
+              </a:cxn>
+              <a:cxn ang="0">
+                <a:pos x="connsiteX2" y="connsiteY2"/>
+              </a:cxn>
+              <a:cxn ang="0">
+                <a:pos x="connsiteX3" y="connsiteY3"/>
+              </a:cxn>
+              <a:cxn ang="0">
+                <a:pos x="connsiteX4" y="connsiteY4"/>
+              </a:cxn>
+              <a:cxn ang="0">
+                <a:pos x="connsiteX5" y="connsiteY5"/>
+              </a:cxn>
+              <a:cxn ang="0">
+                <a:pos x="connsiteX6" y="connsiteY6"/>
+              </a:cxn>
+            </a:cxnLst>
+            <a:rect l="l" t="t" r="r" b="b"/>
+            <a:pathLst>
+              <a:path w="4167271" h="6858000">
+                <a:moveTo>
+                  <a:pt x="0" y="0"/>
+                </a:moveTo>
+                <a:lnTo>
+                  <a:pt x="2259550" y="0"/>
+                </a:lnTo>
+                <a:lnTo>
+                  <a:pt x="2387803" y="82222"/>
+                </a:lnTo>
+                <a:cubicBezTo>
+                  <a:pt x="3461407" y="807534"/>
+                  <a:pt x="4167271" y="2035835"/>
+                  <a:pt x="4167271" y="3429000"/>
+                </a:cubicBezTo>
+                <a:cubicBezTo>
+                  <a:pt x="4167271" y="4822165"/>
+                  <a:pt x="3461407" y="6050467"/>
+                  <a:pt x="2387803" y="6775779"/>
+                </a:cubicBezTo>
+                <a:lnTo>
+                  <a:pt x="2259550" y="6858000"/>
+                </a:lnTo>
+                <a:lnTo>
+                  <a:pt x="0" y="6858000"/>
+                </a:lnTo>
+                <a:close/>
+              </a:path>
+            </a:pathLst>
+          </a:custGeom>
+          <a:solidFill>
+            <a:schemeClr val="accent2"/>
+          </a:solidFill>
+          <a:ln>
+            <a:noFill/>
+          </a:ln>
+        </p:spPr>
+        <p:style>
+          <a:lnRef idx="2">
+            <a:schemeClr val="accent1">
+              <a:shade val="50000"/>
+            </a:schemeClr>
+          </a:lnRef>
+          <a:fillRef idx="1">
+            <a:schemeClr val="accent1"/>
+          </a:fillRef>
+          <a:effectRef idx="0">
+            <a:schemeClr val="accent1"/>
+          </a:effectRef>
+          <a:fontRef idx="minor">
+            <a:schemeClr val="lt1"/>
+          </a:fontRef>
+        </p:style>
+        <p:txBody>
+          <a:bodyPr rtlCol="0" anchor="ctr"/>
+          <a:lstStyle/>
+          <a:p>
+            <a:pPr algn="ctr"/>
+            <a:endParaRPr lang="en-US"/>
+          </a:p>
+        </p:txBody>
+      </p:sp>
+      <p:sp>
+        <p:nvSpPr>
+          <p:cNvPr id="2" name="Titre 1">
+            <a:extLst>
+              <a:ext uri="{FF2B5EF4-FFF2-40B4-BE49-F238E27FC236}">
+                <a16:creationId xmlns:a16="http://schemas.microsoft.com/office/drawing/2014/main" id="{FA6A7D49-E4FD-4D37-BC96-E3E4F40B811E}"/>
+              </a:ext>
+            </a:extLst>
+          </p:cNvPr>
+          <p:cNvSpPr>
+            <a:spLocks noGrp="1"/>
+          </p:cNvSpPr>
+          <p:nvPr>
+            <p:ph type="title"/>
+          </p:nvPr>
+        </p:nvSpPr>
+        <p:spPr>
+          <a:xfrm>
+            <a:off x="686834" y="1153572"/>
+            <a:ext cx="3200400" cy="4461163"/>
+          </a:xfrm>
+        </p:spPr>
+        <p:txBody>
+          <a:bodyPr>
+            <a:normAutofit/>
+          </a:bodyPr>
+          <a:lstStyle/>
+          <a:p>
+            <a:r>
+              <a:rPr lang="fr-FR" sz="3200" dirty="0">
+                <a:solidFill>
+                  <a:srgbClr val="FFFFFF"/>
+                </a:solidFill>
+              </a:rPr>
+              <a:t>NORMALIZATION</a:t>
+            </a:r>
+          </a:p>
+        </p:txBody>
+      </p:sp>
+      <p:sp>
+        <p:nvSpPr>
+          <p:cNvPr id="12" name="Arc 11">
+            <a:extLst>
+              <a:ext uri="{FF2B5EF4-FFF2-40B4-BE49-F238E27FC236}">
+                <a16:creationId xmlns:a16="http://schemas.microsoft.com/office/drawing/2014/main" id="{081E4A58-353D-44AE-B2FC-2A74E2E400F7}"/>
+              </a:ext>
+              <a:ext uri="{C183D7F6-B498-43B3-948B-1728B52AA6E4}">
+                <adec:decorative xmlns:adec="http://schemas.microsoft.com/office/drawing/2017/decorative" val="1"/>
+              </a:ext>
+            </a:extLst>
+          </p:cNvPr>
+          <p:cNvSpPr>
+            <a:spLocks noGrp="1" noRot="1" noChangeAspect="1" noMove="1" noResize="1" noEditPoints="1" noAdjustHandles="1" noChangeArrowheads="1" noChangeShapeType="1" noTextEdit="1"/>
+          </p:cNvSpPr>
+          <p:nvPr>
+            <p:extLst>
+              <p:ext uri="{386F3935-93C4-4BCD-93E2-E3B085C9AB24}">
+                <p16:designElem xmlns:p16="http://schemas.microsoft.com/office/powerpoint/2015/main" val="1"/>
+              </p:ext>
+            </p:extLst>
+          </p:nvPr>
+        </p:nvSpPr>
+        <p:spPr>
+          <a:xfrm flipV="1">
+            <a:off x="7550402" y="2455479"/>
+            <a:ext cx="4083433" cy="4083433"/>
+          </a:xfrm>
+          <a:prstGeom prst="arc">
+            <a:avLst/>
+          </a:prstGeom>
+          <a:ln w="127000" cap="rnd">
+            <a:solidFill>
+              <a:schemeClr val="accent4"/>
+            </a:solidFill>
+            <a:prstDash val="dash"/>
+          </a:ln>
+        </p:spPr>
+        <p:style>
+          <a:lnRef idx="1">
+            <a:schemeClr val="accent1"/>
+          </a:lnRef>
+          <a:fillRef idx="0">
+            <a:schemeClr val="accent1"/>
+          </a:fillRef>
+          <a:effectRef idx="0">
+            <a:schemeClr val="accent1"/>
+          </a:effectRef>
+          <a:fontRef idx="minor">
+            <a:schemeClr val="tx1"/>
+          </a:fontRef>
+        </p:style>
+        <p:txBody>
+          <a:bodyPr rtlCol="0" anchor="ctr"/>
+          <a:lstStyle/>
+          <a:p>
+            <a:pPr algn="ctr"/>
+            <a:endParaRPr lang="en-US" dirty="0"/>
+          </a:p>
+        </p:txBody>
+      </p:sp>
+      <p:sp>
+        <p:nvSpPr>
+          <p:cNvPr id="3" name="Espace réservé du contenu 2">
+            <a:extLst>
+              <a:ext uri="{FF2B5EF4-FFF2-40B4-BE49-F238E27FC236}">
+                <a16:creationId xmlns:a16="http://schemas.microsoft.com/office/drawing/2014/main" id="{2A620A12-F88D-4D39-881D-281A172B7209}"/>
+              </a:ext>
+            </a:extLst>
+          </p:cNvPr>
+          <p:cNvSpPr>
+            <a:spLocks noGrp="1"/>
+          </p:cNvSpPr>
+          <p:nvPr>
+            <p:ph idx="1"/>
+          </p:nvPr>
+        </p:nvSpPr>
+        <p:spPr>
+          <a:xfrm>
+            <a:off x="4447308" y="591344"/>
+            <a:ext cx="6906491" cy="5585619"/>
+          </a:xfrm>
+        </p:spPr>
+        <p:txBody>
+          <a:bodyPr anchor="ctr">
+            <a:normAutofit/>
+          </a:bodyPr>
+          <a:lstStyle/>
+          <a:p>
+            <a:endParaRPr lang="fr-FR" dirty="0"/>
           </a:p>
         </p:txBody>
       </p:sp>
     </p:spTree>
     <p:extLst>
       <p:ext uri="{BB962C8B-B14F-4D97-AF65-F5344CB8AC3E}">
-        <p14:creationId xmlns:p14="http://schemas.microsoft.com/office/powerpoint/2010/main" val="478301727"/>
+        <p14:creationId xmlns:p14="http://schemas.microsoft.com/office/powerpoint/2010/main" val="3626389085"/>
       </p:ext>
     </p:extLst>
   </p:cSld>
@@ -4299,7 +10303,7 @@
 <file path=ppt/theme/theme1.xml><?xml version="1.0" encoding="utf-8"?>
 <a:theme xmlns:a="http://schemas.openxmlformats.org/drawingml/2006/main" name="Office Theme">
   <a:themeElements>
-    <a:clrScheme name="Office">
+    <a:clrScheme name="Bleu II">
       <a:dk1>
         <a:sysClr val="windowText" lastClr="000000"/>
       </a:dk1>
@@ -4307,37 +10311,37 @@
         <a:sysClr val="window" lastClr="FFFFFF"/>
       </a:lt1>
       <a:dk2>
-        <a:srgbClr val="44546A"/>
+        <a:srgbClr val="335B74"/>
       </a:dk2>
       <a:lt2>
-        <a:srgbClr val="E7E6E6"/>
+        <a:srgbClr val="DFE3E5"/>
       </a:lt2>
       <a:accent1>
-        <a:srgbClr val="4472C4"/>
+        <a:srgbClr val="1CADE4"/>
       </a:accent1>
       <a:accent2>
-        <a:srgbClr val="ED7D31"/>
+        <a:srgbClr val="2683C6"/>
       </a:accent2>
       <a:accent3>
-        <a:srgbClr val="A5A5A5"/>
+        <a:srgbClr val="27CED7"/>
       </a:accent3>
       <a:accent4>
-        <a:srgbClr val="FFC000"/>
+        <a:srgbClr val="42BA97"/>
       </a:accent4>
       <a:accent5>
-        <a:srgbClr val="5B9BD5"/>
+        <a:srgbClr val="3E8853"/>
       </a:accent5>
       <a:accent6>
-        <a:srgbClr val="70AD47"/>
+        <a:srgbClr val="62A39F"/>
       </a:accent6>
       <a:hlink>
-        <a:srgbClr val="0563C1"/>
+        <a:srgbClr val="6EAC1C"/>
       </a:hlink>
       <a:folHlink>
-        <a:srgbClr val="954F72"/>
+        <a:srgbClr val="B26B02"/>
       </a:folHlink>
     </a:clrScheme>
-    <a:fontScheme name="Office">
+    <a:fontScheme name="Thème Office">
       <a:majorFont>
         <a:latin typeface="Calibri Light" panose="020F0302020204030204"/>
         <a:ea typeface=""/>
@@ -4372,23 +10376,6 @@
         <a:font script="Viet" typeface="Times New Roman"/>
         <a:font script="Uigh" typeface="Microsoft Uighur"/>
         <a:font script="Geor" typeface="Sylfaen"/>
-        <a:font script="Armn" typeface="Arial"/>
-        <a:font script="Bugi" typeface="Leelawadee UI"/>
-        <a:font script="Bopo" typeface="Microsoft JhengHei"/>
-        <a:font script="Java" typeface="Javanese Text"/>
-        <a:font script="Lisu" typeface="Segoe UI"/>
-        <a:font script="Mymr" typeface="Myanmar Text"/>
-        <a:font script="Nkoo" typeface="Ebrima"/>
-        <a:font script="Olck" typeface="Nirmala UI"/>
-        <a:font script="Osma" typeface="Ebrima"/>
-        <a:font script="Phag" typeface="Phagspa"/>
-        <a:font script="Syrn" typeface="Estrangelo Edessa"/>
-        <a:font script="Syrj" typeface="Estrangelo Edessa"/>
-        <a:font script="Syre" typeface="Estrangelo Edessa"/>
-        <a:font script="Sora" typeface="Nirmala UI"/>
-        <a:font script="Tale" typeface="Microsoft Tai Le"/>
-        <a:font script="Talu" typeface="Microsoft New Tai Lue"/>
-        <a:font script="Tfng" typeface="Ebrima"/>
       </a:majorFont>
       <a:minorFont>
         <a:latin typeface="Calibri" panose="020F0502020204030204"/>
@@ -4424,26 +10411,9 @@
         <a:font script="Viet" typeface="Arial"/>
         <a:font script="Uigh" typeface="Microsoft Uighur"/>
         <a:font script="Geor" typeface="Sylfaen"/>
-        <a:font script="Armn" typeface="Arial"/>
-        <a:font script="Bugi" typeface="Leelawadee UI"/>
-        <a:font script="Bopo" typeface="Microsoft JhengHei"/>
-        <a:font script="Java" typeface="Javanese Text"/>
-        <a:font script="Lisu" typeface="Segoe UI"/>
-        <a:font script="Mymr" typeface="Myanmar Text"/>
-        <a:font script="Nkoo" typeface="Ebrima"/>
-        <a:font script="Olck" typeface="Nirmala UI"/>
-        <a:font script="Osma" typeface="Ebrima"/>
-        <a:font script="Phag" typeface="Phagspa"/>
-        <a:font script="Syrn" typeface="Estrangelo Edessa"/>
-        <a:font script="Syrj" typeface="Estrangelo Edessa"/>
-        <a:font script="Syre" typeface="Estrangelo Edessa"/>
-        <a:font script="Sora" typeface="Nirmala UI"/>
-        <a:font script="Tale" typeface="Microsoft Tai Le"/>
-        <a:font script="Talu" typeface="Microsoft New Tai Lue"/>
-        <a:font script="Tfng" typeface="Ebrima"/>
       </a:minorFont>
     </a:fontScheme>
-    <a:fmtScheme name="Office">
+    <a:fmtScheme name="Thème Office">
       <a:fillStyleLst>
         <a:solidFill>
           <a:schemeClr val="phClr"/>
@@ -4585,7 +10555,7 @@
   <a:extraClrSchemeLst/>
   <a:extLst>
     <a:ext uri="{05A4C25C-085E-4340-85A3-A5531E510DB2}">
-      <thm15:themeFamily xmlns:thm15="http://schemas.microsoft.com/office/thememl/2012/main" name="Office Theme" id="{62F939B6-93AF-4DB8-9C6B-D6C7DFDC589F}" vid="{4A3C46E8-61CC-4603-A589-7422A47A8E4A}"/>
+      <thm15:themeFamily xmlns:thm15="http://schemas.microsoft.com/office/thememl/2012/main" name="Office Theme" id="{62F939B6-93AF-4DB8-9C6B-D6C7DFDC589F}" vid="{AE6F2518-B084-4896-AF52-66CC2144AA26}"/>
     </a:ext>
   </a:extLst>
 </a:theme>
